--- a/设计文档/智能电力测试系统软件设计.pptx
+++ b/设计文档/智能电力测试系统软件设计.pptx
@@ -11,6 +11,10 @@
     <p:sldId id="258" r:id="rId5"/>
     <p:sldId id="259" r:id="rId6"/>
     <p:sldId id="260" r:id="rId7"/>
+    <p:sldId id="262" r:id="rId8"/>
+    <p:sldId id="263" r:id="rId9"/>
+    <p:sldId id="264" r:id="rId10"/>
+    <p:sldId id="265" r:id="rId11"/>
   </p:sldIdLst>
   <p:sldSz cx="9144000" cy="6858000" type="screen4x3"/>
   <p:notesSz cx="6858000" cy="9144000"/>
@@ -3166,6 +3170,81 @@
 </p:sld>
 </file>
 
+<file path=ppt/slides/slide10.xml><?xml version="1.0" encoding="utf-8"?>
+<p:sld xmlns:a="http://schemas.openxmlformats.org/drawingml/2006/main" xmlns:r="http://schemas.openxmlformats.org/officeDocument/2006/relationships" xmlns:p="http://schemas.openxmlformats.org/presentationml/2006/main">
+  <p:cSld>
+    <p:spTree>
+      <p:nvGrpSpPr>
+        <p:cNvPr id="1" name=""/>
+        <p:cNvGrpSpPr/>
+        <p:nvPr/>
+      </p:nvGrpSpPr>
+      <p:grpSpPr>
+        <a:xfrm>
+          <a:off x="0" y="0"/>
+          <a:ext cx="0" cy="0"/>
+          <a:chOff x="0" y="0"/>
+          <a:chExt cx="0" cy="0"/>
+        </a:xfrm>
+      </p:grpSpPr>
+      <p:sp>
+        <p:nvSpPr>
+          <p:cNvPr id="2" name="标题 1"/>
+          <p:cNvSpPr>
+            <a:spLocks noGrp="1"/>
+          </p:cNvSpPr>
+          <p:nvPr>
+            <p:ph type="title"/>
+          </p:nvPr>
+        </p:nvSpPr>
+        <p:spPr/>
+        <p:txBody>
+          <a:bodyPr/>
+          <a:lstStyle/>
+          <a:p>
+            <a:endParaRPr lang="zh-CN" altLang="en-US"/>
+          </a:p>
+        </p:txBody>
+      </p:sp>
+      <p:sp>
+        <p:nvSpPr>
+          <p:cNvPr id="3" name="内容占位符 2"/>
+          <p:cNvSpPr>
+            <a:spLocks noGrp="1"/>
+          </p:cNvSpPr>
+          <p:nvPr>
+            <p:ph idx="1"/>
+          </p:nvPr>
+        </p:nvSpPr>
+        <p:spPr/>
+        <p:txBody>
+          <a:bodyPr/>
+          <a:lstStyle/>
+          <a:p>
+            <a:endParaRPr lang="zh-CN" altLang="en-US"/>
+          </a:p>
+        </p:txBody>
+      </p:sp>
+    </p:spTree>
+    <p:extLst>
+      <p:ext uri="{BB962C8B-B14F-4D97-AF65-F5344CB8AC3E}">
+        <p14:creationId xmlns:p14="http://schemas.microsoft.com/office/powerpoint/2010/main" val="24113830"/>
+      </p:ext>
+    </p:extLst>
+  </p:cSld>
+  <p:clrMapOvr>
+    <a:masterClrMapping/>
+  </p:clrMapOvr>
+  <p:timing>
+    <p:tnLst>
+      <p:par>
+        <p:cTn id="1" dur="indefinite" restart="never" nodeType="tmRoot"/>
+      </p:par>
+    </p:tnLst>
+  </p:timing>
+</p:sld>
+</file>
+
 <file path=ppt/slides/slide2.xml><?xml version="1.0" encoding="utf-8"?>
 <p:sld xmlns:a="http://schemas.openxmlformats.org/drawingml/2006/main" xmlns:r="http://schemas.openxmlformats.org/officeDocument/2006/relationships" xmlns:p="http://schemas.openxmlformats.org/presentationml/2006/main">
   <p:cSld>
@@ -3229,70 +3308,63 @@
           </a:p>
         </p:txBody>
       </p:sp>
-      <p:pic>
-        <p:nvPicPr>
-          <p:cNvPr id="1026" name="Picture 2"/>
-          <p:cNvPicPr>
-            <a:picLocks noChangeAspect="1" noChangeArrowheads="1"/>
-          </p:cNvPicPr>
-          <p:nvPr/>
-        </p:nvPicPr>
-        <p:blipFill>
-          <a:blip r:embed="rId2" cstate="print">
-            <a:extLst>
-              <a:ext uri="{28A0092B-C50C-407E-A947-70E740481C1C}">
-                <a14:useLocalDpi xmlns:a14="http://schemas.microsoft.com/office/drawing/2010/main" val="0"/>
-              </a:ext>
-            </a:extLst>
-          </a:blip>
-          <a:srcRect/>
-          <a:stretch>
-            <a:fillRect/>
-          </a:stretch>
-        </p:blipFill>
-        <p:spPr bwMode="auto">
-          <a:xfrm>
-            <a:off x="4067944" y="1408646"/>
-            <a:ext cx="4834082" cy="4972681"/>
-          </a:xfrm>
-          <a:prstGeom prst="rect">
-            <a:avLst/>
-          </a:prstGeom>
-          <a:noFill/>
-          <a:ln>
-            <a:noFill/>
-          </a:ln>
-          <a:effectLst/>
-          <a:extLst>
-            <a:ext uri="{909E8E84-426E-40DD-AFC4-6F175D3DCCD1}">
-              <a14:hiddenFill xmlns:a14="http://schemas.microsoft.com/office/drawing/2010/main">
-                <a:solidFill>
-                  <a:schemeClr val="accent1"/>
-                </a:solidFill>
-              </a14:hiddenFill>
-            </a:ext>
-            <a:ext uri="{91240B29-F687-4F45-9708-019B960494DF}">
-              <a14:hiddenLine xmlns:a14="http://schemas.microsoft.com/office/drawing/2010/main" w="9525">
-                <a:solidFill>
-                  <a:schemeClr val="tx1"/>
-                </a:solidFill>
-                <a:miter lim="800000"/>
-                <a:headEnd/>
-                <a:tailEnd/>
-              </a14:hiddenLine>
-            </a:ext>
-            <a:ext uri="{AF507438-7753-43E0-B8FC-AC1667EBCBE1}">
-              <a14:hiddenEffects xmlns:a14="http://schemas.microsoft.com/office/drawing/2010/main">
-                <a:effectLst>
-                  <a:outerShdw dist="35921" dir="2700000" algn="ctr" rotWithShape="0">
-                    <a:schemeClr val="bg2"/>
-                  </a:outerShdw>
-                </a:effectLst>
-              </a14:hiddenEffects>
-            </a:ext>
-          </a:extLst>
-        </p:spPr>
-      </p:pic>
+      <p:graphicFrame>
+        <p:nvGraphicFramePr>
+          <p:cNvPr id="4" name="对象 3"/>
+          <p:cNvGraphicFramePr>
+            <a:graphicFrameLocks noChangeAspect="1"/>
+          </p:cNvGraphicFramePr>
+          <p:nvPr>
+            <p:extLst>
+              <p:ext uri="{D42A27DB-BD31-4B8C-83A1-F6EECF244321}">
+                <p14:modId xmlns:p14="http://schemas.microsoft.com/office/powerpoint/2010/main" val="540877586"/>
+              </p:ext>
+            </p:extLst>
+          </p:nvPr>
+        </p:nvGraphicFramePr>
+        <p:xfrm>
+          <a:off x="3923928" y="2132856"/>
+          <a:ext cx="3982354" cy="3338290"/>
+        </p:xfrm>
+        <a:graphic>
+          <a:graphicData uri="http://schemas.openxmlformats.org/presentationml/2006/ole">
+            <mc:AlternateContent xmlns:mc="http://schemas.openxmlformats.org/markup-compatibility/2006">
+              <mc:Choice xmlns:v="urn:schemas-microsoft-com:vml" Requires="v">
+                <p:oleObj spid="_x0000_s1028" name="Visio" r:id="rId3" imgW="6645240" imgH="5571047" progId="Visio.Drawing.11">
+                  <p:embed/>
+                </p:oleObj>
+              </mc:Choice>
+              <mc:Fallback>
+                <p:oleObj name="Visio" r:id="rId3" imgW="6645240" imgH="5571047" progId="Visio.Drawing.11">
+                  <p:embed/>
+                  <p:pic>
+                    <p:nvPicPr>
+                      <p:cNvPr id="0" name=""/>
+                      <p:cNvPicPr/>
+                      <p:nvPr/>
+                    </p:nvPicPr>
+                    <p:blipFill>
+                      <a:blip r:embed="rId4"/>
+                      <a:stretch>
+                        <a:fillRect/>
+                      </a:stretch>
+                    </p:blipFill>
+                    <p:spPr>
+                      <a:xfrm>
+                        <a:off x="3923928" y="2132856"/>
+                        <a:ext cx="3982354" cy="3338290"/>
+                      </a:xfrm>
+                      <a:prstGeom prst="rect">
+                        <a:avLst/>
+                      </a:prstGeom>
+                    </p:spPr>
+                  </p:pic>
+                </p:oleObj>
+              </mc:Fallback>
+            </mc:AlternateContent>
+          </a:graphicData>
+        </a:graphic>
+      </p:graphicFrame>
     </p:spTree>
     <p:extLst>
       <p:ext uri="{BB962C8B-B14F-4D97-AF65-F5344CB8AC3E}">
@@ -3642,6 +3714,272 @@
     <p:extLst>
       <p:ext uri="{BB962C8B-B14F-4D97-AF65-F5344CB8AC3E}">
         <p14:creationId xmlns:p14="http://schemas.microsoft.com/office/powerpoint/2010/main" val="2678567605"/>
+      </p:ext>
+    </p:extLst>
+  </p:cSld>
+  <p:clrMapOvr>
+    <a:masterClrMapping/>
+  </p:clrMapOvr>
+  <p:timing>
+    <p:tnLst>
+      <p:par>
+        <p:cTn id="1" dur="indefinite" restart="never" nodeType="tmRoot"/>
+      </p:par>
+    </p:tnLst>
+  </p:timing>
+</p:sld>
+</file>
+
+<file path=ppt/slides/slide7.xml><?xml version="1.0" encoding="utf-8"?>
+<p:sld xmlns:a="http://schemas.openxmlformats.org/drawingml/2006/main" xmlns:r="http://schemas.openxmlformats.org/officeDocument/2006/relationships" xmlns:p="http://schemas.openxmlformats.org/presentationml/2006/main">
+  <p:cSld>
+    <p:spTree>
+      <p:nvGrpSpPr>
+        <p:cNvPr id="1" name=""/>
+        <p:cNvGrpSpPr/>
+        <p:nvPr/>
+      </p:nvGrpSpPr>
+      <p:grpSpPr>
+        <a:xfrm>
+          <a:off x="0" y="0"/>
+          <a:ext cx="0" cy="0"/>
+          <a:chOff x="0" y="0"/>
+          <a:chExt cx="0" cy="0"/>
+        </a:xfrm>
+      </p:grpSpPr>
+      <p:sp>
+        <p:nvSpPr>
+          <p:cNvPr id="2" name="标题 1"/>
+          <p:cNvSpPr>
+            <a:spLocks noGrp="1"/>
+          </p:cNvSpPr>
+          <p:nvPr>
+            <p:ph type="title"/>
+          </p:nvPr>
+        </p:nvSpPr>
+        <p:spPr/>
+        <p:txBody>
+          <a:bodyPr/>
+          <a:lstStyle/>
+          <a:p>
+            <a:endParaRPr lang="zh-CN" altLang="en-US"/>
+          </a:p>
+        </p:txBody>
+      </p:sp>
+      <p:sp>
+        <p:nvSpPr>
+          <p:cNvPr id="3" name="内容占位符 2"/>
+          <p:cNvSpPr>
+            <a:spLocks noGrp="1"/>
+          </p:cNvSpPr>
+          <p:nvPr>
+            <p:ph idx="1"/>
+          </p:nvPr>
+        </p:nvSpPr>
+        <p:spPr/>
+        <p:txBody>
+          <a:bodyPr/>
+          <a:lstStyle/>
+          <a:p>
+            <a:endParaRPr lang="zh-CN" altLang="en-US"/>
+          </a:p>
+        </p:txBody>
+      </p:sp>
+      <p:pic>
+        <p:nvPicPr>
+          <p:cNvPr id="2050" name="Picture 2" descr="http://bestitdocuments.com/wp-blog/wp-content/uploads/2012/05/Perception.jpg"/>
+          <p:cNvPicPr>
+            <a:picLocks noChangeAspect="1" noChangeArrowheads="1"/>
+          </p:cNvPicPr>
+          <p:nvPr/>
+        </p:nvPicPr>
+        <p:blipFill>
+          <a:blip r:embed="rId2">
+            <a:extLst>
+              <a:ext uri="{28A0092B-C50C-407E-A947-70E740481C1C}">
+                <a14:useLocalDpi xmlns:a14="http://schemas.microsoft.com/office/drawing/2010/main" val="0"/>
+              </a:ext>
+            </a:extLst>
+          </a:blip>
+          <a:srcRect/>
+          <a:stretch>
+            <a:fillRect/>
+          </a:stretch>
+        </p:blipFill>
+        <p:spPr bwMode="auto">
+          <a:xfrm>
+            <a:off x="1619672" y="1772816"/>
+            <a:ext cx="5857332" cy="4366108"/>
+          </a:xfrm>
+          <a:prstGeom prst="rect">
+            <a:avLst/>
+          </a:prstGeom>
+          <a:noFill/>
+          <a:extLst>
+            <a:ext uri="{909E8E84-426E-40DD-AFC4-6F175D3DCCD1}">
+              <a14:hiddenFill xmlns:a14="http://schemas.microsoft.com/office/drawing/2010/main">
+                <a:solidFill>
+                  <a:srgbClr val="FFFFFF"/>
+                </a:solidFill>
+              </a14:hiddenFill>
+            </a:ext>
+          </a:extLst>
+        </p:spPr>
+      </p:pic>
+    </p:spTree>
+    <p:extLst>
+      <p:ext uri="{BB962C8B-B14F-4D97-AF65-F5344CB8AC3E}">
+        <p14:creationId xmlns:p14="http://schemas.microsoft.com/office/powerpoint/2010/main" val="860074473"/>
+      </p:ext>
+    </p:extLst>
+  </p:cSld>
+  <p:clrMapOvr>
+    <a:masterClrMapping/>
+  </p:clrMapOvr>
+  <p:timing>
+    <p:tnLst>
+      <p:par>
+        <p:cTn id="1" dur="indefinite" restart="never" nodeType="tmRoot"/>
+      </p:par>
+    </p:tnLst>
+  </p:timing>
+</p:sld>
+</file>
+
+<file path=ppt/slides/slide8.xml><?xml version="1.0" encoding="utf-8"?>
+<p:sld xmlns:a="http://schemas.openxmlformats.org/drawingml/2006/main" xmlns:r="http://schemas.openxmlformats.org/officeDocument/2006/relationships" xmlns:p="http://schemas.openxmlformats.org/presentationml/2006/main">
+  <p:cSld>
+    <p:spTree>
+      <p:nvGrpSpPr>
+        <p:cNvPr id="1" name=""/>
+        <p:cNvGrpSpPr/>
+        <p:nvPr/>
+      </p:nvGrpSpPr>
+      <p:grpSpPr>
+        <a:xfrm>
+          <a:off x="0" y="0"/>
+          <a:ext cx="0" cy="0"/>
+          <a:chOff x="0" y="0"/>
+          <a:chExt cx="0" cy="0"/>
+        </a:xfrm>
+      </p:grpSpPr>
+      <p:sp>
+        <p:nvSpPr>
+          <p:cNvPr id="2" name="标题 1"/>
+          <p:cNvSpPr>
+            <a:spLocks noGrp="1"/>
+          </p:cNvSpPr>
+          <p:nvPr>
+            <p:ph type="title"/>
+          </p:nvPr>
+        </p:nvSpPr>
+        <p:spPr/>
+        <p:txBody>
+          <a:bodyPr/>
+          <a:lstStyle/>
+          <a:p>
+            <a:endParaRPr lang="zh-CN" altLang="en-US"/>
+          </a:p>
+        </p:txBody>
+      </p:sp>
+      <p:sp>
+        <p:nvSpPr>
+          <p:cNvPr id="3" name="内容占位符 2"/>
+          <p:cNvSpPr>
+            <a:spLocks noGrp="1"/>
+          </p:cNvSpPr>
+          <p:nvPr>
+            <p:ph idx="1"/>
+          </p:nvPr>
+        </p:nvSpPr>
+        <p:spPr/>
+        <p:txBody>
+          <a:bodyPr/>
+          <a:lstStyle/>
+          <a:p>
+            <a:endParaRPr lang="zh-CN" altLang="en-US"/>
+          </a:p>
+        </p:txBody>
+      </p:sp>
+    </p:spTree>
+    <p:extLst>
+      <p:ext uri="{BB962C8B-B14F-4D97-AF65-F5344CB8AC3E}">
+        <p14:creationId xmlns:p14="http://schemas.microsoft.com/office/powerpoint/2010/main" val="3524613272"/>
+      </p:ext>
+    </p:extLst>
+  </p:cSld>
+  <p:clrMapOvr>
+    <a:masterClrMapping/>
+  </p:clrMapOvr>
+  <p:timing>
+    <p:tnLst>
+      <p:par>
+        <p:cTn id="1" dur="indefinite" restart="never" nodeType="tmRoot"/>
+      </p:par>
+    </p:tnLst>
+  </p:timing>
+</p:sld>
+</file>
+
+<file path=ppt/slides/slide9.xml><?xml version="1.0" encoding="utf-8"?>
+<p:sld xmlns:a="http://schemas.openxmlformats.org/drawingml/2006/main" xmlns:r="http://schemas.openxmlformats.org/officeDocument/2006/relationships" xmlns:p="http://schemas.openxmlformats.org/presentationml/2006/main">
+  <p:cSld>
+    <p:spTree>
+      <p:nvGrpSpPr>
+        <p:cNvPr id="1" name=""/>
+        <p:cNvGrpSpPr/>
+        <p:nvPr/>
+      </p:nvGrpSpPr>
+      <p:grpSpPr>
+        <a:xfrm>
+          <a:off x="0" y="0"/>
+          <a:ext cx="0" cy="0"/>
+          <a:chOff x="0" y="0"/>
+          <a:chExt cx="0" cy="0"/>
+        </a:xfrm>
+      </p:grpSpPr>
+      <p:sp>
+        <p:nvSpPr>
+          <p:cNvPr id="2" name="标题 1"/>
+          <p:cNvSpPr>
+            <a:spLocks noGrp="1"/>
+          </p:cNvSpPr>
+          <p:nvPr>
+            <p:ph type="title"/>
+          </p:nvPr>
+        </p:nvSpPr>
+        <p:spPr/>
+        <p:txBody>
+          <a:bodyPr/>
+          <a:lstStyle/>
+          <a:p>
+            <a:endParaRPr lang="zh-CN" altLang="en-US"/>
+          </a:p>
+        </p:txBody>
+      </p:sp>
+      <p:sp>
+        <p:nvSpPr>
+          <p:cNvPr id="3" name="内容占位符 2"/>
+          <p:cNvSpPr>
+            <a:spLocks noGrp="1"/>
+          </p:cNvSpPr>
+          <p:nvPr>
+            <p:ph idx="1"/>
+          </p:nvPr>
+        </p:nvSpPr>
+        <p:spPr/>
+        <p:txBody>
+          <a:bodyPr/>
+          <a:lstStyle/>
+          <a:p>
+            <a:endParaRPr lang="zh-CN" altLang="en-US"/>
+          </a:p>
+        </p:txBody>
+      </p:sp>
+    </p:spTree>
+    <p:extLst>
+      <p:ext uri="{BB962C8B-B14F-4D97-AF65-F5344CB8AC3E}">
+        <p14:creationId xmlns:p14="http://schemas.microsoft.com/office/powerpoint/2010/main" val="2824276370"/>
       </p:ext>
     </p:extLst>
   </p:cSld>

--- a/设计文档/智能电力测试系统软件设计.pptx
+++ b/设计文档/智能电力测试系统软件设计.pptx
@@ -7,14 +7,26 @@
   <p:sldIdLst>
     <p:sldId id="256" r:id="rId2"/>
     <p:sldId id="257" r:id="rId3"/>
-    <p:sldId id="261" r:id="rId4"/>
-    <p:sldId id="258" r:id="rId5"/>
-    <p:sldId id="259" r:id="rId6"/>
-    <p:sldId id="260" r:id="rId7"/>
-    <p:sldId id="262" r:id="rId8"/>
-    <p:sldId id="263" r:id="rId9"/>
-    <p:sldId id="264" r:id="rId10"/>
-    <p:sldId id="265" r:id="rId11"/>
+    <p:sldId id="269" r:id="rId4"/>
+    <p:sldId id="261" r:id="rId5"/>
+    <p:sldId id="258" r:id="rId6"/>
+    <p:sldId id="275" r:id="rId7"/>
+    <p:sldId id="276" r:id="rId8"/>
+    <p:sldId id="277" r:id="rId9"/>
+    <p:sldId id="278" r:id="rId10"/>
+    <p:sldId id="279" r:id="rId11"/>
+    <p:sldId id="280" r:id="rId12"/>
+    <p:sldId id="260" r:id="rId13"/>
+    <p:sldId id="266" r:id="rId14"/>
+    <p:sldId id="267" r:id="rId15"/>
+    <p:sldId id="283" r:id="rId16"/>
+    <p:sldId id="268" r:id="rId17"/>
+    <p:sldId id="273" r:id="rId18"/>
+    <p:sldId id="274" r:id="rId19"/>
+    <p:sldId id="281" r:id="rId20"/>
+    <p:sldId id="282" r:id="rId21"/>
+    <p:sldId id="284" r:id="rId22"/>
+    <p:sldId id="262" r:id="rId23"/>
   </p:sldIdLst>
   <p:sldSz cx="9144000" cy="6858000" type="screen4x3"/>
   <p:notesSz cx="6858000" cy="9144000"/>
@@ -297,7 +309,7 @@
           <a:p>
             <a:fld id="{E5597832-151A-49D8-9558-88424A6B8A4E}" type="datetimeFigureOut">
               <a:rPr lang="zh-CN" altLang="en-US" smtClean="0"/>
-              <a:t>2012/11/12</a:t>
+              <a:t>2012/11/17</a:t>
             </a:fld>
             <a:endParaRPr lang="zh-CN" altLang="en-US"/>
           </a:p>
@@ -467,7 +479,7 @@
           <a:p>
             <a:fld id="{E5597832-151A-49D8-9558-88424A6B8A4E}" type="datetimeFigureOut">
               <a:rPr lang="zh-CN" altLang="en-US" smtClean="0"/>
-              <a:t>2012/11/12</a:t>
+              <a:t>2012/11/17</a:t>
             </a:fld>
             <a:endParaRPr lang="zh-CN" altLang="en-US"/>
           </a:p>
@@ -647,7 +659,7 @@
           <a:p>
             <a:fld id="{E5597832-151A-49D8-9558-88424A6B8A4E}" type="datetimeFigureOut">
               <a:rPr lang="zh-CN" altLang="en-US" smtClean="0"/>
-              <a:t>2012/11/12</a:t>
+              <a:t>2012/11/17</a:t>
             </a:fld>
             <a:endParaRPr lang="zh-CN" altLang="en-US"/>
           </a:p>
@@ -817,7 +829,7 @@
           <a:p>
             <a:fld id="{E5597832-151A-49D8-9558-88424A6B8A4E}" type="datetimeFigureOut">
               <a:rPr lang="zh-CN" altLang="en-US" smtClean="0"/>
-              <a:t>2012/11/12</a:t>
+              <a:t>2012/11/17</a:t>
             </a:fld>
             <a:endParaRPr lang="zh-CN" altLang="en-US"/>
           </a:p>
@@ -1063,7 +1075,7 @@
           <a:p>
             <a:fld id="{E5597832-151A-49D8-9558-88424A6B8A4E}" type="datetimeFigureOut">
               <a:rPr lang="zh-CN" altLang="en-US" smtClean="0"/>
-              <a:t>2012/11/12</a:t>
+              <a:t>2012/11/17</a:t>
             </a:fld>
             <a:endParaRPr lang="zh-CN" altLang="en-US"/>
           </a:p>
@@ -1351,7 +1363,7 @@
           <a:p>
             <a:fld id="{E5597832-151A-49D8-9558-88424A6B8A4E}" type="datetimeFigureOut">
               <a:rPr lang="zh-CN" altLang="en-US" smtClean="0"/>
-              <a:t>2012/11/12</a:t>
+              <a:t>2012/11/17</a:t>
             </a:fld>
             <a:endParaRPr lang="zh-CN" altLang="en-US"/>
           </a:p>
@@ -1773,7 +1785,7 @@
           <a:p>
             <a:fld id="{E5597832-151A-49D8-9558-88424A6B8A4E}" type="datetimeFigureOut">
               <a:rPr lang="zh-CN" altLang="en-US" smtClean="0"/>
-              <a:t>2012/11/12</a:t>
+              <a:t>2012/11/17</a:t>
             </a:fld>
             <a:endParaRPr lang="zh-CN" altLang="en-US"/>
           </a:p>
@@ -1891,7 +1903,7 @@
           <a:p>
             <a:fld id="{E5597832-151A-49D8-9558-88424A6B8A4E}" type="datetimeFigureOut">
               <a:rPr lang="zh-CN" altLang="en-US" smtClean="0"/>
-              <a:t>2012/11/12</a:t>
+              <a:t>2012/11/17</a:t>
             </a:fld>
             <a:endParaRPr lang="zh-CN" altLang="en-US"/>
           </a:p>
@@ -1986,7 +1998,7 @@
           <a:p>
             <a:fld id="{E5597832-151A-49D8-9558-88424A6B8A4E}" type="datetimeFigureOut">
               <a:rPr lang="zh-CN" altLang="en-US" smtClean="0"/>
-              <a:t>2012/11/12</a:t>
+              <a:t>2012/11/17</a:t>
             </a:fld>
             <a:endParaRPr lang="zh-CN" altLang="en-US"/>
           </a:p>
@@ -2263,7 +2275,7 @@
           <a:p>
             <a:fld id="{E5597832-151A-49D8-9558-88424A6B8A4E}" type="datetimeFigureOut">
               <a:rPr lang="zh-CN" altLang="en-US" smtClean="0"/>
-              <a:t>2012/11/12</a:t>
+              <a:t>2012/11/17</a:t>
             </a:fld>
             <a:endParaRPr lang="zh-CN" altLang="en-US"/>
           </a:p>
@@ -2516,7 +2528,7 @@
           <a:p>
             <a:fld id="{E5597832-151A-49D8-9558-88424A6B8A4E}" type="datetimeFigureOut">
               <a:rPr lang="zh-CN" altLang="en-US" smtClean="0"/>
-              <a:t>2012/11/12</a:t>
+              <a:t>2012/11/17</a:t>
             </a:fld>
             <a:endParaRPr lang="zh-CN" altLang="en-US"/>
           </a:p>
@@ -2729,7 +2741,7 @@
           <a:p>
             <a:fld id="{E5597832-151A-49D8-9558-88424A6B8A4E}" type="datetimeFigureOut">
               <a:rPr lang="zh-CN" altLang="en-US" smtClean="0"/>
-              <a:t>2012/11/12</a:t>
+              <a:t>2012/11/17</a:t>
             </a:fld>
             <a:endParaRPr lang="zh-CN" altLang="en-US"/>
           </a:p>
@@ -3202,7 +3214,62 @@
           <a:bodyPr/>
           <a:lstStyle/>
           <a:p>
-            <a:endParaRPr lang="zh-CN" altLang="en-US"/>
+            <a:r>
+              <a:rPr lang="zh-CN" altLang="en-US" dirty="0"/>
+              <a:t>需求分析</a:t>
+            </a:r>
+          </a:p>
+        </p:txBody>
+      </p:sp>
+      <p:sp>
+        <p:nvSpPr>
+          <p:cNvPr id="9" name="内容占位符 8"/>
+          <p:cNvSpPr>
+            <a:spLocks noGrp="1"/>
+          </p:cNvSpPr>
+          <p:nvPr>
+            <p:ph sz="half" idx="1"/>
+          </p:nvPr>
+        </p:nvSpPr>
+        <p:spPr/>
+        <p:txBody>
+          <a:bodyPr>
+            <a:normAutofit lnSpcReduction="10000"/>
+          </a:bodyPr>
+          <a:lstStyle/>
+          <a:p>
+            <a:pPr marL="0" indent="0">
+              <a:buNone/>
+            </a:pPr>
+            <a:r>
+              <a:rPr lang="zh-CN" altLang="en-US" dirty="0" smtClean="0"/>
+              <a:t>输入：</a:t>
+            </a:r>
+            <a:endParaRPr lang="en-US" altLang="zh-CN" dirty="0" smtClean="0"/>
+          </a:p>
+          <a:p>
+            <a:r>
+              <a:rPr lang="zh-CN" altLang="en-US" dirty="0"/>
+              <a:t>瞬时视在功率；时间序列；温湿度等环境信息；电价模型</a:t>
+            </a:r>
+            <a:r>
+              <a:rPr lang="zh-CN" altLang="en-US" dirty="0" smtClean="0"/>
+              <a:t>；</a:t>
+            </a:r>
+            <a:endParaRPr lang="en-US" altLang="zh-CN" dirty="0" smtClean="0"/>
+          </a:p>
+          <a:p>
+            <a:r>
+              <a:rPr lang="zh-CN" altLang="en-US" dirty="0"/>
+              <a:t>网络结构（节点选择等）；电压、功耗等电能参数；</a:t>
+            </a:r>
+            <a:endParaRPr lang="en-US" altLang="zh-CN" dirty="0"/>
+          </a:p>
+          <a:p>
+            <a:endParaRPr lang="en-US" altLang="zh-CN" dirty="0"/>
+          </a:p>
+          <a:p>
+            <a:endParaRPr lang="zh-CN" altLang="en-US" dirty="0"/>
           </a:p>
         </p:txBody>
       </p:sp>
@@ -3213,22 +3280,58 @@
             <a:spLocks noGrp="1"/>
           </p:cNvSpPr>
           <p:nvPr>
-            <p:ph idx="1"/>
-          </p:nvPr>
-        </p:nvSpPr>
-        <p:spPr/>
-        <p:txBody>
-          <a:bodyPr/>
-          <a:lstStyle/>
-          <a:p>
-            <a:endParaRPr lang="zh-CN" altLang="en-US"/>
+            <p:ph sz="half" idx="2"/>
+          </p:nvPr>
+        </p:nvSpPr>
+        <p:spPr/>
+        <p:txBody>
+          <a:bodyPr>
+            <a:normAutofit lnSpcReduction="10000"/>
+          </a:bodyPr>
+          <a:lstStyle/>
+          <a:p>
+            <a:pPr marL="0" indent="0">
+              <a:buNone/>
+            </a:pPr>
+            <a:r>
+              <a:rPr lang="zh-CN" altLang="en-US" dirty="0" smtClean="0"/>
+              <a:t>输出：</a:t>
+            </a:r>
+            <a:endParaRPr lang="en-US" altLang="zh-CN" dirty="0" smtClean="0"/>
+          </a:p>
+          <a:p>
+            <a:r>
+              <a:rPr lang="zh-CN" altLang="en-US" dirty="0"/>
+              <a:t>选定参数的变化曲线（比如谐波、闪变等）；电能综合评定结果（电能等级、关键参数指标等）；</a:t>
+            </a:r>
+          </a:p>
+          <a:p>
+            <a:r>
+              <a:rPr lang="zh-CN" altLang="en-US" dirty="0"/>
+              <a:t>视在功率变化曲线；电价变化曲线</a:t>
+            </a:r>
+            <a:r>
+              <a:rPr lang="zh-CN" altLang="en-US" dirty="0" smtClean="0"/>
+              <a:t>；控制指令</a:t>
+            </a:r>
+            <a:r>
+              <a:rPr lang="zh-CN" altLang="en-US" dirty="0"/>
+              <a:t>库；温湿度环境信息；</a:t>
+            </a:r>
+            <a:endParaRPr lang="en-US" altLang="zh-CN" dirty="0"/>
+          </a:p>
+          <a:p>
+            <a:endParaRPr lang="en-US" altLang="zh-CN" dirty="0" smtClean="0"/>
+          </a:p>
+          <a:p>
+            <a:endParaRPr lang="zh-CN" altLang="en-US" dirty="0"/>
           </a:p>
         </p:txBody>
       </p:sp>
     </p:spTree>
     <p:extLst>
       <p:ext uri="{BB962C8B-B14F-4D97-AF65-F5344CB8AC3E}">
-        <p14:creationId xmlns:p14="http://schemas.microsoft.com/office/powerpoint/2010/main" val="24113830"/>
+        <p14:creationId xmlns:p14="http://schemas.microsoft.com/office/powerpoint/2010/main" val="1089726523"/>
       </p:ext>
     </p:extLst>
   </p:cSld>
@@ -3242,6 +3345,2962 @@
       </p:par>
     </p:tnLst>
   </p:timing>
+</p:sld>
+</file>
+
+<file path=ppt/slides/slide11.xml><?xml version="1.0" encoding="utf-8"?>
+<p:sld xmlns:a="http://schemas.openxmlformats.org/drawingml/2006/main" xmlns:r="http://schemas.openxmlformats.org/officeDocument/2006/relationships" xmlns:p="http://schemas.openxmlformats.org/presentationml/2006/main">
+  <p:cSld>
+    <p:spTree>
+      <p:nvGrpSpPr>
+        <p:cNvPr id="1" name=""/>
+        <p:cNvGrpSpPr/>
+        <p:nvPr/>
+      </p:nvGrpSpPr>
+      <p:grpSpPr>
+        <a:xfrm>
+          <a:off x="0" y="0"/>
+          <a:ext cx="0" cy="0"/>
+          <a:chOff x="0" y="0"/>
+          <a:chExt cx="0" cy="0"/>
+        </a:xfrm>
+      </p:grpSpPr>
+      <p:sp>
+        <p:nvSpPr>
+          <p:cNvPr id="5" name="标题 4"/>
+          <p:cNvSpPr>
+            <a:spLocks noGrp="1"/>
+          </p:cNvSpPr>
+          <p:nvPr>
+            <p:ph type="title"/>
+          </p:nvPr>
+        </p:nvSpPr>
+        <p:spPr/>
+        <p:txBody>
+          <a:bodyPr/>
+          <a:lstStyle/>
+          <a:p>
+            <a:r>
+              <a:rPr lang="zh-CN" altLang="en-US" dirty="0" smtClean="0"/>
+              <a:t>需求分析</a:t>
+            </a:r>
+            <a:endParaRPr lang="zh-CN" altLang="en-US" dirty="0"/>
+          </a:p>
+        </p:txBody>
+      </p:sp>
+      <p:sp>
+        <p:nvSpPr>
+          <p:cNvPr id="6" name="内容占位符 5"/>
+          <p:cNvSpPr>
+            <a:spLocks noGrp="1"/>
+          </p:cNvSpPr>
+          <p:nvPr>
+            <p:ph idx="1"/>
+          </p:nvPr>
+        </p:nvSpPr>
+        <p:spPr/>
+        <p:txBody>
+          <a:bodyPr/>
+          <a:lstStyle/>
+          <a:p>
+            <a:pPr marL="0" indent="0">
+              <a:buNone/>
+            </a:pPr>
+            <a:r>
+              <a:rPr lang="zh-CN" altLang="en-US" dirty="0" smtClean="0"/>
+              <a:t>预设置：</a:t>
+            </a:r>
+            <a:endParaRPr lang="en-US" altLang="zh-CN" dirty="0" smtClean="0"/>
+          </a:p>
+          <a:p>
+            <a:r>
+              <a:rPr lang="zh-CN" altLang="en-US" dirty="0" smtClean="0"/>
+              <a:t>规则库；</a:t>
+            </a:r>
+            <a:r>
+              <a:rPr lang="zh-CN" altLang="en-US" dirty="0"/>
+              <a:t>监测参数选择</a:t>
+            </a:r>
+            <a:r>
+              <a:rPr lang="zh-CN" altLang="en-US" dirty="0" smtClean="0"/>
+              <a:t>；</a:t>
+            </a:r>
+            <a:endParaRPr lang="en-US" altLang="zh-CN" dirty="0" smtClean="0"/>
+          </a:p>
+          <a:p>
+            <a:r>
+              <a:rPr lang="zh-CN" altLang="en-US" dirty="0" smtClean="0"/>
+              <a:t>系统同步精度要求</a:t>
+            </a:r>
+            <a:endParaRPr lang="en-US" altLang="zh-CN" dirty="0" smtClean="0"/>
+          </a:p>
+          <a:p>
+            <a:pPr marL="0" indent="0">
+              <a:buNone/>
+            </a:pPr>
+            <a:r>
+              <a:rPr lang="zh-CN" altLang="en-US" dirty="0"/>
+              <a:t>扩展需求</a:t>
+            </a:r>
+          </a:p>
+          <a:p>
+            <a:r>
+              <a:rPr lang="zh-CN" altLang="en-US" dirty="0"/>
+              <a:t>可扩展其他平台，包括精准农业、人体健康监测、工业过程监测等程序；</a:t>
+            </a:r>
+          </a:p>
+          <a:p>
+            <a:endParaRPr lang="en-US" altLang="zh-CN" dirty="0"/>
+          </a:p>
+        </p:txBody>
+      </p:sp>
+    </p:spTree>
+    <p:extLst>
+      <p:ext uri="{BB962C8B-B14F-4D97-AF65-F5344CB8AC3E}">
+        <p14:creationId xmlns:p14="http://schemas.microsoft.com/office/powerpoint/2010/main" val="670708242"/>
+      </p:ext>
+    </p:extLst>
+  </p:cSld>
+  <p:clrMapOvr>
+    <a:masterClrMapping/>
+  </p:clrMapOvr>
+</p:sld>
+</file>
+
+<file path=ppt/slides/slide12.xml><?xml version="1.0" encoding="utf-8"?>
+<p:sld xmlns:a="http://schemas.openxmlformats.org/drawingml/2006/main" xmlns:r="http://schemas.openxmlformats.org/officeDocument/2006/relationships" xmlns:p="http://schemas.openxmlformats.org/presentationml/2006/main">
+  <p:cSld>
+    <p:spTree>
+      <p:nvGrpSpPr>
+        <p:cNvPr id="1" name=""/>
+        <p:cNvGrpSpPr/>
+        <p:nvPr/>
+      </p:nvGrpSpPr>
+      <p:grpSpPr>
+        <a:xfrm>
+          <a:off x="0" y="0"/>
+          <a:ext cx="0" cy="0"/>
+          <a:chOff x="0" y="0"/>
+          <a:chExt cx="0" cy="0"/>
+        </a:xfrm>
+      </p:grpSpPr>
+      <p:sp>
+        <p:nvSpPr>
+          <p:cNvPr id="2" name="标题 1"/>
+          <p:cNvSpPr>
+            <a:spLocks noGrp="1"/>
+          </p:cNvSpPr>
+          <p:nvPr>
+            <p:ph type="title"/>
+          </p:nvPr>
+        </p:nvSpPr>
+        <p:spPr/>
+        <p:txBody>
+          <a:bodyPr/>
+          <a:lstStyle/>
+          <a:p>
+            <a:r>
+              <a:rPr lang="zh-CN" altLang="en-US" dirty="0" smtClean="0"/>
+              <a:t>架构分析</a:t>
+            </a:r>
+            <a:endParaRPr lang="zh-CN" altLang="en-US" dirty="0"/>
+          </a:p>
+        </p:txBody>
+      </p:sp>
+      <p:sp>
+        <p:nvSpPr>
+          <p:cNvPr id="3" name="内容占位符 2"/>
+          <p:cNvSpPr>
+            <a:spLocks noGrp="1"/>
+          </p:cNvSpPr>
+          <p:nvPr>
+            <p:ph idx="1"/>
+          </p:nvPr>
+        </p:nvSpPr>
+        <p:spPr/>
+        <p:txBody>
+          <a:bodyPr/>
+          <a:lstStyle/>
+          <a:p>
+            <a:r>
+              <a:rPr lang="zh-CN" altLang="en-US" dirty="0" smtClean="0"/>
+              <a:t>设计方法：</a:t>
+            </a:r>
+            <a:endParaRPr lang="en-US" altLang="zh-CN" dirty="0" smtClean="0"/>
+          </a:p>
+          <a:p>
+            <a:pPr lvl="1"/>
+            <a:r>
+              <a:rPr lang="zh-CN" altLang="en-US" b="1" dirty="0" smtClean="0">
+                <a:solidFill>
+                  <a:srgbClr val="FF0000"/>
+                </a:solidFill>
+              </a:rPr>
+              <a:t>面向过程</a:t>
+            </a:r>
+            <a:r>
+              <a:rPr lang="zh-CN" altLang="en-US" b="1" dirty="0" smtClean="0">
+                <a:solidFill>
+                  <a:srgbClr val="FF0000"/>
+                </a:solidFill>
+              </a:rPr>
+              <a:t>：功能分层</a:t>
+            </a:r>
+            <a:endParaRPr lang="en-US" altLang="zh-CN" b="1" dirty="0" smtClean="0">
+              <a:solidFill>
+                <a:srgbClr val="FF0000"/>
+              </a:solidFill>
+            </a:endParaRPr>
+          </a:p>
+          <a:p>
+            <a:pPr lvl="1"/>
+            <a:r>
+              <a:rPr lang="zh-CN" altLang="en-US" dirty="0" smtClean="0"/>
+              <a:t>面向对象：功能模块化</a:t>
+            </a:r>
+            <a:endParaRPr lang="zh-CN" altLang="en-US" dirty="0"/>
+          </a:p>
+        </p:txBody>
+      </p:sp>
+    </p:spTree>
+    <p:extLst>
+      <p:ext uri="{BB962C8B-B14F-4D97-AF65-F5344CB8AC3E}">
+        <p14:creationId xmlns:p14="http://schemas.microsoft.com/office/powerpoint/2010/main" val="2678567605"/>
+      </p:ext>
+    </p:extLst>
+  </p:cSld>
+  <p:clrMapOvr>
+    <a:masterClrMapping/>
+  </p:clrMapOvr>
+  <p:timing>
+    <p:tnLst>
+      <p:par>
+        <p:cTn id="1" dur="indefinite" restart="never" nodeType="tmRoot"/>
+      </p:par>
+    </p:tnLst>
+  </p:timing>
+</p:sld>
+</file>
+
+<file path=ppt/slides/slide13.xml><?xml version="1.0" encoding="utf-8"?>
+<p:sld xmlns:a="http://schemas.openxmlformats.org/drawingml/2006/main" xmlns:r="http://schemas.openxmlformats.org/officeDocument/2006/relationships" xmlns:p="http://schemas.openxmlformats.org/presentationml/2006/main">
+  <p:cSld>
+    <p:spTree>
+      <p:nvGrpSpPr>
+        <p:cNvPr id="1" name=""/>
+        <p:cNvGrpSpPr/>
+        <p:nvPr/>
+      </p:nvGrpSpPr>
+      <p:grpSpPr>
+        <a:xfrm>
+          <a:off x="0" y="0"/>
+          <a:ext cx="0" cy="0"/>
+          <a:chOff x="0" y="0"/>
+          <a:chExt cx="0" cy="0"/>
+        </a:xfrm>
+      </p:grpSpPr>
+      <p:sp>
+        <p:nvSpPr>
+          <p:cNvPr id="2" name="标题 1"/>
+          <p:cNvSpPr>
+            <a:spLocks noGrp="1"/>
+          </p:cNvSpPr>
+          <p:nvPr>
+            <p:ph type="title"/>
+          </p:nvPr>
+        </p:nvSpPr>
+        <p:spPr/>
+        <p:txBody>
+          <a:bodyPr/>
+          <a:lstStyle/>
+          <a:p>
+            <a:r>
+              <a:rPr lang="zh-CN" altLang="en-US" dirty="0" smtClean="0"/>
+              <a:t>常用系统结构</a:t>
+            </a:r>
+            <a:endParaRPr lang="zh-CN" altLang="en-US" dirty="0"/>
+          </a:p>
+        </p:txBody>
+      </p:sp>
+      <p:grpSp>
+        <p:nvGrpSpPr>
+          <p:cNvPr id="5" name="组合 4"/>
+          <p:cNvGrpSpPr/>
+          <p:nvPr/>
+        </p:nvGrpSpPr>
+        <p:grpSpPr>
+          <a:xfrm>
+            <a:off x="1838403" y="1598396"/>
+            <a:ext cx="5539201" cy="3844364"/>
+            <a:chOff x="1838403" y="1598396"/>
+            <a:chExt cx="5539201" cy="3844364"/>
+          </a:xfrm>
+        </p:grpSpPr>
+        <p:sp>
+          <p:nvSpPr>
+            <p:cNvPr id="6" name="任意多边形 5"/>
+            <p:cNvSpPr/>
+            <p:nvPr/>
+          </p:nvSpPr>
+          <p:spPr>
+            <a:xfrm>
+              <a:off x="1838403" y="1598396"/>
+              <a:ext cx="5539201" cy="1216060"/>
+            </a:xfrm>
+            <a:custGeom>
+              <a:avLst/>
+              <a:gdLst>
+                <a:gd name="connsiteX0" fmla="*/ 0 w 5539201"/>
+                <a:gd name="connsiteY0" fmla="*/ 121606 h 1216060"/>
+                <a:gd name="connsiteX1" fmla="*/ 121606 w 5539201"/>
+                <a:gd name="connsiteY1" fmla="*/ 0 h 1216060"/>
+                <a:gd name="connsiteX2" fmla="*/ 5417595 w 5539201"/>
+                <a:gd name="connsiteY2" fmla="*/ 0 h 1216060"/>
+                <a:gd name="connsiteX3" fmla="*/ 5539201 w 5539201"/>
+                <a:gd name="connsiteY3" fmla="*/ 121606 h 1216060"/>
+                <a:gd name="connsiteX4" fmla="*/ 5539201 w 5539201"/>
+                <a:gd name="connsiteY4" fmla="*/ 1094454 h 1216060"/>
+                <a:gd name="connsiteX5" fmla="*/ 5417595 w 5539201"/>
+                <a:gd name="connsiteY5" fmla="*/ 1216060 h 1216060"/>
+                <a:gd name="connsiteX6" fmla="*/ 121606 w 5539201"/>
+                <a:gd name="connsiteY6" fmla="*/ 1216060 h 1216060"/>
+                <a:gd name="connsiteX7" fmla="*/ 0 w 5539201"/>
+                <a:gd name="connsiteY7" fmla="*/ 1094454 h 1216060"/>
+                <a:gd name="connsiteX8" fmla="*/ 0 w 5539201"/>
+                <a:gd name="connsiteY8" fmla="*/ 121606 h 1216060"/>
+              </a:gdLst>
+              <a:ahLst/>
+              <a:cxnLst>
+                <a:cxn ang="0">
+                  <a:pos x="connsiteX0" y="connsiteY0"/>
+                </a:cxn>
+                <a:cxn ang="0">
+                  <a:pos x="connsiteX1" y="connsiteY1"/>
+                </a:cxn>
+                <a:cxn ang="0">
+                  <a:pos x="connsiteX2" y="connsiteY2"/>
+                </a:cxn>
+                <a:cxn ang="0">
+                  <a:pos x="connsiteX3" y="connsiteY3"/>
+                </a:cxn>
+                <a:cxn ang="0">
+                  <a:pos x="connsiteX4" y="connsiteY4"/>
+                </a:cxn>
+                <a:cxn ang="0">
+                  <a:pos x="connsiteX5" y="connsiteY5"/>
+                </a:cxn>
+                <a:cxn ang="0">
+                  <a:pos x="connsiteX6" y="connsiteY6"/>
+                </a:cxn>
+                <a:cxn ang="0">
+                  <a:pos x="connsiteX7" y="connsiteY7"/>
+                </a:cxn>
+                <a:cxn ang="0">
+                  <a:pos x="connsiteX8" y="connsiteY8"/>
+                </a:cxn>
+              </a:cxnLst>
+              <a:rect l="l" t="t" r="r" b="b"/>
+              <a:pathLst>
+                <a:path w="5539201" h="1216060">
+                  <a:moveTo>
+                    <a:pt x="0" y="121606"/>
+                  </a:moveTo>
+                  <a:cubicBezTo>
+                    <a:pt x="0" y="54445"/>
+                    <a:pt x="54445" y="0"/>
+                    <a:pt x="121606" y="0"/>
+                  </a:cubicBezTo>
+                  <a:lnTo>
+                    <a:pt x="5417595" y="0"/>
+                  </a:lnTo>
+                  <a:cubicBezTo>
+                    <a:pt x="5484756" y="0"/>
+                    <a:pt x="5539201" y="54445"/>
+                    <a:pt x="5539201" y="121606"/>
+                  </a:cubicBezTo>
+                  <a:lnTo>
+                    <a:pt x="5539201" y="1094454"/>
+                  </a:lnTo>
+                  <a:cubicBezTo>
+                    <a:pt x="5539201" y="1161615"/>
+                    <a:pt x="5484756" y="1216060"/>
+                    <a:pt x="5417595" y="1216060"/>
+                  </a:cubicBezTo>
+                  <a:lnTo>
+                    <a:pt x="121606" y="1216060"/>
+                  </a:lnTo>
+                  <a:cubicBezTo>
+                    <a:pt x="54445" y="1216060"/>
+                    <a:pt x="0" y="1161615"/>
+                    <a:pt x="0" y="1094454"/>
+                  </a:cubicBezTo>
+                  <a:lnTo>
+                    <a:pt x="0" y="121606"/>
+                  </a:lnTo>
+                  <a:close/>
+                </a:path>
+              </a:pathLst>
+            </a:custGeom>
+          </p:spPr>
+          <p:style>
+            <a:lnRef idx="2">
+              <a:schemeClr val="lt1">
+                <a:hueOff val="0"/>
+                <a:satOff val="0"/>
+                <a:lumOff val="0"/>
+                <a:alphaOff val="0"/>
+              </a:schemeClr>
+            </a:lnRef>
+            <a:fillRef idx="1">
+              <a:schemeClr val="accent1">
+                <a:hueOff val="0"/>
+                <a:satOff val="0"/>
+                <a:lumOff val="0"/>
+                <a:alphaOff val="0"/>
+              </a:schemeClr>
+            </a:fillRef>
+            <a:effectRef idx="0">
+              <a:schemeClr val="accent1">
+                <a:hueOff val="0"/>
+                <a:satOff val="0"/>
+                <a:lumOff val="0"/>
+                <a:alphaOff val="0"/>
+              </a:schemeClr>
+            </a:effectRef>
+            <a:fontRef idx="minor">
+              <a:schemeClr val="lt1"/>
+            </a:fontRef>
+          </p:style>
+          <p:txBody>
+            <a:bodyPr spcFirstLastPara="0" vert="horz" wrap="square" lIns="226117" tIns="226117" rIns="226117" bIns="226117" numCol="1" spcCol="1270" anchor="ctr" anchorCtr="0">
+              <a:noAutofit/>
+            </a:bodyPr>
+            <a:lstStyle/>
+            <a:p>
+              <a:pPr lvl="0" algn="ctr" defTabSz="2222500">
+                <a:lnSpc>
+                  <a:spcPct val="90000"/>
+                </a:lnSpc>
+                <a:spcBef>
+                  <a:spcPct val="0"/>
+                </a:spcBef>
+                <a:spcAft>
+                  <a:spcPct val="35000"/>
+                </a:spcAft>
+              </a:pPr>
+              <a:r>
+                <a:rPr lang="zh-CN" altLang="en-US" sz="3600" kern="1200" dirty="0" smtClean="0">
+                  <a:latin typeface="微软雅黑" pitchFamily="34" charset="-122"/>
+                  <a:ea typeface="微软雅黑" pitchFamily="34" charset="-122"/>
+                </a:rPr>
+                <a:t>表示层</a:t>
+              </a:r>
+              <a:endParaRPr lang="zh-CN" altLang="en-US" sz="3600" kern="1200" dirty="0">
+                <a:latin typeface="微软雅黑" pitchFamily="34" charset="-122"/>
+                <a:ea typeface="微软雅黑" pitchFamily="34" charset="-122"/>
+              </a:endParaRPr>
+            </a:p>
+          </p:txBody>
+        </p:sp>
+        <p:sp>
+          <p:nvSpPr>
+            <p:cNvPr id="7" name="任意多边形 6"/>
+            <p:cNvSpPr/>
+            <p:nvPr/>
+          </p:nvSpPr>
+          <p:spPr>
+            <a:xfrm>
+              <a:off x="1838403" y="2912548"/>
+              <a:ext cx="5539201" cy="1216060"/>
+            </a:xfrm>
+            <a:custGeom>
+              <a:avLst/>
+              <a:gdLst>
+                <a:gd name="connsiteX0" fmla="*/ 0 w 5539201"/>
+                <a:gd name="connsiteY0" fmla="*/ 121606 h 1216060"/>
+                <a:gd name="connsiteX1" fmla="*/ 121606 w 5539201"/>
+                <a:gd name="connsiteY1" fmla="*/ 0 h 1216060"/>
+                <a:gd name="connsiteX2" fmla="*/ 5417595 w 5539201"/>
+                <a:gd name="connsiteY2" fmla="*/ 0 h 1216060"/>
+                <a:gd name="connsiteX3" fmla="*/ 5539201 w 5539201"/>
+                <a:gd name="connsiteY3" fmla="*/ 121606 h 1216060"/>
+                <a:gd name="connsiteX4" fmla="*/ 5539201 w 5539201"/>
+                <a:gd name="connsiteY4" fmla="*/ 1094454 h 1216060"/>
+                <a:gd name="connsiteX5" fmla="*/ 5417595 w 5539201"/>
+                <a:gd name="connsiteY5" fmla="*/ 1216060 h 1216060"/>
+                <a:gd name="connsiteX6" fmla="*/ 121606 w 5539201"/>
+                <a:gd name="connsiteY6" fmla="*/ 1216060 h 1216060"/>
+                <a:gd name="connsiteX7" fmla="*/ 0 w 5539201"/>
+                <a:gd name="connsiteY7" fmla="*/ 1094454 h 1216060"/>
+                <a:gd name="connsiteX8" fmla="*/ 0 w 5539201"/>
+                <a:gd name="connsiteY8" fmla="*/ 121606 h 1216060"/>
+              </a:gdLst>
+              <a:ahLst/>
+              <a:cxnLst>
+                <a:cxn ang="0">
+                  <a:pos x="connsiteX0" y="connsiteY0"/>
+                </a:cxn>
+                <a:cxn ang="0">
+                  <a:pos x="connsiteX1" y="connsiteY1"/>
+                </a:cxn>
+                <a:cxn ang="0">
+                  <a:pos x="connsiteX2" y="connsiteY2"/>
+                </a:cxn>
+                <a:cxn ang="0">
+                  <a:pos x="connsiteX3" y="connsiteY3"/>
+                </a:cxn>
+                <a:cxn ang="0">
+                  <a:pos x="connsiteX4" y="connsiteY4"/>
+                </a:cxn>
+                <a:cxn ang="0">
+                  <a:pos x="connsiteX5" y="connsiteY5"/>
+                </a:cxn>
+                <a:cxn ang="0">
+                  <a:pos x="connsiteX6" y="connsiteY6"/>
+                </a:cxn>
+                <a:cxn ang="0">
+                  <a:pos x="connsiteX7" y="connsiteY7"/>
+                </a:cxn>
+                <a:cxn ang="0">
+                  <a:pos x="connsiteX8" y="connsiteY8"/>
+                </a:cxn>
+              </a:cxnLst>
+              <a:rect l="l" t="t" r="r" b="b"/>
+              <a:pathLst>
+                <a:path w="5539201" h="1216060">
+                  <a:moveTo>
+                    <a:pt x="0" y="121606"/>
+                  </a:moveTo>
+                  <a:cubicBezTo>
+                    <a:pt x="0" y="54445"/>
+                    <a:pt x="54445" y="0"/>
+                    <a:pt x="121606" y="0"/>
+                  </a:cubicBezTo>
+                  <a:lnTo>
+                    <a:pt x="5417595" y="0"/>
+                  </a:lnTo>
+                  <a:cubicBezTo>
+                    <a:pt x="5484756" y="0"/>
+                    <a:pt x="5539201" y="54445"/>
+                    <a:pt x="5539201" y="121606"/>
+                  </a:cubicBezTo>
+                  <a:lnTo>
+                    <a:pt x="5539201" y="1094454"/>
+                  </a:lnTo>
+                  <a:cubicBezTo>
+                    <a:pt x="5539201" y="1161615"/>
+                    <a:pt x="5484756" y="1216060"/>
+                    <a:pt x="5417595" y="1216060"/>
+                  </a:cubicBezTo>
+                  <a:lnTo>
+                    <a:pt x="121606" y="1216060"/>
+                  </a:lnTo>
+                  <a:cubicBezTo>
+                    <a:pt x="54445" y="1216060"/>
+                    <a:pt x="0" y="1161615"/>
+                    <a:pt x="0" y="1094454"/>
+                  </a:cubicBezTo>
+                  <a:lnTo>
+                    <a:pt x="0" y="121606"/>
+                  </a:lnTo>
+                  <a:close/>
+                </a:path>
+              </a:pathLst>
+            </a:custGeom>
+          </p:spPr>
+          <p:style>
+            <a:lnRef idx="2">
+              <a:schemeClr val="lt1">
+                <a:hueOff val="0"/>
+                <a:satOff val="0"/>
+                <a:lumOff val="0"/>
+                <a:alphaOff val="0"/>
+              </a:schemeClr>
+            </a:lnRef>
+            <a:fillRef idx="1">
+              <a:schemeClr val="accent1">
+                <a:hueOff val="0"/>
+                <a:satOff val="0"/>
+                <a:lumOff val="0"/>
+                <a:alphaOff val="0"/>
+              </a:schemeClr>
+            </a:fillRef>
+            <a:effectRef idx="0">
+              <a:schemeClr val="accent1">
+                <a:hueOff val="0"/>
+                <a:satOff val="0"/>
+                <a:lumOff val="0"/>
+                <a:alphaOff val="0"/>
+              </a:schemeClr>
+            </a:effectRef>
+            <a:fontRef idx="minor">
+              <a:schemeClr val="lt1"/>
+            </a:fontRef>
+          </p:style>
+          <p:txBody>
+            <a:bodyPr spcFirstLastPara="0" vert="horz" wrap="square" lIns="226117" tIns="226117" rIns="226117" bIns="226117" numCol="1" spcCol="1270" anchor="ctr" anchorCtr="0">
+              <a:noAutofit/>
+            </a:bodyPr>
+            <a:lstStyle/>
+            <a:p>
+              <a:pPr lvl="0" algn="ctr" defTabSz="2222500">
+                <a:lnSpc>
+                  <a:spcPct val="90000"/>
+                </a:lnSpc>
+                <a:spcBef>
+                  <a:spcPct val="0"/>
+                </a:spcBef>
+                <a:spcAft>
+                  <a:spcPct val="35000"/>
+                </a:spcAft>
+              </a:pPr>
+              <a:r>
+                <a:rPr lang="zh-CN" altLang="en-US" sz="3600" kern="1200" dirty="0" smtClean="0">
+                  <a:latin typeface="微软雅黑" pitchFamily="34" charset="-122"/>
+                  <a:ea typeface="微软雅黑" pitchFamily="34" charset="-122"/>
+                </a:rPr>
+                <a:t>业务逻辑层</a:t>
+              </a:r>
+              <a:endParaRPr lang="zh-CN" altLang="en-US" sz="3600" kern="1200" dirty="0">
+                <a:latin typeface="微软雅黑" pitchFamily="34" charset="-122"/>
+                <a:ea typeface="微软雅黑" pitchFamily="34" charset="-122"/>
+              </a:endParaRPr>
+            </a:p>
+          </p:txBody>
+        </p:sp>
+        <p:sp>
+          <p:nvSpPr>
+            <p:cNvPr id="8" name="任意多边形 7"/>
+            <p:cNvSpPr/>
+            <p:nvPr/>
+          </p:nvSpPr>
+          <p:spPr>
+            <a:xfrm>
+              <a:off x="1838403" y="4226700"/>
+              <a:ext cx="5539201" cy="1216060"/>
+            </a:xfrm>
+            <a:custGeom>
+              <a:avLst/>
+              <a:gdLst>
+                <a:gd name="connsiteX0" fmla="*/ 0 w 5539201"/>
+                <a:gd name="connsiteY0" fmla="*/ 121606 h 1216060"/>
+                <a:gd name="connsiteX1" fmla="*/ 121606 w 5539201"/>
+                <a:gd name="connsiteY1" fmla="*/ 0 h 1216060"/>
+                <a:gd name="connsiteX2" fmla="*/ 5417595 w 5539201"/>
+                <a:gd name="connsiteY2" fmla="*/ 0 h 1216060"/>
+                <a:gd name="connsiteX3" fmla="*/ 5539201 w 5539201"/>
+                <a:gd name="connsiteY3" fmla="*/ 121606 h 1216060"/>
+                <a:gd name="connsiteX4" fmla="*/ 5539201 w 5539201"/>
+                <a:gd name="connsiteY4" fmla="*/ 1094454 h 1216060"/>
+                <a:gd name="connsiteX5" fmla="*/ 5417595 w 5539201"/>
+                <a:gd name="connsiteY5" fmla="*/ 1216060 h 1216060"/>
+                <a:gd name="connsiteX6" fmla="*/ 121606 w 5539201"/>
+                <a:gd name="connsiteY6" fmla="*/ 1216060 h 1216060"/>
+                <a:gd name="connsiteX7" fmla="*/ 0 w 5539201"/>
+                <a:gd name="connsiteY7" fmla="*/ 1094454 h 1216060"/>
+                <a:gd name="connsiteX8" fmla="*/ 0 w 5539201"/>
+                <a:gd name="connsiteY8" fmla="*/ 121606 h 1216060"/>
+              </a:gdLst>
+              <a:ahLst/>
+              <a:cxnLst>
+                <a:cxn ang="0">
+                  <a:pos x="connsiteX0" y="connsiteY0"/>
+                </a:cxn>
+                <a:cxn ang="0">
+                  <a:pos x="connsiteX1" y="connsiteY1"/>
+                </a:cxn>
+                <a:cxn ang="0">
+                  <a:pos x="connsiteX2" y="connsiteY2"/>
+                </a:cxn>
+                <a:cxn ang="0">
+                  <a:pos x="connsiteX3" y="connsiteY3"/>
+                </a:cxn>
+                <a:cxn ang="0">
+                  <a:pos x="connsiteX4" y="connsiteY4"/>
+                </a:cxn>
+                <a:cxn ang="0">
+                  <a:pos x="connsiteX5" y="connsiteY5"/>
+                </a:cxn>
+                <a:cxn ang="0">
+                  <a:pos x="connsiteX6" y="connsiteY6"/>
+                </a:cxn>
+                <a:cxn ang="0">
+                  <a:pos x="connsiteX7" y="connsiteY7"/>
+                </a:cxn>
+                <a:cxn ang="0">
+                  <a:pos x="connsiteX8" y="connsiteY8"/>
+                </a:cxn>
+              </a:cxnLst>
+              <a:rect l="l" t="t" r="r" b="b"/>
+              <a:pathLst>
+                <a:path w="5539201" h="1216060">
+                  <a:moveTo>
+                    <a:pt x="0" y="121606"/>
+                  </a:moveTo>
+                  <a:cubicBezTo>
+                    <a:pt x="0" y="54445"/>
+                    <a:pt x="54445" y="0"/>
+                    <a:pt x="121606" y="0"/>
+                  </a:cubicBezTo>
+                  <a:lnTo>
+                    <a:pt x="5417595" y="0"/>
+                  </a:lnTo>
+                  <a:cubicBezTo>
+                    <a:pt x="5484756" y="0"/>
+                    <a:pt x="5539201" y="54445"/>
+                    <a:pt x="5539201" y="121606"/>
+                  </a:cubicBezTo>
+                  <a:lnTo>
+                    <a:pt x="5539201" y="1094454"/>
+                  </a:lnTo>
+                  <a:cubicBezTo>
+                    <a:pt x="5539201" y="1161615"/>
+                    <a:pt x="5484756" y="1216060"/>
+                    <a:pt x="5417595" y="1216060"/>
+                  </a:cubicBezTo>
+                  <a:lnTo>
+                    <a:pt x="121606" y="1216060"/>
+                  </a:lnTo>
+                  <a:cubicBezTo>
+                    <a:pt x="54445" y="1216060"/>
+                    <a:pt x="0" y="1161615"/>
+                    <a:pt x="0" y="1094454"/>
+                  </a:cubicBezTo>
+                  <a:lnTo>
+                    <a:pt x="0" y="121606"/>
+                  </a:lnTo>
+                  <a:close/>
+                </a:path>
+              </a:pathLst>
+            </a:custGeom>
+          </p:spPr>
+          <p:style>
+            <a:lnRef idx="2">
+              <a:schemeClr val="lt1">
+                <a:hueOff val="0"/>
+                <a:satOff val="0"/>
+                <a:lumOff val="0"/>
+                <a:alphaOff val="0"/>
+              </a:schemeClr>
+            </a:lnRef>
+            <a:fillRef idx="1">
+              <a:schemeClr val="accent1">
+                <a:hueOff val="0"/>
+                <a:satOff val="0"/>
+                <a:lumOff val="0"/>
+                <a:alphaOff val="0"/>
+              </a:schemeClr>
+            </a:fillRef>
+            <a:effectRef idx="0">
+              <a:schemeClr val="accent1">
+                <a:hueOff val="0"/>
+                <a:satOff val="0"/>
+                <a:lumOff val="0"/>
+                <a:alphaOff val="0"/>
+              </a:schemeClr>
+            </a:effectRef>
+            <a:fontRef idx="minor">
+              <a:schemeClr val="lt1"/>
+            </a:fontRef>
+          </p:style>
+          <p:txBody>
+            <a:bodyPr spcFirstLastPara="0" vert="horz" wrap="square" lIns="226117" tIns="226117" rIns="226117" bIns="226117" numCol="1" spcCol="1270" anchor="ctr" anchorCtr="0">
+              <a:noAutofit/>
+            </a:bodyPr>
+            <a:lstStyle/>
+            <a:p>
+              <a:pPr lvl="0" algn="ctr" defTabSz="2222500">
+                <a:lnSpc>
+                  <a:spcPct val="90000"/>
+                </a:lnSpc>
+                <a:spcBef>
+                  <a:spcPct val="0"/>
+                </a:spcBef>
+                <a:spcAft>
+                  <a:spcPct val="35000"/>
+                </a:spcAft>
+              </a:pPr>
+              <a:r>
+                <a:rPr lang="zh-CN" altLang="en-US" sz="3600" kern="1200" dirty="0" smtClean="0">
+                  <a:latin typeface="微软雅黑" pitchFamily="34" charset="-122"/>
+                  <a:ea typeface="微软雅黑" pitchFamily="34" charset="-122"/>
+                </a:rPr>
+                <a:t>数据访问层</a:t>
+              </a:r>
+              <a:endParaRPr lang="zh-CN" altLang="en-US" sz="3600" kern="1200" dirty="0">
+                <a:latin typeface="微软雅黑" pitchFamily="34" charset="-122"/>
+                <a:ea typeface="微软雅黑" pitchFamily="34" charset="-122"/>
+              </a:endParaRPr>
+            </a:p>
+          </p:txBody>
+        </p:sp>
+      </p:grpSp>
+      <p:sp>
+        <p:nvSpPr>
+          <p:cNvPr id="9" name="任意多边形 8"/>
+          <p:cNvSpPr/>
+          <p:nvPr/>
+        </p:nvSpPr>
+        <p:spPr>
+          <a:xfrm>
+            <a:off x="107505" y="1598396"/>
+            <a:ext cx="1584176" cy="3844364"/>
+          </a:xfrm>
+          <a:custGeom>
+            <a:avLst/>
+            <a:gdLst>
+              <a:gd name="connsiteX0" fmla="*/ 0 w 5539201"/>
+              <a:gd name="connsiteY0" fmla="*/ 121606 h 1216060"/>
+              <a:gd name="connsiteX1" fmla="*/ 121606 w 5539201"/>
+              <a:gd name="connsiteY1" fmla="*/ 0 h 1216060"/>
+              <a:gd name="connsiteX2" fmla="*/ 5417595 w 5539201"/>
+              <a:gd name="connsiteY2" fmla="*/ 0 h 1216060"/>
+              <a:gd name="connsiteX3" fmla="*/ 5539201 w 5539201"/>
+              <a:gd name="connsiteY3" fmla="*/ 121606 h 1216060"/>
+              <a:gd name="connsiteX4" fmla="*/ 5539201 w 5539201"/>
+              <a:gd name="connsiteY4" fmla="*/ 1094454 h 1216060"/>
+              <a:gd name="connsiteX5" fmla="*/ 5417595 w 5539201"/>
+              <a:gd name="connsiteY5" fmla="*/ 1216060 h 1216060"/>
+              <a:gd name="connsiteX6" fmla="*/ 121606 w 5539201"/>
+              <a:gd name="connsiteY6" fmla="*/ 1216060 h 1216060"/>
+              <a:gd name="connsiteX7" fmla="*/ 0 w 5539201"/>
+              <a:gd name="connsiteY7" fmla="*/ 1094454 h 1216060"/>
+              <a:gd name="connsiteX8" fmla="*/ 0 w 5539201"/>
+              <a:gd name="connsiteY8" fmla="*/ 121606 h 1216060"/>
+            </a:gdLst>
+            <a:ahLst/>
+            <a:cxnLst>
+              <a:cxn ang="0">
+                <a:pos x="connsiteX0" y="connsiteY0"/>
+              </a:cxn>
+              <a:cxn ang="0">
+                <a:pos x="connsiteX1" y="connsiteY1"/>
+              </a:cxn>
+              <a:cxn ang="0">
+                <a:pos x="connsiteX2" y="connsiteY2"/>
+              </a:cxn>
+              <a:cxn ang="0">
+                <a:pos x="connsiteX3" y="connsiteY3"/>
+              </a:cxn>
+              <a:cxn ang="0">
+                <a:pos x="connsiteX4" y="connsiteY4"/>
+              </a:cxn>
+              <a:cxn ang="0">
+                <a:pos x="connsiteX5" y="connsiteY5"/>
+              </a:cxn>
+              <a:cxn ang="0">
+                <a:pos x="connsiteX6" y="connsiteY6"/>
+              </a:cxn>
+              <a:cxn ang="0">
+                <a:pos x="connsiteX7" y="connsiteY7"/>
+              </a:cxn>
+              <a:cxn ang="0">
+                <a:pos x="connsiteX8" y="connsiteY8"/>
+              </a:cxn>
+            </a:cxnLst>
+            <a:rect l="l" t="t" r="r" b="b"/>
+            <a:pathLst>
+              <a:path w="5539201" h="1216060">
+                <a:moveTo>
+                  <a:pt x="0" y="121606"/>
+                </a:moveTo>
+                <a:cubicBezTo>
+                  <a:pt x="0" y="54445"/>
+                  <a:pt x="54445" y="0"/>
+                  <a:pt x="121606" y="0"/>
+                </a:cubicBezTo>
+                <a:lnTo>
+                  <a:pt x="5417595" y="0"/>
+                </a:lnTo>
+                <a:cubicBezTo>
+                  <a:pt x="5484756" y="0"/>
+                  <a:pt x="5539201" y="54445"/>
+                  <a:pt x="5539201" y="121606"/>
+                </a:cubicBezTo>
+                <a:lnTo>
+                  <a:pt x="5539201" y="1094454"/>
+                </a:lnTo>
+                <a:cubicBezTo>
+                  <a:pt x="5539201" y="1161615"/>
+                  <a:pt x="5484756" y="1216060"/>
+                  <a:pt x="5417595" y="1216060"/>
+                </a:cubicBezTo>
+                <a:lnTo>
+                  <a:pt x="121606" y="1216060"/>
+                </a:lnTo>
+                <a:cubicBezTo>
+                  <a:pt x="54445" y="1216060"/>
+                  <a:pt x="0" y="1161615"/>
+                  <a:pt x="0" y="1094454"/>
+                </a:cubicBezTo>
+                <a:lnTo>
+                  <a:pt x="0" y="121606"/>
+                </a:lnTo>
+                <a:close/>
+              </a:path>
+            </a:pathLst>
+          </a:custGeom>
+        </p:spPr>
+        <p:style>
+          <a:lnRef idx="2">
+            <a:schemeClr val="lt1">
+              <a:hueOff val="0"/>
+              <a:satOff val="0"/>
+              <a:lumOff val="0"/>
+              <a:alphaOff val="0"/>
+            </a:schemeClr>
+          </a:lnRef>
+          <a:fillRef idx="1">
+            <a:schemeClr val="accent1">
+              <a:hueOff val="0"/>
+              <a:satOff val="0"/>
+              <a:lumOff val="0"/>
+              <a:alphaOff val="0"/>
+            </a:schemeClr>
+          </a:fillRef>
+          <a:effectRef idx="0">
+            <a:schemeClr val="accent1">
+              <a:hueOff val="0"/>
+              <a:satOff val="0"/>
+              <a:lumOff val="0"/>
+              <a:alphaOff val="0"/>
+            </a:schemeClr>
+          </a:effectRef>
+          <a:fontRef idx="minor">
+            <a:schemeClr val="lt1"/>
+          </a:fontRef>
+        </p:style>
+        <p:txBody>
+          <a:bodyPr spcFirstLastPara="0" vert="horz" wrap="square" lIns="226117" tIns="226117" rIns="226117" bIns="226117" numCol="1" spcCol="1270" anchor="ctr" anchorCtr="0">
+            <a:noAutofit/>
+          </a:bodyPr>
+          <a:lstStyle/>
+          <a:p>
+            <a:pPr lvl="0" algn="ctr" defTabSz="2222500">
+              <a:lnSpc>
+                <a:spcPct val="90000"/>
+              </a:lnSpc>
+              <a:spcBef>
+                <a:spcPct val="0"/>
+              </a:spcBef>
+              <a:spcAft>
+                <a:spcPct val="35000"/>
+              </a:spcAft>
+            </a:pPr>
+            <a:r>
+              <a:rPr lang="zh-CN" altLang="en-US" sz="3600" kern="1200" dirty="0" smtClean="0">
+                <a:latin typeface="微软雅黑" pitchFamily="34" charset="-122"/>
+                <a:ea typeface="微软雅黑" pitchFamily="34" charset="-122"/>
+              </a:rPr>
+              <a:t>业务实体</a:t>
+            </a:r>
+            <a:endParaRPr lang="zh-CN" altLang="en-US" sz="3600" kern="1200" dirty="0">
+              <a:latin typeface="微软雅黑" pitchFamily="34" charset="-122"/>
+              <a:ea typeface="微软雅黑" pitchFamily="34" charset="-122"/>
+            </a:endParaRPr>
+          </a:p>
+        </p:txBody>
+      </p:sp>
+      <p:sp>
+        <p:nvSpPr>
+          <p:cNvPr id="10" name="任意多边形 9"/>
+          <p:cNvSpPr/>
+          <p:nvPr/>
+        </p:nvSpPr>
+        <p:spPr>
+          <a:xfrm>
+            <a:off x="7452320" y="1598396"/>
+            <a:ext cx="1584176" cy="3844364"/>
+          </a:xfrm>
+          <a:custGeom>
+            <a:avLst/>
+            <a:gdLst>
+              <a:gd name="connsiteX0" fmla="*/ 0 w 5539201"/>
+              <a:gd name="connsiteY0" fmla="*/ 121606 h 1216060"/>
+              <a:gd name="connsiteX1" fmla="*/ 121606 w 5539201"/>
+              <a:gd name="connsiteY1" fmla="*/ 0 h 1216060"/>
+              <a:gd name="connsiteX2" fmla="*/ 5417595 w 5539201"/>
+              <a:gd name="connsiteY2" fmla="*/ 0 h 1216060"/>
+              <a:gd name="connsiteX3" fmla="*/ 5539201 w 5539201"/>
+              <a:gd name="connsiteY3" fmla="*/ 121606 h 1216060"/>
+              <a:gd name="connsiteX4" fmla="*/ 5539201 w 5539201"/>
+              <a:gd name="connsiteY4" fmla="*/ 1094454 h 1216060"/>
+              <a:gd name="connsiteX5" fmla="*/ 5417595 w 5539201"/>
+              <a:gd name="connsiteY5" fmla="*/ 1216060 h 1216060"/>
+              <a:gd name="connsiteX6" fmla="*/ 121606 w 5539201"/>
+              <a:gd name="connsiteY6" fmla="*/ 1216060 h 1216060"/>
+              <a:gd name="connsiteX7" fmla="*/ 0 w 5539201"/>
+              <a:gd name="connsiteY7" fmla="*/ 1094454 h 1216060"/>
+              <a:gd name="connsiteX8" fmla="*/ 0 w 5539201"/>
+              <a:gd name="connsiteY8" fmla="*/ 121606 h 1216060"/>
+            </a:gdLst>
+            <a:ahLst/>
+            <a:cxnLst>
+              <a:cxn ang="0">
+                <a:pos x="connsiteX0" y="connsiteY0"/>
+              </a:cxn>
+              <a:cxn ang="0">
+                <a:pos x="connsiteX1" y="connsiteY1"/>
+              </a:cxn>
+              <a:cxn ang="0">
+                <a:pos x="connsiteX2" y="connsiteY2"/>
+              </a:cxn>
+              <a:cxn ang="0">
+                <a:pos x="connsiteX3" y="connsiteY3"/>
+              </a:cxn>
+              <a:cxn ang="0">
+                <a:pos x="connsiteX4" y="connsiteY4"/>
+              </a:cxn>
+              <a:cxn ang="0">
+                <a:pos x="connsiteX5" y="connsiteY5"/>
+              </a:cxn>
+              <a:cxn ang="0">
+                <a:pos x="connsiteX6" y="connsiteY6"/>
+              </a:cxn>
+              <a:cxn ang="0">
+                <a:pos x="connsiteX7" y="connsiteY7"/>
+              </a:cxn>
+              <a:cxn ang="0">
+                <a:pos x="connsiteX8" y="connsiteY8"/>
+              </a:cxn>
+            </a:cxnLst>
+            <a:rect l="l" t="t" r="r" b="b"/>
+            <a:pathLst>
+              <a:path w="5539201" h="1216060">
+                <a:moveTo>
+                  <a:pt x="0" y="121606"/>
+                </a:moveTo>
+                <a:cubicBezTo>
+                  <a:pt x="0" y="54445"/>
+                  <a:pt x="54445" y="0"/>
+                  <a:pt x="121606" y="0"/>
+                </a:cubicBezTo>
+                <a:lnTo>
+                  <a:pt x="5417595" y="0"/>
+                </a:lnTo>
+                <a:cubicBezTo>
+                  <a:pt x="5484756" y="0"/>
+                  <a:pt x="5539201" y="54445"/>
+                  <a:pt x="5539201" y="121606"/>
+                </a:cubicBezTo>
+                <a:lnTo>
+                  <a:pt x="5539201" y="1094454"/>
+                </a:lnTo>
+                <a:cubicBezTo>
+                  <a:pt x="5539201" y="1161615"/>
+                  <a:pt x="5484756" y="1216060"/>
+                  <a:pt x="5417595" y="1216060"/>
+                </a:cubicBezTo>
+                <a:lnTo>
+                  <a:pt x="121606" y="1216060"/>
+                </a:lnTo>
+                <a:cubicBezTo>
+                  <a:pt x="54445" y="1216060"/>
+                  <a:pt x="0" y="1161615"/>
+                  <a:pt x="0" y="1094454"/>
+                </a:cubicBezTo>
+                <a:lnTo>
+                  <a:pt x="0" y="121606"/>
+                </a:lnTo>
+                <a:close/>
+              </a:path>
+            </a:pathLst>
+          </a:custGeom>
+        </p:spPr>
+        <p:style>
+          <a:lnRef idx="2">
+            <a:schemeClr val="lt1">
+              <a:hueOff val="0"/>
+              <a:satOff val="0"/>
+              <a:lumOff val="0"/>
+              <a:alphaOff val="0"/>
+            </a:schemeClr>
+          </a:lnRef>
+          <a:fillRef idx="1">
+            <a:schemeClr val="accent1">
+              <a:hueOff val="0"/>
+              <a:satOff val="0"/>
+              <a:lumOff val="0"/>
+              <a:alphaOff val="0"/>
+            </a:schemeClr>
+          </a:fillRef>
+          <a:effectRef idx="0">
+            <a:schemeClr val="accent1">
+              <a:hueOff val="0"/>
+              <a:satOff val="0"/>
+              <a:lumOff val="0"/>
+              <a:alphaOff val="0"/>
+            </a:schemeClr>
+          </a:effectRef>
+          <a:fontRef idx="minor">
+            <a:schemeClr val="lt1"/>
+          </a:fontRef>
+        </p:style>
+        <p:txBody>
+          <a:bodyPr spcFirstLastPara="0" vert="horz" wrap="square" lIns="226117" tIns="226117" rIns="226117" bIns="226117" numCol="1" spcCol="1270" anchor="ctr" anchorCtr="0">
+            <a:noAutofit/>
+          </a:bodyPr>
+          <a:lstStyle/>
+          <a:p>
+            <a:pPr lvl="0" algn="ctr" defTabSz="2222500">
+              <a:lnSpc>
+                <a:spcPct val="90000"/>
+              </a:lnSpc>
+              <a:spcBef>
+                <a:spcPct val="0"/>
+              </a:spcBef>
+              <a:spcAft>
+                <a:spcPct val="35000"/>
+              </a:spcAft>
+            </a:pPr>
+            <a:r>
+              <a:rPr lang="zh-CN" altLang="en-US" sz="3600" kern="1200" dirty="0" smtClean="0">
+                <a:latin typeface="微软雅黑" pitchFamily="34" charset="-122"/>
+                <a:ea typeface="微软雅黑" pitchFamily="34" charset="-122"/>
+              </a:rPr>
+              <a:t>通用类库</a:t>
+            </a:r>
+            <a:endParaRPr lang="zh-CN" altLang="en-US" sz="3600" kern="1200" dirty="0">
+              <a:latin typeface="微软雅黑" pitchFamily="34" charset="-122"/>
+              <a:ea typeface="微软雅黑" pitchFamily="34" charset="-122"/>
+            </a:endParaRPr>
+          </a:p>
+        </p:txBody>
+      </p:sp>
+      <p:sp>
+        <p:nvSpPr>
+          <p:cNvPr id="11" name="流程图: 磁盘 10"/>
+          <p:cNvSpPr/>
+          <p:nvPr/>
+        </p:nvSpPr>
+        <p:spPr>
+          <a:xfrm>
+            <a:off x="3131839" y="5616624"/>
+            <a:ext cx="2952328" cy="1124744"/>
+          </a:xfrm>
+          <a:prstGeom prst="flowChartMagneticDisk">
+            <a:avLst/>
+          </a:prstGeom>
+        </p:spPr>
+        <p:style>
+          <a:lnRef idx="2">
+            <a:schemeClr val="accent1">
+              <a:shade val="50000"/>
+            </a:schemeClr>
+          </a:lnRef>
+          <a:fillRef idx="1">
+            <a:schemeClr val="accent1"/>
+          </a:fillRef>
+          <a:effectRef idx="0">
+            <a:schemeClr val="accent1"/>
+          </a:effectRef>
+          <a:fontRef idx="minor">
+            <a:schemeClr val="lt1"/>
+          </a:fontRef>
+        </p:style>
+        <p:txBody>
+          <a:bodyPr rtlCol="0" anchor="ctr"/>
+          <a:lstStyle/>
+          <a:p>
+            <a:pPr algn="ctr"/>
+            <a:r>
+              <a:rPr lang="zh-CN" altLang="en-US" sz="3600" dirty="0" smtClean="0">
+                <a:latin typeface="微软雅黑" pitchFamily="34" charset="-122"/>
+                <a:ea typeface="微软雅黑" pitchFamily="34" charset="-122"/>
+              </a:rPr>
+              <a:t>数据库</a:t>
+            </a:r>
+            <a:endParaRPr lang="zh-CN" altLang="en-US" sz="3600" dirty="0">
+              <a:latin typeface="微软雅黑" pitchFamily="34" charset="-122"/>
+              <a:ea typeface="微软雅黑" pitchFamily="34" charset="-122"/>
+            </a:endParaRPr>
+          </a:p>
+        </p:txBody>
+      </p:sp>
+    </p:spTree>
+    <p:extLst>
+      <p:ext uri="{BB962C8B-B14F-4D97-AF65-F5344CB8AC3E}">
+        <p14:creationId xmlns:p14="http://schemas.microsoft.com/office/powerpoint/2010/main" val="3572417204"/>
+      </p:ext>
+    </p:extLst>
+  </p:cSld>
+  <p:clrMapOvr>
+    <a:masterClrMapping/>
+  </p:clrMapOvr>
+  <p:timing>
+    <p:tnLst>
+      <p:par>
+        <p:cTn id="1" dur="indefinite" restart="never" nodeType="tmRoot"/>
+      </p:par>
+    </p:tnLst>
+  </p:timing>
+</p:sld>
+</file>
+
+<file path=ppt/slides/slide14.xml><?xml version="1.0" encoding="utf-8"?>
+<p:sld xmlns:a="http://schemas.openxmlformats.org/drawingml/2006/main" xmlns:r="http://schemas.openxmlformats.org/officeDocument/2006/relationships" xmlns:p="http://schemas.openxmlformats.org/presentationml/2006/main">
+  <p:cSld>
+    <p:spTree>
+      <p:nvGrpSpPr>
+        <p:cNvPr id="1" name=""/>
+        <p:cNvGrpSpPr/>
+        <p:nvPr/>
+      </p:nvGrpSpPr>
+      <p:grpSpPr>
+        <a:xfrm>
+          <a:off x="0" y="0"/>
+          <a:ext cx="0" cy="0"/>
+          <a:chOff x="0" y="0"/>
+          <a:chExt cx="0" cy="0"/>
+        </a:xfrm>
+      </p:grpSpPr>
+      <p:sp>
+        <p:nvSpPr>
+          <p:cNvPr id="2" name="标题 1"/>
+          <p:cNvSpPr>
+            <a:spLocks noGrp="1"/>
+          </p:cNvSpPr>
+          <p:nvPr>
+            <p:ph type="title"/>
+          </p:nvPr>
+        </p:nvSpPr>
+        <p:spPr/>
+        <p:txBody>
+          <a:bodyPr/>
+          <a:lstStyle/>
+          <a:p>
+            <a:r>
+              <a:rPr lang="zh-CN" altLang="en-US" dirty="0" smtClean="0"/>
+              <a:t>常用系统结构</a:t>
+            </a:r>
+            <a:endParaRPr lang="zh-CN" altLang="en-US" dirty="0"/>
+          </a:p>
+        </p:txBody>
+      </p:sp>
+      <p:sp>
+        <p:nvSpPr>
+          <p:cNvPr id="3" name="内容占位符 2"/>
+          <p:cNvSpPr>
+            <a:spLocks noGrp="1"/>
+          </p:cNvSpPr>
+          <p:nvPr>
+            <p:ph idx="1"/>
+          </p:nvPr>
+        </p:nvSpPr>
+        <p:spPr/>
+        <p:txBody>
+          <a:bodyPr/>
+          <a:lstStyle/>
+          <a:p>
+            <a:endParaRPr lang="zh-CN" altLang="en-US"/>
+          </a:p>
+        </p:txBody>
+      </p:sp>
+      <p:grpSp>
+        <p:nvGrpSpPr>
+          <p:cNvPr id="4" name="组合 3"/>
+          <p:cNvGrpSpPr/>
+          <p:nvPr/>
+        </p:nvGrpSpPr>
+        <p:grpSpPr>
+          <a:xfrm>
+            <a:off x="1838403" y="1598396"/>
+            <a:ext cx="5539201" cy="3844364"/>
+            <a:chOff x="1838403" y="1598396"/>
+            <a:chExt cx="5539201" cy="3844364"/>
+          </a:xfrm>
+        </p:grpSpPr>
+        <p:sp>
+          <p:nvSpPr>
+            <p:cNvPr id="5" name="任意多边形 4"/>
+            <p:cNvSpPr/>
+            <p:nvPr/>
+          </p:nvSpPr>
+          <p:spPr>
+            <a:xfrm>
+              <a:off x="1838403" y="1598396"/>
+              <a:ext cx="5539201" cy="1216060"/>
+            </a:xfrm>
+            <a:custGeom>
+              <a:avLst/>
+              <a:gdLst>
+                <a:gd name="connsiteX0" fmla="*/ 0 w 5539201"/>
+                <a:gd name="connsiteY0" fmla="*/ 121606 h 1216060"/>
+                <a:gd name="connsiteX1" fmla="*/ 121606 w 5539201"/>
+                <a:gd name="connsiteY1" fmla="*/ 0 h 1216060"/>
+                <a:gd name="connsiteX2" fmla="*/ 5417595 w 5539201"/>
+                <a:gd name="connsiteY2" fmla="*/ 0 h 1216060"/>
+                <a:gd name="connsiteX3" fmla="*/ 5539201 w 5539201"/>
+                <a:gd name="connsiteY3" fmla="*/ 121606 h 1216060"/>
+                <a:gd name="connsiteX4" fmla="*/ 5539201 w 5539201"/>
+                <a:gd name="connsiteY4" fmla="*/ 1094454 h 1216060"/>
+                <a:gd name="connsiteX5" fmla="*/ 5417595 w 5539201"/>
+                <a:gd name="connsiteY5" fmla="*/ 1216060 h 1216060"/>
+                <a:gd name="connsiteX6" fmla="*/ 121606 w 5539201"/>
+                <a:gd name="connsiteY6" fmla="*/ 1216060 h 1216060"/>
+                <a:gd name="connsiteX7" fmla="*/ 0 w 5539201"/>
+                <a:gd name="connsiteY7" fmla="*/ 1094454 h 1216060"/>
+                <a:gd name="connsiteX8" fmla="*/ 0 w 5539201"/>
+                <a:gd name="connsiteY8" fmla="*/ 121606 h 1216060"/>
+              </a:gdLst>
+              <a:ahLst/>
+              <a:cxnLst>
+                <a:cxn ang="0">
+                  <a:pos x="connsiteX0" y="connsiteY0"/>
+                </a:cxn>
+                <a:cxn ang="0">
+                  <a:pos x="connsiteX1" y="connsiteY1"/>
+                </a:cxn>
+                <a:cxn ang="0">
+                  <a:pos x="connsiteX2" y="connsiteY2"/>
+                </a:cxn>
+                <a:cxn ang="0">
+                  <a:pos x="connsiteX3" y="connsiteY3"/>
+                </a:cxn>
+                <a:cxn ang="0">
+                  <a:pos x="connsiteX4" y="connsiteY4"/>
+                </a:cxn>
+                <a:cxn ang="0">
+                  <a:pos x="connsiteX5" y="connsiteY5"/>
+                </a:cxn>
+                <a:cxn ang="0">
+                  <a:pos x="connsiteX6" y="connsiteY6"/>
+                </a:cxn>
+                <a:cxn ang="0">
+                  <a:pos x="connsiteX7" y="connsiteY7"/>
+                </a:cxn>
+                <a:cxn ang="0">
+                  <a:pos x="connsiteX8" y="connsiteY8"/>
+                </a:cxn>
+              </a:cxnLst>
+              <a:rect l="l" t="t" r="r" b="b"/>
+              <a:pathLst>
+                <a:path w="5539201" h="1216060">
+                  <a:moveTo>
+                    <a:pt x="0" y="121606"/>
+                  </a:moveTo>
+                  <a:cubicBezTo>
+                    <a:pt x="0" y="54445"/>
+                    <a:pt x="54445" y="0"/>
+                    <a:pt x="121606" y="0"/>
+                  </a:cubicBezTo>
+                  <a:lnTo>
+                    <a:pt x="5417595" y="0"/>
+                  </a:lnTo>
+                  <a:cubicBezTo>
+                    <a:pt x="5484756" y="0"/>
+                    <a:pt x="5539201" y="54445"/>
+                    <a:pt x="5539201" y="121606"/>
+                  </a:cubicBezTo>
+                  <a:lnTo>
+                    <a:pt x="5539201" y="1094454"/>
+                  </a:lnTo>
+                  <a:cubicBezTo>
+                    <a:pt x="5539201" y="1161615"/>
+                    <a:pt x="5484756" y="1216060"/>
+                    <a:pt x="5417595" y="1216060"/>
+                  </a:cubicBezTo>
+                  <a:lnTo>
+                    <a:pt x="121606" y="1216060"/>
+                  </a:lnTo>
+                  <a:cubicBezTo>
+                    <a:pt x="54445" y="1216060"/>
+                    <a:pt x="0" y="1161615"/>
+                    <a:pt x="0" y="1094454"/>
+                  </a:cubicBezTo>
+                  <a:lnTo>
+                    <a:pt x="0" y="121606"/>
+                  </a:lnTo>
+                  <a:close/>
+                </a:path>
+              </a:pathLst>
+            </a:custGeom>
+          </p:spPr>
+          <p:style>
+            <a:lnRef idx="2">
+              <a:schemeClr val="lt1">
+                <a:hueOff val="0"/>
+                <a:satOff val="0"/>
+                <a:lumOff val="0"/>
+                <a:alphaOff val="0"/>
+              </a:schemeClr>
+            </a:lnRef>
+            <a:fillRef idx="1">
+              <a:schemeClr val="accent1">
+                <a:hueOff val="0"/>
+                <a:satOff val="0"/>
+                <a:lumOff val="0"/>
+                <a:alphaOff val="0"/>
+              </a:schemeClr>
+            </a:fillRef>
+            <a:effectRef idx="0">
+              <a:schemeClr val="accent1">
+                <a:hueOff val="0"/>
+                <a:satOff val="0"/>
+                <a:lumOff val="0"/>
+                <a:alphaOff val="0"/>
+              </a:schemeClr>
+            </a:effectRef>
+            <a:fontRef idx="minor">
+              <a:schemeClr val="lt1"/>
+            </a:fontRef>
+          </p:style>
+          <p:txBody>
+            <a:bodyPr spcFirstLastPara="0" vert="horz" wrap="square" lIns="226117" tIns="226117" rIns="226117" bIns="226117" numCol="1" spcCol="1270" anchor="ctr" anchorCtr="0">
+              <a:noAutofit/>
+            </a:bodyPr>
+            <a:lstStyle/>
+            <a:p>
+              <a:pPr lvl="0" algn="ctr" defTabSz="2222500">
+                <a:lnSpc>
+                  <a:spcPct val="90000"/>
+                </a:lnSpc>
+                <a:spcBef>
+                  <a:spcPct val="0"/>
+                </a:spcBef>
+                <a:spcAft>
+                  <a:spcPct val="35000"/>
+                </a:spcAft>
+              </a:pPr>
+              <a:r>
+                <a:rPr lang="en-US" altLang="zh-CN" sz="3600" kern="1200" dirty="0" smtClean="0">
+                  <a:latin typeface="微软雅黑" pitchFamily="34" charset="-122"/>
+                  <a:ea typeface="微软雅黑" pitchFamily="34" charset="-122"/>
+                </a:rPr>
+                <a:t>UI</a:t>
+              </a:r>
+              <a:endParaRPr lang="zh-CN" altLang="en-US" sz="3600" kern="1200" dirty="0">
+                <a:latin typeface="微软雅黑" pitchFamily="34" charset="-122"/>
+                <a:ea typeface="微软雅黑" pitchFamily="34" charset="-122"/>
+              </a:endParaRPr>
+            </a:p>
+          </p:txBody>
+        </p:sp>
+        <p:sp>
+          <p:nvSpPr>
+            <p:cNvPr id="6" name="任意多边形 5"/>
+            <p:cNvSpPr/>
+            <p:nvPr/>
+          </p:nvSpPr>
+          <p:spPr>
+            <a:xfrm>
+              <a:off x="1838403" y="2912548"/>
+              <a:ext cx="5539201" cy="1216060"/>
+            </a:xfrm>
+            <a:custGeom>
+              <a:avLst/>
+              <a:gdLst>
+                <a:gd name="connsiteX0" fmla="*/ 0 w 5539201"/>
+                <a:gd name="connsiteY0" fmla="*/ 121606 h 1216060"/>
+                <a:gd name="connsiteX1" fmla="*/ 121606 w 5539201"/>
+                <a:gd name="connsiteY1" fmla="*/ 0 h 1216060"/>
+                <a:gd name="connsiteX2" fmla="*/ 5417595 w 5539201"/>
+                <a:gd name="connsiteY2" fmla="*/ 0 h 1216060"/>
+                <a:gd name="connsiteX3" fmla="*/ 5539201 w 5539201"/>
+                <a:gd name="connsiteY3" fmla="*/ 121606 h 1216060"/>
+                <a:gd name="connsiteX4" fmla="*/ 5539201 w 5539201"/>
+                <a:gd name="connsiteY4" fmla="*/ 1094454 h 1216060"/>
+                <a:gd name="connsiteX5" fmla="*/ 5417595 w 5539201"/>
+                <a:gd name="connsiteY5" fmla="*/ 1216060 h 1216060"/>
+                <a:gd name="connsiteX6" fmla="*/ 121606 w 5539201"/>
+                <a:gd name="connsiteY6" fmla="*/ 1216060 h 1216060"/>
+                <a:gd name="connsiteX7" fmla="*/ 0 w 5539201"/>
+                <a:gd name="connsiteY7" fmla="*/ 1094454 h 1216060"/>
+                <a:gd name="connsiteX8" fmla="*/ 0 w 5539201"/>
+                <a:gd name="connsiteY8" fmla="*/ 121606 h 1216060"/>
+              </a:gdLst>
+              <a:ahLst/>
+              <a:cxnLst>
+                <a:cxn ang="0">
+                  <a:pos x="connsiteX0" y="connsiteY0"/>
+                </a:cxn>
+                <a:cxn ang="0">
+                  <a:pos x="connsiteX1" y="connsiteY1"/>
+                </a:cxn>
+                <a:cxn ang="0">
+                  <a:pos x="connsiteX2" y="connsiteY2"/>
+                </a:cxn>
+                <a:cxn ang="0">
+                  <a:pos x="connsiteX3" y="connsiteY3"/>
+                </a:cxn>
+                <a:cxn ang="0">
+                  <a:pos x="connsiteX4" y="connsiteY4"/>
+                </a:cxn>
+                <a:cxn ang="0">
+                  <a:pos x="connsiteX5" y="connsiteY5"/>
+                </a:cxn>
+                <a:cxn ang="0">
+                  <a:pos x="connsiteX6" y="connsiteY6"/>
+                </a:cxn>
+                <a:cxn ang="0">
+                  <a:pos x="connsiteX7" y="connsiteY7"/>
+                </a:cxn>
+                <a:cxn ang="0">
+                  <a:pos x="connsiteX8" y="connsiteY8"/>
+                </a:cxn>
+              </a:cxnLst>
+              <a:rect l="l" t="t" r="r" b="b"/>
+              <a:pathLst>
+                <a:path w="5539201" h="1216060">
+                  <a:moveTo>
+                    <a:pt x="0" y="121606"/>
+                  </a:moveTo>
+                  <a:cubicBezTo>
+                    <a:pt x="0" y="54445"/>
+                    <a:pt x="54445" y="0"/>
+                    <a:pt x="121606" y="0"/>
+                  </a:cubicBezTo>
+                  <a:lnTo>
+                    <a:pt x="5417595" y="0"/>
+                  </a:lnTo>
+                  <a:cubicBezTo>
+                    <a:pt x="5484756" y="0"/>
+                    <a:pt x="5539201" y="54445"/>
+                    <a:pt x="5539201" y="121606"/>
+                  </a:cubicBezTo>
+                  <a:lnTo>
+                    <a:pt x="5539201" y="1094454"/>
+                  </a:lnTo>
+                  <a:cubicBezTo>
+                    <a:pt x="5539201" y="1161615"/>
+                    <a:pt x="5484756" y="1216060"/>
+                    <a:pt x="5417595" y="1216060"/>
+                  </a:cubicBezTo>
+                  <a:lnTo>
+                    <a:pt x="121606" y="1216060"/>
+                  </a:lnTo>
+                  <a:cubicBezTo>
+                    <a:pt x="54445" y="1216060"/>
+                    <a:pt x="0" y="1161615"/>
+                    <a:pt x="0" y="1094454"/>
+                  </a:cubicBezTo>
+                  <a:lnTo>
+                    <a:pt x="0" y="121606"/>
+                  </a:lnTo>
+                  <a:close/>
+                </a:path>
+              </a:pathLst>
+            </a:custGeom>
+          </p:spPr>
+          <p:style>
+            <a:lnRef idx="2">
+              <a:schemeClr val="lt1">
+                <a:hueOff val="0"/>
+                <a:satOff val="0"/>
+                <a:lumOff val="0"/>
+                <a:alphaOff val="0"/>
+              </a:schemeClr>
+            </a:lnRef>
+            <a:fillRef idx="1">
+              <a:schemeClr val="accent1">
+                <a:hueOff val="0"/>
+                <a:satOff val="0"/>
+                <a:lumOff val="0"/>
+                <a:alphaOff val="0"/>
+              </a:schemeClr>
+            </a:fillRef>
+            <a:effectRef idx="0">
+              <a:schemeClr val="accent1">
+                <a:hueOff val="0"/>
+                <a:satOff val="0"/>
+                <a:lumOff val="0"/>
+                <a:alphaOff val="0"/>
+              </a:schemeClr>
+            </a:effectRef>
+            <a:fontRef idx="minor">
+              <a:schemeClr val="lt1"/>
+            </a:fontRef>
+          </p:style>
+          <p:txBody>
+            <a:bodyPr spcFirstLastPara="0" vert="horz" wrap="square" lIns="226117" tIns="226117" rIns="226117" bIns="226117" numCol="1" spcCol="1270" anchor="ctr" anchorCtr="0">
+              <a:noAutofit/>
+            </a:bodyPr>
+            <a:lstStyle/>
+            <a:p>
+              <a:pPr lvl="0" algn="ctr" defTabSz="2222500">
+                <a:lnSpc>
+                  <a:spcPct val="90000"/>
+                </a:lnSpc>
+                <a:spcBef>
+                  <a:spcPct val="0"/>
+                </a:spcBef>
+                <a:spcAft>
+                  <a:spcPct val="35000"/>
+                </a:spcAft>
+              </a:pPr>
+              <a:r>
+                <a:rPr lang="zh-CN" altLang="en-US" sz="3600" kern="1200" dirty="0" smtClean="0">
+                  <a:latin typeface="微软雅黑" pitchFamily="34" charset="-122"/>
+                  <a:ea typeface="微软雅黑" pitchFamily="34" charset="-122"/>
+                </a:rPr>
+                <a:t>流程控制逻辑</a:t>
+              </a:r>
+              <a:endParaRPr lang="zh-CN" altLang="en-US" sz="3600" kern="1200" dirty="0">
+                <a:latin typeface="微软雅黑" pitchFamily="34" charset="-122"/>
+                <a:ea typeface="微软雅黑" pitchFamily="34" charset="-122"/>
+              </a:endParaRPr>
+            </a:p>
+          </p:txBody>
+        </p:sp>
+        <p:sp>
+          <p:nvSpPr>
+            <p:cNvPr id="7" name="任意多边形 6"/>
+            <p:cNvSpPr/>
+            <p:nvPr/>
+          </p:nvSpPr>
+          <p:spPr>
+            <a:xfrm>
+              <a:off x="1838403" y="4226700"/>
+              <a:ext cx="5539201" cy="1216060"/>
+            </a:xfrm>
+            <a:custGeom>
+              <a:avLst/>
+              <a:gdLst>
+                <a:gd name="connsiteX0" fmla="*/ 0 w 5539201"/>
+                <a:gd name="connsiteY0" fmla="*/ 121606 h 1216060"/>
+                <a:gd name="connsiteX1" fmla="*/ 121606 w 5539201"/>
+                <a:gd name="connsiteY1" fmla="*/ 0 h 1216060"/>
+                <a:gd name="connsiteX2" fmla="*/ 5417595 w 5539201"/>
+                <a:gd name="connsiteY2" fmla="*/ 0 h 1216060"/>
+                <a:gd name="connsiteX3" fmla="*/ 5539201 w 5539201"/>
+                <a:gd name="connsiteY3" fmla="*/ 121606 h 1216060"/>
+                <a:gd name="connsiteX4" fmla="*/ 5539201 w 5539201"/>
+                <a:gd name="connsiteY4" fmla="*/ 1094454 h 1216060"/>
+                <a:gd name="connsiteX5" fmla="*/ 5417595 w 5539201"/>
+                <a:gd name="connsiteY5" fmla="*/ 1216060 h 1216060"/>
+                <a:gd name="connsiteX6" fmla="*/ 121606 w 5539201"/>
+                <a:gd name="connsiteY6" fmla="*/ 1216060 h 1216060"/>
+                <a:gd name="connsiteX7" fmla="*/ 0 w 5539201"/>
+                <a:gd name="connsiteY7" fmla="*/ 1094454 h 1216060"/>
+                <a:gd name="connsiteX8" fmla="*/ 0 w 5539201"/>
+                <a:gd name="connsiteY8" fmla="*/ 121606 h 1216060"/>
+              </a:gdLst>
+              <a:ahLst/>
+              <a:cxnLst>
+                <a:cxn ang="0">
+                  <a:pos x="connsiteX0" y="connsiteY0"/>
+                </a:cxn>
+                <a:cxn ang="0">
+                  <a:pos x="connsiteX1" y="connsiteY1"/>
+                </a:cxn>
+                <a:cxn ang="0">
+                  <a:pos x="connsiteX2" y="connsiteY2"/>
+                </a:cxn>
+                <a:cxn ang="0">
+                  <a:pos x="connsiteX3" y="connsiteY3"/>
+                </a:cxn>
+                <a:cxn ang="0">
+                  <a:pos x="connsiteX4" y="connsiteY4"/>
+                </a:cxn>
+                <a:cxn ang="0">
+                  <a:pos x="connsiteX5" y="connsiteY5"/>
+                </a:cxn>
+                <a:cxn ang="0">
+                  <a:pos x="connsiteX6" y="connsiteY6"/>
+                </a:cxn>
+                <a:cxn ang="0">
+                  <a:pos x="connsiteX7" y="connsiteY7"/>
+                </a:cxn>
+                <a:cxn ang="0">
+                  <a:pos x="connsiteX8" y="connsiteY8"/>
+                </a:cxn>
+              </a:cxnLst>
+              <a:rect l="l" t="t" r="r" b="b"/>
+              <a:pathLst>
+                <a:path w="5539201" h="1216060">
+                  <a:moveTo>
+                    <a:pt x="0" y="121606"/>
+                  </a:moveTo>
+                  <a:cubicBezTo>
+                    <a:pt x="0" y="54445"/>
+                    <a:pt x="54445" y="0"/>
+                    <a:pt x="121606" y="0"/>
+                  </a:cubicBezTo>
+                  <a:lnTo>
+                    <a:pt x="5417595" y="0"/>
+                  </a:lnTo>
+                  <a:cubicBezTo>
+                    <a:pt x="5484756" y="0"/>
+                    <a:pt x="5539201" y="54445"/>
+                    <a:pt x="5539201" y="121606"/>
+                  </a:cubicBezTo>
+                  <a:lnTo>
+                    <a:pt x="5539201" y="1094454"/>
+                  </a:lnTo>
+                  <a:cubicBezTo>
+                    <a:pt x="5539201" y="1161615"/>
+                    <a:pt x="5484756" y="1216060"/>
+                    <a:pt x="5417595" y="1216060"/>
+                  </a:cubicBezTo>
+                  <a:lnTo>
+                    <a:pt x="121606" y="1216060"/>
+                  </a:lnTo>
+                  <a:cubicBezTo>
+                    <a:pt x="54445" y="1216060"/>
+                    <a:pt x="0" y="1161615"/>
+                    <a:pt x="0" y="1094454"/>
+                  </a:cubicBezTo>
+                  <a:lnTo>
+                    <a:pt x="0" y="121606"/>
+                  </a:lnTo>
+                  <a:close/>
+                </a:path>
+              </a:pathLst>
+            </a:custGeom>
+          </p:spPr>
+          <p:style>
+            <a:lnRef idx="2">
+              <a:schemeClr val="lt1">
+                <a:hueOff val="0"/>
+                <a:satOff val="0"/>
+                <a:lumOff val="0"/>
+                <a:alphaOff val="0"/>
+              </a:schemeClr>
+            </a:lnRef>
+            <a:fillRef idx="1">
+              <a:schemeClr val="accent1">
+                <a:hueOff val="0"/>
+                <a:satOff val="0"/>
+                <a:lumOff val="0"/>
+                <a:alphaOff val="0"/>
+              </a:schemeClr>
+            </a:fillRef>
+            <a:effectRef idx="0">
+              <a:schemeClr val="accent1">
+                <a:hueOff val="0"/>
+                <a:satOff val="0"/>
+                <a:lumOff val="0"/>
+                <a:alphaOff val="0"/>
+              </a:schemeClr>
+            </a:effectRef>
+            <a:fontRef idx="minor">
+              <a:schemeClr val="lt1"/>
+            </a:fontRef>
+          </p:style>
+          <p:txBody>
+            <a:bodyPr spcFirstLastPara="0" vert="horz" wrap="square" lIns="226117" tIns="226117" rIns="226117" bIns="226117" numCol="1" spcCol="1270" anchor="ctr" anchorCtr="0">
+              <a:noAutofit/>
+            </a:bodyPr>
+            <a:lstStyle/>
+            <a:p>
+              <a:pPr lvl="0" algn="ctr" defTabSz="2222500">
+                <a:lnSpc>
+                  <a:spcPct val="90000"/>
+                </a:lnSpc>
+                <a:spcBef>
+                  <a:spcPct val="0"/>
+                </a:spcBef>
+                <a:spcAft>
+                  <a:spcPct val="35000"/>
+                </a:spcAft>
+              </a:pPr>
+              <a:r>
+                <a:rPr lang="zh-CN" altLang="en-US" sz="3600" kern="1200" dirty="0" smtClean="0">
+                  <a:latin typeface="微软雅黑" pitchFamily="34" charset="-122"/>
+                  <a:ea typeface="微软雅黑" pitchFamily="34" charset="-122"/>
+                </a:rPr>
+                <a:t>参数访问接口</a:t>
+              </a:r>
+              <a:endParaRPr lang="zh-CN" altLang="en-US" sz="3600" kern="1200" dirty="0">
+                <a:latin typeface="微软雅黑" pitchFamily="34" charset="-122"/>
+                <a:ea typeface="微软雅黑" pitchFamily="34" charset="-122"/>
+              </a:endParaRPr>
+            </a:p>
+          </p:txBody>
+        </p:sp>
+      </p:grpSp>
+      <p:sp>
+        <p:nvSpPr>
+          <p:cNvPr id="8" name="任意多边形 7"/>
+          <p:cNvSpPr/>
+          <p:nvPr/>
+        </p:nvSpPr>
+        <p:spPr>
+          <a:xfrm>
+            <a:off x="107505" y="1598396"/>
+            <a:ext cx="1584176" cy="3844364"/>
+          </a:xfrm>
+          <a:custGeom>
+            <a:avLst/>
+            <a:gdLst>
+              <a:gd name="connsiteX0" fmla="*/ 0 w 5539201"/>
+              <a:gd name="connsiteY0" fmla="*/ 121606 h 1216060"/>
+              <a:gd name="connsiteX1" fmla="*/ 121606 w 5539201"/>
+              <a:gd name="connsiteY1" fmla="*/ 0 h 1216060"/>
+              <a:gd name="connsiteX2" fmla="*/ 5417595 w 5539201"/>
+              <a:gd name="connsiteY2" fmla="*/ 0 h 1216060"/>
+              <a:gd name="connsiteX3" fmla="*/ 5539201 w 5539201"/>
+              <a:gd name="connsiteY3" fmla="*/ 121606 h 1216060"/>
+              <a:gd name="connsiteX4" fmla="*/ 5539201 w 5539201"/>
+              <a:gd name="connsiteY4" fmla="*/ 1094454 h 1216060"/>
+              <a:gd name="connsiteX5" fmla="*/ 5417595 w 5539201"/>
+              <a:gd name="connsiteY5" fmla="*/ 1216060 h 1216060"/>
+              <a:gd name="connsiteX6" fmla="*/ 121606 w 5539201"/>
+              <a:gd name="connsiteY6" fmla="*/ 1216060 h 1216060"/>
+              <a:gd name="connsiteX7" fmla="*/ 0 w 5539201"/>
+              <a:gd name="connsiteY7" fmla="*/ 1094454 h 1216060"/>
+              <a:gd name="connsiteX8" fmla="*/ 0 w 5539201"/>
+              <a:gd name="connsiteY8" fmla="*/ 121606 h 1216060"/>
+            </a:gdLst>
+            <a:ahLst/>
+            <a:cxnLst>
+              <a:cxn ang="0">
+                <a:pos x="connsiteX0" y="connsiteY0"/>
+              </a:cxn>
+              <a:cxn ang="0">
+                <a:pos x="connsiteX1" y="connsiteY1"/>
+              </a:cxn>
+              <a:cxn ang="0">
+                <a:pos x="connsiteX2" y="connsiteY2"/>
+              </a:cxn>
+              <a:cxn ang="0">
+                <a:pos x="connsiteX3" y="connsiteY3"/>
+              </a:cxn>
+              <a:cxn ang="0">
+                <a:pos x="connsiteX4" y="connsiteY4"/>
+              </a:cxn>
+              <a:cxn ang="0">
+                <a:pos x="connsiteX5" y="connsiteY5"/>
+              </a:cxn>
+              <a:cxn ang="0">
+                <a:pos x="connsiteX6" y="connsiteY6"/>
+              </a:cxn>
+              <a:cxn ang="0">
+                <a:pos x="connsiteX7" y="connsiteY7"/>
+              </a:cxn>
+              <a:cxn ang="0">
+                <a:pos x="connsiteX8" y="connsiteY8"/>
+              </a:cxn>
+            </a:cxnLst>
+            <a:rect l="l" t="t" r="r" b="b"/>
+            <a:pathLst>
+              <a:path w="5539201" h="1216060">
+                <a:moveTo>
+                  <a:pt x="0" y="121606"/>
+                </a:moveTo>
+                <a:cubicBezTo>
+                  <a:pt x="0" y="54445"/>
+                  <a:pt x="54445" y="0"/>
+                  <a:pt x="121606" y="0"/>
+                </a:cubicBezTo>
+                <a:lnTo>
+                  <a:pt x="5417595" y="0"/>
+                </a:lnTo>
+                <a:cubicBezTo>
+                  <a:pt x="5484756" y="0"/>
+                  <a:pt x="5539201" y="54445"/>
+                  <a:pt x="5539201" y="121606"/>
+                </a:cubicBezTo>
+                <a:lnTo>
+                  <a:pt x="5539201" y="1094454"/>
+                </a:lnTo>
+                <a:cubicBezTo>
+                  <a:pt x="5539201" y="1161615"/>
+                  <a:pt x="5484756" y="1216060"/>
+                  <a:pt x="5417595" y="1216060"/>
+                </a:cubicBezTo>
+                <a:lnTo>
+                  <a:pt x="121606" y="1216060"/>
+                </a:lnTo>
+                <a:cubicBezTo>
+                  <a:pt x="54445" y="1216060"/>
+                  <a:pt x="0" y="1161615"/>
+                  <a:pt x="0" y="1094454"/>
+                </a:cubicBezTo>
+                <a:lnTo>
+                  <a:pt x="0" y="121606"/>
+                </a:lnTo>
+                <a:close/>
+              </a:path>
+            </a:pathLst>
+          </a:custGeom>
+        </p:spPr>
+        <p:style>
+          <a:lnRef idx="2">
+            <a:schemeClr val="lt1">
+              <a:hueOff val="0"/>
+              <a:satOff val="0"/>
+              <a:lumOff val="0"/>
+              <a:alphaOff val="0"/>
+            </a:schemeClr>
+          </a:lnRef>
+          <a:fillRef idx="1">
+            <a:schemeClr val="accent1">
+              <a:hueOff val="0"/>
+              <a:satOff val="0"/>
+              <a:lumOff val="0"/>
+              <a:alphaOff val="0"/>
+            </a:schemeClr>
+          </a:fillRef>
+          <a:effectRef idx="0">
+            <a:schemeClr val="accent1">
+              <a:hueOff val="0"/>
+              <a:satOff val="0"/>
+              <a:lumOff val="0"/>
+              <a:alphaOff val="0"/>
+            </a:schemeClr>
+          </a:effectRef>
+          <a:fontRef idx="minor">
+            <a:schemeClr val="lt1"/>
+          </a:fontRef>
+        </p:style>
+        <p:txBody>
+          <a:bodyPr spcFirstLastPara="0" vert="horz" wrap="square" lIns="226117" tIns="226117" rIns="226117" bIns="226117" numCol="1" spcCol="1270" anchor="ctr" anchorCtr="0">
+            <a:noAutofit/>
+          </a:bodyPr>
+          <a:lstStyle/>
+          <a:p>
+            <a:pPr lvl="0" algn="ctr" defTabSz="2222500">
+              <a:lnSpc>
+                <a:spcPct val="90000"/>
+              </a:lnSpc>
+              <a:spcBef>
+                <a:spcPct val="0"/>
+              </a:spcBef>
+              <a:spcAft>
+                <a:spcPct val="35000"/>
+              </a:spcAft>
+            </a:pPr>
+            <a:r>
+              <a:rPr lang="zh-CN" altLang="en-US" sz="3600" kern="1200" dirty="0" smtClean="0">
+                <a:latin typeface="微软雅黑" pitchFamily="34" charset="-122"/>
+                <a:ea typeface="微软雅黑" pitchFamily="34" charset="-122"/>
+              </a:rPr>
+              <a:t>数据结构</a:t>
+            </a:r>
+            <a:endParaRPr lang="zh-CN" altLang="en-US" sz="3600" kern="1200" dirty="0">
+              <a:latin typeface="微软雅黑" pitchFamily="34" charset="-122"/>
+              <a:ea typeface="微软雅黑" pitchFamily="34" charset="-122"/>
+            </a:endParaRPr>
+          </a:p>
+        </p:txBody>
+      </p:sp>
+      <p:sp>
+        <p:nvSpPr>
+          <p:cNvPr id="9" name="任意多边形 8"/>
+          <p:cNvSpPr/>
+          <p:nvPr/>
+        </p:nvSpPr>
+        <p:spPr>
+          <a:xfrm>
+            <a:off x="7452320" y="1598396"/>
+            <a:ext cx="1584176" cy="3844364"/>
+          </a:xfrm>
+          <a:custGeom>
+            <a:avLst/>
+            <a:gdLst>
+              <a:gd name="connsiteX0" fmla="*/ 0 w 5539201"/>
+              <a:gd name="connsiteY0" fmla="*/ 121606 h 1216060"/>
+              <a:gd name="connsiteX1" fmla="*/ 121606 w 5539201"/>
+              <a:gd name="connsiteY1" fmla="*/ 0 h 1216060"/>
+              <a:gd name="connsiteX2" fmla="*/ 5417595 w 5539201"/>
+              <a:gd name="connsiteY2" fmla="*/ 0 h 1216060"/>
+              <a:gd name="connsiteX3" fmla="*/ 5539201 w 5539201"/>
+              <a:gd name="connsiteY3" fmla="*/ 121606 h 1216060"/>
+              <a:gd name="connsiteX4" fmla="*/ 5539201 w 5539201"/>
+              <a:gd name="connsiteY4" fmla="*/ 1094454 h 1216060"/>
+              <a:gd name="connsiteX5" fmla="*/ 5417595 w 5539201"/>
+              <a:gd name="connsiteY5" fmla="*/ 1216060 h 1216060"/>
+              <a:gd name="connsiteX6" fmla="*/ 121606 w 5539201"/>
+              <a:gd name="connsiteY6" fmla="*/ 1216060 h 1216060"/>
+              <a:gd name="connsiteX7" fmla="*/ 0 w 5539201"/>
+              <a:gd name="connsiteY7" fmla="*/ 1094454 h 1216060"/>
+              <a:gd name="connsiteX8" fmla="*/ 0 w 5539201"/>
+              <a:gd name="connsiteY8" fmla="*/ 121606 h 1216060"/>
+            </a:gdLst>
+            <a:ahLst/>
+            <a:cxnLst>
+              <a:cxn ang="0">
+                <a:pos x="connsiteX0" y="connsiteY0"/>
+              </a:cxn>
+              <a:cxn ang="0">
+                <a:pos x="connsiteX1" y="connsiteY1"/>
+              </a:cxn>
+              <a:cxn ang="0">
+                <a:pos x="connsiteX2" y="connsiteY2"/>
+              </a:cxn>
+              <a:cxn ang="0">
+                <a:pos x="connsiteX3" y="connsiteY3"/>
+              </a:cxn>
+              <a:cxn ang="0">
+                <a:pos x="connsiteX4" y="connsiteY4"/>
+              </a:cxn>
+              <a:cxn ang="0">
+                <a:pos x="connsiteX5" y="connsiteY5"/>
+              </a:cxn>
+              <a:cxn ang="0">
+                <a:pos x="connsiteX6" y="connsiteY6"/>
+              </a:cxn>
+              <a:cxn ang="0">
+                <a:pos x="connsiteX7" y="connsiteY7"/>
+              </a:cxn>
+              <a:cxn ang="0">
+                <a:pos x="connsiteX8" y="connsiteY8"/>
+              </a:cxn>
+            </a:cxnLst>
+            <a:rect l="l" t="t" r="r" b="b"/>
+            <a:pathLst>
+              <a:path w="5539201" h="1216060">
+                <a:moveTo>
+                  <a:pt x="0" y="121606"/>
+                </a:moveTo>
+                <a:cubicBezTo>
+                  <a:pt x="0" y="54445"/>
+                  <a:pt x="54445" y="0"/>
+                  <a:pt x="121606" y="0"/>
+                </a:cubicBezTo>
+                <a:lnTo>
+                  <a:pt x="5417595" y="0"/>
+                </a:lnTo>
+                <a:cubicBezTo>
+                  <a:pt x="5484756" y="0"/>
+                  <a:pt x="5539201" y="54445"/>
+                  <a:pt x="5539201" y="121606"/>
+                </a:cubicBezTo>
+                <a:lnTo>
+                  <a:pt x="5539201" y="1094454"/>
+                </a:lnTo>
+                <a:cubicBezTo>
+                  <a:pt x="5539201" y="1161615"/>
+                  <a:pt x="5484756" y="1216060"/>
+                  <a:pt x="5417595" y="1216060"/>
+                </a:cubicBezTo>
+                <a:lnTo>
+                  <a:pt x="121606" y="1216060"/>
+                </a:lnTo>
+                <a:cubicBezTo>
+                  <a:pt x="54445" y="1216060"/>
+                  <a:pt x="0" y="1161615"/>
+                  <a:pt x="0" y="1094454"/>
+                </a:cubicBezTo>
+                <a:lnTo>
+                  <a:pt x="0" y="121606"/>
+                </a:lnTo>
+                <a:close/>
+              </a:path>
+            </a:pathLst>
+          </a:custGeom>
+        </p:spPr>
+        <p:style>
+          <a:lnRef idx="2">
+            <a:schemeClr val="lt1">
+              <a:hueOff val="0"/>
+              <a:satOff val="0"/>
+              <a:lumOff val="0"/>
+              <a:alphaOff val="0"/>
+            </a:schemeClr>
+          </a:lnRef>
+          <a:fillRef idx="1">
+            <a:schemeClr val="accent1">
+              <a:hueOff val="0"/>
+              <a:satOff val="0"/>
+              <a:lumOff val="0"/>
+              <a:alphaOff val="0"/>
+            </a:schemeClr>
+          </a:fillRef>
+          <a:effectRef idx="0">
+            <a:schemeClr val="accent1">
+              <a:hueOff val="0"/>
+              <a:satOff val="0"/>
+              <a:lumOff val="0"/>
+              <a:alphaOff val="0"/>
+            </a:schemeClr>
+          </a:effectRef>
+          <a:fontRef idx="minor">
+            <a:schemeClr val="lt1"/>
+          </a:fontRef>
+        </p:style>
+        <p:txBody>
+          <a:bodyPr spcFirstLastPara="0" vert="horz" wrap="square" lIns="226117" tIns="226117" rIns="226117" bIns="226117" numCol="1" spcCol="1270" anchor="ctr" anchorCtr="0">
+            <a:noAutofit/>
+          </a:bodyPr>
+          <a:lstStyle/>
+          <a:p>
+            <a:pPr lvl="0" algn="ctr" defTabSz="2222500">
+              <a:lnSpc>
+                <a:spcPct val="90000"/>
+              </a:lnSpc>
+              <a:spcBef>
+                <a:spcPct val="0"/>
+              </a:spcBef>
+              <a:spcAft>
+                <a:spcPct val="35000"/>
+              </a:spcAft>
+            </a:pPr>
+            <a:r>
+              <a:rPr lang="en-US" altLang="zh-CN" sz="3600" kern="1200" dirty="0" err="1" smtClean="0">
+                <a:latin typeface="微软雅黑" pitchFamily="34" charset="-122"/>
+                <a:ea typeface="微软雅黑" pitchFamily="34" charset="-122"/>
+              </a:rPr>
+              <a:t>LabVIEW</a:t>
+            </a:r>
+            <a:endParaRPr lang="zh-CN" altLang="en-US" sz="3600" kern="1200" dirty="0">
+              <a:latin typeface="微软雅黑" pitchFamily="34" charset="-122"/>
+              <a:ea typeface="微软雅黑" pitchFamily="34" charset="-122"/>
+            </a:endParaRPr>
+          </a:p>
+        </p:txBody>
+      </p:sp>
+      <p:sp>
+        <p:nvSpPr>
+          <p:cNvPr id="10" name="流程图: 磁盘 9"/>
+          <p:cNvSpPr/>
+          <p:nvPr/>
+        </p:nvSpPr>
+        <p:spPr>
+          <a:xfrm>
+            <a:off x="1870735" y="5589240"/>
+            <a:ext cx="2592288" cy="1124744"/>
+          </a:xfrm>
+          <a:prstGeom prst="flowChartMagneticDisk">
+            <a:avLst/>
+          </a:prstGeom>
+        </p:spPr>
+        <p:style>
+          <a:lnRef idx="2">
+            <a:schemeClr val="accent1">
+              <a:shade val="50000"/>
+            </a:schemeClr>
+          </a:lnRef>
+          <a:fillRef idx="1">
+            <a:schemeClr val="accent1"/>
+          </a:fillRef>
+          <a:effectRef idx="0">
+            <a:schemeClr val="accent1"/>
+          </a:effectRef>
+          <a:fontRef idx="minor">
+            <a:schemeClr val="lt1"/>
+          </a:fontRef>
+        </p:style>
+        <p:txBody>
+          <a:bodyPr rtlCol="0" anchor="ctr"/>
+          <a:lstStyle/>
+          <a:p>
+            <a:pPr algn="ctr"/>
+            <a:r>
+              <a:rPr lang="zh-CN" altLang="en-US" sz="3600" dirty="0" smtClean="0">
+                <a:latin typeface="微软雅黑" pitchFamily="34" charset="-122"/>
+                <a:ea typeface="微软雅黑" pitchFamily="34" charset="-122"/>
+              </a:rPr>
+              <a:t>电表指令库</a:t>
+            </a:r>
+            <a:endParaRPr lang="zh-CN" altLang="en-US" sz="3600" dirty="0">
+              <a:latin typeface="微软雅黑" pitchFamily="34" charset="-122"/>
+              <a:ea typeface="微软雅黑" pitchFamily="34" charset="-122"/>
+            </a:endParaRPr>
+          </a:p>
+        </p:txBody>
+      </p:sp>
+      <p:sp>
+        <p:nvSpPr>
+          <p:cNvPr id="11" name="流程图: 磁盘 10"/>
+          <p:cNvSpPr/>
+          <p:nvPr/>
+        </p:nvSpPr>
+        <p:spPr>
+          <a:xfrm>
+            <a:off x="4785316" y="5589240"/>
+            <a:ext cx="2592288" cy="1124744"/>
+          </a:xfrm>
+          <a:prstGeom prst="flowChartMagneticDisk">
+            <a:avLst/>
+          </a:prstGeom>
+        </p:spPr>
+        <p:style>
+          <a:lnRef idx="2">
+            <a:schemeClr val="accent1">
+              <a:shade val="50000"/>
+            </a:schemeClr>
+          </a:lnRef>
+          <a:fillRef idx="1">
+            <a:schemeClr val="accent1"/>
+          </a:fillRef>
+          <a:effectRef idx="0">
+            <a:schemeClr val="accent1"/>
+          </a:effectRef>
+          <a:fontRef idx="minor">
+            <a:schemeClr val="lt1"/>
+          </a:fontRef>
+        </p:style>
+        <p:txBody>
+          <a:bodyPr rtlCol="0" anchor="ctr"/>
+          <a:lstStyle/>
+          <a:p>
+            <a:pPr algn="ctr"/>
+            <a:r>
+              <a:rPr lang="zh-CN" altLang="en-US" sz="3600" dirty="0" smtClean="0">
+                <a:latin typeface="微软雅黑" pitchFamily="34" charset="-122"/>
+                <a:ea typeface="微软雅黑" pitchFamily="34" charset="-122"/>
+              </a:rPr>
+              <a:t>电表参数</a:t>
+            </a:r>
+            <a:endParaRPr lang="zh-CN" altLang="en-US" sz="3600" dirty="0">
+              <a:latin typeface="微软雅黑" pitchFamily="34" charset="-122"/>
+              <a:ea typeface="微软雅黑" pitchFamily="34" charset="-122"/>
+            </a:endParaRPr>
+          </a:p>
+        </p:txBody>
+      </p:sp>
+    </p:spTree>
+    <p:extLst>
+      <p:ext uri="{BB962C8B-B14F-4D97-AF65-F5344CB8AC3E}">
+        <p14:creationId xmlns:p14="http://schemas.microsoft.com/office/powerpoint/2010/main" val="676759608"/>
+      </p:ext>
+    </p:extLst>
+  </p:cSld>
+  <p:clrMapOvr>
+    <a:masterClrMapping/>
+  </p:clrMapOvr>
+  <p:timing>
+    <p:tnLst>
+      <p:par>
+        <p:cTn id="1" dur="indefinite" restart="never" nodeType="tmRoot"/>
+      </p:par>
+    </p:tnLst>
+  </p:timing>
+</p:sld>
+</file>
+
+<file path=ppt/slides/slide15.xml><?xml version="1.0" encoding="utf-8"?>
+<p:sld xmlns:a="http://schemas.openxmlformats.org/drawingml/2006/main" xmlns:r="http://schemas.openxmlformats.org/officeDocument/2006/relationships" xmlns:p="http://schemas.openxmlformats.org/presentationml/2006/main">
+  <p:cSld>
+    <p:spTree>
+      <p:nvGrpSpPr>
+        <p:cNvPr id="1" name=""/>
+        <p:cNvGrpSpPr/>
+        <p:nvPr/>
+      </p:nvGrpSpPr>
+      <p:grpSpPr>
+        <a:xfrm>
+          <a:off x="0" y="0"/>
+          <a:ext cx="0" cy="0"/>
+          <a:chOff x="0" y="0"/>
+          <a:chExt cx="0" cy="0"/>
+        </a:xfrm>
+      </p:grpSpPr>
+      <p:sp>
+        <p:nvSpPr>
+          <p:cNvPr id="2" name="标题 1"/>
+          <p:cNvSpPr>
+            <a:spLocks noGrp="1"/>
+          </p:cNvSpPr>
+          <p:nvPr>
+            <p:ph type="title"/>
+          </p:nvPr>
+        </p:nvSpPr>
+        <p:spPr/>
+        <p:txBody>
+          <a:bodyPr/>
+          <a:lstStyle/>
+          <a:p>
+            <a:r>
+              <a:rPr lang="zh-CN" altLang="en-US" dirty="0"/>
+              <a:t>架构</a:t>
+            </a:r>
+            <a:r>
+              <a:rPr lang="zh-CN" altLang="en-US" dirty="0" smtClean="0"/>
+              <a:t>设计：可扩展系统</a:t>
+            </a:r>
+            <a:endParaRPr lang="zh-CN" altLang="en-US" dirty="0"/>
+          </a:p>
+        </p:txBody>
+      </p:sp>
+      <p:sp>
+        <p:nvSpPr>
+          <p:cNvPr id="3" name="内容占位符 2"/>
+          <p:cNvSpPr>
+            <a:spLocks noGrp="1"/>
+          </p:cNvSpPr>
+          <p:nvPr>
+            <p:ph idx="1"/>
+          </p:nvPr>
+        </p:nvSpPr>
+        <p:spPr/>
+        <p:txBody>
+          <a:bodyPr/>
+          <a:lstStyle/>
+          <a:p>
+            <a:r>
+              <a:rPr lang="zh-CN" altLang="en-US" dirty="0" smtClean="0"/>
+              <a:t>各个子模块独立设计</a:t>
+            </a:r>
+            <a:endParaRPr lang="en-US" altLang="zh-CN" dirty="0" smtClean="0"/>
+          </a:p>
+          <a:p>
+            <a:r>
+              <a:rPr lang="zh-CN" altLang="en-US" dirty="0" smtClean="0"/>
+              <a:t>使用子面板打开其他模块</a:t>
+            </a:r>
+            <a:endParaRPr lang="zh-CN" altLang="en-US" dirty="0"/>
+          </a:p>
+        </p:txBody>
+      </p:sp>
+    </p:spTree>
+    <p:extLst>
+      <p:ext uri="{BB962C8B-B14F-4D97-AF65-F5344CB8AC3E}">
+        <p14:creationId xmlns:p14="http://schemas.microsoft.com/office/powerpoint/2010/main" val="956880652"/>
+      </p:ext>
+    </p:extLst>
+  </p:cSld>
+  <p:clrMapOvr>
+    <a:masterClrMapping/>
+  </p:clrMapOvr>
+</p:sld>
+</file>
+
+<file path=ppt/slides/slide16.xml><?xml version="1.0" encoding="utf-8"?>
+<p:sld xmlns:a="http://schemas.openxmlformats.org/drawingml/2006/main" xmlns:r="http://schemas.openxmlformats.org/officeDocument/2006/relationships" xmlns:p="http://schemas.openxmlformats.org/presentationml/2006/main">
+  <p:cSld>
+    <p:spTree>
+      <p:nvGrpSpPr>
+        <p:cNvPr id="1" name=""/>
+        <p:cNvGrpSpPr/>
+        <p:nvPr/>
+      </p:nvGrpSpPr>
+      <p:grpSpPr>
+        <a:xfrm>
+          <a:off x="0" y="0"/>
+          <a:ext cx="0" cy="0"/>
+          <a:chOff x="0" y="0"/>
+          <a:chExt cx="0" cy="0"/>
+        </a:xfrm>
+      </p:grpSpPr>
+      <p:sp>
+        <p:nvSpPr>
+          <p:cNvPr id="2" name="标题 1"/>
+          <p:cNvSpPr>
+            <a:spLocks noGrp="1"/>
+          </p:cNvSpPr>
+          <p:nvPr>
+            <p:ph type="title"/>
+          </p:nvPr>
+        </p:nvSpPr>
+        <p:spPr/>
+        <p:txBody>
+          <a:bodyPr/>
+          <a:lstStyle/>
+          <a:p>
+            <a:r>
+              <a:rPr lang="zh-CN" altLang="en-US" dirty="0" smtClean="0"/>
+              <a:t>架构设计：子系统</a:t>
+            </a:r>
+            <a:endParaRPr lang="zh-CN" altLang="en-US" dirty="0"/>
+          </a:p>
+        </p:txBody>
+      </p:sp>
+      <p:sp>
+        <p:nvSpPr>
+          <p:cNvPr id="3" name="内容占位符 2"/>
+          <p:cNvSpPr>
+            <a:spLocks noGrp="1"/>
+          </p:cNvSpPr>
+          <p:nvPr>
+            <p:ph sz="half" idx="1"/>
+          </p:nvPr>
+        </p:nvSpPr>
+        <p:spPr/>
+        <p:txBody>
+          <a:bodyPr/>
+          <a:lstStyle/>
+          <a:p>
+            <a:r>
+              <a:rPr lang="en-US" altLang="zh-CN" dirty="0" smtClean="0"/>
+              <a:t>UI</a:t>
+            </a:r>
+          </a:p>
+          <a:p>
+            <a:pPr lvl="1"/>
+            <a:r>
+              <a:rPr lang="zh-CN" altLang="en-US" dirty="0" smtClean="0"/>
+              <a:t>显示</a:t>
+            </a:r>
+            <a:endParaRPr lang="en-US" altLang="zh-CN" dirty="0" smtClean="0"/>
+          </a:p>
+          <a:p>
+            <a:pPr lvl="1"/>
+            <a:r>
+              <a:rPr lang="zh-CN" altLang="en-US" dirty="0" smtClean="0"/>
+              <a:t>控制</a:t>
+            </a:r>
+            <a:endParaRPr lang="en-US" altLang="zh-CN" dirty="0" smtClean="0"/>
+          </a:p>
+          <a:p>
+            <a:r>
+              <a:rPr lang="zh-CN" altLang="en-US" dirty="0"/>
+              <a:t>流程</a:t>
+            </a:r>
+            <a:r>
+              <a:rPr lang="zh-CN" altLang="en-US" dirty="0" smtClean="0"/>
+              <a:t>控制（</a:t>
+            </a:r>
+            <a:r>
+              <a:rPr lang="en-US" altLang="zh-CN" dirty="0" smtClean="0"/>
+              <a:t>main</a:t>
+            </a:r>
+            <a:r>
+              <a:rPr lang="zh-CN" altLang="en-US" dirty="0" smtClean="0"/>
+              <a:t>）</a:t>
+            </a:r>
+            <a:endParaRPr lang="en-US" altLang="zh-CN" dirty="0" smtClean="0"/>
+          </a:p>
+          <a:p>
+            <a:pPr lvl="1"/>
+            <a:r>
+              <a:rPr lang="zh-CN" altLang="en-US" dirty="0" smtClean="0"/>
+              <a:t>初始化</a:t>
+            </a:r>
+            <a:endParaRPr lang="en-US" altLang="zh-CN" dirty="0" smtClean="0"/>
+          </a:p>
+          <a:p>
+            <a:pPr lvl="1"/>
+            <a:r>
+              <a:rPr lang="zh-CN" altLang="en-US" dirty="0"/>
+              <a:t>参数</a:t>
+            </a:r>
+            <a:r>
+              <a:rPr lang="zh-CN" altLang="en-US" dirty="0" smtClean="0"/>
+              <a:t>选择</a:t>
+            </a:r>
+            <a:endParaRPr lang="en-US" altLang="zh-CN" dirty="0" smtClean="0"/>
+          </a:p>
+          <a:p>
+            <a:pPr lvl="1"/>
+            <a:r>
+              <a:rPr lang="zh-CN" altLang="en-US" dirty="0" smtClean="0"/>
+              <a:t>数据采集</a:t>
+            </a:r>
+            <a:endParaRPr lang="en-US" altLang="zh-CN" dirty="0" smtClean="0"/>
+          </a:p>
+          <a:p>
+            <a:pPr lvl="1"/>
+            <a:r>
+              <a:rPr lang="zh-CN" altLang="en-US" dirty="0"/>
+              <a:t>结果显示</a:t>
+            </a:r>
+          </a:p>
+        </p:txBody>
+      </p:sp>
+      <p:sp>
+        <p:nvSpPr>
+          <p:cNvPr id="5" name="内容占位符 4"/>
+          <p:cNvSpPr>
+            <a:spLocks noGrp="1"/>
+          </p:cNvSpPr>
+          <p:nvPr>
+            <p:ph sz="half" idx="2"/>
+          </p:nvPr>
+        </p:nvSpPr>
+        <p:spPr/>
+        <p:txBody>
+          <a:bodyPr/>
+          <a:lstStyle/>
+          <a:p>
+            <a:r>
+              <a:rPr lang="zh-CN" altLang="en-US" dirty="0"/>
+              <a:t>参数访问</a:t>
+            </a:r>
+            <a:endParaRPr lang="en-US" altLang="zh-CN" dirty="0"/>
+          </a:p>
+          <a:p>
+            <a:pPr lvl="1"/>
+            <a:r>
+              <a:rPr lang="zh-CN" altLang="en-US" dirty="0" smtClean="0"/>
+              <a:t>电能参数接口</a:t>
+            </a:r>
+            <a:endParaRPr lang="en-US" altLang="zh-CN" dirty="0"/>
+          </a:p>
+          <a:p>
+            <a:pPr lvl="1"/>
+            <a:r>
+              <a:rPr lang="zh-CN" altLang="en-US" dirty="0"/>
+              <a:t>全局变量访问</a:t>
+            </a:r>
+            <a:endParaRPr lang="en-US" altLang="zh-CN" dirty="0"/>
+          </a:p>
+          <a:p>
+            <a:r>
+              <a:rPr lang="zh-CN" altLang="en-US" dirty="0"/>
+              <a:t>数据结构</a:t>
+            </a:r>
+            <a:endParaRPr lang="en-US" altLang="zh-CN" dirty="0"/>
+          </a:p>
+          <a:p>
+            <a:pPr lvl="1"/>
+            <a:r>
+              <a:rPr lang="zh-CN" altLang="en-US" dirty="0"/>
+              <a:t>参数数据包</a:t>
+            </a:r>
+            <a:endParaRPr lang="en-US" altLang="zh-CN" dirty="0"/>
+          </a:p>
+          <a:p>
+            <a:pPr lvl="1"/>
+            <a:r>
+              <a:rPr lang="zh-CN" altLang="en-US" dirty="0"/>
+              <a:t>显示数据包</a:t>
+            </a:r>
+            <a:endParaRPr lang="en-US" altLang="zh-CN" dirty="0"/>
+          </a:p>
+          <a:p>
+            <a:pPr lvl="1"/>
+            <a:r>
+              <a:rPr lang="zh-CN" altLang="en-US" dirty="0"/>
+              <a:t>通信接口数据包</a:t>
+            </a:r>
+            <a:endParaRPr lang="en-US" altLang="zh-CN" dirty="0"/>
+          </a:p>
+          <a:p>
+            <a:pPr lvl="1"/>
+            <a:r>
+              <a:rPr lang="zh-CN" altLang="en-US" dirty="0" smtClean="0"/>
+              <a:t>数据类型</a:t>
+            </a:r>
+            <a:endParaRPr lang="en-US" altLang="zh-CN" dirty="0"/>
+          </a:p>
+        </p:txBody>
+      </p:sp>
+    </p:spTree>
+    <p:extLst>
+      <p:ext uri="{BB962C8B-B14F-4D97-AF65-F5344CB8AC3E}">
+        <p14:creationId xmlns:p14="http://schemas.microsoft.com/office/powerpoint/2010/main" val="3836032977"/>
+      </p:ext>
+    </p:extLst>
+  </p:cSld>
+  <p:clrMapOvr>
+    <a:masterClrMapping/>
+  </p:clrMapOvr>
+  <p:timing>
+    <p:tnLst>
+      <p:par>
+        <p:cTn id="1" dur="indefinite" restart="never" nodeType="tmRoot"/>
+      </p:par>
+    </p:tnLst>
+  </p:timing>
+</p:sld>
+</file>
+
+<file path=ppt/slides/slide17.xml><?xml version="1.0" encoding="utf-8"?>
+<p:sld xmlns:a="http://schemas.openxmlformats.org/drawingml/2006/main" xmlns:r="http://schemas.openxmlformats.org/officeDocument/2006/relationships" xmlns:p="http://schemas.openxmlformats.org/presentationml/2006/main">
+  <p:cSld>
+    <p:spTree>
+      <p:nvGrpSpPr>
+        <p:cNvPr id="1" name=""/>
+        <p:cNvGrpSpPr/>
+        <p:nvPr/>
+      </p:nvGrpSpPr>
+      <p:grpSpPr>
+        <a:xfrm>
+          <a:off x="0" y="0"/>
+          <a:ext cx="0" cy="0"/>
+          <a:chOff x="0" y="0"/>
+          <a:chExt cx="0" cy="0"/>
+        </a:xfrm>
+      </p:grpSpPr>
+      <p:sp>
+        <p:nvSpPr>
+          <p:cNvPr id="2" name="标题 1"/>
+          <p:cNvSpPr>
+            <a:spLocks noGrp="1"/>
+          </p:cNvSpPr>
+          <p:nvPr>
+            <p:ph type="title"/>
+          </p:nvPr>
+        </p:nvSpPr>
+        <p:spPr/>
+        <p:txBody>
+          <a:bodyPr/>
+          <a:lstStyle/>
+          <a:p>
+            <a:r>
+              <a:rPr lang="zh-CN" altLang="en-US" dirty="0"/>
+              <a:t>架构设计</a:t>
+            </a:r>
+            <a:r>
+              <a:rPr lang="zh-CN" altLang="en-US" dirty="0" smtClean="0"/>
+              <a:t>：</a:t>
+            </a:r>
+            <a:r>
+              <a:rPr lang="en-US" altLang="zh-CN" dirty="0" smtClean="0"/>
+              <a:t>UI</a:t>
+            </a:r>
+            <a:endParaRPr lang="zh-CN" altLang="en-US" dirty="0"/>
+          </a:p>
+        </p:txBody>
+      </p:sp>
+      <p:sp>
+        <p:nvSpPr>
+          <p:cNvPr id="5" name="内容占位符 4"/>
+          <p:cNvSpPr>
+            <a:spLocks noGrp="1"/>
+          </p:cNvSpPr>
+          <p:nvPr>
+            <p:ph idx="1"/>
+          </p:nvPr>
+        </p:nvSpPr>
+        <p:spPr/>
+        <p:txBody>
+          <a:bodyPr>
+            <a:normAutofit fontScale="92500" lnSpcReduction="10000"/>
+          </a:bodyPr>
+          <a:lstStyle/>
+          <a:p>
+            <a:r>
+              <a:rPr lang="zh-CN" altLang="en-US" dirty="0" smtClean="0"/>
+              <a:t>显示</a:t>
+            </a:r>
+            <a:endParaRPr lang="en-US" altLang="zh-CN" dirty="0" smtClean="0"/>
+          </a:p>
+          <a:p>
+            <a:pPr lvl="1"/>
+            <a:r>
+              <a:rPr lang="zh-CN" altLang="en-US" dirty="0" smtClean="0"/>
+              <a:t>显示三维数据：</a:t>
+            </a:r>
+            <a:endParaRPr lang="en-US" altLang="zh-CN" dirty="0" smtClean="0"/>
+          </a:p>
+          <a:p>
+            <a:pPr lvl="2"/>
+            <a:r>
+              <a:rPr lang="zh-CN" altLang="en-US" dirty="0" smtClean="0"/>
+              <a:t>表号</a:t>
+            </a:r>
+            <a:endParaRPr lang="en-US" altLang="zh-CN" dirty="0" smtClean="0"/>
+          </a:p>
+          <a:p>
+            <a:pPr lvl="2"/>
+            <a:r>
+              <a:rPr lang="zh-CN" altLang="en-US" dirty="0"/>
+              <a:t>参数</a:t>
+            </a:r>
+            <a:r>
+              <a:rPr lang="zh-CN" altLang="en-US" dirty="0" smtClean="0"/>
+              <a:t>类型</a:t>
+            </a:r>
+            <a:endParaRPr lang="en-US" altLang="zh-CN" dirty="0" smtClean="0"/>
+          </a:p>
+          <a:p>
+            <a:pPr lvl="2"/>
+            <a:r>
+              <a:rPr lang="zh-CN" altLang="en-US" dirty="0"/>
+              <a:t>参数值</a:t>
+            </a:r>
+            <a:endParaRPr lang="en-US" altLang="zh-CN" dirty="0"/>
+          </a:p>
+          <a:p>
+            <a:r>
+              <a:rPr lang="zh-CN" altLang="en-US" dirty="0"/>
+              <a:t>控制</a:t>
+            </a:r>
+            <a:endParaRPr lang="en-US" altLang="zh-CN" dirty="0"/>
+          </a:p>
+          <a:p>
+            <a:pPr lvl="1"/>
+            <a:r>
+              <a:rPr lang="zh-CN" altLang="en-US" dirty="0" smtClean="0"/>
+              <a:t>选择连接</a:t>
+            </a:r>
+            <a:endParaRPr lang="en-US" altLang="zh-CN" dirty="0" smtClean="0"/>
+          </a:p>
+          <a:p>
+            <a:pPr lvl="1"/>
+            <a:r>
+              <a:rPr lang="zh-CN" altLang="en-US" dirty="0" smtClean="0"/>
+              <a:t>选择测量参数</a:t>
+            </a:r>
+            <a:endParaRPr lang="en-US" altLang="zh-CN" dirty="0" smtClean="0"/>
+          </a:p>
+          <a:p>
+            <a:pPr lvl="1"/>
+            <a:r>
+              <a:rPr lang="zh-CN" altLang="en-US" dirty="0" smtClean="0"/>
+              <a:t>开始采集</a:t>
+            </a:r>
+            <a:endParaRPr lang="en-US" altLang="zh-CN" dirty="0" smtClean="0"/>
+          </a:p>
+          <a:p>
+            <a:pPr lvl="1"/>
+            <a:r>
+              <a:rPr lang="zh-CN" altLang="en-US" dirty="0" smtClean="0"/>
+              <a:t>停止</a:t>
+            </a:r>
+            <a:r>
+              <a:rPr lang="zh-CN" altLang="en-US" dirty="0"/>
+              <a:t>采集</a:t>
+            </a:r>
+          </a:p>
+        </p:txBody>
+      </p:sp>
+    </p:spTree>
+    <p:extLst>
+      <p:ext uri="{BB962C8B-B14F-4D97-AF65-F5344CB8AC3E}">
+        <p14:creationId xmlns:p14="http://schemas.microsoft.com/office/powerpoint/2010/main" val="2971109875"/>
+      </p:ext>
+    </p:extLst>
+  </p:cSld>
+  <p:clrMapOvr>
+    <a:masterClrMapping/>
+  </p:clrMapOvr>
+  <p:timing>
+    <p:tnLst>
+      <p:par>
+        <p:cTn id="1" dur="indefinite" restart="never" nodeType="tmRoot"/>
+      </p:par>
+    </p:tnLst>
+  </p:timing>
+</p:sld>
+</file>
+
+<file path=ppt/slides/slide18.xml><?xml version="1.0" encoding="utf-8"?>
+<p:sld xmlns:a="http://schemas.openxmlformats.org/drawingml/2006/main" xmlns:r="http://schemas.openxmlformats.org/officeDocument/2006/relationships" xmlns:p="http://schemas.openxmlformats.org/presentationml/2006/main">
+  <p:cSld>
+    <p:spTree>
+      <p:nvGrpSpPr>
+        <p:cNvPr id="1" name=""/>
+        <p:cNvGrpSpPr/>
+        <p:nvPr/>
+      </p:nvGrpSpPr>
+      <p:grpSpPr>
+        <a:xfrm>
+          <a:off x="0" y="0"/>
+          <a:ext cx="0" cy="0"/>
+          <a:chOff x="0" y="0"/>
+          <a:chExt cx="0" cy="0"/>
+        </a:xfrm>
+      </p:grpSpPr>
+      <p:sp>
+        <p:nvSpPr>
+          <p:cNvPr id="2" name="标题 1"/>
+          <p:cNvSpPr>
+            <a:spLocks noGrp="1"/>
+          </p:cNvSpPr>
+          <p:nvPr>
+            <p:ph type="title"/>
+          </p:nvPr>
+        </p:nvSpPr>
+        <p:spPr/>
+        <p:txBody>
+          <a:bodyPr/>
+          <a:lstStyle/>
+          <a:p>
+            <a:endParaRPr lang="zh-CN" altLang="en-US" dirty="0"/>
+          </a:p>
+        </p:txBody>
+      </p:sp>
+      <p:sp>
+        <p:nvSpPr>
+          <p:cNvPr id="3" name="内容占位符 2"/>
+          <p:cNvSpPr>
+            <a:spLocks noGrp="1"/>
+          </p:cNvSpPr>
+          <p:nvPr>
+            <p:ph idx="1"/>
+          </p:nvPr>
+        </p:nvSpPr>
+        <p:spPr/>
+        <p:txBody>
+          <a:bodyPr/>
+          <a:lstStyle/>
+          <a:p>
+            <a:endParaRPr lang="zh-CN" altLang="en-US"/>
+          </a:p>
+        </p:txBody>
+      </p:sp>
+      <p:pic>
+        <p:nvPicPr>
+          <p:cNvPr id="3074" name="Picture 2"/>
+          <p:cNvPicPr>
+            <a:picLocks noChangeAspect="1" noChangeArrowheads="1"/>
+          </p:cNvPicPr>
+          <p:nvPr/>
+        </p:nvPicPr>
+        <p:blipFill>
+          <a:blip r:embed="rId2">
+            <a:extLst>
+              <a:ext uri="{28A0092B-C50C-407E-A947-70E740481C1C}">
+                <a14:useLocalDpi xmlns:a14="http://schemas.microsoft.com/office/drawing/2010/main" val="0"/>
+              </a:ext>
+            </a:extLst>
+          </a:blip>
+          <a:srcRect/>
+          <a:stretch>
+            <a:fillRect/>
+          </a:stretch>
+        </p:blipFill>
+        <p:spPr bwMode="auto">
+          <a:xfrm>
+            <a:off x="323528" y="1556792"/>
+            <a:ext cx="8498160" cy="5039607"/>
+          </a:xfrm>
+          <a:prstGeom prst="rect">
+            <a:avLst/>
+          </a:prstGeom>
+          <a:noFill/>
+          <a:ln>
+            <a:noFill/>
+          </a:ln>
+          <a:effectLst/>
+          <a:extLst>
+            <a:ext uri="{909E8E84-426E-40DD-AFC4-6F175D3DCCD1}">
+              <a14:hiddenFill xmlns:a14="http://schemas.microsoft.com/office/drawing/2010/main">
+                <a:solidFill>
+                  <a:schemeClr val="accent1"/>
+                </a:solidFill>
+              </a14:hiddenFill>
+            </a:ext>
+            <a:ext uri="{91240B29-F687-4F45-9708-019B960494DF}">
+              <a14:hiddenLine xmlns:a14="http://schemas.microsoft.com/office/drawing/2010/main" w="9525">
+                <a:solidFill>
+                  <a:schemeClr val="tx1"/>
+                </a:solidFill>
+                <a:miter lim="800000"/>
+                <a:headEnd/>
+                <a:tailEnd/>
+              </a14:hiddenLine>
+            </a:ext>
+            <a:ext uri="{AF507438-7753-43E0-B8FC-AC1667EBCBE1}">
+              <a14:hiddenEffects xmlns:a14="http://schemas.microsoft.com/office/drawing/2010/main">
+                <a:effectLst>
+                  <a:outerShdw dist="35921" dir="2700000" algn="ctr" rotWithShape="0">
+                    <a:schemeClr val="bg2"/>
+                  </a:outerShdw>
+                </a:effectLst>
+              </a14:hiddenEffects>
+            </a:ext>
+          </a:extLst>
+        </p:spPr>
+      </p:pic>
+    </p:spTree>
+    <p:extLst>
+      <p:ext uri="{BB962C8B-B14F-4D97-AF65-F5344CB8AC3E}">
+        <p14:creationId xmlns:p14="http://schemas.microsoft.com/office/powerpoint/2010/main" val="883732862"/>
+      </p:ext>
+    </p:extLst>
+  </p:cSld>
+  <p:clrMapOvr>
+    <a:masterClrMapping/>
+  </p:clrMapOvr>
+  <p:timing>
+    <p:tnLst>
+      <p:par>
+        <p:cTn id="1" dur="indefinite" restart="never" nodeType="tmRoot"/>
+      </p:par>
+    </p:tnLst>
+  </p:timing>
+</p:sld>
+</file>
+
+<file path=ppt/slides/slide19.xml><?xml version="1.0" encoding="utf-8"?>
+<p:sld xmlns:a="http://schemas.openxmlformats.org/drawingml/2006/main" xmlns:r="http://schemas.openxmlformats.org/officeDocument/2006/relationships" xmlns:p="http://schemas.openxmlformats.org/presentationml/2006/main">
+  <p:cSld>
+    <p:spTree>
+      <p:nvGrpSpPr>
+        <p:cNvPr id="1" name=""/>
+        <p:cNvGrpSpPr/>
+        <p:nvPr/>
+      </p:nvGrpSpPr>
+      <p:grpSpPr>
+        <a:xfrm>
+          <a:off x="0" y="0"/>
+          <a:ext cx="0" cy="0"/>
+          <a:chOff x="0" y="0"/>
+          <a:chExt cx="0" cy="0"/>
+        </a:xfrm>
+      </p:grpSpPr>
+      <p:sp>
+        <p:nvSpPr>
+          <p:cNvPr id="2" name="标题 1"/>
+          <p:cNvSpPr>
+            <a:spLocks noGrp="1"/>
+          </p:cNvSpPr>
+          <p:nvPr>
+            <p:ph type="title"/>
+          </p:nvPr>
+        </p:nvSpPr>
+        <p:spPr/>
+        <p:txBody>
+          <a:bodyPr/>
+          <a:lstStyle/>
+          <a:p>
+            <a:r>
+              <a:rPr lang="zh-CN" altLang="en-US" dirty="0" smtClean="0"/>
+              <a:t>架构设计：</a:t>
+            </a:r>
+            <a:r>
+              <a:rPr lang="en-US" altLang="zh-CN" dirty="0" smtClean="0"/>
+              <a:t>UI</a:t>
+            </a:r>
+            <a:endParaRPr lang="zh-CN" altLang="en-US" dirty="0"/>
+          </a:p>
+        </p:txBody>
+      </p:sp>
+      <p:sp>
+        <p:nvSpPr>
+          <p:cNvPr id="3" name="内容占位符 2"/>
+          <p:cNvSpPr>
+            <a:spLocks noGrp="1"/>
+          </p:cNvSpPr>
+          <p:nvPr>
+            <p:ph idx="1"/>
+          </p:nvPr>
+        </p:nvSpPr>
+        <p:spPr/>
+        <p:txBody>
+          <a:bodyPr/>
+          <a:lstStyle/>
+          <a:p>
+            <a:r>
+              <a:rPr lang="zh-CN" altLang="en-US" dirty="0" smtClean="0"/>
+              <a:t>属性修改界面：</a:t>
+            </a:r>
+            <a:endParaRPr lang="en-US" altLang="zh-CN" dirty="0" smtClean="0"/>
+          </a:p>
+          <a:p>
+            <a:r>
+              <a:rPr lang="zh-CN" altLang="en-US" dirty="0" smtClean="0"/>
+              <a:t>电能参数选择</a:t>
+            </a:r>
+            <a:endParaRPr lang="en-US" altLang="zh-CN" dirty="0" smtClean="0"/>
+          </a:p>
+          <a:p>
+            <a:r>
+              <a:rPr lang="zh-CN" altLang="en-US" dirty="0"/>
+              <a:t>同步</a:t>
+            </a:r>
+            <a:r>
+              <a:rPr lang="zh-CN" altLang="en-US" dirty="0" smtClean="0"/>
+              <a:t>精度选择</a:t>
+            </a:r>
+            <a:endParaRPr lang="en-US" altLang="zh-CN" dirty="0" smtClean="0"/>
+          </a:p>
+          <a:p>
+            <a:r>
+              <a:rPr lang="zh-CN" altLang="en-US" dirty="0" smtClean="0"/>
+              <a:t>通信端口选择</a:t>
+            </a:r>
+            <a:endParaRPr lang="en-US" altLang="zh-CN" dirty="0" smtClean="0"/>
+          </a:p>
+          <a:p>
+            <a:r>
+              <a:rPr lang="zh-CN" altLang="en-US" dirty="0"/>
+              <a:t>电价预</a:t>
+            </a:r>
+            <a:r>
+              <a:rPr lang="zh-CN" altLang="en-US" dirty="0" smtClean="0"/>
+              <a:t>设库设置</a:t>
+            </a:r>
+            <a:endParaRPr lang="zh-CN" altLang="en-US" dirty="0"/>
+          </a:p>
+        </p:txBody>
+      </p:sp>
+    </p:spTree>
+    <p:extLst>
+      <p:ext uri="{BB962C8B-B14F-4D97-AF65-F5344CB8AC3E}">
+        <p14:creationId xmlns:p14="http://schemas.microsoft.com/office/powerpoint/2010/main" val="1655383195"/>
+      </p:ext>
+    </p:extLst>
+  </p:cSld>
+  <p:clrMapOvr>
+    <a:masterClrMapping/>
+  </p:clrMapOvr>
 </p:sld>
 </file>
 
@@ -3330,7 +6389,7 @@
           <a:graphicData uri="http://schemas.openxmlformats.org/presentationml/2006/ole">
             <mc:AlternateContent xmlns:mc="http://schemas.openxmlformats.org/markup-compatibility/2006">
               <mc:Choice xmlns:v="urn:schemas-microsoft-com:vml" Requires="v">
-                <p:oleObj spid="_x0000_s1028" name="Visio" r:id="rId3" imgW="6645240" imgH="5571047" progId="Visio.Drawing.11">
+                <p:oleObj spid="_x0000_s1086" name="Visio" r:id="rId3" imgW="6645240" imgH="5571047" progId="Visio.Drawing.11">
                   <p:embed/>
                 </p:oleObj>
               </mc:Choice>
@@ -3385,6 +6444,353 @@
 </p:sld>
 </file>
 
+<file path=ppt/slides/slide20.xml><?xml version="1.0" encoding="utf-8"?>
+<p:sld xmlns:a="http://schemas.openxmlformats.org/drawingml/2006/main" xmlns:r="http://schemas.openxmlformats.org/officeDocument/2006/relationships" xmlns:p="http://schemas.openxmlformats.org/presentationml/2006/main">
+  <p:cSld>
+    <p:spTree>
+      <p:nvGrpSpPr>
+        <p:cNvPr id="1" name=""/>
+        <p:cNvGrpSpPr/>
+        <p:nvPr/>
+      </p:nvGrpSpPr>
+      <p:grpSpPr>
+        <a:xfrm>
+          <a:off x="0" y="0"/>
+          <a:ext cx="0" cy="0"/>
+          <a:chOff x="0" y="0"/>
+          <a:chExt cx="0" cy="0"/>
+        </a:xfrm>
+      </p:grpSpPr>
+      <p:sp>
+        <p:nvSpPr>
+          <p:cNvPr id="2" name="标题 1"/>
+          <p:cNvSpPr>
+            <a:spLocks noGrp="1"/>
+          </p:cNvSpPr>
+          <p:nvPr>
+            <p:ph type="title"/>
+          </p:nvPr>
+        </p:nvSpPr>
+        <p:spPr/>
+        <p:txBody>
+          <a:bodyPr/>
+          <a:lstStyle/>
+          <a:p>
+            <a:r>
+              <a:rPr lang="zh-CN" altLang="en-US" dirty="0"/>
+              <a:t>架构设计</a:t>
+            </a:r>
+            <a:r>
+              <a:rPr lang="zh-CN" altLang="en-US" dirty="0" smtClean="0"/>
+              <a:t>：流程控制</a:t>
+            </a:r>
+            <a:endParaRPr lang="zh-CN" altLang="en-US" dirty="0"/>
+          </a:p>
+        </p:txBody>
+      </p:sp>
+      <p:sp>
+        <p:nvSpPr>
+          <p:cNvPr id="3" name="内容占位符 2"/>
+          <p:cNvSpPr>
+            <a:spLocks noGrp="1"/>
+          </p:cNvSpPr>
+          <p:nvPr>
+            <p:ph idx="1"/>
+          </p:nvPr>
+        </p:nvSpPr>
+        <p:spPr/>
+        <p:txBody>
+          <a:bodyPr/>
+          <a:lstStyle/>
+          <a:p>
+            <a:r>
+              <a:rPr lang="zh-CN" altLang="en-US" dirty="0"/>
+              <a:t>流程</a:t>
+            </a:r>
+            <a:r>
+              <a:rPr lang="zh-CN" altLang="en-US" dirty="0" smtClean="0"/>
+              <a:t>控制（状态机）：</a:t>
+            </a:r>
+            <a:endParaRPr lang="en-US" altLang="zh-CN" dirty="0" smtClean="0"/>
+          </a:p>
+          <a:p>
+            <a:pPr lvl="1"/>
+            <a:r>
+              <a:rPr lang="en-US" altLang="zh-CN" dirty="0" err="1" smtClean="0"/>
+              <a:t>Init</a:t>
+            </a:r>
+            <a:r>
+              <a:rPr lang="zh-CN" altLang="en-US" dirty="0" smtClean="0"/>
+              <a:t>：初始化所有预设属性及端口</a:t>
+            </a:r>
+            <a:endParaRPr lang="en-US" altLang="zh-CN" dirty="0"/>
+          </a:p>
+          <a:p>
+            <a:pPr lvl="1"/>
+            <a:r>
+              <a:rPr lang="en-US" altLang="zh-CN" dirty="0" err="1" smtClean="0"/>
+              <a:t>SelectPara</a:t>
+            </a:r>
+            <a:r>
+              <a:rPr lang="zh-CN" altLang="en-US" dirty="0" smtClean="0"/>
+              <a:t>：测量电能参数选择</a:t>
+            </a:r>
+            <a:endParaRPr lang="en-US" altLang="zh-CN" dirty="0" smtClean="0"/>
+          </a:p>
+          <a:p>
+            <a:pPr lvl="1"/>
+            <a:r>
+              <a:rPr lang="en-US" altLang="zh-CN" dirty="0" smtClean="0"/>
+              <a:t>Measurement</a:t>
+            </a:r>
+            <a:r>
+              <a:rPr lang="zh-CN" altLang="en-US" dirty="0" smtClean="0"/>
+              <a:t>：测量电能参数</a:t>
+            </a:r>
+            <a:endParaRPr lang="en-US" altLang="zh-CN" dirty="0"/>
+          </a:p>
+          <a:p>
+            <a:pPr lvl="2"/>
+            <a:r>
+              <a:rPr lang="en-US" altLang="zh-CN" dirty="0" err="1" smtClean="0"/>
+              <a:t>GetVarableData</a:t>
+            </a:r>
+            <a:r>
+              <a:rPr lang="zh-CN" altLang="en-US" dirty="0" smtClean="0"/>
+              <a:t>：数据采集</a:t>
+            </a:r>
+            <a:endParaRPr lang="en-US" altLang="zh-CN" dirty="0" smtClean="0"/>
+          </a:p>
+          <a:p>
+            <a:pPr lvl="2"/>
+            <a:r>
+              <a:rPr lang="en-US" altLang="zh-CN" dirty="0" err="1" smtClean="0"/>
+              <a:t>SaveData</a:t>
+            </a:r>
+            <a:r>
+              <a:rPr lang="zh-CN" altLang="en-US" dirty="0" smtClean="0"/>
+              <a:t>：存储数据</a:t>
+            </a:r>
+            <a:endParaRPr lang="en-US" altLang="zh-CN" dirty="0"/>
+          </a:p>
+          <a:p>
+            <a:pPr lvl="2"/>
+            <a:r>
+              <a:rPr lang="en-US" altLang="zh-CN" dirty="0" err="1" smtClean="0"/>
+              <a:t>DisplayResult</a:t>
+            </a:r>
+            <a:r>
+              <a:rPr lang="zh-CN" altLang="en-US" dirty="0" smtClean="0"/>
+              <a:t>：结果显示</a:t>
+            </a:r>
+            <a:endParaRPr lang="en-US" altLang="zh-CN" dirty="0" smtClean="0"/>
+          </a:p>
+          <a:p>
+            <a:pPr lvl="1"/>
+            <a:r>
+              <a:rPr lang="en-US" altLang="zh-CN" dirty="0" smtClean="0"/>
+              <a:t>Idle</a:t>
+            </a:r>
+            <a:r>
+              <a:rPr lang="zh-CN" altLang="en-US" dirty="0" smtClean="0"/>
+              <a:t>：空闲</a:t>
+            </a:r>
+            <a:endParaRPr lang="zh-CN" altLang="en-US" dirty="0"/>
+          </a:p>
+        </p:txBody>
+      </p:sp>
+    </p:spTree>
+    <p:extLst>
+      <p:ext uri="{BB962C8B-B14F-4D97-AF65-F5344CB8AC3E}">
+        <p14:creationId xmlns:p14="http://schemas.microsoft.com/office/powerpoint/2010/main" val="223176332"/>
+      </p:ext>
+    </p:extLst>
+  </p:cSld>
+  <p:clrMapOvr>
+    <a:masterClrMapping/>
+  </p:clrMapOvr>
+</p:sld>
+</file>
+
+<file path=ppt/slides/slide21.xml><?xml version="1.0" encoding="utf-8"?>
+<p:sld xmlns:a="http://schemas.openxmlformats.org/drawingml/2006/main" xmlns:r="http://schemas.openxmlformats.org/officeDocument/2006/relationships" xmlns:p="http://schemas.openxmlformats.org/presentationml/2006/main">
+  <p:cSld>
+    <p:spTree>
+      <p:nvGrpSpPr>
+        <p:cNvPr id="1" name=""/>
+        <p:cNvGrpSpPr/>
+        <p:nvPr/>
+      </p:nvGrpSpPr>
+      <p:grpSpPr>
+        <a:xfrm>
+          <a:off x="0" y="0"/>
+          <a:ext cx="0" cy="0"/>
+          <a:chOff x="0" y="0"/>
+          <a:chExt cx="0" cy="0"/>
+        </a:xfrm>
+      </p:grpSpPr>
+      <p:sp>
+        <p:nvSpPr>
+          <p:cNvPr id="2" name="标题 1"/>
+          <p:cNvSpPr>
+            <a:spLocks noGrp="1"/>
+          </p:cNvSpPr>
+          <p:nvPr>
+            <p:ph type="title"/>
+          </p:nvPr>
+        </p:nvSpPr>
+        <p:spPr/>
+        <p:txBody>
+          <a:bodyPr>
+            <a:normAutofit/>
+          </a:bodyPr>
+          <a:lstStyle/>
+          <a:p>
+            <a:r>
+              <a:rPr lang="zh-CN" altLang="en-US" dirty="0"/>
+              <a:t>架构</a:t>
+            </a:r>
+            <a:r>
+              <a:rPr lang="zh-CN" altLang="en-US" dirty="0" smtClean="0"/>
+              <a:t>设计：</a:t>
+            </a:r>
+            <a:r>
+              <a:rPr lang="zh-CN" altLang="en-US" dirty="0"/>
+              <a:t>参数</a:t>
+            </a:r>
+            <a:r>
+              <a:rPr lang="zh-CN" altLang="en-US" dirty="0" smtClean="0"/>
+              <a:t>访问</a:t>
+            </a:r>
+            <a:endParaRPr lang="zh-CN" altLang="en-US" dirty="0"/>
+          </a:p>
+        </p:txBody>
+      </p:sp>
+      <p:sp>
+        <p:nvSpPr>
+          <p:cNvPr id="3" name="内容占位符 2"/>
+          <p:cNvSpPr>
+            <a:spLocks noGrp="1"/>
+          </p:cNvSpPr>
+          <p:nvPr>
+            <p:ph idx="1"/>
+          </p:nvPr>
+        </p:nvSpPr>
+        <p:spPr/>
+        <p:txBody>
+          <a:bodyPr/>
+          <a:lstStyle/>
+          <a:p>
+            <a:r>
+              <a:rPr lang="en-US" altLang="zh-CN" dirty="0" smtClean="0"/>
+              <a:t>XML</a:t>
+            </a:r>
+            <a:r>
+              <a:rPr lang="zh-CN" altLang="en-US" dirty="0"/>
+              <a:t>接口</a:t>
+            </a:r>
+            <a:endParaRPr lang="en-US" altLang="zh-CN" dirty="0"/>
+          </a:p>
+          <a:p>
+            <a:r>
+              <a:rPr lang="zh-CN" altLang="en-US" dirty="0"/>
+              <a:t>全局变量访问</a:t>
+            </a:r>
+          </a:p>
+        </p:txBody>
+      </p:sp>
+    </p:spTree>
+    <p:extLst>
+      <p:ext uri="{BB962C8B-B14F-4D97-AF65-F5344CB8AC3E}">
+        <p14:creationId xmlns:p14="http://schemas.microsoft.com/office/powerpoint/2010/main" val="1722862044"/>
+      </p:ext>
+    </p:extLst>
+  </p:cSld>
+  <p:clrMapOvr>
+    <a:masterClrMapping/>
+  </p:clrMapOvr>
+</p:sld>
+</file>
+
+<file path=ppt/slides/slide22.xml><?xml version="1.0" encoding="utf-8"?>
+<p:sld xmlns:a="http://schemas.openxmlformats.org/drawingml/2006/main" xmlns:r="http://schemas.openxmlformats.org/officeDocument/2006/relationships" xmlns:p="http://schemas.openxmlformats.org/presentationml/2006/main">
+  <p:cSld>
+    <p:spTree>
+      <p:nvGrpSpPr>
+        <p:cNvPr id="1" name=""/>
+        <p:cNvGrpSpPr/>
+        <p:nvPr/>
+      </p:nvGrpSpPr>
+      <p:grpSpPr>
+        <a:xfrm>
+          <a:off x="0" y="0"/>
+          <a:ext cx="0" cy="0"/>
+          <a:chOff x="0" y="0"/>
+          <a:chExt cx="0" cy="0"/>
+        </a:xfrm>
+      </p:grpSpPr>
+      <p:sp>
+        <p:nvSpPr>
+          <p:cNvPr id="2" name="标题 1"/>
+          <p:cNvSpPr>
+            <a:spLocks noGrp="1"/>
+          </p:cNvSpPr>
+          <p:nvPr>
+            <p:ph type="title"/>
+          </p:nvPr>
+        </p:nvSpPr>
+        <p:spPr/>
+        <p:txBody>
+          <a:bodyPr/>
+          <a:lstStyle/>
+          <a:p>
+            <a:r>
+              <a:rPr lang="zh-CN" altLang="en-US" dirty="0" smtClean="0"/>
+              <a:t>结构设计</a:t>
+            </a:r>
+            <a:endParaRPr lang="zh-CN" altLang="en-US" dirty="0"/>
+          </a:p>
+        </p:txBody>
+      </p:sp>
+      <p:sp>
+        <p:nvSpPr>
+          <p:cNvPr id="3" name="内容占位符 2"/>
+          <p:cNvSpPr>
+            <a:spLocks noGrp="1"/>
+          </p:cNvSpPr>
+          <p:nvPr>
+            <p:ph idx="1"/>
+          </p:nvPr>
+        </p:nvSpPr>
+        <p:spPr/>
+        <p:txBody>
+          <a:bodyPr/>
+          <a:lstStyle/>
+          <a:p>
+            <a:endParaRPr lang="zh-CN" altLang="en-US"/>
+          </a:p>
+        </p:txBody>
+      </p:sp>
+    </p:spTree>
+    <p:extLst>
+      <p:ext uri="{BB962C8B-B14F-4D97-AF65-F5344CB8AC3E}">
+        <p14:creationId xmlns:p14="http://schemas.microsoft.com/office/powerpoint/2010/main" val="860074473"/>
+      </p:ext>
+    </p:extLst>
+  </p:cSld>
+  <p:clrMapOvr>
+    <a:masterClrMapping/>
+  </p:clrMapOvr>
+  <p:timing>
+    <p:tnLst>
+      <p:par>
+        <p:cTn id="1" dur="indefinite" restart="never" nodeType="tmRoot"/>
+      </p:par>
+    </p:tnLst>
+  </p:timing>
+</p:sld>
+</file>
+
 <file path=ppt/slides/slide3.xml><?xml version="1.0" encoding="utf-8"?>
 <p:sld xmlns:a="http://schemas.openxmlformats.org/drawingml/2006/main" xmlns:r="http://schemas.openxmlformats.org/officeDocument/2006/relationships" xmlns:p="http://schemas.openxmlformats.org/presentationml/2006/main">
   <p:cSld>
@@ -3427,7 +6833,7 @@
       </p:sp>
       <p:sp>
         <p:nvSpPr>
-          <p:cNvPr id="3" name="内容占位符 2"/>
+          <p:cNvPr id="9" name="内容占位符 8"/>
           <p:cNvSpPr>
             <a:spLocks noGrp="1"/>
           </p:cNvSpPr>
@@ -3442,26 +6848,80 @@
           <a:p>
             <a:r>
               <a:rPr lang="zh-CN" altLang="en-US" dirty="0" smtClean="0"/>
-              <a:t>国家</a:t>
-            </a:r>
-            <a:r>
-              <a:rPr lang="en-US" altLang="zh-CN" dirty="0" smtClean="0"/>
-              <a:t>DLT645-2007</a:t>
-            </a:r>
-            <a:r>
-              <a:rPr lang="zh-CN" altLang="en-US" dirty="0" smtClean="0"/>
-              <a:t>多功能电能表通信协议</a:t>
-            </a:r>
-          </a:p>
-          <a:p>
+              <a:t>最终实现无线通信</a:t>
+            </a:r>
             <a:endParaRPr lang="zh-CN" altLang="en-US" dirty="0"/>
           </a:p>
         </p:txBody>
       </p:sp>
+      <p:pic>
+        <p:nvPicPr>
+          <p:cNvPr id="2052" name="Picture 4"/>
+          <p:cNvPicPr>
+            <a:picLocks noChangeAspect="1" noChangeArrowheads="1"/>
+          </p:cNvPicPr>
+          <p:nvPr/>
+        </p:nvPicPr>
+        <p:blipFill>
+          <a:blip r:embed="rId2" cstate="print">
+            <a:extLst>
+              <a:ext uri="{28A0092B-C50C-407E-A947-70E740481C1C}">
+                <a14:useLocalDpi xmlns:a14="http://schemas.microsoft.com/office/drawing/2010/main" val="0"/>
+              </a:ext>
+            </a:extLst>
+          </a:blip>
+          <a:srcRect/>
+          <a:stretch>
+            <a:fillRect/>
+          </a:stretch>
+        </p:blipFill>
+        <p:spPr bwMode="auto">
+          <a:xfrm>
+            <a:off x="1979712" y="2564904"/>
+            <a:ext cx="6678155" cy="3672408"/>
+          </a:xfrm>
+          <a:prstGeom prst="rect">
+            <a:avLst/>
+          </a:prstGeom>
+          <a:noFill/>
+          <a:ln>
+            <a:noFill/>
+          </a:ln>
+          <a:effectLst/>
+          <a:extLst>
+            <a:ext uri="{909E8E84-426E-40DD-AFC4-6F175D3DCCD1}">
+              <a14:hiddenFill xmlns:a14="http://schemas.microsoft.com/office/drawing/2010/main">
+                <a:solidFill>
+                  <a:schemeClr val="accent1"/>
+                </a:solidFill>
+              </a14:hiddenFill>
+            </a:ext>
+            <a:ext uri="{91240B29-F687-4F45-9708-019B960494DF}">
+              <a14:hiddenLine xmlns:a14="http://schemas.microsoft.com/office/drawing/2010/main" w="9525">
+                <a:solidFill>
+                  <a:schemeClr val="tx1"/>
+                </a:solidFill>
+                <a:miter lim="800000"/>
+                <a:headEnd/>
+                <a:tailEnd/>
+              </a14:hiddenLine>
+            </a:ext>
+            <a:ext uri="{AF507438-7753-43E0-B8FC-AC1667EBCBE1}">
+              <a14:hiddenEffects xmlns:a14="http://schemas.microsoft.com/office/drawing/2010/main">
+                <a:effectLst>
+                  <a:outerShdw dist="35921" dir="2700000" algn="ctr" rotWithShape="0">
+                    <a:schemeClr val="bg2"/>
+                  </a:outerShdw>
+                </a:effectLst>
+              </a14:hiddenEffects>
+            </a:ext>
+          </a:extLst>
+        </p:spPr>
+      </p:pic>
     </p:spTree>
     <p:extLst>
       <p:ext uri="{BB962C8B-B14F-4D97-AF65-F5344CB8AC3E}">
-        <p14:creationId xmlns:p14="http://schemas.microsoft.com/office/powerpoint/2010/main" val="2766419969"/>
+        <p14:creationId xmlns:p14="http://schemas.microsoft.com/office/powerpoint/2010/main" val="974850116"/>
       </p:ext>
     </p:extLst>
   </p:cSld>
@@ -3512,7 +6972,7 @@
           <a:p>
             <a:r>
               <a:rPr lang="zh-CN" altLang="en-US" dirty="0" smtClean="0"/>
-              <a:t>软件平台</a:t>
+              <a:t>硬件结构</a:t>
             </a:r>
             <a:endParaRPr lang="zh-CN" altLang="en-US" dirty="0"/>
           </a:p>
@@ -3534,33 +6994,91 @@
           <a:lstStyle/>
           <a:p>
             <a:r>
-              <a:rPr lang="en-US" altLang="zh-CN" dirty="0" err="1" smtClean="0"/>
-              <a:t>LabVIEW</a:t>
-            </a:r>
-            <a:r>
-              <a:rPr lang="zh-CN" altLang="en-US" dirty="0" smtClean="0"/>
-              <a:t>（硬软件结合平台</a:t>
+              <a:rPr lang="zh-CN" altLang="en-US" dirty="0" smtClean="0"/>
+              <a:t>国家</a:t>
             </a:r>
             <a:r>
               <a:rPr lang="en-US" altLang="zh-CN" dirty="0" smtClean="0"/>
-              <a:t>+</a:t>
-            </a:r>
-            <a:r>
-              <a:rPr lang="en-US" altLang="zh-CN" dirty="0" err="1" smtClean="0"/>
-              <a:t>OpenG</a:t>
-            </a:r>
-            <a:r>
-              <a:rPr lang="zh-CN" altLang="en-US" dirty="0" smtClean="0"/>
-              <a:t>）</a:t>
-            </a:r>
-            <a:endParaRPr lang="en-US" altLang="zh-CN" dirty="0" smtClean="0"/>
-          </a:p>
-        </p:txBody>
-      </p:sp>
+              <a:t>DLT645-2007</a:t>
+            </a:r>
+            <a:r>
+              <a:rPr lang="zh-CN" altLang="en-US" dirty="0" smtClean="0"/>
+              <a:t>多功能电能表通信协议</a:t>
+            </a:r>
+          </a:p>
+          <a:p>
+            <a:endParaRPr lang="zh-CN" altLang="en-US" dirty="0"/>
+          </a:p>
+        </p:txBody>
+      </p:sp>
+      <p:pic>
+        <p:nvPicPr>
+          <p:cNvPr id="2050" name="Picture 2"/>
+          <p:cNvPicPr>
+            <a:picLocks noChangeAspect="1" noChangeArrowheads="1"/>
+          </p:cNvPicPr>
+          <p:nvPr/>
+        </p:nvPicPr>
+        <p:blipFill>
+          <a:blip r:embed="rId2" cstate="print">
+            <a:extLst>
+              <a:ext uri="{28A0092B-C50C-407E-A947-70E740481C1C}">
+                <a14:useLocalDpi xmlns:a14="http://schemas.microsoft.com/office/drawing/2010/main" val="0"/>
+              </a:ext>
+            </a:extLst>
+          </a:blip>
+          <a:srcRect/>
+          <a:stretch>
+            <a:fillRect/>
+          </a:stretch>
+        </p:blipFill>
+        <p:spPr bwMode="auto">
+          <a:xfrm>
+            <a:off x="2843808" y="2420887"/>
+            <a:ext cx="2949721" cy="4173163"/>
+          </a:xfrm>
+          <a:prstGeom prst="rect">
+            <a:avLst/>
+          </a:prstGeom>
+          <a:noFill/>
+          <a:ln>
+            <a:noFill/>
+          </a:ln>
+          <a:effectLst/>
+          <a:extLst>
+            <a:ext uri="{909E8E84-426E-40DD-AFC4-6F175D3DCCD1}">
+              <a14:hiddenFill xmlns:a14="http://schemas.microsoft.com/office/drawing/2010/main">
+                <a:solidFill>
+                  <a:schemeClr val="accent1"/>
+                </a:solidFill>
+              </a14:hiddenFill>
+            </a:ext>
+            <a:ext uri="{91240B29-F687-4F45-9708-019B960494DF}">
+              <a14:hiddenLine xmlns:a14="http://schemas.microsoft.com/office/drawing/2010/main" w="9525">
+                <a:solidFill>
+                  <a:schemeClr val="tx1"/>
+                </a:solidFill>
+                <a:miter lim="800000"/>
+                <a:headEnd/>
+                <a:tailEnd/>
+              </a14:hiddenLine>
+            </a:ext>
+            <a:ext uri="{AF507438-7753-43E0-B8FC-AC1667EBCBE1}">
+              <a14:hiddenEffects xmlns:a14="http://schemas.microsoft.com/office/drawing/2010/main">
+                <a:effectLst>
+                  <a:outerShdw dist="35921" dir="2700000" algn="ctr" rotWithShape="0">
+                    <a:schemeClr val="bg2"/>
+                  </a:outerShdw>
+                </a:effectLst>
+              </a14:hiddenEffects>
+            </a:ext>
+          </a:extLst>
+        </p:spPr>
+      </p:pic>
     </p:spTree>
     <p:extLst>
       <p:ext uri="{BB962C8B-B14F-4D97-AF65-F5344CB8AC3E}">
-        <p14:creationId xmlns:p14="http://schemas.microsoft.com/office/powerpoint/2010/main" val="2196485067"/>
+        <p14:creationId xmlns:p14="http://schemas.microsoft.com/office/powerpoint/2010/main" val="2766419969"/>
       </p:ext>
     </p:extLst>
   </p:cSld>
@@ -3610,9 +7128,10 @@
           <a:lstStyle/>
           <a:p>
             <a:r>
-              <a:rPr lang="zh-CN" altLang="en-US" dirty="0"/>
-              <a:t>需求分析</a:t>
-            </a:r>
+              <a:rPr lang="zh-CN" altLang="en-US" dirty="0" smtClean="0"/>
+              <a:t>软件平台</a:t>
+            </a:r>
+            <a:endParaRPr lang="zh-CN" altLang="en-US" dirty="0"/>
           </a:p>
         </p:txBody>
       </p:sp>
@@ -3631,14 +7150,75 @@
           <a:bodyPr/>
           <a:lstStyle/>
           <a:p>
-            <a:endParaRPr lang="zh-CN" altLang="en-US" dirty="0"/>
-          </a:p>
-        </p:txBody>
-      </p:sp>
+            <a:r>
+              <a:rPr lang="en-US" altLang="zh-CN" dirty="0" err="1" smtClean="0"/>
+              <a:t>LabVIEW</a:t>
+            </a:r>
+            <a:r>
+              <a:rPr lang="zh-CN" altLang="en-US" dirty="0" smtClean="0"/>
+              <a:t>（硬软件结合平台</a:t>
+            </a:r>
+            <a:r>
+              <a:rPr lang="en-US" altLang="zh-CN" dirty="0" smtClean="0"/>
+              <a:t>+</a:t>
+            </a:r>
+            <a:r>
+              <a:rPr lang="en-US" altLang="zh-CN" dirty="0" err="1" smtClean="0"/>
+              <a:t>OpenG</a:t>
+            </a:r>
+            <a:r>
+              <a:rPr lang="zh-CN" altLang="en-US" dirty="0" smtClean="0"/>
+              <a:t>）</a:t>
+            </a:r>
+            <a:endParaRPr lang="en-US" altLang="zh-CN" dirty="0" smtClean="0"/>
+          </a:p>
+        </p:txBody>
+      </p:sp>
+      <p:pic>
+        <p:nvPicPr>
+          <p:cNvPr id="2050" name="Picture 2" descr="http://singapore.ni.com/sites/default/files/images/asean/singapore/gsd_demo08_0.jpg"/>
+          <p:cNvPicPr>
+            <a:picLocks noChangeAspect="1" noChangeArrowheads="1"/>
+          </p:cNvPicPr>
+          <p:nvPr/>
+        </p:nvPicPr>
+        <p:blipFill>
+          <a:blip r:embed="rId2">
+            <a:extLst>
+              <a:ext uri="{28A0092B-C50C-407E-A947-70E740481C1C}">
+                <a14:useLocalDpi xmlns:a14="http://schemas.microsoft.com/office/drawing/2010/main" val="0"/>
+              </a:ext>
+            </a:extLst>
+          </a:blip>
+          <a:srcRect/>
+          <a:stretch>
+            <a:fillRect/>
+          </a:stretch>
+        </p:blipFill>
+        <p:spPr bwMode="auto">
+          <a:xfrm>
+            <a:off x="-23176" y="2132856"/>
+            <a:ext cx="9182100" cy="4514851"/>
+          </a:xfrm>
+          <a:prstGeom prst="rect">
+            <a:avLst/>
+          </a:prstGeom>
+          <a:noFill/>
+          <a:extLst>
+            <a:ext uri="{909E8E84-426E-40DD-AFC4-6F175D3DCCD1}">
+              <a14:hiddenFill xmlns:a14="http://schemas.microsoft.com/office/drawing/2010/main">
+                <a:solidFill>
+                  <a:srgbClr val="FFFFFF"/>
+                </a:solidFill>
+              </a14:hiddenFill>
+            </a:ext>
+          </a:extLst>
+        </p:spPr>
+      </p:pic>
     </p:spTree>
     <p:extLst>
       <p:ext uri="{BB962C8B-B14F-4D97-AF65-F5344CB8AC3E}">
-        <p14:creationId xmlns:p14="http://schemas.microsoft.com/office/powerpoint/2010/main" val="632349262"/>
+        <p14:creationId xmlns:p14="http://schemas.microsoft.com/office/powerpoint/2010/main" val="2196485067"/>
       </p:ext>
     </p:extLst>
   </p:cSld>
@@ -3687,7 +7267,19 @@
           <a:bodyPr/>
           <a:lstStyle/>
           <a:p>
-            <a:endParaRPr lang="zh-CN" altLang="en-US"/>
+            <a:r>
+              <a:rPr lang="zh-CN" altLang="en-US" dirty="0" smtClean="0"/>
+              <a:t>需求分析 </a:t>
+            </a:r>
+            <a:r>
+              <a:rPr lang="en-US" altLang="zh-CN" dirty="0" smtClean="0"/>
+              <a:t>---- </a:t>
+            </a:r>
+            <a:r>
+              <a:rPr lang="zh-CN" altLang="en-US" dirty="0" smtClean="0"/>
+              <a:t>佑达</a:t>
+            </a:r>
+            <a:endParaRPr lang="zh-CN" altLang="en-US" dirty="0"/>
           </a:p>
         </p:txBody>
       </p:sp>
@@ -3706,14 +7298,39 @@
           <a:bodyPr/>
           <a:lstStyle/>
           <a:p>
-            <a:endParaRPr lang="zh-CN" altLang="en-US"/>
+            <a:r>
+              <a:rPr lang="zh-CN" altLang="en-US" dirty="0" smtClean="0"/>
+              <a:t>网络结构（节点选择）</a:t>
+            </a:r>
+            <a:endParaRPr lang="en-US" altLang="zh-CN" dirty="0" smtClean="0"/>
+          </a:p>
+          <a:p>
+            <a:r>
+              <a:rPr lang="zh-CN" altLang="en-US" dirty="0" smtClean="0"/>
+              <a:t>通信</a:t>
+            </a:r>
+            <a:endParaRPr lang="en-US" altLang="zh-CN" dirty="0" smtClean="0"/>
+          </a:p>
+          <a:p>
+            <a:r>
+              <a:rPr lang="zh-CN" altLang="en-US" dirty="0" smtClean="0"/>
+              <a:t>获取时间（包括电表和各节点）</a:t>
+            </a:r>
+            <a:endParaRPr lang="en-US" altLang="zh-CN" dirty="0" smtClean="0"/>
+          </a:p>
+          <a:p>
+            <a:r>
+              <a:rPr lang="zh-CN" altLang="en-US" dirty="0" smtClean="0"/>
+              <a:t>时间同步</a:t>
+            </a:r>
+            <a:endParaRPr lang="zh-CN" altLang="en-US" dirty="0"/>
           </a:p>
         </p:txBody>
       </p:sp>
     </p:spTree>
     <p:extLst>
       <p:ext uri="{BB962C8B-B14F-4D97-AF65-F5344CB8AC3E}">
-        <p14:creationId xmlns:p14="http://schemas.microsoft.com/office/powerpoint/2010/main" val="2678567605"/>
+        <p14:creationId xmlns:p14="http://schemas.microsoft.com/office/powerpoint/2010/main" val="2220534298"/>
       </p:ext>
     </p:extLst>
   </p:cSld>
@@ -3762,7 +7379,19 @@
           <a:bodyPr/>
           <a:lstStyle/>
           <a:p>
-            <a:endParaRPr lang="zh-CN" altLang="en-US"/>
+            <a:r>
+              <a:rPr lang="zh-CN" altLang="en-US" dirty="0" smtClean="0"/>
+              <a:t>需求分析 </a:t>
+            </a:r>
+            <a:r>
+              <a:rPr lang="en-US" altLang="zh-CN" dirty="0" smtClean="0"/>
+              <a:t>--- </a:t>
+            </a:r>
+            <a:r>
+              <a:rPr lang="zh-CN" altLang="en-US" dirty="0" smtClean="0"/>
+              <a:t>孙欣尧</a:t>
+            </a:r>
+            <a:endParaRPr lang="zh-CN" altLang="en-US" dirty="0"/>
           </a:p>
         </p:txBody>
       </p:sp>
@@ -3781,55 +7410,72 @@
           <a:bodyPr/>
           <a:lstStyle/>
           <a:p>
-            <a:endParaRPr lang="zh-CN" altLang="en-US"/>
-          </a:p>
-        </p:txBody>
-      </p:sp>
-      <p:pic>
-        <p:nvPicPr>
-          <p:cNvPr id="2050" name="Picture 2" descr="http://bestitdocuments.com/wp-blog/wp-content/uploads/2012/05/Perception.jpg"/>
-          <p:cNvPicPr>
-            <a:picLocks noChangeAspect="1" noChangeArrowheads="1"/>
-          </p:cNvPicPr>
-          <p:nvPr/>
-        </p:nvPicPr>
-        <p:blipFill>
-          <a:blip r:embed="rId2">
-            <a:extLst>
-              <a:ext uri="{28A0092B-C50C-407E-A947-70E740481C1C}">
-                <a14:useLocalDpi xmlns:a14="http://schemas.microsoft.com/office/drawing/2010/main" val="0"/>
-              </a:ext>
-            </a:extLst>
-          </a:blip>
-          <a:srcRect/>
-          <a:stretch>
-            <a:fillRect/>
-          </a:stretch>
-        </p:blipFill>
-        <p:spPr bwMode="auto">
-          <a:xfrm>
-            <a:off x="1619672" y="1772816"/>
-            <a:ext cx="5857332" cy="4366108"/>
-          </a:xfrm>
-          <a:prstGeom prst="rect">
-            <a:avLst/>
-          </a:prstGeom>
-          <a:noFill/>
-          <a:extLst>
-            <a:ext uri="{909E8E84-426E-40DD-AFC4-6F175D3DCCD1}">
-              <a14:hiddenFill xmlns:a14="http://schemas.microsoft.com/office/drawing/2010/main">
-                <a:solidFill>
-                  <a:srgbClr val="FFFFFF"/>
-                </a:solidFill>
-              </a14:hiddenFill>
-            </a:ext>
-          </a:extLst>
-        </p:spPr>
-      </p:pic>
+            <a:r>
+              <a:rPr lang="zh-CN" altLang="en-US" dirty="0" smtClean="0"/>
+              <a:t>视在功率（功耗）（</a:t>
+            </a:r>
+            <a:r>
+              <a:rPr lang="en-US" altLang="zh-CN" dirty="0" smtClean="0"/>
+              <a:t>10min/</a:t>
+            </a:r>
+            <a:r>
+              <a:rPr lang="zh-CN" altLang="en-US" dirty="0" smtClean="0"/>
+              <a:t>次）</a:t>
+            </a:r>
+            <a:endParaRPr lang="en-US" altLang="zh-CN" dirty="0" smtClean="0"/>
+          </a:p>
+          <a:p>
+            <a:r>
+              <a:rPr lang="zh-CN" altLang="en-US" dirty="0" smtClean="0"/>
+              <a:t>远程控制</a:t>
+            </a:r>
+            <a:endParaRPr lang="en-US" altLang="zh-CN" dirty="0" smtClean="0"/>
+          </a:p>
+          <a:p>
+            <a:r>
+              <a:rPr lang="zh-CN" altLang="en-US" dirty="0" smtClean="0"/>
+              <a:t>功耗变化曲线（预测电价曲线）</a:t>
+            </a:r>
+            <a:endParaRPr lang="en-US" altLang="zh-CN" dirty="0" smtClean="0"/>
+          </a:p>
+          <a:p>
+            <a:r>
+              <a:rPr lang="zh-CN" altLang="en-US" dirty="0" smtClean="0"/>
+              <a:t>环境变量（温湿度、光照等，设备占用率）</a:t>
+            </a:r>
+            <a:endParaRPr lang="en-US" altLang="zh-CN" dirty="0" smtClean="0"/>
+          </a:p>
+          <a:p>
+            <a:r>
+              <a:rPr lang="zh-CN" altLang="en-US" dirty="0" smtClean="0"/>
+              <a:t>人为规则设定（输入量</a:t>
+            </a:r>
+            <a:r>
+              <a:rPr lang="en-US" altLang="zh-CN" dirty="0" smtClean="0"/>
+              <a:t>;</a:t>
+            </a:r>
+            <a:r>
+              <a:rPr lang="zh-CN" altLang="en-US" dirty="0" smtClean="0"/>
+              <a:t>输出量）</a:t>
+            </a:r>
+            <a:endParaRPr lang="en-US" altLang="zh-CN" dirty="0" smtClean="0"/>
+          </a:p>
+          <a:p>
+            <a:r>
+              <a:rPr lang="zh-CN" altLang="en-US" dirty="0" smtClean="0"/>
+              <a:t>电价模型输入</a:t>
+            </a:r>
+            <a:endParaRPr lang="en-US" altLang="zh-CN" dirty="0" smtClean="0"/>
+          </a:p>
+          <a:p>
+            <a:endParaRPr lang="zh-CN" altLang="en-US" dirty="0"/>
+          </a:p>
+        </p:txBody>
+      </p:sp>
     </p:spTree>
     <p:extLst>
       <p:ext uri="{BB962C8B-B14F-4D97-AF65-F5344CB8AC3E}">
-        <p14:creationId xmlns:p14="http://schemas.microsoft.com/office/powerpoint/2010/main" val="860074473"/>
+        <p14:creationId xmlns:p14="http://schemas.microsoft.com/office/powerpoint/2010/main" val="3738678729"/>
       </p:ext>
     </p:extLst>
   </p:cSld>
@@ -3878,7 +7524,19 @@
           <a:bodyPr/>
           <a:lstStyle/>
           <a:p>
-            <a:endParaRPr lang="zh-CN" altLang="en-US"/>
+            <a:r>
+              <a:rPr lang="zh-CN" altLang="en-US" dirty="0" smtClean="0"/>
+              <a:t>需求分析</a:t>
+            </a:r>
+            <a:r>
+              <a:rPr lang="en-US" altLang="zh-CN" dirty="0" smtClean="0"/>
+              <a:t>----</a:t>
+            </a:r>
+            <a:r>
+              <a:rPr lang="zh-CN" altLang="en-US" dirty="0" smtClean="0"/>
+              <a:t>孙欣尧</a:t>
+            </a:r>
+            <a:endParaRPr lang="zh-CN" altLang="en-US" dirty="0"/>
           </a:p>
         </p:txBody>
       </p:sp>
@@ -3897,14 +7555,49 @@
           <a:bodyPr/>
           <a:lstStyle/>
           <a:p>
-            <a:endParaRPr lang="zh-CN" altLang="en-US"/>
+            <a:r>
+              <a:rPr lang="zh-CN" altLang="en-US" dirty="0" smtClean="0"/>
+              <a:t>输入：瞬时视在功率；时间序列；温湿度等环境信息；电价模型；</a:t>
+            </a:r>
+            <a:endParaRPr lang="en-US" altLang="zh-CN" dirty="0" smtClean="0"/>
+          </a:p>
+          <a:p>
+            <a:r>
+              <a:rPr lang="zh-CN" altLang="en-US" dirty="0" smtClean="0"/>
+              <a:t>设置：规则库；</a:t>
+            </a:r>
+            <a:endParaRPr lang="en-US" altLang="zh-CN" dirty="0" smtClean="0"/>
+          </a:p>
+          <a:p>
+            <a:r>
+              <a:rPr lang="zh-CN" altLang="en-US" dirty="0" smtClean="0"/>
+              <a:t>输出：视在功率变化曲线；电价变化曲线；</a:t>
+            </a:r>
+            <a:endParaRPr lang="en-US" altLang="zh-CN" dirty="0" smtClean="0"/>
+          </a:p>
+          <a:p>
+            <a:pPr marL="0" indent="0">
+              <a:buNone/>
+            </a:pPr>
+            <a:r>
+              <a:rPr lang="en-US" altLang="zh-CN" dirty="0" smtClean="0"/>
+              <a:t> 	</a:t>
+            </a:r>
+            <a:r>
+              <a:rPr lang="zh-CN" altLang="en-US" dirty="0" smtClean="0"/>
+              <a:t>控制指令库；温湿度环境信息；</a:t>
+            </a:r>
+            <a:endParaRPr lang="en-US" altLang="zh-CN" dirty="0"/>
+          </a:p>
+          <a:p>
+            <a:endParaRPr lang="zh-CN" altLang="en-US" dirty="0"/>
           </a:p>
         </p:txBody>
       </p:sp>
     </p:spTree>
     <p:extLst>
       <p:ext uri="{BB962C8B-B14F-4D97-AF65-F5344CB8AC3E}">
-        <p14:creationId xmlns:p14="http://schemas.microsoft.com/office/powerpoint/2010/main" val="3524613272"/>
+        <p14:creationId xmlns:p14="http://schemas.microsoft.com/office/powerpoint/2010/main" val="3092397671"/>
       </p:ext>
     </p:extLst>
   </p:cSld>
@@ -3953,7 +7646,18 @@
           <a:bodyPr/>
           <a:lstStyle/>
           <a:p>
-            <a:endParaRPr lang="zh-CN" altLang="en-US"/>
+            <a:r>
+              <a:rPr lang="zh-CN" altLang="en-US" dirty="0" smtClean="0"/>
+              <a:t>需求分析 </a:t>
+            </a:r>
+            <a:r>
+              <a:rPr lang="en-US" altLang="zh-CN" dirty="0" smtClean="0"/>
+              <a:t>--- </a:t>
+            </a:r>
+            <a:r>
+              <a:rPr lang="zh-CN" altLang="en-US" dirty="0"/>
+              <a:t>吴江伟</a:t>
+            </a:r>
           </a:p>
         </p:txBody>
       </p:sp>
@@ -3972,14 +7676,32 @@
           <a:bodyPr/>
           <a:lstStyle/>
           <a:p>
-            <a:endParaRPr lang="zh-CN" altLang="en-US"/>
+            <a:r>
+              <a:rPr lang="zh-CN" altLang="en-US" dirty="0" smtClean="0"/>
+              <a:t>输入：网络结构（节点选择等）；电压、功耗等电能参数；</a:t>
+            </a:r>
+            <a:endParaRPr lang="en-US" altLang="zh-CN" dirty="0" smtClean="0"/>
+          </a:p>
+          <a:p>
+            <a:r>
+              <a:rPr lang="zh-CN" altLang="en-US" dirty="0" smtClean="0"/>
+              <a:t>设置：监测参数选择；</a:t>
+            </a:r>
+            <a:endParaRPr lang="en-US" altLang="zh-CN" dirty="0" smtClean="0"/>
+          </a:p>
+          <a:p>
+            <a:r>
+              <a:rPr lang="zh-CN" altLang="en-US" dirty="0" smtClean="0"/>
+              <a:t>输出：选定参数的变化曲线（比如谐波、闪变等）；电能综合评定结果（电能等级、关键参数指标等）；</a:t>
+            </a:r>
+            <a:endParaRPr lang="zh-CN" altLang="en-US" dirty="0"/>
           </a:p>
         </p:txBody>
       </p:sp>
     </p:spTree>
     <p:extLst>
       <p:ext uri="{BB962C8B-B14F-4D97-AF65-F5344CB8AC3E}">
-        <p14:creationId xmlns:p14="http://schemas.microsoft.com/office/powerpoint/2010/main" val="2824276370"/>
+        <p14:creationId xmlns:p14="http://schemas.microsoft.com/office/powerpoint/2010/main" val="2896306363"/>
       </p:ext>
     </p:extLst>
   </p:cSld>

--- a/设计文档/智能电力测试系统软件设计.pptx
+++ b/设计文档/智能电力测试系统软件设计.pptx
@@ -6389,7 +6389,7 @@
           <a:graphicData uri="http://schemas.openxmlformats.org/presentationml/2006/ole">
             <mc:AlternateContent xmlns:mc="http://schemas.openxmlformats.org/markup-compatibility/2006">
               <mc:Choice xmlns:v="urn:schemas-microsoft-com:vml" Requires="v">
-                <p:oleObj spid="_x0000_s1086" name="Visio" r:id="rId3" imgW="6645240" imgH="5571047" progId="Visio.Drawing.11">
+                <p:oleObj spid="_x0000_s1088" name="Visio" r:id="rId3" imgW="6645240" imgH="5571047" progId="Visio.Drawing.11">
                   <p:embed/>
                 </p:oleObj>
               </mc:Choice>
@@ -6682,12 +6682,8 @@
           <a:lstStyle/>
           <a:p>
             <a:r>
-              <a:rPr lang="en-US" altLang="zh-CN" dirty="0" smtClean="0"/>
-              <a:t>XML</a:t>
-            </a:r>
-            <a:r>
-              <a:rPr lang="zh-CN" altLang="en-US" dirty="0"/>
-              <a:t>接口</a:t>
+              <a:rPr lang="zh-CN" altLang="en-US" dirty="0" smtClean="0"/>
+              <a:t>电能参数接口</a:t>
             </a:r>
             <a:endParaRPr lang="en-US" altLang="zh-CN" dirty="0"/>
           </a:p>

--- a/设计文档/智能电力测试系统软件设计.pptx
+++ b/设计文档/智能电力测试系统软件设计.pptx
@@ -14,19 +14,21 @@
     <p:sldId id="276" r:id="rId8"/>
     <p:sldId id="277" r:id="rId9"/>
     <p:sldId id="278" r:id="rId10"/>
-    <p:sldId id="279" r:id="rId11"/>
-    <p:sldId id="280" r:id="rId12"/>
-    <p:sldId id="260" r:id="rId13"/>
-    <p:sldId id="266" r:id="rId14"/>
-    <p:sldId id="267" r:id="rId15"/>
-    <p:sldId id="283" r:id="rId16"/>
-    <p:sldId id="268" r:id="rId17"/>
-    <p:sldId id="273" r:id="rId18"/>
-    <p:sldId id="274" r:id="rId19"/>
-    <p:sldId id="281" r:id="rId20"/>
-    <p:sldId id="282" r:id="rId21"/>
-    <p:sldId id="284" r:id="rId22"/>
-    <p:sldId id="262" r:id="rId23"/>
+    <p:sldId id="286" r:id="rId11"/>
+    <p:sldId id="279" r:id="rId12"/>
+    <p:sldId id="285" r:id="rId13"/>
+    <p:sldId id="280" r:id="rId14"/>
+    <p:sldId id="260" r:id="rId15"/>
+    <p:sldId id="266" r:id="rId16"/>
+    <p:sldId id="267" r:id="rId17"/>
+    <p:sldId id="283" r:id="rId18"/>
+    <p:sldId id="268" r:id="rId19"/>
+    <p:sldId id="273" r:id="rId20"/>
+    <p:sldId id="274" r:id="rId21"/>
+    <p:sldId id="281" r:id="rId22"/>
+    <p:sldId id="282" r:id="rId23"/>
+    <p:sldId id="284" r:id="rId24"/>
+    <p:sldId id="262" r:id="rId25"/>
   </p:sldIdLst>
   <p:sldSz cx="9144000" cy="6858000" type="screen4x3"/>
   <p:notesSz cx="6858000" cy="9144000"/>
@@ -309,7 +311,7 @@
           <a:p>
             <a:fld id="{E5597832-151A-49D8-9558-88424A6B8A4E}" type="datetimeFigureOut">
               <a:rPr lang="zh-CN" altLang="en-US" smtClean="0"/>
-              <a:t>2012/11/17</a:t>
+              <a:t>2012/11/18</a:t>
             </a:fld>
             <a:endParaRPr lang="zh-CN" altLang="en-US"/>
           </a:p>
@@ -479,7 +481,7 @@
           <a:p>
             <a:fld id="{E5597832-151A-49D8-9558-88424A6B8A4E}" type="datetimeFigureOut">
               <a:rPr lang="zh-CN" altLang="en-US" smtClean="0"/>
-              <a:t>2012/11/17</a:t>
+              <a:t>2012/11/18</a:t>
             </a:fld>
             <a:endParaRPr lang="zh-CN" altLang="en-US"/>
           </a:p>
@@ -659,7 +661,7 @@
           <a:p>
             <a:fld id="{E5597832-151A-49D8-9558-88424A6B8A4E}" type="datetimeFigureOut">
               <a:rPr lang="zh-CN" altLang="en-US" smtClean="0"/>
-              <a:t>2012/11/17</a:t>
+              <a:t>2012/11/18</a:t>
             </a:fld>
             <a:endParaRPr lang="zh-CN" altLang="en-US"/>
           </a:p>
@@ -829,7 +831,7 @@
           <a:p>
             <a:fld id="{E5597832-151A-49D8-9558-88424A6B8A4E}" type="datetimeFigureOut">
               <a:rPr lang="zh-CN" altLang="en-US" smtClean="0"/>
-              <a:t>2012/11/17</a:t>
+              <a:t>2012/11/18</a:t>
             </a:fld>
             <a:endParaRPr lang="zh-CN" altLang="en-US"/>
           </a:p>
@@ -1075,7 +1077,7 @@
           <a:p>
             <a:fld id="{E5597832-151A-49D8-9558-88424A6B8A4E}" type="datetimeFigureOut">
               <a:rPr lang="zh-CN" altLang="en-US" smtClean="0"/>
-              <a:t>2012/11/17</a:t>
+              <a:t>2012/11/18</a:t>
             </a:fld>
             <a:endParaRPr lang="zh-CN" altLang="en-US"/>
           </a:p>
@@ -1363,7 +1365,7 @@
           <a:p>
             <a:fld id="{E5597832-151A-49D8-9558-88424A6B8A4E}" type="datetimeFigureOut">
               <a:rPr lang="zh-CN" altLang="en-US" smtClean="0"/>
-              <a:t>2012/11/17</a:t>
+              <a:t>2012/11/18</a:t>
             </a:fld>
             <a:endParaRPr lang="zh-CN" altLang="en-US"/>
           </a:p>
@@ -1785,7 +1787,7 @@
           <a:p>
             <a:fld id="{E5597832-151A-49D8-9558-88424A6B8A4E}" type="datetimeFigureOut">
               <a:rPr lang="zh-CN" altLang="en-US" smtClean="0"/>
-              <a:t>2012/11/17</a:t>
+              <a:t>2012/11/18</a:t>
             </a:fld>
             <a:endParaRPr lang="zh-CN" altLang="en-US"/>
           </a:p>
@@ -1903,7 +1905,7 @@
           <a:p>
             <a:fld id="{E5597832-151A-49D8-9558-88424A6B8A4E}" type="datetimeFigureOut">
               <a:rPr lang="zh-CN" altLang="en-US" smtClean="0"/>
-              <a:t>2012/11/17</a:t>
+              <a:t>2012/11/18</a:t>
             </a:fld>
             <a:endParaRPr lang="zh-CN" altLang="en-US"/>
           </a:p>
@@ -1998,7 +2000,7 @@
           <a:p>
             <a:fld id="{E5597832-151A-49D8-9558-88424A6B8A4E}" type="datetimeFigureOut">
               <a:rPr lang="zh-CN" altLang="en-US" smtClean="0"/>
-              <a:t>2012/11/17</a:t>
+              <a:t>2012/11/18</a:t>
             </a:fld>
             <a:endParaRPr lang="zh-CN" altLang="en-US"/>
           </a:p>
@@ -2275,7 +2277,7 @@
           <a:p>
             <a:fld id="{E5597832-151A-49D8-9558-88424A6B8A4E}" type="datetimeFigureOut">
               <a:rPr lang="zh-CN" altLang="en-US" smtClean="0"/>
-              <a:t>2012/11/17</a:t>
+              <a:t>2012/11/18</a:t>
             </a:fld>
             <a:endParaRPr lang="zh-CN" altLang="en-US"/>
           </a:p>
@@ -2528,7 +2530,7 @@
           <a:p>
             <a:fld id="{E5597832-151A-49D8-9558-88424A6B8A4E}" type="datetimeFigureOut">
               <a:rPr lang="zh-CN" altLang="en-US" smtClean="0"/>
-              <a:t>2012/11/17</a:t>
+              <a:t>2012/11/18</a:t>
             </a:fld>
             <a:endParaRPr lang="zh-CN" altLang="en-US"/>
           </a:p>
@@ -2741,7 +2743,7 @@
           <a:p>
             <a:fld id="{E5597832-151A-49D8-9558-88424A6B8A4E}" type="datetimeFigureOut">
               <a:rPr lang="zh-CN" altLang="en-US" smtClean="0"/>
-              <a:t>2012/11/17</a:t>
+              <a:t>2012/11/18</a:t>
             </a:fld>
             <a:endParaRPr lang="zh-CN" altLang="en-US"/>
           </a:p>
@@ -3215,27 +3217,26 @@
           <a:lstStyle/>
           <a:p>
             <a:r>
-              <a:rPr lang="zh-CN" altLang="en-US" dirty="0"/>
+              <a:rPr lang="zh-CN" altLang="en-US" dirty="0" smtClean="0"/>
               <a:t>需求分析</a:t>
             </a:r>
-          </a:p>
-        </p:txBody>
-      </p:sp>
-      <p:sp>
-        <p:nvSpPr>
-          <p:cNvPr id="9" name="内容占位符 8"/>
-          <p:cNvSpPr>
-            <a:spLocks noGrp="1"/>
-          </p:cNvSpPr>
-          <p:nvPr>
-            <p:ph sz="half" idx="1"/>
+            <a:endParaRPr lang="zh-CN" altLang="en-US" dirty="0"/>
+          </a:p>
+        </p:txBody>
+      </p:sp>
+      <p:sp>
+        <p:nvSpPr>
+          <p:cNvPr id="3" name="内容占位符 2"/>
+          <p:cNvSpPr>
+            <a:spLocks noGrp="1"/>
+          </p:cNvSpPr>
+          <p:nvPr>
+            <p:ph idx="1"/>
           </p:nvPr>
         </p:nvSpPr>
         <p:spPr/>
         <p:txBody>
-          <a:bodyPr>
-            <a:normAutofit lnSpcReduction="10000"/>
-          </a:bodyPr>
+          <a:bodyPr/>
           <a:lstStyle/>
           <a:p>
             <a:pPr marL="0" indent="0">
@@ -3243,87 +3244,105 @@
             </a:pPr>
             <a:r>
               <a:rPr lang="zh-CN" altLang="en-US" dirty="0" smtClean="0"/>
-              <a:t>输入：</a:t>
+              <a:t>外部接口</a:t>
             </a:r>
             <a:endParaRPr lang="en-US" altLang="zh-CN" dirty="0" smtClean="0"/>
           </a:p>
           <a:p>
             <a:r>
               <a:rPr lang="zh-CN" altLang="en-US" dirty="0"/>
-              <a:t>瞬时视在功率；时间序列；温湿度等环境信息；电价模型</a:t>
-            </a:r>
-            <a:r>
-              <a:rPr lang="zh-CN" altLang="en-US" dirty="0" smtClean="0"/>
-              <a:t>；</a:t>
+              <a:t>用户</a:t>
+            </a:r>
+            <a:r>
+              <a:rPr lang="zh-CN" altLang="en-US" dirty="0" smtClean="0"/>
+              <a:t>接口</a:t>
             </a:r>
             <a:endParaRPr lang="en-US" altLang="zh-CN" dirty="0" smtClean="0"/>
           </a:p>
           <a:p>
-            <a:r>
-              <a:rPr lang="zh-CN" altLang="en-US" dirty="0"/>
-              <a:t>网络结构（节点选择等）；电压、功耗等电能参数；</a:t>
-            </a:r>
-            <a:endParaRPr lang="en-US" altLang="zh-CN" dirty="0"/>
-          </a:p>
-          <a:p>
-            <a:endParaRPr lang="en-US" altLang="zh-CN" dirty="0"/>
-          </a:p>
-          <a:p>
-            <a:endParaRPr lang="zh-CN" altLang="en-US" dirty="0"/>
-          </a:p>
-        </p:txBody>
-      </p:sp>
-      <p:sp>
-        <p:nvSpPr>
-          <p:cNvPr id="3" name="内容占位符 2"/>
-          <p:cNvSpPr>
-            <a:spLocks noGrp="1"/>
-          </p:cNvSpPr>
-          <p:nvPr>
-            <p:ph sz="half" idx="2"/>
-          </p:nvPr>
-        </p:nvSpPr>
-        <p:spPr/>
-        <p:txBody>
-          <a:bodyPr>
-            <a:normAutofit lnSpcReduction="10000"/>
-          </a:bodyPr>
-          <a:lstStyle/>
-          <a:p>
-            <a:pPr marL="0" indent="0">
-              <a:buNone/>
-            </a:pPr>
-            <a:r>
-              <a:rPr lang="zh-CN" altLang="en-US" dirty="0" smtClean="0"/>
-              <a:t>输出：</a:t>
+            <a:pPr lvl="1"/>
+            <a:r>
+              <a:rPr lang="en-US" altLang="zh-CN" dirty="0" smtClean="0"/>
+              <a:t>UI</a:t>
+            </a:r>
+            <a:r>
+              <a:rPr lang="zh-CN" altLang="en-US" dirty="0" smtClean="0"/>
+              <a:t>：</a:t>
+            </a:r>
+            <a:r>
+              <a:rPr lang="en-US" altLang="zh-CN" dirty="0" smtClean="0"/>
+              <a:t>Button</a:t>
+            </a:r>
+            <a:r>
+              <a:rPr lang="zh-CN" altLang="en-US" dirty="0" smtClean="0"/>
+              <a:t>、</a:t>
+            </a:r>
+            <a:r>
+              <a:rPr lang="en-US" altLang="zh-CN" dirty="0" smtClean="0"/>
+              <a:t>Control</a:t>
+            </a:r>
+            <a:r>
+              <a:rPr lang="zh-CN" altLang="en-US" dirty="0" smtClean="0"/>
+              <a:t>和</a:t>
+            </a:r>
+            <a:r>
+              <a:rPr lang="en-US" altLang="zh-CN" dirty="0" smtClean="0"/>
+              <a:t>Graph</a:t>
+            </a:r>
+          </a:p>
+          <a:p>
+            <a:r>
+              <a:rPr lang="zh-CN" altLang="en-US" dirty="0" smtClean="0"/>
+              <a:t>通信接口（</a:t>
+            </a:r>
+            <a:r>
+              <a:rPr lang="en-US" altLang="zh-CN" dirty="0" smtClean="0"/>
+              <a:t>2</a:t>
+            </a:r>
+            <a:r>
+              <a:rPr lang="zh-CN" altLang="en-US" dirty="0" smtClean="0"/>
+              <a:t>选</a:t>
+            </a:r>
+            <a:r>
+              <a:rPr lang="en-US" altLang="zh-CN" dirty="0" smtClean="0"/>
+              <a:t>1</a:t>
+            </a:r>
+            <a:r>
+              <a:rPr lang="zh-CN" altLang="en-US" dirty="0" smtClean="0"/>
+              <a:t>）</a:t>
             </a:r>
             <a:endParaRPr lang="en-US" altLang="zh-CN" dirty="0" smtClean="0"/>
           </a:p>
           <a:p>
-            <a:r>
-              <a:rPr lang="zh-CN" altLang="en-US" dirty="0"/>
-              <a:t>选定参数的变化曲线（比如谐波、闪变等）；电能综合评定结果（电能等级、关键参数指标等）；</a:t>
-            </a:r>
-          </a:p>
-          <a:p>
-            <a:r>
-              <a:rPr lang="zh-CN" altLang="en-US" dirty="0"/>
-              <a:t>视在功率变化曲线；电价变化曲线</a:t>
-            </a:r>
-            <a:r>
-              <a:rPr lang="zh-CN" altLang="en-US" dirty="0" smtClean="0"/>
-              <a:t>；控制指令</a:t>
-            </a:r>
-            <a:r>
-              <a:rPr lang="zh-CN" altLang="en-US" dirty="0"/>
-              <a:t>库；温湿度环境信息；</a:t>
-            </a:r>
-            <a:endParaRPr lang="en-US" altLang="zh-CN" dirty="0"/>
-          </a:p>
-          <a:p>
+            <a:pPr lvl="1"/>
+            <a:r>
+              <a:rPr lang="en-US" altLang="zh-CN" dirty="0" smtClean="0"/>
+              <a:t>485</a:t>
+            </a:r>
+            <a:r>
+              <a:rPr lang="zh-CN" altLang="en-US" dirty="0" smtClean="0"/>
+              <a:t>串口总线：标准串口通信</a:t>
+            </a:r>
             <a:endParaRPr lang="en-US" altLang="zh-CN" dirty="0" smtClean="0"/>
           </a:p>
           <a:p>
+            <a:pPr lvl="1"/>
+            <a:r>
+              <a:rPr lang="en-US" altLang="zh-CN" dirty="0" err="1" smtClean="0"/>
+              <a:t>Zigbee</a:t>
+            </a:r>
+            <a:r>
+              <a:rPr lang="zh-CN" altLang="en-US" dirty="0" smtClean="0"/>
+              <a:t>无线通信接口：</a:t>
+            </a:r>
+            <a:r>
+              <a:rPr lang="en-US" altLang="zh-CN" dirty="0" smtClean="0"/>
+              <a:t>NI</a:t>
+            </a:r>
+            <a:r>
+              <a:rPr lang="zh-CN" altLang="en-US" dirty="0" smtClean="0"/>
+              <a:t>内置接口</a:t>
+            </a:r>
             <a:endParaRPr lang="zh-CN" altLang="en-US" dirty="0"/>
           </a:p>
         </p:txBody>
@@ -3331,7 +3350,7 @@
     </p:spTree>
     <p:extLst>
       <p:ext uri="{BB962C8B-B14F-4D97-AF65-F5344CB8AC3E}">
-        <p14:creationId xmlns:p14="http://schemas.microsoft.com/office/powerpoint/2010/main" val="1089726523"/>
+        <p14:creationId xmlns:p14="http://schemas.microsoft.com/office/powerpoint/2010/main" val="335108100"/>
       </p:ext>
     </p:extLst>
   </p:cSld>
@@ -3367,7 +3386,7 @@
       </p:grpSpPr>
       <p:sp>
         <p:nvSpPr>
-          <p:cNvPr id="5" name="标题 4"/>
+          <p:cNvPr id="2" name="标题 1"/>
           <p:cNvSpPr>
             <a:spLocks noGrp="1"/>
           </p:cNvSpPr>
@@ -3381,16 +3400,15 @@
           <a:lstStyle/>
           <a:p>
             <a:r>
-              <a:rPr lang="zh-CN" altLang="en-US" dirty="0" smtClean="0"/>
+              <a:rPr lang="zh-CN" altLang="en-US" dirty="0"/>
               <a:t>需求分析</a:t>
             </a:r>
-            <a:endParaRPr lang="zh-CN" altLang="en-US" dirty="0"/>
-          </a:p>
-        </p:txBody>
-      </p:sp>
-      <p:sp>
-        <p:nvSpPr>
-          <p:cNvPr id="6" name="内容占位符 5"/>
+          </a:p>
+        </p:txBody>
+      </p:sp>
+      <p:sp>
+        <p:nvSpPr>
+          <p:cNvPr id="9" name="内容占位符 8"/>
           <p:cNvSpPr>
             <a:spLocks noGrp="1"/>
           </p:cNvSpPr>
@@ -3400,7 +3418,9 @@
         </p:nvSpPr>
         <p:spPr/>
         <p:txBody>
-          <a:bodyPr/>
+          <a:bodyPr>
+            <a:normAutofit/>
+          </a:bodyPr>
           <a:lstStyle/>
           <a:p>
             <a:pPr marL="0" indent="0">
@@ -3408,18 +3428,14 @@
             </a:pPr>
             <a:r>
               <a:rPr lang="zh-CN" altLang="en-US" dirty="0" smtClean="0"/>
-              <a:t>预设置：</a:t>
+              <a:t>输入：</a:t>
             </a:r>
             <a:endParaRPr lang="en-US" altLang="zh-CN" dirty="0" smtClean="0"/>
           </a:p>
           <a:p>
             <a:r>
-              <a:rPr lang="zh-CN" altLang="en-US" dirty="0" smtClean="0"/>
-              <a:t>规则库；</a:t>
-            </a:r>
-            <a:r>
               <a:rPr lang="zh-CN" altLang="en-US" dirty="0"/>
-              <a:t>监测参数选择</a:t>
+              <a:t>瞬时视在功率；时间序列；温湿度等环境信息；电价模型</a:t>
             </a:r>
             <a:r>
               <a:rPr lang="zh-CN" altLang="en-US" dirty="0" smtClean="0"/>
@@ -3429,41 +3445,684 @@
           </a:p>
           <a:p>
             <a:r>
-              <a:rPr lang="zh-CN" altLang="en-US" dirty="0" smtClean="0"/>
-              <a:t>系统同步精度要求</a:t>
-            </a:r>
-            <a:endParaRPr lang="en-US" altLang="zh-CN" dirty="0" smtClean="0"/>
-          </a:p>
-          <a:p>
-            <a:pPr marL="0" indent="0">
-              <a:buNone/>
-            </a:pPr>
-            <a:r>
               <a:rPr lang="zh-CN" altLang="en-US" dirty="0"/>
-              <a:t>扩展需求</a:t>
-            </a:r>
-          </a:p>
-          <a:p>
-            <a:r>
-              <a:rPr lang="zh-CN" altLang="en-US" dirty="0"/>
-              <a:t>可扩展其他平台，包括精准农业、人体健康监测、工业过程监测等程序；</a:t>
-            </a:r>
-          </a:p>
-          <a:p>
+              <a:t>网络结构（节点选择等）；电压、功耗等电能参数</a:t>
+            </a:r>
+            <a:r>
+              <a:rPr lang="zh-CN" altLang="en-US" dirty="0" smtClean="0"/>
+              <a:t>；</a:t>
+            </a:r>
             <a:endParaRPr lang="en-US" altLang="zh-CN" dirty="0"/>
           </a:p>
         </p:txBody>
       </p:sp>
+      <p:graphicFrame>
+        <p:nvGraphicFramePr>
+          <p:cNvPr id="4" name="表格 3"/>
+          <p:cNvGraphicFramePr>
+            <a:graphicFrameLocks noGrp="1"/>
+          </p:cNvGraphicFramePr>
+          <p:nvPr>
+            <p:extLst>
+              <p:ext uri="{D42A27DB-BD31-4B8C-83A1-F6EECF244321}">
+                <p14:modId xmlns:p14="http://schemas.microsoft.com/office/powerpoint/2010/main" val="290100340"/>
+              </p:ext>
+            </p:extLst>
+          </p:nvPr>
+        </p:nvGraphicFramePr>
+        <p:xfrm>
+          <a:off x="467544" y="3861048"/>
+          <a:ext cx="9001002" cy="3462784"/>
+        </p:xfrm>
+        <a:graphic>
+          <a:graphicData uri="http://schemas.openxmlformats.org/drawingml/2006/table">
+            <a:tbl>
+              <a:tblPr firstRow="1" bandRow="1">
+                <a:tableStyleId>{5C22544A-7EE6-4342-B048-85BDC9FD1C3A}</a:tableStyleId>
+              </a:tblPr>
+              <a:tblGrid>
+                <a:gridCol w="1728192"/>
+                <a:gridCol w="1272142"/>
+                <a:gridCol w="1500167"/>
+                <a:gridCol w="1500167"/>
+                <a:gridCol w="1500167"/>
+                <a:gridCol w="1500167"/>
+              </a:tblGrid>
+              <a:tr h="496064">
+                <a:tc>
+                  <a:txBody>
+                    <a:bodyPr/>
+                    <a:lstStyle/>
+                    <a:p>
+                      <a:r>
+                        <a:rPr lang="zh-CN" altLang="en-US" dirty="0" smtClean="0"/>
+                        <a:t>项目</a:t>
+                      </a:r>
+                      <a:endParaRPr lang="zh-CN" altLang="en-US" dirty="0"/>
+                    </a:p>
+                  </a:txBody>
+                  <a:tcPr/>
+                </a:tc>
+                <a:tc>
+                  <a:txBody>
+                    <a:bodyPr/>
+                    <a:lstStyle/>
+                    <a:p>
+                      <a:r>
+                        <a:rPr lang="zh-CN" altLang="en-US" dirty="0" smtClean="0"/>
+                        <a:t>来源</a:t>
+                      </a:r>
+                      <a:endParaRPr lang="zh-CN" altLang="en-US" dirty="0"/>
+                    </a:p>
+                  </a:txBody>
+                  <a:tcPr/>
+                </a:tc>
+                <a:tc>
+                  <a:txBody>
+                    <a:bodyPr/>
+                    <a:lstStyle/>
+                    <a:p>
+                      <a:r>
+                        <a:rPr lang="zh-CN" altLang="en-US" dirty="0" smtClean="0"/>
+                        <a:t>精度</a:t>
+                      </a:r>
+                      <a:endParaRPr lang="zh-CN" altLang="en-US" dirty="0"/>
+                    </a:p>
+                  </a:txBody>
+                  <a:tcPr/>
+                </a:tc>
+                <a:tc>
+                  <a:txBody>
+                    <a:bodyPr/>
+                    <a:lstStyle/>
+                    <a:p>
+                      <a:r>
+                        <a:rPr lang="zh-CN" altLang="en-US" dirty="0" smtClean="0"/>
+                        <a:t>取值范围</a:t>
+                      </a:r>
+                      <a:endParaRPr lang="zh-CN" altLang="en-US" dirty="0"/>
+                    </a:p>
+                  </a:txBody>
+                  <a:tcPr/>
+                </a:tc>
+                <a:tc>
+                  <a:txBody>
+                    <a:bodyPr/>
+                    <a:lstStyle/>
+                    <a:p>
+                      <a:r>
+                        <a:rPr lang="zh-CN" altLang="en-US" dirty="0" smtClean="0"/>
+                        <a:t>出现频率</a:t>
+                      </a:r>
+                      <a:endParaRPr lang="zh-CN" altLang="en-US" dirty="0"/>
+                    </a:p>
+                  </a:txBody>
+                  <a:tcPr/>
+                </a:tc>
+                <a:tc>
+                  <a:txBody>
+                    <a:bodyPr/>
+                    <a:lstStyle/>
+                    <a:p>
+                      <a:r>
+                        <a:rPr lang="zh-CN" altLang="en-US" dirty="0" smtClean="0"/>
+                        <a:t>格式</a:t>
+                      </a:r>
+                      <a:endParaRPr lang="zh-CN" altLang="en-US" dirty="0"/>
+                    </a:p>
+                  </a:txBody>
+                  <a:tcPr/>
+                </a:tc>
+              </a:tr>
+              <a:tr h="370840">
+                <a:tc>
+                  <a:txBody>
+                    <a:bodyPr/>
+                    <a:lstStyle/>
+                    <a:p>
+                      <a:r>
+                        <a:rPr lang="zh-CN" altLang="en-US" dirty="0" smtClean="0"/>
+                        <a:t>瞬时视在功率</a:t>
+                      </a:r>
+                      <a:endParaRPr lang="zh-CN" altLang="en-US" dirty="0"/>
+                    </a:p>
+                  </a:txBody>
+                  <a:tcPr/>
+                </a:tc>
+                <a:tc>
+                  <a:txBody>
+                    <a:bodyPr/>
+                    <a:lstStyle/>
+                    <a:p>
+                      <a:endParaRPr lang="zh-CN" altLang="en-US" dirty="0"/>
+                    </a:p>
+                  </a:txBody>
+                  <a:tcPr/>
+                </a:tc>
+                <a:tc>
+                  <a:txBody>
+                    <a:bodyPr/>
+                    <a:lstStyle/>
+                    <a:p>
+                      <a:endParaRPr lang="zh-CN" altLang="en-US" dirty="0"/>
+                    </a:p>
+                  </a:txBody>
+                  <a:tcPr/>
+                </a:tc>
+                <a:tc>
+                  <a:txBody>
+                    <a:bodyPr/>
+                    <a:lstStyle/>
+                    <a:p>
+                      <a:endParaRPr lang="zh-CN" altLang="en-US"/>
+                    </a:p>
+                  </a:txBody>
+                  <a:tcPr/>
+                </a:tc>
+                <a:tc>
+                  <a:txBody>
+                    <a:bodyPr/>
+                    <a:lstStyle/>
+                    <a:p>
+                      <a:endParaRPr lang="zh-CN" altLang="en-US"/>
+                    </a:p>
+                  </a:txBody>
+                  <a:tcPr/>
+                </a:tc>
+                <a:tc>
+                  <a:txBody>
+                    <a:bodyPr/>
+                    <a:lstStyle/>
+                    <a:p>
+                      <a:endParaRPr lang="zh-CN" altLang="en-US"/>
+                    </a:p>
+                  </a:txBody>
+                  <a:tcPr/>
+                </a:tc>
+              </a:tr>
+              <a:tr h="370840">
+                <a:tc>
+                  <a:txBody>
+                    <a:bodyPr/>
+                    <a:lstStyle/>
+                    <a:p>
+                      <a:r>
+                        <a:rPr lang="zh-CN" altLang="en-US" dirty="0" smtClean="0"/>
+                        <a:t>时间序列</a:t>
+                      </a:r>
+                      <a:endParaRPr lang="zh-CN" altLang="en-US" dirty="0"/>
+                    </a:p>
+                  </a:txBody>
+                  <a:tcPr/>
+                </a:tc>
+                <a:tc>
+                  <a:txBody>
+                    <a:bodyPr/>
+                    <a:lstStyle/>
+                    <a:p>
+                      <a:endParaRPr lang="zh-CN" altLang="en-US" dirty="0"/>
+                    </a:p>
+                  </a:txBody>
+                  <a:tcPr/>
+                </a:tc>
+                <a:tc>
+                  <a:txBody>
+                    <a:bodyPr/>
+                    <a:lstStyle/>
+                    <a:p>
+                      <a:endParaRPr lang="zh-CN" altLang="en-US" dirty="0"/>
+                    </a:p>
+                  </a:txBody>
+                  <a:tcPr/>
+                </a:tc>
+                <a:tc>
+                  <a:txBody>
+                    <a:bodyPr/>
+                    <a:lstStyle/>
+                    <a:p>
+                      <a:endParaRPr lang="zh-CN" altLang="en-US"/>
+                    </a:p>
+                  </a:txBody>
+                  <a:tcPr/>
+                </a:tc>
+                <a:tc>
+                  <a:txBody>
+                    <a:bodyPr/>
+                    <a:lstStyle/>
+                    <a:p>
+                      <a:endParaRPr lang="zh-CN" altLang="en-US"/>
+                    </a:p>
+                  </a:txBody>
+                  <a:tcPr/>
+                </a:tc>
+                <a:tc>
+                  <a:txBody>
+                    <a:bodyPr/>
+                    <a:lstStyle/>
+                    <a:p>
+                      <a:endParaRPr lang="zh-CN" altLang="en-US"/>
+                    </a:p>
+                  </a:txBody>
+                  <a:tcPr/>
+                </a:tc>
+              </a:tr>
+              <a:tr h="370840">
+                <a:tc>
+                  <a:txBody>
+                    <a:bodyPr/>
+                    <a:lstStyle/>
+                    <a:p>
+                      <a:r>
+                        <a:rPr lang="zh-CN" altLang="en-US" dirty="0" smtClean="0"/>
+                        <a:t>温湿度</a:t>
+                      </a:r>
+                      <a:endParaRPr lang="zh-CN" altLang="en-US" dirty="0"/>
+                    </a:p>
+                  </a:txBody>
+                  <a:tcPr/>
+                </a:tc>
+                <a:tc>
+                  <a:txBody>
+                    <a:bodyPr/>
+                    <a:lstStyle/>
+                    <a:p>
+                      <a:endParaRPr lang="zh-CN" altLang="en-US" dirty="0"/>
+                    </a:p>
+                  </a:txBody>
+                  <a:tcPr/>
+                </a:tc>
+                <a:tc>
+                  <a:txBody>
+                    <a:bodyPr/>
+                    <a:lstStyle/>
+                    <a:p>
+                      <a:endParaRPr lang="zh-CN" altLang="en-US" dirty="0"/>
+                    </a:p>
+                  </a:txBody>
+                  <a:tcPr/>
+                </a:tc>
+                <a:tc>
+                  <a:txBody>
+                    <a:bodyPr/>
+                    <a:lstStyle/>
+                    <a:p>
+                      <a:endParaRPr lang="zh-CN" altLang="en-US"/>
+                    </a:p>
+                  </a:txBody>
+                  <a:tcPr/>
+                </a:tc>
+                <a:tc>
+                  <a:txBody>
+                    <a:bodyPr/>
+                    <a:lstStyle/>
+                    <a:p>
+                      <a:endParaRPr lang="zh-CN" altLang="en-US"/>
+                    </a:p>
+                  </a:txBody>
+                  <a:tcPr/>
+                </a:tc>
+                <a:tc>
+                  <a:txBody>
+                    <a:bodyPr/>
+                    <a:lstStyle/>
+                    <a:p>
+                      <a:endParaRPr lang="zh-CN" altLang="en-US"/>
+                    </a:p>
+                  </a:txBody>
+                  <a:tcPr/>
+                </a:tc>
+              </a:tr>
+              <a:tr h="370840">
+                <a:tc>
+                  <a:txBody>
+                    <a:bodyPr/>
+                    <a:lstStyle/>
+                    <a:p>
+                      <a:r>
+                        <a:rPr lang="zh-CN" altLang="en-US" dirty="0" smtClean="0"/>
+                        <a:t>电价模型</a:t>
+                      </a:r>
+                      <a:endParaRPr lang="zh-CN" altLang="en-US" dirty="0"/>
+                    </a:p>
+                  </a:txBody>
+                  <a:tcPr/>
+                </a:tc>
+                <a:tc>
+                  <a:txBody>
+                    <a:bodyPr/>
+                    <a:lstStyle/>
+                    <a:p>
+                      <a:endParaRPr lang="zh-CN" altLang="en-US" dirty="0"/>
+                    </a:p>
+                  </a:txBody>
+                  <a:tcPr/>
+                </a:tc>
+                <a:tc>
+                  <a:txBody>
+                    <a:bodyPr/>
+                    <a:lstStyle/>
+                    <a:p>
+                      <a:endParaRPr lang="zh-CN" altLang="en-US" dirty="0"/>
+                    </a:p>
+                  </a:txBody>
+                  <a:tcPr/>
+                </a:tc>
+                <a:tc>
+                  <a:txBody>
+                    <a:bodyPr/>
+                    <a:lstStyle/>
+                    <a:p>
+                      <a:endParaRPr lang="zh-CN" altLang="en-US"/>
+                    </a:p>
+                  </a:txBody>
+                  <a:tcPr/>
+                </a:tc>
+                <a:tc>
+                  <a:txBody>
+                    <a:bodyPr/>
+                    <a:lstStyle/>
+                    <a:p>
+                      <a:endParaRPr lang="zh-CN" altLang="en-US"/>
+                    </a:p>
+                  </a:txBody>
+                  <a:tcPr/>
+                </a:tc>
+                <a:tc>
+                  <a:txBody>
+                    <a:bodyPr/>
+                    <a:lstStyle/>
+                    <a:p>
+                      <a:endParaRPr lang="zh-CN" altLang="en-US"/>
+                    </a:p>
+                  </a:txBody>
+                  <a:tcPr/>
+                </a:tc>
+              </a:tr>
+              <a:tr h="370840">
+                <a:tc>
+                  <a:txBody>
+                    <a:bodyPr/>
+                    <a:lstStyle/>
+                    <a:p>
+                      <a:r>
+                        <a:rPr lang="zh-CN" altLang="en-US" dirty="0" smtClean="0"/>
+                        <a:t>网络结构</a:t>
+                      </a:r>
+                      <a:endParaRPr lang="zh-CN" altLang="en-US" dirty="0"/>
+                    </a:p>
+                  </a:txBody>
+                  <a:tcPr/>
+                </a:tc>
+                <a:tc>
+                  <a:txBody>
+                    <a:bodyPr/>
+                    <a:lstStyle/>
+                    <a:p>
+                      <a:endParaRPr lang="zh-CN" altLang="en-US" dirty="0"/>
+                    </a:p>
+                  </a:txBody>
+                  <a:tcPr/>
+                </a:tc>
+                <a:tc>
+                  <a:txBody>
+                    <a:bodyPr/>
+                    <a:lstStyle/>
+                    <a:p>
+                      <a:endParaRPr lang="zh-CN" altLang="en-US" dirty="0"/>
+                    </a:p>
+                  </a:txBody>
+                  <a:tcPr/>
+                </a:tc>
+                <a:tc>
+                  <a:txBody>
+                    <a:bodyPr/>
+                    <a:lstStyle/>
+                    <a:p>
+                      <a:endParaRPr lang="zh-CN" altLang="en-US" dirty="0"/>
+                    </a:p>
+                  </a:txBody>
+                  <a:tcPr/>
+                </a:tc>
+                <a:tc>
+                  <a:txBody>
+                    <a:bodyPr/>
+                    <a:lstStyle/>
+                    <a:p>
+                      <a:endParaRPr lang="zh-CN" altLang="en-US"/>
+                    </a:p>
+                  </a:txBody>
+                  <a:tcPr/>
+                </a:tc>
+                <a:tc>
+                  <a:txBody>
+                    <a:bodyPr/>
+                    <a:lstStyle/>
+                    <a:p>
+                      <a:endParaRPr lang="zh-CN" altLang="en-US" dirty="0"/>
+                    </a:p>
+                  </a:txBody>
+                  <a:tcPr/>
+                </a:tc>
+              </a:tr>
+              <a:tr h="370840">
+                <a:tc>
+                  <a:txBody>
+                    <a:bodyPr/>
+                    <a:lstStyle/>
+                    <a:p>
+                      <a:r>
+                        <a:rPr lang="zh-CN" altLang="en-US" dirty="0" smtClean="0"/>
+                        <a:t>电压</a:t>
+                      </a:r>
+                      <a:endParaRPr lang="zh-CN" altLang="en-US" dirty="0"/>
+                    </a:p>
+                  </a:txBody>
+                  <a:tcPr/>
+                </a:tc>
+                <a:tc>
+                  <a:txBody>
+                    <a:bodyPr/>
+                    <a:lstStyle/>
+                    <a:p>
+                      <a:endParaRPr lang="zh-CN" altLang="en-US" dirty="0"/>
+                    </a:p>
+                  </a:txBody>
+                  <a:tcPr/>
+                </a:tc>
+                <a:tc>
+                  <a:txBody>
+                    <a:bodyPr/>
+                    <a:lstStyle/>
+                    <a:p>
+                      <a:endParaRPr lang="zh-CN" altLang="en-US" dirty="0"/>
+                    </a:p>
+                  </a:txBody>
+                  <a:tcPr/>
+                </a:tc>
+                <a:tc>
+                  <a:txBody>
+                    <a:bodyPr/>
+                    <a:lstStyle/>
+                    <a:p>
+                      <a:endParaRPr lang="zh-CN" altLang="en-US" dirty="0"/>
+                    </a:p>
+                  </a:txBody>
+                  <a:tcPr/>
+                </a:tc>
+                <a:tc>
+                  <a:txBody>
+                    <a:bodyPr/>
+                    <a:lstStyle/>
+                    <a:p>
+                      <a:endParaRPr lang="zh-CN" altLang="en-US"/>
+                    </a:p>
+                  </a:txBody>
+                  <a:tcPr/>
+                </a:tc>
+                <a:tc>
+                  <a:txBody>
+                    <a:bodyPr/>
+                    <a:lstStyle/>
+                    <a:p>
+                      <a:endParaRPr lang="zh-CN" altLang="en-US" dirty="0"/>
+                    </a:p>
+                  </a:txBody>
+                  <a:tcPr/>
+                </a:tc>
+              </a:tr>
+              <a:tr h="370840">
+                <a:tc>
+                  <a:txBody>
+                    <a:bodyPr/>
+                    <a:lstStyle/>
+                    <a:p>
+                      <a:r>
+                        <a:rPr lang="zh-CN" altLang="en-US" dirty="0" smtClean="0"/>
+                        <a:t>功耗</a:t>
+                      </a:r>
+                      <a:endParaRPr lang="zh-CN" altLang="en-US" dirty="0"/>
+                    </a:p>
+                  </a:txBody>
+                  <a:tcPr/>
+                </a:tc>
+                <a:tc>
+                  <a:txBody>
+                    <a:bodyPr/>
+                    <a:lstStyle/>
+                    <a:p>
+                      <a:endParaRPr lang="zh-CN" altLang="en-US"/>
+                    </a:p>
+                  </a:txBody>
+                  <a:tcPr/>
+                </a:tc>
+                <a:tc>
+                  <a:txBody>
+                    <a:bodyPr/>
+                    <a:lstStyle/>
+                    <a:p>
+                      <a:endParaRPr lang="zh-CN" altLang="en-US" dirty="0"/>
+                    </a:p>
+                  </a:txBody>
+                  <a:tcPr/>
+                </a:tc>
+                <a:tc>
+                  <a:txBody>
+                    <a:bodyPr/>
+                    <a:lstStyle/>
+                    <a:p>
+                      <a:endParaRPr lang="zh-CN" altLang="en-US" dirty="0"/>
+                    </a:p>
+                  </a:txBody>
+                  <a:tcPr/>
+                </a:tc>
+                <a:tc>
+                  <a:txBody>
+                    <a:bodyPr/>
+                    <a:lstStyle/>
+                    <a:p>
+                      <a:endParaRPr lang="zh-CN" altLang="en-US" dirty="0"/>
+                    </a:p>
+                  </a:txBody>
+                  <a:tcPr/>
+                </a:tc>
+                <a:tc>
+                  <a:txBody>
+                    <a:bodyPr/>
+                    <a:lstStyle/>
+                    <a:p>
+                      <a:endParaRPr lang="zh-CN" altLang="en-US" dirty="0"/>
+                    </a:p>
+                  </a:txBody>
+                  <a:tcPr/>
+                </a:tc>
+              </a:tr>
+              <a:tr h="370840">
+                <a:tc>
+                  <a:txBody>
+                    <a:bodyPr/>
+                    <a:lstStyle/>
+                    <a:p>
+                      <a:r>
+                        <a:rPr lang="zh-CN" altLang="en-US" dirty="0" smtClean="0"/>
+                        <a:t>电能参数</a:t>
+                      </a:r>
+                      <a:endParaRPr lang="zh-CN" altLang="en-US" dirty="0"/>
+                    </a:p>
+                  </a:txBody>
+                  <a:tcPr/>
+                </a:tc>
+                <a:tc>
+                  <a:txBody>
+                    <a:bodyPr/>
+                    <a:lstStyle/>
+                    <a:p>
+                      <a:endParaRPr lang="zh-CN" altLang="en-US"/>
+                    </a:p>
+                  </a:txBody>
+                  <a:tcPr/>
+                </a:tc>
+                <a:tc>
+                  <a:txBody>
+                    <a:bodyPr/>
+                    <a:lstStyle/>
+                    <a:p>
+                      <a:endParaRPr lang="zh-CN" altLang="en-US" dirty="0"/>
+                    </a:p>
+                  </a:txBody>
+                  <a:tcPr/>
+                </a:tc>
+                <a:tc>
+                  <a:txBody>
+                    <a:bodyPr/>
+                    <a:lstStyle/>
+                    <a:p>
+                      <a:endParaRPr lang="zh-CN" altLang="en-US" dirty="0"/>
+                    </a:p>
+                  </a:txBody>
+                  <a:tcPr/>
+                </a:tc>
+                <a:tc>
+                  <a:txBody>
+                    <a:bodyPr/>
+                    <a:lstStyle/>
+                    <a:p>
+                      <a:endParaRPr lang="zh-CN" altLang="en-US" dirty="0"/>
+                    </a:p>
+                  </a:txBody>
+                  <a:tcPr/>
+                </a:tc>
+                <a:tc>
+                  <a:txBody>
+                    <a:bodyPr/>
+                    <a:lstStyle/>
+                    <a:p>
+                      <a:endParaRPr lang="zh-CN" altLang="en-US" dirty="0"/>
+                    </a:p>
+                  </a:txBody>
+                  <a:tcPr/>
+                </a:tc>
+              </a:tr>
+            </a:tbl>
+          </a:graphicData>
+        </a:graphic>
+      </p:graphicFrame>
     </p:spTree>
     <p:extLst>
       <p:ext uri="{BB962C8B-B14F-4D97-AF65-F5344CB8AC3E}">
-        <p14:creationId xmlns:p14="http://schemas.microsoft.com/office/powerpoint/2010/main" val="670708242"/>
+        <p14:creationId xmlns:p14="http://schemas.microsoft.com/office/powerpoint/2010/main" val="1089726523"/>
       </p:ext>
     </p:extLst>
   </p:cSld>
   <p:clrMapOvr>
     <a:masterClrMapping/>
   </p:clrMapOvr>
+  <p:timing>
+    <p:tnLst>
+      <p:par>
+        <p:cTn id="1" dur="indefinite" restart="never" nodeType="tmRoot"/>
+      </p:par>
+    </p:tnLst>
+  </p:timing>
 </p:sld>
 </file>
 
@@ -3500,6 +4159,668 @@
           <a:lstStyle/>
           <a:p>
             <a:r>
+              <a:rPr lang="zh-CN" altLang="en-US" dirty="0"/>
+              <a:t>需求分析</a:t>
+            </a:r>
+          </a:p>
+        </p:txBody>
+      </p:sp>
+      <p:sp>
+        <p:nvSpPr>
+          <p:cNvPr id="3" name="内容占位符 2"/>
+          <p:cNvSpPr>
+            <a:spLocks noGrp="1"/>
+          </p:cNvSpPr>
+          <p:nvPr>
+            <p:ph idx="1"/>
+          </p:nvPr>
+        </p:nvSpPr>
+        <p:spPr/>
+        <p:txBody>
+          <a:bodyPr>
+            <a:normAutofit/>
+          </a:bodyPr>
+          <a:lstStyle/>
+          <a:p>
+            <a:pPr marL="0" indent="0">
+              <a:buNone/>
+            </a:pPr>
+            <a:r>
+              <a:rPr lang="zh-CN" altLang="en-US" dirty="0"/>
+              <a:t>输出：</a:t>
+            </a:r>
+            <a:endParaRPr lang="en-US" altLang="zh-CN" dirty="0"/>
+          </a:p>
+          <a:p>
+            <a:r>
+              <a:rPr lang="zh-CN" altLang="en-US" dirty="0"/>
+              <a:t>选定参数的变化曲线（比如谐波、闪变等）；电能综合评定结果（电能等级、关键参数指标等）；</a:t>
+            </a:r>
+          </a:p>
+          <a:p>
+            <a:r>
+              <a:rPr lang="zh-CN" altLang="en-US" dirty="0"/>
+              <a:t>视在功率变化曲线；电价变化曲线；控制指令库；温湿度环境信息</a:t>
+            </a:r>
+            <a:r>
+              <a:rPr lang="zh-CN" altLang="en-US" dirty="0" smtClean="0"/>
+              <a:t>；</a:t>
+            </a:r>
+            <a:endParaRPr lang="zh-CN" altLang="en-US" dirty="0"/>
+          </a:p>
+        </p:txBody>
+      </p:sp>
+      <p:graphicFrame>
+        <p:nvGraphicFramePr>
+          <p:cNvPr id="5" name="表格 4"/>
+          <p:cNvGraphicFramePr>
+            <a:graphicFrameLocks noGrp="1"/>
+          </p:cNvGraphicFramePr>
+          <p:nvPr>
+            <p:extLst>
+              <p:ext uri="{D42A27DB-BD31-4B8C-83A1-F6EECF244321}">
+                <p14:modId xmlns:p14="http://schemas.microsoft.com/office/powerpoint/2010/main" val="1911534414"/>
+              </p:ext>
+            </p:extLst>
+          </p:nvPr>
+        </p:nvGraphicFramePr>
+        <p:xfrm>
+          <a:off x="-612576" y="4644376"/>
+          <a:ext cx="10225134" cy="2225040"/>
+        </p:xfrm>
+        <a:graphic>
+          <a:graphicData uri="http://schemas.openxmlformats.org/drawingml/2006/table">
+            <a:tbl>
+              <a:tblPr firstRow="1" bandRow="1">
+                <a:tableStyleId>{5C22544A-7EE6-4342-B048-85BDC9FD1C3A}</a:tableStyleId>
+              </a:tblPr>
+              <a:tblGrid>
+                <a:gridCol w="1704189"/>
+                <a:gridCol w="1704189"/>
+                <a:gridCol w="1704189"/>
+                <a:gridCol w="1704189"/>
+                <a:gridCol w="1704189"/>
+                <a:gridCol w="1704189"/>
+              </a:tblGrid>
+              <a:tr h="370840">
+                <a:tc>
+                  <a:txBody>
+                    <a:bodyPr/>
+                    <a:lstStyle/>
+                    <a:p>
+                      <a:r>
+                        <a:rPr lang="zh-CN" altLang="en-US" dirty="0" smtClean="0"/>
+                        <a:t>项目</a:t>
+                      </a:r>
+                      <a:endParaRPr lang="zh-CN" altLang="en-US" dirty="0"/>
+                    </a:p>
+                  </a:txBody>
+                  <a:tcPr/>
+                </a:tc>
+                <a:tc>
+                  <a:txBody>
+                    <a:bodyPr/>
+                    <a:lstStyle/>
+                    <a:p>
+                      <a:r>
+                        <a:rPr lang="zh-CN" altLang="en-US" dirty="0" smtClean="0"/>
+                        <a:t>来源</a:t>
+                      </a:r>
+                      <a:endParaRPr lang="zh-CN" altLang="en-US" dirty="0"/>
+                    </a:p>
+                  </a:txBody>
+                  <a:tcPr/>
+                </a:tc>
+                <a:tc>
+                  <a:txBody>
+                    <a:bodyPr/>
+                    <a:lstStyle/>
+                    <a:p>
+                      <a:r>
+                        <a:rPr lang="zh-CN" altLang="en-US" dirty="0" smtClean="0"/>
+                        <a:t>精度</a:t>
+                      </a:r>
+                      <a:endParaRPr lang="zh-CN" altLang="en-US" dirty="0"/>
+                    </a:p>
+                  </a:txBody>
+                  <a:tcPr/>
+                </a:tc>
+                <a:tc>
+                  <a:txBody>
+                    <a:bodyPr/>
+                    <a:lstStyle/>
+                    <a:p>
+                      <a:r>
+                        <a:rPr lang="zh-CN" altLang="en-US" dirty="0" smtClean="0"/>
+                        <a:t>取值范围</a:t>
+                      </a:r>
+                      <a:endParaRPr lang="zh-CN" altLang="en-US" dirty="0"/>
+                    </a:p>
+                  </a:txBody>
+                  <a:tcPr/>
+                </a:tc>
+                <a:tc>
+                  <a:txBody>
+                    <a:bodyPr/>
+                    <a:lstStyle/>
+                    <a:p>
+                      <a:r>
+                        <a:rPr lang="zh-CN" altLang="en-US" dirty="0" smtClean="0"/>
+                        <a:t>出现频率</a:t>
+                      </a:r>
+                      <a:endParaRPr lang="zh-CN" altLang="en-US" dirty="0"/>
+                    </a:p>
+                  </a:txBody>
+                  <a:tcPr/>
+                </a:tc>
+                <a:tc>
+                  <a:txBody>
+                    <a:bodyPr/>
+                    <a:lstStyle/>
+                    <a:p>
+                      <a:r>
+                        <a:rPr lang="zh-CN" altLang="en-US" dirty="0" smtClean="0"/>
+                        <a:t>格式</a:t>
+                      </a:r>
+                      <a:endParaRPr lang="zh-CN" altLang="en-US" dirty="0"/>
+                    </a:p>
+                  </a:txBody>
+                  <a:tcPr/>
+                </a:tc>
+              </a:tr>
+              <a:tr h="370840">
+                <a:tc>
+                  <a:txBody>
+                    <a:bodyPr/>
+                    <a:lstStyle/>
+                    <a:p>
+                      <a:endParaRPr lang="zh-CN" altLang="en-US"/>
+                    </a:p>
+                  </a:txBody>
+                  <a:tcPr/>
+                </a:tc>
+                <a:tc>
+                  <a:txBody>
+                    <a:bodyPr/>
+                    <a:lstStyle/>
+                    <a:p>
+                      <a:endParaRPr lang="zh-CN" altLang="en-US"/>
+                    </a:p>
+                  </a:txBody>
+                  <a:tcPr/>
+                </a:tc>
+                <a:tc>
+                  <a:txBody>
+                    <a:bodyPr/>
+                    <a:lstStyle/>
+                    <a:p>
+                      <a:endParaRPr lang="zh-CN" altLang="en-US"/>
+                    </a:p>
+                  </a:txBody>
+                  <a:tcPr/>
+                </a:tc>
+                <a:tc>
+                  <a:txBody>
+                    <a:bodyPr/>
+                    <a:lstStyle/>
+                    <a:p>
+                      <a:endParaRPr lang="zh-CN" altLang="en-US"/>
+                    </a:p>
+                  </a:txBody>
+                  <a:tcPr/>
+                </a:tc>
+                <a:tc>
+                  <a:txBody>
+                    <a:bodyPr/>
+                    <a:lstStyle/>
+                    <a:p>
+                      <a:endParaRPr lang="zh-CN" altLang="en-US"/>
+                    </a:p>
+                  </a:txBody>
+                  <a:tcPr/>
+                </a:tc>
+                <a:tc>
+                  <a:txBody>
+                    <a:bodyPr/>
+                    <a:lstStyle/>
+                    <a:p>
+                      <a:endParaRPr lang="zh-CN" altLang="en-US"/>
+                    </a:p>
+                  </a:txBody>
+                  <a:tcPr/>
+                </a:tc>
+              </a:tr>
+              <a:tr h="370840">
+                <a:tc>
+                  <a:txBody>
+                    <a:bodyPr/>
+                    <a:lstStyle/>
+                    <a:p>
+                      <a:endParaRPr lang="zh-CN" altLang="en-US"/>
+                    </a:p>
+                  </a:txBody>
+                  <a:tcPr/>
+                </a:tc>
+                <a:tc>
+                  <a:txBody>
+                    <a:bodyPr/>
+                    <a:lstStyle/>
+                    <a:p>
+                      <a:endParaRPr lang="zh-CN" altLang="en-US"/>
+                    </a:p>
+                  </a:txBody>
+                  <a:tcPr/>
+                </a:tc>
+                <a:tc>
+                  <a:txBody>
+                    <a:bodyPr/>
+                    <a:lstStyle/>
+                    <a:p>
+                      <a:endParaRPr lang="zh-CN" altLang="en-US"/>
+                    </a:p>
+                  </a:txBody>
+                  <a:tcPr/>
+                </a:tc>
+                <a:tc>
+                  <a:txBody>
+                    <a:bodyPr/>
+                    <a:lstStyle/>
+                    <a:p>
+                      <a:endParaRPr lang="zh-CN" altLang="en-US" dirty="0"/>
+                    </a:p>
+                  </a:txBody>
+                  <a:tcPr/>
+                </a:tc>
+                <a:tc>
+                  <a:txBody>
+                    <a:bodyPr/>
+                    <a:lstStyle/>
+                    <a:p>
+                      <a:endParaRPr lang="zh-CN" altLang="en-US"/>
+                    </a:p>
+                  </a:txBody>
+                  <a:tcPr/>
+                </a:tc>
+                <a:tc>
+                  <a:txBody>
+                    <a:bodyPr/>
+                    <a:lstStyle/>
+                    <a:p>
+                      <a:endParaRPr lang="zh-CN" altLang="en-US"/>
+                    </a:p>
+                  </a:txBody>
+                  <a:tcPr/>
+                </a:tc>
+              </a:tr>
+              <a:tr h="370840">
+                <a:tc>
+                  <a:txBody>
+                    <a:bodyPr/>
+                    <a:lstStyle/>
+                    <a:p>
+                      <a:endParaRPr lang="zh-CN" altLang="en-US"/>
+                    </a:p>
+                  </a:txBody>
+                  <a:tcPr/>
+                </a:tc>
+                <a:tc>
+                  <a:txBody>
+                    <a:bodyPr/>
+                    <a:lstStyle/>
+                    <a:p>
+                      <a:endParaRPr lang="zh-CN" altLang="en-US"/>
+                    </a:p>
+                  </a:txBody>
+                  <a:tcPr/>
+                </a:tc>
+                <a:tc>
+                  <a:txBody>
+                    <a:bodyPr/>
+                    <a:lstStyle/>
+                    <a:p>
+                      <a:endParaRPr lang="zh-CN" altLang="en-US"/>
+                    </a:p>
+                  </a:txBody>
+                  <a:tcPr/>
+                </a:tc>
+                <a:tc>
+                  <a:txBody>
+                    <a:bodyPr/>
+                    <a:lstStyle/>
+                    <a:p>
+                      <a:endParaRPr lang="zh-CN" altLang="en-US"/>
+                    </a:p>
+                  </a:txBody>
+                  <a:tcPr/>
+                </a:tc>
+                <a:tc>
+                  <a:txBody>
+                    <a:bodyPr/>
+                    <a:lstStyle/>
+                    <a:p>
+                      <a:endParaRPr lang="zh-CN" altLang="en-US"/>
+                    </a:p>
+                  </a:txBody>
+                  <a:tcPr/>
+                </a:tc>
+                <a:tc>
+                  <a:txBody>
+                    <a:bodyPr/>
+                    <a:lstStyle/>
+                    <a:p>
+                      <a:endParaRPr lang="zh-CN" altLang="en-US"/>
+                    </a:p>
+                  </a:txBody>
+                  <a:tcPr/>
+                </a:tc>
+              </a:tr>
+              <a:tr h="370840">
+                <a:tc>
+                  <a:txBody>
+                    <a:bodyPr/>
+                    <a:lstStyle/>
+                    <a:p>
+                      <a:endParaRPr lang="zh-CN" altLang="en-US"/>
+                    </a:p>
+                  </a:txBody>
+                  <a:tcPr/>
+                </a:tc>
+                <a:tc>
+                  <a:txBody>
+                    <a:bodyPr/>
+                    <a:lstStyle/>
+                    <a:p>
+                      <a:endParaRPr lang="zh-CN" altLang="en-US"/>
+                    </a:p>
+                  </a:txBody>
+                  <a:tcPr/>
+                </a:tc>
+                <a:tc>
+                  <a:txBody>
+                    <a:bodyPr/>
+                    <a:lstStyle/>
+                    <a:p>
+                      <a:endParaRPr lang="zh-CN" altLang="en-US"/>
+                    </a:p>
+                  </a:txBody>
+                  <a:tcPr/>
+                </a:tc>
+                <a:tc>
+                  <a:txBody>
+                    <a:bodyPr/>
+                    <a:lstStyle/>
+                    <a:p>
+                      <a:endParaRPr lang="zh-CN" altLang="en-US"/>
+                    </a:p>
+                  </a:txBody>
+                  <a:tcPr/>
+                </a:tc>
+                <a:tc>
+                  <a:txBody>
+                    <a:bodyPr/>
+                    <a:lstStyle/>
+                    <a:p>
+                      <a:endParaRPr lang="zh-CN" altLang="en-US"/>
+                    </a:p>
+                  </a:txBody>
+                  <a:tcPr/>
+                </a:tc>
+                <a:tc>
+                  <a:txBody>
+                    <a:bodyPr/>
+                    <a:lstStyle/>
+                    <a:p>
+                      <a:endParaRPr lang="zh-CN" altLang="en-US"/>
+                    </a:p>
+                  </a:txBody>
+                  <a:tcPr/>
+                </a:tc>
+              </a:tr>
+              <a:tr h="370840">
+                <a:tc>
+                  <a:txBody>
+                    <a:bodyPr/>
+                    <a:lstStyle/>
+                    <a:p>
+                      <a:endParaRPr lang="zh-CN" altLang="en-US"/>
+                    </a:p>
+                  </a:txBody>
+                  <a:tcPr/>
+                </a:tc>
+                <a:tc>
+                  <a:txBody>
+                    <a:bodyPr/>
+                    <a:lstStyle/>
+                    <a:p>
+                      <a:endParaRPr lang="zh-CN" altLang="en-US"/>
+                    </a:p>
+                  </a:txBody>
+                  <a:tcPr/>
+                </a:tc>
+                <a:tc>
+                  <a:txBody>
+                    <a:bodyPr/>
+                    <a:lstStyle/>
+                    <a:p>
+                      <a:endParaRPr lang="zh-CN" altLang="en-US"/>
+                    </a:p>
+                  </a:txBody>
+                  <a:tcPr/>
+                </a:tc>
+                <a:tc>
+                  <a:txBody>
+                    <a:bodyPr/>
+                    <a:lstStyle/>
+                    <a:p>
+                      <a:endParaRPr lang="zh-CN" altLang="en-US"/>
+                    </a:p>
+                  </a:txBody>
+                  <a:tcPr/>
+                </a:tc>
+                <a:tc>
+                  <a:txBody>
+                    <a:bodyPr/>
+                    <a:lstStyle/>
+                    <a:p>
+                      <a:endParaRPr lang="zh-CN" altLang="en-US"/>
+                    </a:p>
+                  </a:txBody>
+                  <a:tcPr/>
+                </a:tc>
+                <a:tc>
+                  <a:txBody>
+                    <a:bodyPr/>
+                    <a:lstStyle/>
+                    <a:p>
+                      <a:endParaRPr lang="zh-CN" altLang="en-US" dirty="0"/>
+                    </a:p>
+                  </a:txBody>
+                  <a:tcPr/>
+                </a:tc>
+              </a:tr>
+            </a:tbl>
+          </a:graphicData>
+        </a:graphic>
+      </p:graphicFrame>
+    </p:spTree>
+    <p:extLst>
+      <p:ext uri="{BB962C8B-B14F-4D97-AF65-F5344CB8AC3E}">
+        <p14:creationId xmlns:p14="http://schemas.microsoft.com/office/powerpoint/2010/main" val="1256008237"/>
+      </p:ext>
+    </p:extLst>
+  </p:cSld>
+  <p:clrMapOvr>
+    <a:masterClrMapping/>
+  </p:clrMapOvr>
+  <p:timing>
+    <p:tnLst>
+      <p:par>
+        <p:cTn id="1" dur="indefinite" restart="never" nodeType="tmRoot"/>
+      </p:par>
+    </p:tnLst>
+  </p:timing>
+</p:sld>
+</file>
+
+<file path=ppt/slides/slide13.xml><?xml version="1.0" encoding="utf-8"?>
+<p:sld xmlns:a="http://schemas.openxmlformats.org/drawingml/2006/main" xmlns:r="http://schemas.openxmlformats.org/officeDocument/2006/relationships" xmlns:p="http://schemas.openxmlformats.org/presentationml/2006/main">
+  <p:cSld>
+    <p:spTree>
+      <p:nvGrpSpPr>
+        <p:cNvPr id="1" name=""/>
+        <p:cNvGrpSpPr/>
+        <p:nvPr/>
+      </p:nvGrpSpPr>
+      <p:grpSpPr>
+        <a:xfrm>
+          <a:off x="0" y="0"/>
+          <a:ext cx="0" cy="0"/>
+          <a:chOff x="0" y="0"/>
+          <a:chExt cx="0" cy="0"/>
+        </a:xfrm>
+      </p:grpSpPr>
+      <p:sp>
+        <p:nvSpPr>
+          <p:cNvPr id="5" name="标题 4"/>
+          <p:cNvSpPr>
+            <a:spLocks noGrp="1"/>
+          </p:cNvSpPr>
+          <p:nvPr>
+            <p:ph type="title"/>
+          </p:nvPr>
+        </p:nvSpPr>
+        <p:spPr/>
+        <p:txBody>
+          <a:bodyPr/>
+          <a:lstStyle/>
+          <a:p>
+            <a:r>
+              <a:rPr lang="zh-CN" altLang="en-US" dirty="0" smtClean="0"/>
+              <a:t>需求分析</a:t>
+            </a:r>
+            <a:endParaRPr lang="zh-CN" altLang="en-US" dirty="0"/>
+          </a:p>
+        </p:txBody>
+      </p:sp>
+      <p:sp>
+        <p:nvSpPr>
+          <p:cNvPr id="6" name="内容占位符 5"/>
+          <p:cNvSpPr>
+            <a:spLocks noGrp="1"/>
+          </p:cNvSpPr>
+          <p:nvPr>
+            <p:ph idx="1"/>
+          </p:nvPr>
+        </p:nvSpPr>
+        <p:spPr/>
+        <p:txBody>
+          <a:bodyPr/>
+          <a:lstStyle/>
+          <a:p>
+            <a:pPr marL="0" indent="0">
+              <a:buNone/>
+            </a:pPr>
+            <a:r>
+              <a:rPr lang="zh-CN" altLang="en-US" dirty="0" smtClean="0"/>
+              <a:t>预设置：</a:t>
+            </a:r>
+            <a:endParaRPr lang="en-US" altLang="zh-CN" dirty="0" smtClean="0"/>
+          </a:p>
+          <a:p>
+            <a:r>
+              <a:rPr lang="zh-CN" altLang="en-US" dirty="0" smtClean="0"/>
+              <a:t>规则库；</a:t>
+            </a:r>
+            <a:r>
+              <a:rPr lang="zh-CN" altLang="en-US" dirty="0"/>
+              <a:t>监测参数选择</a:t>
+            </a:r>
+            <a:r>
+              <a:rPr lang="zh-CN" altLang="en-US" dirty="0" smtClean="0"/>
+              <a:t>；</a:t>
+            </a:r>
+            <a:endParaRPr lang="en-US" altLang="zh-CN" dirty="0" smtClean="0"/>
+          </a:p>
+          <a:p>
+            <a:r>
+              <a:rPr lang="zh-CN" altLang="en-US" dirty="0" smtClean="0"/>
+              <a:t>系统同步精度要求</a:t>
+            </a:r>
+            <a:endParaRPr lang="en-US" altLang="zh-CN" dirty="0" smtClean="0"/>
+          </a:p>
+          <a:p>
+            <a:pPr marL="0" indent="0">
+              <a:buNone/>
+            </a:pPr>
+            <a:r>
+              <a:rPr lang="zh-CN" altLang="en-US" dirty="0"/>
+              <a:t>扩展需求</a:t>
+            </a:r>
+          </a:p>
+          <a:p>
+            <a:r>
+              <a:rPr lang="zh-CN" altLang="en-US" dirty="0"/>
+              <a:t>可扩展其他平台，包括精准农业、人体健康监测、工业过程监测等程序；</a:t>
+            </a:r>
+          </a:p>
+          <a:p>
+            <a:endParaRPr lang="en-US" altLang="zh-CN" dirty="0"/>
+          </a:p>
+        </p:txBody>
+      </p:sp>
+    </p:spTree>
+    <p:extLst>
+      <p:ext uri="{BB962C8B-B14F-4D97-AF65-F5344CB8AC3E}">
+        <p14:creationId xmlns:p14="http://schemas.microsoft.com/office/powerpoint/2010/main" val="670708242"/>
+      </p:ext>
+    </p:extLst>
+  </p:cSld>
+  <p:clrMapOvr>
+    <a:masterClrMapping/>
+  </p:clrMapOvr>
+  <p:timing>
+    <p:tnLst>
+      <p:par>
+        <p:cTn id="1" dur="indefinite" restart="never" nodeType="tmRoot"/>
+      </p:par>
+    </p:tnLst>
+  </p:timing>
+</p:sld>
+</file>
+
+<file path=ppt/slides/slide14.xml><?xml version="1.0" encoding="utf-8"?>
+<p:sld xmlns:a="http://schemas.openxmlformats.org/drawingml/2006/main" xmlns:r="http://schemas.openxmlformats.org/officeDocument/2006/relationships" xmlns:p="http://schemas.openxmlformats.org/presentationml/2006/main">
+  <p:cSld>
+    <p:spTree>
+      <p:nvGrpSpPr>
+        <p:cNvPr id="1" name=""/>
+        <p:cNvGrpSpPr/>
+        <p:nvPr/>
+      </p:nvGrpSpPr>
+      <p:grpSpPr>
+        <a:xfrm>
+          <a:off x="0" y="0"/>
+          <a:ext cx="0" cy="0"/>
+          <a:chOff x="0" y="0"/>
+          <a:chExt cx="0" cy="0"/>
+        </a:xfrm>
+      </p:grpSpPr>
+      <p:sp>
+        <p:nvSpPr>
+          <p:cNvPr id="2" name="标题 1"/>
+          <p:cNvSpPr>
+            <a:spLocks noGrp="1"/>
+          </p:cNvSpPr>
+          <p:nvPr>
+            <p:ph type="title"/>
+          </p:nvPr>
+        </p:nvSpPr>
+        <p:spPr/>
+        <p:txBody>
+          <a:bodyPr/>
+          <a:lstStyle/>
+          <a:p>
+            <a:r>
               <a:rPr lang="zh-CN" altLang="en-US" dirty="0" smtClean="0"/>
               <a:t>架构分析</a:t>
             </a:r>
@@ -3536,15 +4857,7 @@
                   <a:srgbClr val="FF0000"/>
                 </a:solidFill>
               </a:rPr>
-              <a:t>面向过程</a:t>
-            </a:r>
-            <a:r>
-              <a:rPr lang="zh-CN" altLang="en-US" b="1" dirty="0" smtClean="0">
-                <a:solidFill>
-                  <a:srgbClr val="FF0000"/>
-                </a:solidFill>
-              </a:rPr>
-              <a:t>：功能分层</a:t>
+              <a:t>面向过程：功能分层</a:t>
             </a:r>
             <a:endParaRPr lang="en-US" altLang="zh-CN" b="1" dirty="0" smtClean="0">
               <a:solidFill>
@@ -3582,7 +4895,7 @@
 </p:sld>
 </file>
 
-<file path=ppt/slides/slide13.xml><?xml version="1.0" encoding="utf-8"?>
+<file path=ppt/slides/slide15.xml><?xml version="1.0" encoding="utf-8"?>
 <p:sld xmlns:a="http://schemas.openxmlformats.org/drawingml/2006/main" xmlns:r="http://schemas.openxmlformats.org/officeDocument/2006/relationships" xmlns:p="http://schemas.openxmlformats.org/presentationml/2006/main">
   <p:cSld>
     <p:spTree>
@@ -4537,7 +5850,7 @@
 </p:sld>
 </file>
 
-<file path=ppt/slides/slide14.xml><?xml version="1.0" encoding="utf-8"?>
+<file path=ppt/slides/slide16.xml><?xml version="1.0" encoding="utf-8"?>
 <p:sld xmlns:a="http://schemas.openxmlformats.org/drawingml/2006/main" xmlns:r="http://schemas.openxmlformats.org/officeDocument/2006/relationships" xmlns:p="http://schemas.openxmlformats.org/presentationml/2006/main">
   <p:cSld>
     <p:spTree>
@@ -5561,7 +6874,7 @@
 </p:sld>
 </file>
 
-<file path=ppt/slides/slide15.xml><?xml version="1.0" encoding="utf-8"?>
+<file path=ppt/slides/slide17.xml><?xml version="1.0" encoding="utf-8"?>
 <p:sld xmlns:a="http://schemas.openxmlformats.org/drawingml/2006/main" xmlns:r="http://schemas.openxmlformats.org/officeDocument/2006/relationships" xmlns:p="http://schemas.openxmlformats.org/presentationml/2006/main">
   <p:cSld>
     <p:spTree>
@@ -5645,10 +6958,17 @@
   <p:clrMapOvr>
     <a:masterClrMapping/>
   </p:clrMapOvr>
+  <p:timing>
+    <p:tnLst>
+      <p:par>
+        <p:cTn id="1" dur="indefinite" restart="never" nodeType="tmRoot"/>
+      </p:par>
+    </p:tnLst>
+  </p:timing>
 </p:sld>
 </file>
 
-<file path=ppt/slides/slide16.xml><?xml version="1.0" encoding="utf-8"?>
+<file path=ppt/slides/slide18.xml><?xml version="1.0" encoding="utf-8"?>
 <p:sld xmlns:a="http://schemas.openxmlformats.org/drawingml/2006/main" xmlns:r="http://schemas.openxmlformats.org/officeDocument/2006/relationships" xmlns:p="http://schemas.openxmlformats.org/presentationml/2006/main">
   <p:cSld>
     <p:spTree>
@@ -5878,7 +7198,7 @@
 </p:sld>
 </file>
 
-<file path=ppt/slides/slide17.xml><?xml version="1.0" encoding="utf-8"?>
+<file path=ppt/slides/slide19.xml><?xml version="1.0" encoding="utf-8"?>
 <p:sld xmlns:a="http://schemas.openxmlformats.org/drawingml/2006/main" xmlns:r="http://schemas.openxmlformats.org/officeDocument/2006/relationships" xmlns:p="http://schemas.openxmlformats.org/presentationml/2006/main">
   <p:cSld>
     <p:spTree>
@@ -6049,7 +7369,147 @@
 </p:sld>
 </file>
 
-<file path=ppt/slides/slide18.xml><?xml version="1.0" encoding="utf-8"?>
+<file path=ppt/slides/slide2.xml><?xml version="1.0" encoding="utf-8"?>
+<p:sld xmlns:a="http://schemas.openxmlformats.org/drawingml/2006/main" xmlns:r="http://schemas.openxmlformats.org/officeDocument/2006/relationships" xmlns:p="http://schemas.openxmlformats.org/presentationml/2006/main">
+  <p:cSld>
+    <p:spTree>
+      <p:nvGrpSpPr>
+        <p:cNvPr id="1" name=""/>
+        <p:cNvGrpSpPr/>
+        <p:nvPr/>
+      </p:nvGrpSpPr>
+      <p:grpSpPr>
+        <a:xfrm>
+          <a:off x="0" y="0"/>
+          <a:ext cx="0" cy="0"/>
+          <a:chOff x="0" y="0"/>
+          <a:chExt cx="0" cy="0"/>
+        </a:xfrm>
+      </p:grpSpPr>
+      <p:sp>
+        <p:nvSpPr>
+          <p:cNvPr id="2" name="标题 1"/>
+          <p:cNvSpPr>
+            <a:spLocks noGrp="1"/>
+          </p:cNvSpPr>
+          <p:nvPr>
+            <p:ph type="title"/>
+          </p:nvPr>
+        </p:nvSpPr>
+        <p:spPr/>
+        <p:txBody>
+          <a:bodyPr/>
+          <a:lstStyle/>
+          <a:p>
+            <a:r>
+              <a:rPr lang="zh-CN" altLang="en-US" dirty="0" smtClean="0"/>
+              <a:t>硬件结构</a:t>
+            </a:r>
+            <a:endParaRPr lang="zh-CN" altLang="en-US" dirty="0"/>
+          </a:p>
+        </p:txBody>
+      </p:sp>
+      <p:sp>
+        <p:nvSpPr>
+          <p:cNvPr id="3" name="内容占位符 2"/>
+          <p:cNvSpPr>
+            <a:spLocks noGrp="1"/>
+          </p:cNvSpPr>
+          <p:nvPr>
+            <p:ph idx="1"/>
+          </p:nvPr>
+        </p:nvSpPr>
+        <p:spPr/>
+        <p:txBody>
+          <a:bodyPr/>
+          <a:lstStyle/>
+          <a:p>
+            <a:r>
+              <a:rPr lang="zh-CN" altLang="en-US" dirty="0" smtClean="0"/>
+              <a:t>流程：</a:t>
+            </a:r>
+            <a:endParaRPr lang="zh-CN" altLang="en-US" dirty="0"/>
+          </a:p>
+        </p:txBody>
+      </p:sp>
+      <p:graphicFrame>
+        <p:nvGraphicFramePr>
+          <p:cNvPr id="4" name="对象 3"/>
+          <p:cNvGraphicFramePr>
+            <a:graphicFrameLocks noChangeAspect="1"/>
+          </p:cNvGraphicFramePr>
+          <p:nvPr>
+            <p:extLst>
+              <p:ext uri="{D42A27DB-BD31-4B8C-83A1-F6EECF244321}">
+                <p14:modId xmlns:p14="http://schemas.microsoft.com/office/powerpoint/2010/main" val="540877586"/>
+              </p:ext>
+            </p:extLst>
+          </p:nvPr>
+        </p:nvGraphicFramePr>
+        <p:xfrm>
+          <a:off x="3923928" y="2132856"/>
+          <a:ext cx="3982354" cy="3338290"/>
+        </p:xfrm>
+        <a:graphic>
+          <a:graphicData uri="http://schemas.openxmlformats.org/presentationml/2006/ole">
+            <mc:AlternateContent xmlns:mc="http://schemas.openxmlformats.org/markup-compatibility/2006">
+              <mc:Choice xmlns:v="urn:schemas-microsoft-com:vml" Requires="v">
+                <p:oleObj spid="_x0000_s1105" name="Visio" r:id="rId3" imgW="6645240" imgH="5571047" progId="Visio.Drawing.11">
+                  <p:embed/>
+                </p:oleObj>
+              </mc:Choice>
+              <mc:Fallback>
+                <p:oleObj name="Visio" r:id="rId3" imgW="6645240" imgH="5571047" progId="Visio.Drawing.11">
+                  <p:embed/>
+                  <p:pic>
+                    <p:nvPicPr>
+                      <p:cNvPr id="0" name=""/>
+                      <p:cNvPicPr/>
+                      <p:nvPr/>
+                    </p:nvPicPr>
+                    <p:blipFill>
+                      <a:blip r:embed="rId4"/>
+                      <a:stretch>
+                        <a:fillRect/>
+                      </a:stretch>
+                    </p:blipFill>
+                    <p:spPr>
+                      <a:xfrm>
+                        <a:off x="3923928" y="2132856"/>
+                        <a:ext cx="3982354" cy="3338290"/>
+                      </a:xfrm>
+                      <a:prstGeom prst="rect">
+                        <a:avLst/>
+                      </a:prstGeom>
+                    </p:spPr>
+                  </p:pic>
+                </p:oleObj>
+              </mc:Fallback>
+            </mc:AlternateContent>
+          </a:graphicData>
+        </a:graphic>
+      </p:graphicFrame>
+    </p:spTree>
+    <p:extLst>
+      <p:ext uri="{BB962C8B-B14F-4D97-AF65-F5344CB8AC3E}">
+        <p14:creationId xmlns:p14="http://schemas.microsoft.com/office/powerpoint/2010/main" val="1276645258"/>
+      </p:ext>
+    </p:extLst>
+  </p:cSld>
+  <p:clrMapOvr>
+    <a:masterClrMapping/>
+  </p:clrMapOvr>
+  <p:timing>
+    <p:tnLst>
+      <p:par>
+        <p:cTn id="1" dur="indefinite" restart="never" nodeType="tmRoot"/>
+      </p:par>
+    </p:tnLst>
+  </p:timing>
+</p:sld>
+</file>
+
+<file path=ppt/slides/slide20.xml><?xml version="1.0" encoding="utf-8"?>
 <p:sld xmlns:a="http://schemas.openxmlformats.org/drawingml/2006/main" xmlns:r="http://schemas.openxmlformats.org/officeDocument/2006/relationships" xmlns:p="http://schemas.openxmlformats.org/presentationml/2006/main">
   <p:cSld>
     <p:spTree>
@@ -6188,430 +7648,6 @@
 </p:sld>
 </file>
 
-<file path=ppt/slides/slide19.xml><?xml version="1.0" encoding="utf-8"?>
-<p:sld xmlns:a="http://schemas.openxmlformats.org/drawingml/2006/main" xmlns:r="http://schemas.openxmlformats.org/officeDocument/2006/relationships" xmlns:p="http://schemas.openxmlformats.org/presentationml/2006/main">
-  <p:cSld>
-    <p:spTree>
-      <p:nvGrpSpPr>
-        <p:cNvPr id="1" name=""/>
-        <p:cNvGrpSpPr/>
-        <p:nvPr/>
-      </p:nvGrpSpPr>
-      <p:grpSpPr>
-        <a:xfrm>
-          <a:off x="0" y="0"/>
-          <a:ext cx="0" cy="0"/>
-          <a:chOff x="0" y="0"/>
-          <a:chExt cx="0" cy="0"/>
-        </a:xfrm>
-      </p:grpSpPr>
-      <p:sp>
-        <p:nvSpPr>
-          <p:cNvPr id="2" name="标题 1"/>
-          <p:cNvSpPr>
-            <a:spLocks noGrp="1"/>
-          </p:cNvSpPr>
-          <p:nvPr>
-            <p:ph type="title"/>
-          </p:nvPr>
-        </p:nvSpPr>
-        <p:spPr/>
-        <p:txBody>
-          <a:bodyPr/>
-          <a:lstStyle/>
-          <a:p>
-            <a:r>
-              <a:rPr lang="zh-CN" altLang="en-US" dirty="0" smtClean="0"/>
-              <a:t>架构设计：</a:t>
-            </a:r>
-            <a:r>
-              <a:rPr lang="en-US" altLang="zh-CN" dirty="0" smtClean="0"/>
-              <a:t>UI</a:t>
-            </a:r>
-            <a:endParaRPr lang="zh-CN" altLang="en-US" dirty="0"/>
-          </a:p>
-        </p:txBody>
-      </p:sp>
-      <p:sp>
-        <p:nvSpPr>
-          <p:cNvPr id="3" name="内容占位符 2"/>
-          <p:cNvSpPr>
-            <a:spLocks noGrp="1"/>
-          </p:cNvSpPr>
-          <p:nvPr>
-            <p:ph idx="1"/>
-          </p:nvPr>
-        </p:nvSpPr>
-        <p:spPr/>
-        <p:txBody>
-          <a:bodyPr/>
-          <a:lstStyle/>
-          <a:p>
-            <a:r>
-              <a:rPr lang="zh-CN" altLang="en-US" dirty="0" smtClean="0"/>
-              <a:t>属性修改界面：</a:t>
-            </a:r>
-            <a:endParaRPr lang="en-US" altLang="zh-CN" dirty="0" smtClean="0"/>
-          </a:p>
-          <a:p>
-            <a:r>
-              <a:rPr lang="zh-CN" altLang="en-US" dirty="0" smtClean="0"/>
-              <a:t>电能参数选择</a:t>
-            </a:r>
-            <a:endParaRPr lang="en-US" altLang="zh-CN" dirty="0" smtClean="0"/>
-          </a:p>
-          <a:p>
-            <a:r>
-              <a:rPr lang="zh-CN" altLang="en-US" dirty="0"/>
-              <a:t>同步</a:t>
-            </a:r>
-            <a:r>
-              <a:rPr lang="zh-CN" altLang="en-US" dirty="0" smtClean="0"/>
-              <a:t>精度选择</a:t>
-            </a:r>
-            <a:endParaRPr lang="en-US" altLang="zh-CN" dirty="0" smtClean="0"/>
-          </a:p>
-          <a:p>
-            <a:r>
-              <a:rPr lang="zh-CN" altLang="en-US" dirty="0" smtClean="0"/>
-              <a:t>通信端口选择</a:t>
-            </a:r>
-            <a:endParaRPr lang="en-US" altLang="zh-CN" dirty="0" smtClean="0"/>
-          </a:p>
-          <a:p>
-            <a:r>
-              <a:rPr lang="zh-CN" altLang="en-US" dirty="0"/>
-              <a:t>电价预</a:t>
-            </a:r>
-            <a:r>
-              <a:rPr lang="zh-CN" altLang="en-US" dirty="0" smtClean="0"/>
-              <a:t>设库设置</a:t>
-            </a:r>
-            <a:endParaRPr lang="zh-CN" altLang="en-US" dirty="0"/>
-          </a:p>
-        </p:txBody>
-      </p:sp>
-    </p:spTree>
-    <p:extLst>
-      <p:ext uri="{BB962C8B-B14F-4D97-AF65-F5344CB8AC3E}">
-        <p14:creationId xmlns:p14="http://schemas.microsoft.com/office/powerpoint/2010/main" val="1655383195"/>
-      </p:ext>
-    </p:extLst>
-  </p:cSld>
-  <p:clrMapOvr>
-    <a:masterClrMapping/>
-  </p:clrMapOvr>
-</p:sld>
-</file>
-
-<file path=ppt/slides/slide2.xml><?xml version="1.0" encoding="utf-8"?>
-<p:sld xmlns:a="http://schemas.openxmlformats.org/drawingml/2006/main" xmlns:r="http://schemas.openxmlformats.org/officeDocument/2006/relationships" xmlns:p="http://schemas.openxmlformats.org/presentationml/2006/main">
-  <p:cSld>
-    <p:spTree>
-      <p:nvGrpSpPr>
-        <p:cNvPr id="1" name=""/>
-        <p:cNvGrpSpPr/>
-        <p:nvPr/>
-      </p:nvGrpSpPr>
-      <p:grpSpPr>
-        <a:xfrm>
-          <a:off x="0" y="0"/>
-          <a:ext cx="0" cy="0"/>
-          <a:chOff x="0" y="0"/>
-          <a:chExt cx="0" cy="0"/>
-        </a:xfrm>
-      </p:grpSpPr>
-      <p:sp>
-        <p:nvSpPr>
-          <p:cNvPr id="2" name="标题 1"/>
-          <p:cNvSpPr>
-            <a:spLocks noGrp="1"/>
-          </p:cNvSpPr>
-          <p:nvPr>
-            <p:ph type="title"/>
-          </p:nvPr>
-        </p:nvSpPr>
-        <p:spPr/>
-        <p:txBody>
-          <a:bodyPr/>
-          <a:lstStyle/>
-          <a:p>
-            <a:r>
-              <a:rPr lang="zh-CN" altLang="en-US" dirty="0" smtClean="0"/>
-              <a:t>硬件结构</a:t>
-            </a:r>
-            <a:endParaRPr lang="zh-CN" altLang="en-US" dirty="0"/>
-          </a:p>
-        </p:txBody>
-      </p:sp>
-      <p:sp>
-        <p:nvSpPr>
-          <p:cNvPr id="3" name="内容占位符 2"/>
-          <p:cNvSpPr>
-            <a:spLocks noGrp="1"/>
-          </p:cNvSpPr>
-          <p:nvPr>
-            <p:ph idx="1"/>
-          </p:nvPr>
-        </p:nvSpPr>
-        <p:spPr/>
-        <p:txBody>
-          <a:bodyPr/>
-          <a:lstStyle/>
-          <a:p>
-            <a:r>
-              <a:rPr lang="zh-CN" altLang="en-US" dirty="0" smtClean="0"/>
-              <a:t>流程：</a:t>
-            </a:r>
-            <a:endParaRPr lang="zh-CN" altLang="en-US" dirty="0"/>
-          </a:p>
-        </p:txBody>
-      </p:sp>
-      <p:graphicFrame>
-        <p:nvGraphicFramePr>
-          <p:cNvPr id="4" name="对象 3"/>
-          <p:cNvGraphicFramePr>
-            <a:graphicFrameLocks noChangeAspect="1"/>
-          </p:cNvGraphicFramePr>
-          <p:nvPr>
-            <p:extLst>
-              <p:ext uri="{D42A27DB-BD31-4B8C-83A1-F6EECF244321}">
-                <p14:modId xmlns:p14="http://schemas.microsoft.com/office/powerpoint/2010/main" val="540877586"/>
-              </p:ext>
-            </p:extLst>
-          </p:nvPr>
-        </p:nvGraphicFramePr>
-        <p:xfrm>
-          <a:off x="3923928" y="2132856"/>
-          <a:ext cx="3982354" cy="3338290"/>
-        </p:xfrm>
-        <a:graphic>
-          <a:graphicData uri="http://schemas.openxmlformats.org/presentationml/2006/ole">
-            <mc:AlternateContent xmlns:mc="http://schemas.openxmlformats.org/markup-compatibility/2006">
-              <mc:Choice xmlns:v="urn:schemas-microsoft-com:vml" Requires="v">
-                <p:oleObj spid="_x0000_s1088" name="Visio" r:id="rId3" imgW="6645240" imgH="5571047" progId="Visio.Drawing.11">
-                  <p:embed/>
-                </p:oleObj>
-              </mc:Choice>
-              <mc:Fallback>
-                <p:oleObj name="Visio" r:id="rId3" imgW="6645240" imgH="5571047" progId="Visio.Drawing.11">
-                  <p:embed/>
-                  <p:pic>
-                    <p:nvPicPr>
-                      <p:cNvPr id="0" name=""/>
-                      <p:cNvPicPr/>
-                      <p:nvPr/>
-                    </p:nvPicPr>
-                    <p:blipFill>
-                      <a:blip r:embed="rId4"/>
-                      <a:stretch>
-                        <a:fillRect/>
-                      </a:stretch>
-                    </p:blipFill>
-                    <p:spPr>
-                      <a:xfrm>
-                        <a:off x="3923928" y="2132856"/>
-                        <a:ext cx="3982354" cy="3338290"/>
-                      </a:xfrm>
-                      <a:prstGeom prst="rect">
-                        <a:avLst/>
-                      </a:prstGeom>
-                    </p:spPr>
-                  </p:pic>
-                </p:oleObj>
-              </mc:Fallback>
-            </mc:AlternateContent>
-          </a:graphicData>
-        </a:graphic>
-      </p:graphicFrame>
-    </p:spTree>
-    <p:extLst>
-      <p:ext uri="{BB962C8B-B14F-4D97-AF65-F5344CB8AC3E}">
-        <p14:creationId xmlns:p14="http://schemas.microsoft.com/office/powerpoint/2010/main" val="1276645258"/>
-      </p:ext>
-    </p:extLst>
-  </p:cSld>
-  <p:clrMapOvr>
-    <a:masterClrMapping/>
-  </p:clrMapOvr>
-  <p:timing>
-    <p:tnLst>
-      <p:par>
-        <p:cTn id="1" dur="indefinite" restart="never" nodeType="tmRoot"/>
-      </p:par>
-    </p:tnLst>
-  </p:timing>
-</p:sld>
-</file>
-
-<file path=ppt/slides/slide20.xml><?xml version="1.0" encoding="utf-8"?>
-<p:sld xmlns:a="http://schemas.openxmlformats.org/drawingml/2006/main" xmlns:r="http://schemas.openxmlformats.org/officeDocument/2006/relationships" xmlns:p="http://schemas.openxmlformats.org/presentationml/2006/main">
-  <p:cSld>
-    <p:spTree>
-      <p:nvGrpSpPr>
-        <p:cNvPr id="1" name=""/>
-        <p:cNvGrpSpPr/>
-        <p:nvPr/>
-      </p:nvGrpSpPr>
-      <p:grpSpPr>
-        <a:xfrm>
-          <a:off x="0" y="0"/>
-          <a:ext cx="0" cy="0"/>
-          <a:chOff x="0" y="0"/>
-          <a:chExt cx="0" cy="0"/>
-        </a:xfrm>
-      </p:grpSpPr>
-      <p:sp>
-        <p:nvSpPr>
-          <p:cNvPr id="2" name="标题 1"/>
-          <p:cNvSpPr>
-            <a:spLocks noGrp="1"/>
-          </p:cNvSpPr>
-          <p:nvPr>
-            <p:ph type="title"/>
-          </p:nvPr>
-        </p:nvSpPr>
-        <p:spPr/>
-        <p:txBody>
-          <a:bodyPr/>
-          <a:lstStyle/>
-          <a:p>
-            <a:r>
-              <a:rPr lang="zh-CN" altLang="en-US" dirty="0"/>
-              <a:t>架构设计</a:t>
-            </a:r>
-            <a:r>
-              <a:rPr lang="zh-CN" altLang="en-US" dirty="0" smtClean="0"/>
-              <a:t>：流程控制</a:t>
-            </a:r>
-            <a:endParaRPr lang="zh-CN" altLang="en-US" dirty="0"/>
-          </a:p>
-        </p:txBody>
-      </p:sp>
-      <p:sp>
-        <p:nvSpPr>
-          <p:cNvPr id="3" name="内容占位符 2"/>
-          <p:cNvSpPr>
-            <a:spLocks noGrp="1"/>
-          </p:cNvSpPr>
-          <p:nvPr>
-            <p:ph idx="1"/>
-          </p:nvPr>
-        </p:nvSpPr>
-        <p:spPr/>
-        <p:txBody>
-          <a:bodyPr/>
-          <a:lstStyle/>
-          <a:p>
-            <a:r>
-              <a:rPr lang="zh-CN" altLang="en-US" dirty="0"/>
-              <a:t>流程</a:t>
-            </a:r>
-            <a:r>
-              <a:rPr lang="zh-CN" altLang="en-US" dirty="0" smtClean="0"/>
-              <a:t>控制（状态机）：</a:t>
-            </a:r>
-            <a:endParaRPr lang="en-US" altLang="zh-CN" dirty="0" smtClean="0"/>
-          </a:p>
-          <a:p>
-            <a:pPr lvl="1"/>
-            <a:r>
-              <a:rPr lang="en-US" altLang="zh-CN" dirty="0" err="1" smtClean="0"/>
-              <a:t>Init</a:t>
-            </a:r>
-            <a:r>
-              <a:rPr lang="zh-CN" altLang="en-US" dirty="0" smtClean="0"/>
-              <a:t>：初始化所有预设属性及端口</a:t>
-            </a:r>
-            <a:endParaRPr lang="en-US" altLang="zh-CN" dirty="0"/>
-          </a:p>
-          <a:p>
-            <a:pPr lvl="1"/>
-            <a:r>
-              <a:rPr lang="en-US" altLang="zh-CN" dirty="0" err="1" smtClean="0"/>
-              <a:t>SelectPara</a:t>
-            </a:r>
-            <a:r>
-              <a:rPr lang="zh-CN" altLang="en-US" dirty="0" smtClean="0"/>
-              <a:t>：测量电能参数选择</a:t>
-            </a:r>
-            <a:endParaRPr lang="en-US" altLang="zh-CN" dirty="0" smtClean="0"/>
-          </a:p>
-          <a:p>
-            <a:pPr lvl="1"/>
-            <a:r>
-              <a:rPr lang="en-US" altLang="zh-CN" dirty="0" smtClean="0"/>
-              <a:t>Measurement</a:t>
-            </a:r>
-            <a:r>
-              <a:rPr lang="zh-CN" altLang="en-US" dirty="0" smtClean="0"/>
-              <a:t>：测量电能参数</a:t>
-            </a:r>
-            <a:endParaRPr lang="en-US" altLang="zh-CN" dirty="0"/>
-          </a:p>
-          <a:p>
-            <a:pPr lvl="2"/>
-            <a:r>
-              <a:rPr lang="en-US" altLang="zh-CN" dirty="0" err="1" smtClean="0"/>
-              <a:t>GetVarableData</a:t>
-            </a:r>
-            <a:r>
-              <a:rPr lang="zh-CN" altLang="en-US" dirty="0" smtClean="0"/>
-              <a:t>：数据采集</a:t>
-            </a:r>
-            <a:endParaRPr lang="en-US" altLang="zh-CN" dirty="0" smtClean="0"/>
-          </a:p>
-          <a:p>
-            <a:pPr lvl="2"/>
-            <a:r>
-              <a:rPr lang="en-US" altLang="zh-CN" dirty="0" err="1" smtClean="0"/>
-              <a:t>SaveData</a:t>
-            </a:r>
-            <a:r>
-              <a:rPr lang="zh-CN" altLang="en-US" dirty="0" smtClean="0"/>
-              <a:t>：存储数据</a:t>
-            </a:r>
-            <a:endParaRPr lang="en-US" altLang="zh-CN" dirty="0"/>
-          </a:p>
-          <a:p>
-            <a:pPr lvl="2"/>
-            <a:r>
-              <a:rPr lang="en-US" altLang="zh-CN" dirty="0" err="1" smtClean="0"/>
-              <a:t>DisplayResult</a:t>
-            </a:r>
-            <a:r>
-              <a:rPr lang="zh-CN" altLang="en-US" dirty="0" smtClean="0"/>
-              <a:t>：结果显示</a:t>
-            </a:r>
-            <a:endParaRPr lang="en-US" altLang="zh-CN" dirty="0" smtClean="0"/>
-          </a:p>
-          <a:p>
-            <a:pPr lvl="1"/>
-            <a:r>
-              <a:rPr lang="en-US" altLang="zh-CN" dirty="0" smtClean="0"/>
-              <a:t>Idle</a:t>
-            </a:r>
-            <a:r>
-              <a:rPr lang="zh-CN" altLang="en-US" dirty="0" smtClean="0"/>
-              <a:t>：空闲</a:t>
-            </a:r>
-            <a:endParaRPr lang="zh-CN" altLang="en-US" dirty="0"/>
-          </a:p>
-        </p:txBody>
-      </p:sp>
-    </p:spTree>
-    <p:extLst>
-      <p:ext uri="{BB962C8B-B14F-4D97-AF65-F5344CB8AC3E}">
-        <p14:creationId xmlns:p14="http://schemas.microsoft.com/office/powerpoint/2010/main" val="223176332"/>
-      </p:ext>
-    </p:extLst>
-  </p:cSld>
-  <p:clrMapOvr>
-    <a:masterClrMapping/>
-  </p:clrMapOvr>
-</p:sld>
-</file>
-
 <file path=ppt/slides/slide21.xml><?xml version="1.0" encoding="utf-8"?>
 <p:sld xmlns:a="http://schemas.openxmlformats.org/drawingml/2006/main" xmlns:r="http://schemas.openxmlformats.org/officeDocument/2006/relationships" xmlns:p="http://schemas.openxmlformats.org/presentationml/2006/main">
   <p:cSld>
@@ -6641,6 +7677,304 @@
         </p:nvSpPr>
         <p:spPr/>
         <p:txBody>
+          <a:bodyPr/>
+          <a:lstStyle/>
+          <a:p>
+            <a:r>
+              <a:rPr lang="zh-CN" altLang="en-US" dirty="0" smtClean="0"/>
+              <a:t>架构设计：</a:t>
+            </a:r>
+            <a:r>
+              <a:rPr lang="en-US" altLang="zh-CN" dirty="0" smtClean="0"/>
+              <a:t>UI</a:t>
+            </a:r>
+            <a:endParaRPr lang="zh-CN" altLang="en-US" dirty="0"/>
+          </a:p>
+        </p:txBody>
+      </p:sp>
+      <p:sp>
+        <p:nvSpPr>
+          <p:cNvPr id="3" name="内容占位符 2"/>
+          <p:cNvSpPr>
+            <a:spLocks noGrp="1"/>
+          </p:cNvSpPr>
+          <p:nvPr>
+            <p:ph idx="1"/>
+          </p:nvPr>
+        </p:nvSpPr>
+        <p:spPr/>
+        <p:txBody>
+          <a:bodyPr/>
+          <a:lstStyle/>
+          <a:p>
+            <a:r>
+              <a:rPr lang="zh-CN" altLang="en-US" dirty="0" smtClean="0"/>
+              <a:t>属性修改界面：</a:t>
+            </a:r>
+            <a:endParaRPr lang="en-US" altLang="zh-CN" dirty="0" smtClean="0"/>
+          </a:p>
+          <a:p>
+            <a:r>
+              <a:rPr lang="zh-CN" altLang="en-US" dirty="0" smtClean="0"/>
+              <a:t>电能参数选择</a:t>
+            </a:r>
+            <a:endParaRPr lang="en-US" altLang="zh-CN" dirty="0" smtClean="0"/>
+          </a:p>
+          <a:p>
+            <a:r>
+              <a:rPr lang="zh-CN" altLang="en-US" dirty="0"/>
+              <a:t>同步</a:t>
+            </a:r>
+            <a:r>
+              <a:rPr lang="zh-CN" altLang="en-US" dirty="0" smtClean="0"/>
+              <a:t>精度选择</a:t>
+            </a:r>
+            <a:endParaRPr lang="en-US" altLang="zh-CN" dirty="0" smtClean="0"/>
+          </a:p>
+          <a:p>
+            <a:r>
+              <a:rPr lang="zh-CN" altLang="en-US" dirty="0" smtClean="0"/>
+              <a:t>通信端口选择</a:t>
+            </a:r>
+            <a:endParaRPr lang="en-US" altLang="zh-CN" dirty="0" smtClean="0"/>
+          </a:p>
+          <a:p>
+            <a:r>
+              <a:rPr lang="zh-CN" altLang="en-US" dirty="0"/>
+              <a:t>电价预</a:t>
+            </a:r>
+            <a:r>
+              <a:rPr lang="zh-CN" altLang="en-US" dirty="0" smtClean="0"/>
+              <a:t>设库设置</a:t>
+            </a:r>
+            <a:endParaRPr lang="zh-CN" altLang="en-US" dirty="0"/>
+          </a:p>
+        </p:txBody>
+      </p:sp>
+    </p:spTree>
+    <p:extLst>
+      <p:ext uri="{BB962C8B-B14F-4D97-AF65-F5344CB8AC3E}">
+        <p14:creationId xmlns:p14="http://schemas.microsoft.com/office/powerpoint/2010/main" val="1655383195"/>
+      </p:ext>
+    </p:extLst>
+  </p:cSld>
+  <p:clrMapOvr>
+    <a:masterClrMapping/>
+  </p:clrMapOvr>
+  <p:timing>
+    <p:tnLst>
+      <p:par>
+        <p:cTn id="1" dur="indefinite" restart="never" nodeType="tmRoot"/>
+      </p:par>
+    </p:tnLst>
+  </p:timing>
+</p:sld>
+</file>
+
+<file path=ppt/slides/slide22.xml><?xml version="1.0" encoding="utf-8"?>
+<p:sld xmlns:a="http://schemas.openxmlformats.org/drawingml/2006/main" xmlns:r="http://schemas.openxmlformats.org/officeDocument/2006/relationships" xmlns:p="http://schemas.openxmlformats.org/presentationml/2006/main">
+  <p:cSld>
+    <p:spTree>
+      <p:nvGrpSpPr>
+        <p:cNvPr id="1" name=""/>
+        <p:cNvGrpSpPr/>
+        <p:nvPr/>
+      </p:nvGrpSpPr>
+      <p:grpSpPr>
+        <a:xfrm>
+          <a:off x="0" y="0"/>
+          <a:ext cx="0" cy="0"/>
+          <a:chOff x="0" y="0"/>
+          <a:chExt cx="0" cy="0"/>
+        </a:xfrm>
+      </p:grpSpPr>
+      <p:sp>
+        <p:nvSpPr>
+          <p:cNvPr id="2" name="标题 1"/>
+          <p:cNvSpPr>
+            <a:spLocks noGrp="1"/>
+          </p:cNvSpPr>
+          <p:nvPr>
+            <p:ph type="title"/>
+          </p:nvPr>
+        </p:nvSpPr>
+        <p:spPr/>
+        <p:txBody>
+          <a:bodyPr/>
+          <a:lstStyle/>
+          <a:p>
+            <a:r>
+              <a:rPr lang="zh-CN" altLang="en-US" dirty="0"/>
+              <a:t>架构设计</a:t>
+            </a:r>
+            <a:r>
+              <a:rPr lang="zh-CN" altLang="en-US" dirty="0" smtClean="0"/>
+              <a:t>：流程控制</a:t>
+            </a:r>
+            <a:endParaRPr lang="zh-CN" altLang="en-US" dirty="0"/>
+          </a:p>
+        </p:txBody>
+      </p:sp>
+      <p:sp>
+        <p:nvSpPr>
+          <p:cNvPr id="3" name="内容占位符 2"/>
+          <p:cNvSpPr>
+            <a:spLocks noGrp="1"/>
+          </p:cNvSpPr>
+          <p:nvPr>
+            <p:ph idx="1"/>
+          </p:nvPr>
+        </p:nvSpPr>
+        <p:spPr/>
+        <p:txBody>
+          <a:bodyPr/>
+          <a:lstStyle/>
+          <a:p>
+            <a:r>
+              <a:rPr lang="zh-CN" altLang="en-US" dirty="0"/>
+              <a:t>流程</a:t>
+            </a:r>
+            <a:r>
+              <a:rPr lang="zh-CN" altLang="en-US" dirty="0" smtClean="0"/>
+              <a:t>控制（状态机）：</a:t>
+            </a:r>
+            <a:endParaRPr lang="en-US" altLang="zh-CN" dirty="0" smtClean="0"/>
+          </a:p>
+          <a:p>
+            <a:pPr lvl="1"/>
+            <a:r>
+              <a:rPr lang="en-US" altLang="zh-CN" dirty="0" err="1" smtClean="0"/>
+              <a:t>Init</a:t>
+            </a:r>
+            <a:r>
+              <a:rPr lang="zh-CN" altLang="en-US" dirty="0" smtClean="0"/>
+              <a:t>：初始化所有预设属性及端口</a:t>
+            </a:r>
+            <a:endParaRPr lang="en-US" altLang="zh-CN" dirty="0"/>
+          </a:p>
+          <a:p>
+            <a:pPr lvl="1"/>
+            <a:r>
+              <a:rPr lang="en-US" altLang="zh-CN" dirty="0" err="1" smtClean="0"/>
+              <a:t>SelectPara</a:t>
+            </a:r>
+            <a:r>
+              <a:rPr lang="zh-CN" altLang="en-US" dirty="0" smtClean="0"/>
+              <a:t>：测量电能参数选择</a:t>
+            </a:r>
+            <a:endParaRPr lang="en-US" altLang="zh-CN" dirty="0" smtClean="0"/>
+          </a:p>
+          <a:p>
+            <a:pPr lvl="1"/>
+            <a:r>
+              <a:rPr lang="en-US" altLang="zh-CN" dirty="0" smtClean="0"/>
+              <a:t>Measurement</a:t>
+            </a:r>
+            <a:r>
+              <a:rPr lang="zh-CN" altLang="en-US" dirty="0" smtClean="0"/>
+              <a:t>：测量电能参数</a:t>
+            </a:r>
+            <a:endParaRPr lang="en-US" altLang="zh-CN" dirty="0"/>
+          </a:p>
+          <a:p>
+            <a:pPr lvl="2"/>
+            <a:r>
+              <a:rPr lang="en-US" altLang="zh-CN" dirty="0" err="1" smtClean="0"/>
+              <a:t>GetVarableData</a:t>
+            </a:r>
+            <a:r>
+              <a:rPr lang="zh-CN" altLang="en-US" dirty="0" smtClean="0"/>
+              <a:t>：数据采集</a:t>
+            </a:r>
+            <a:endParaRPr lang="en-US" altLang="zh-CN" dirty="0" smtClean="0"/>
+          </a:p>
+          <a:p>
+            <a:pPr lvl="2"/>
+            <a:r>
+              <a:rPr lang="en-US" altLang="zh-CN" dirty="0" err="1" smtClean="0"/>
+              <a:t>SaveData</a:t>
+            </a:r>
+            <a:r>
+              <a:rPr lang="zh-CN" altLang="en-US" dirty="0" smtClean="0"/>
+              <a:t>：存储数据</a:t>
+            </a:r>
+            <a:endParaRPr lang="en-US" altLang="zh-CN" dirty="0"/>
+          </a:p>
+          <a:p>
+            <a:pPr lvl="2"/>
+            <a:r>
+              <a:rPr lang="en-US" altLang="zh-CN" dirty="0" err="1" smtClean="0"/>
+              <a:t>DisplayResult</a:t>
+            </a:r>
+            <a:r>
+              <a:rPr lang="zh-CN" altLang="en-US" dirty="0" smtClean="0"/>
+              <a:t>：结果显示</a:t>
+            </a:r>
+            <a:endParaRPr lang="en-US" altLang="zh-CN" dirty="0" smtClean="0"/>
+          </a:p>
+          <a:p>
+            <a:pPr lvl="1"/>
+            <a:r>
+              <a:rPr lang="en-US" altLang="zh-CN" dirty="0" smtClean="0"/>
+              <a:t>Idle</a:t>
+            </a:r>
+            <a:r>
+              <a:rPr lang="zh-CN" altLang="en-US" dirty="0" smtClean="0"/>
+              <a:t>：空闲</a:t>
+            </a:r>
+            <a:endParaRPr lang="zh-CN" altLang="en-US" dirty="0"/>
+          </a:p>
+        </p:txBody>
+      </p:sp>
+    </p:spTree>
+    <p:extLst>
+      <p:ext uri="{BB962C8B-B14F-4D97-AF65-F5344CB8AC3E}">
+        <p14:creationId xmlns:p14="http://schemas.microsoft.com/office/powerpoint/2010/main" val="223176332"/>
+      </p:ext>
+    </p:extLst>
+  </p:cSld>
+  <p:clrMapOvr>
+    <a:masterClrMapping/>
+  </p:clrMapOvr>
+  <p:timing>
+    <p:tnLst>
+      <p:par>
+        <p:cTn id="1" dur="indefinite" restart="never" nodeType="tmRoot"/>
+      </p:par>
+    </p:tnLst>
+  </p:timing>
+</p:sld>
+</file>
+
+<file path=ppt/slides/slide23.xml><?xml version="1.0" encoding="utf-8"?>
+<p:sld xmlns:a="http://schemas.openxmlformats.org/drawingml/2006/main" xmlns:r="http://schemas.openxmlformats.org/officeDocument/2006/relationships" xmlns:p="http://schemas.openxmlformats.org/presentationml/2006/main">
+  <p:cSld>
+    <p:spTree>
+      <p:nvGrpSpPr>
+        <p:cNvPr id="1" name=""/>
+        <p:cNvGrpSpPr/>
+        <p:nvPr/>
+      </p:nvGrpSpPr>
+      <p:grpSpPr>
+        <a:xfrm>
+          <a:off x="0" y="0"/>
+          <a:ext cx="0" cy="0"/>
+          <a:chOff x="0" y="0"/>
+          <a:chExt cx="0" cy="0"/>
+        </a:xfrm>
+      </p:grpSpPr>
+      <p:sp>
+        <p:nvSpPr>
+          <p:cNvPr id="2" name="标题 1"/>
+          <p:cNvSpPr>
+            <a:spLocks noGrp="1"/>
+          </p:cNvSpPr>
+          <p:nvPr>
+            <p:ph type="title"/>
+          </p:nvPr>
+        </p:nvSpPr>
+        <p:spPr/>
+        <p:txBody>
           <a:bodyPr>
             <a:normAutofit/>
           </a:bodyPr>
@@ -6705,10 +8039,17 @@
   <p:clrMapOvr>
     <a:masterClrMapping/>
   </p:clrMapOvr>
+  <p:timing>
+    <p:tnLst>
+      <p:par>
+        <p:cTn id="1" dur="indefinite" restart="never" nodeType="tmRoot"/>
+      </p:par>
+    </p:tnLst>
+  </p:timing>
 </p:sld>
 </file>
 
-<file path=ppt/slides/slide22.xml><?xml version="1.0" encoding="utf-8"?>
+<file path=ppt/slides/slide24.xml><?xml version="1.0" encoding="utf-8"?>
 <p:sld xmlns:a="http://schemas.openxmlformats.org/drawingml/2006/main" xmlns:r="http://schemas.openxmlformats.org/officeDocument/2006/relationships" xmlns:p="http://schemas.openxmlformats.org/presentationml/2006/main">
   <p:cSld>
     <p:spTree>

--- a/设计文档/智能电力测试系统软件设计.pptx
+++ b/设计文档/智能电力测试系统软件设计.pptx
@@ -311,7 +311,7 @@
           <a:p>
             <a:fld id="{E5597832-151A-49D8-9558-88424A6B8A4E}" type="datetimeFigureOut">
               <a:rPr lang="zh-CN" altLang="en-US" smtClean="0"/>
-              <a:t>2012/11/18</a:t>
+              <a:t>2012/11/29</a:t>
             </a:fld>
             <a:endParaRPr lang="zh-CN" altLang="en-US"/>
           </a:p>
@@ -481,7 +481,7 @@
           <a:p>
             <a:fld id="{E5597832-151A-49D8-9558-88424A6B8A4E}" type="datetimeFigureOut">
               <a:rPr lang="zh-CN" altLang="en-US" smtClean="0"/>
-              <a:t>2012/11/18</a:t>
+              <a:t>2012/11/29</a:t>
             </a:fld>
             <a:endParaRPr lang="zh-CN" altLang="en-US"/>
           </a:p>
@@ -661,7 +661,7 @@
           <a:p>
             <a:fld id="{E5597832-151A-49D8-9558-88424A6B8A4E}" type="datetimeFigureOut">
               <a:rPr lang="zh-CN" altLang="en-US" smtClean="0"/>
-              <a:t>2012/11/18</a:t>
+              <a:t>2012/11/29</a:t>
             </a:fld>
             <a:endParaRPr lang="zh-CN" altLang="en-US"/>
           </a:p>
@@ -831,7 +831,7 @@
           <a:p>
             <a:fld id="{E5597832-151A-49D8-9558-88424A6B8A4E}" type="datetimeFigureOut">
               <a:rPr lang="zh-CN" altLang="en-US" smtClean="0"/>
-              <a:t>2012/11/18</a:t>
+              <a:t>2012/11/29</a:t>
             </a:fld>
             <a:endParaRPr lang="zh-CN" altLang="en-US"/>
           </a:p>
@@ -1077,7 +1077,7 @@
           <a:p>
             <a:fld id="{E5597832-151A-49D8-9558-88424A6B8A4E}" type="datetimeFigureOut">
               <a:rPr lang="zh-CN" altLang="en-US" smtClean="0"/>
-              <a:t>2012/11/18</a:t>
+              <a:t>2012/11/29</a:t>
             </a:fld>
             <a:endParaRPr lang="zh-CN" altLang="en-US"/>
           </a:p>
@@ -1365,7 +1365,7 @@
           <a:p>
             <a:fld id="{E5597832-151A-49D8-9558-88424A6B8A4E}" type="datetimeFigureOut">
               <a:rPr lang="zh-CN" altLang="en-US" smtClean="0"/>
-              <a:t>2012/11/18</a:t>
+              <a:t>2012/11/29</a:t>
             </a:fld>
             <a:endParaRPr lang="zh-CN" altLang="en-US"/>
           </a:p>
@@ -1787,7 +1787,7 @@
           <a:p>
             <a:fld id="{E5597832-151A-49D8-9558-88424A6B8A4E}" type="datetimeFigureOut">
               <a:rPr lang="zh-CN" altLang="en-US" smtClean="0"/>
-              <a:t>2012/11/18</a:t>
+              <a:t>2012/11/29</a:t>
             </a:fld>
             <a:endParaRPr lang="zh-CN" altLang="en-US"/>
           </a:p>
@@ -1905,7 +1905,7 @@
           <a:p>
             <a:fld id="{E5597832-151A-49D8-9558-88424A6B8A4E}" type="datetimeFigureOut">
               <a:rPr lang="zh-CN" altLang="en-US" smtClean="0"/>
-              <a:t>2012/11/18</a:t>
+              <a:t>2012/11/29</a:t>
             </a:fld>
             <a:endParaRPr lang="zh-CN" altLang="en-US"/>
           </a:p>
@@ -2000,7 +2000,7 @@
           <a:p>
             <a:fld id="{E5597832-151A-49D8-9558-88424A6B8A4E}" type="datetimeFigureOut">
               <a:rPr lang="zh-CN" altLang="en-US" smtClean="0"/>
-              <a:t>2012/11/18</a:t>
+              <a:t>2012/11/29</a:t>
             </a:fld>
             <a:endParaRPr lang="zh-CN" altLang="en-US"/>
           </a:p>
@@ -2277,7 +2277,7 @@
           <a:p>
             <a:fld id="{E5597832-151A-49D8-9558-88424A6B8A4E}" type="datetimeFigureOut">
               <a:rPr lang="zh-CN" altLang="en-US" smtClean="0"/>
-              <a:t>2012/11/18</a:t>
+              <a:t>2012/11/29</a:t>
             </a:fld>
             <a:endParaRPr lang="zh-CN" altLang="en-US"/>
           </a:p>
@@ -2530,7 +2530,7 @@
           <a:p>
             <a:fld id="{E5597832-151A-49D8-9558-88424A6B8A4E}" type="datetimeFigureOut">
               <a:rPr lang="zh-CN" altLang="en-US" smtClean="0"/>
-              <a:t>2012/11/18</a:t>
+              <a:t>2012/11/29</a:t>
             </a:fld>
             <a:endParaRPr lang="zh-CN" altLang="en-US"/>
           </a:p>
@@ -2743,7 +2743,7 @@
           <a:p>
             <a:fld id="{E5597832-151A-49D8-9558-88424A6B8A4E}" type="datetimeFigureOut">
               <a:rPr lang="zh-CN" altLang="en-US" smtClean="0"/>
-              <a:t>2012/11/18</a:t>
+              <a:t>2012/11/29</a:t>
             </a:fld>
             <a:endParaRPr lang="zh-CN" altLang="en-US"/>
           </a:p>
@@ -3465,14 +3465,14 @@
           <p:nvPr>
             <p:extLst>
               <p:ext uri="{D42A27DB-BD31-4B8C-83A1-F6EECF244321}">
-                <p14:modId xmlns:p14="http://schemas.microsoft.com/office/powerpoint/2010/main" val="290100340"/>
+                <p14:modId xmlns:p14="http://schemas.microsoft.com/office/powerpoint/2010/main" val="860229156"/>
               </p:ext>
             </p:extLst>
           </p:nvPr>
         </p:nvGraphicFramePr>
         <p:xfrm>
-          <a:off x="467544" y="3861048"/>
-          <a:ext cx="9001002" cy="3462784"/>
+          <a:off x="323528" y="4437112"/>
+          <a:ext cx="9001002" cy="3833624"/>
         </p:xfrm>
         <a:graphic>
           <a:graphicData uri="http://schemas.openxmlformats.org/drawingml/2006/table">
@@ -3580,6 +3580,88 @@
                     <a:bodyPr/>
                     <a:lstStyle/>
                     <a:p>
+                      <a:pPr marL="0" marR="0" indent="0" algn="l" defTabSz="914400" rtl="0" eaLnBrk="1" fontAlgn="auto" latinLnBrk="0" hangingPunct="1">
+                        <a:lnSpc>
+                          <a:spcPct val="100000"/>
+                        </a:lnSpc>
+                        <a:spcBef>
+                          <a:spcPts val="0"/>
+                        </a:spcBef>
+                        <a:spcAft>
+                          <a:spcPts val="0"/>
+                        </a:spcAft>
+                        <a:buClrTx/>
+                        <a:buSzTx/>
+                        <a:buFontTx/>
+                        <a:buNone/>
+                        <a:tabLst/>
+                        <a:defRPr/>
+                      </a:pPr>
+                      <a:r>
+                        <a:rPr lang="zh-CN" altLang="en-US" dirty="0" smtClean="0"/>
+                        <a:t>电能参数选择</a:t>
+                      </a:r>
+                    </a:p>
+                  </a:txBody>
+                  <a:tcPr/>
+                </a:tc>
+                <a:tc>
+                  <a:txBody>
+                    <a:bodyPr/>
+                    <a:lstStyle/>
+                    <a:p>
+                      <a:endParaRPr lang="zh-CN" altLang="en-US" dirty="0"/>
+                    </a:p>
+                  </a:txBody>
+                  <a:tcPr/>
+                </a:tc>
+                <a:tc>
+                  <a:txBody>
+                    <a:bodyPr/>
+                    <a:lstStyle/>
+                    <a:p>
+                      <a:endParaRPr lang="zh-CN" altLang="en-US" dirty="0"/>
+                    </a:p>
+                  </a:txBody>
+                  <a:tcPr/>
+                </a:tc>
+                <a:tc>
+                  <a:txBody>
+                    <a:bodyPr/>
+                    <a:lstStyle/>
+                    <a:p>
+                      <a:endParaRPr lang="zh-CN" altLang="en-US"/>
+                    </a:p>
+                  </a:txBody>
+                  <a:tcPr/>
+                </a:tc>
+                <a:tc>
+                  <a:txBody>
+                    <a:bodyPr/>
+                    <a:lstStyle/>
+                    <a:p>
+                      <a:endParaRPr lang="zh-CN" altLang="en-US"/>
+                    </a:p>
+                  </a:txBody>
+                  <a:tcPr/>
+                </a:tc>
+                <a:tc>
+                  <a:txBody>
+                    <a:bodyPr/>
+                    <a:lstStyle/>
+                    <a:p>
+                      <a:endParaRPr lang="zh-CN" altLang="en-US" dirty="0"/>
+                    </a:p>
+                  </a:txBody>
+                  <a:tcPr/>
+                </a:tc>
+              </a:tr>
+              <a:tr h="370840">
+                <a:tc>
+                  <a:txBody>
+                    <a:bodyPr/>
+                    <a:lstStyle/>
+                    <a:p>
                       <a:r>
                         <a:rPr lang="zh-CN" altLang="en-US" dirty="0" smtClean="0"/>
                         <a:t>瞬时视在功率</a:t>
@@ -3990,7 +4072,7 @@
                     <a:bodyPr/>
                     <a:lstStyle/>
                     <a:p>
-                      <a:endParaRPr lang="zh-CN" altLang="en-US"/>
+                      <a:endParaRPr lang="zh-CN" altLang="en-US" dirty="0"/>
                     </a:p>
                   </a:txBody>
                   <a:tcPr/>
@@ -4042,10 +4124,6 @@
                     <a:bodyPr/>
                     <a:lstStyle/>
                     <a:p>
-                      <a:r>
-                        <a:rPr lang="zh-CN" altLang="en-US" dirty="0" smtClean="0"/>
-                        <a:t>电能参数</a:t>
-                      </a:r>
                       <a:endParaRPr lang="zh-CN" altLang="en-US" dirty="0"/>
                     </a:p>
                   </a:txBody>
@@ -4056,7 +4134,7 @@
                     <a:bodyPr/>
                     <a:lstStyle/>
                     <a:p>
-                      <a:endParaRPr lang="zh-CN" altLang="en-US"/>
+                      <a:endParaRPr lang="zh-CN" altLang="en-US" dirty="0"/>
                     </a:p>
                   </a:txBody>
                   <a:tcPr/>
@@ -4219,13 +4297,13 @@
           <p:nvPr>
             <p:extLst>
               <p:ext uri="{D42A27DB-BD31-4B8C-83A1-F6EECF244321}">
-                <p14:modId xmlns:p14="http://schemas.microsoft.com/office/powerpoint/2010/main" val="1911534414"/>
+                <p14:modId xmlns:p14="http://schemas.microsoft.com/office/powerpoint/2010/main" val="1769376598"/>
               </p:ext>
             </p:extLst>
           </p:nvPr>
         </p:nvGraphicFramePr>
         <p:xfrm>
-          <a:off x="-612576" y="4644376"/>
+          <a:off x="-612576" y="4797152"/>
           <a:ext cx="10225134" cy="2225040"/>
         </p:xfrm>
         <a:graphic>
@@ -4334,7 +4412,7 @@
                     <a:bodyPr/>
                     <a:lstStyle/>
                     <a:p>
-                      <a:endParaRPr lang="zh-CN" altLang="en-US"/>
+                      <a:endParaRPr lang="zh-CN" altLang="en-US" dirty="0"/>
                     </a:p>
                   </a:txBody>
                   <a:tcPr/>
@@ -7454,7 +7532,7 @@
           <a:graphicData uri="http://schemas.openxmlformats.org/presentationml/2006/ole">
             <mc:AlternateContent xmlns:mc="http://schemas.openxmlformats.org/markup-compatibility/2006">
               <mc:Choice xmlns:v="urn:schemas-microsoft-com:vml" Requires="v">
-                <p:oleObj spid="_x0000_s1105" name="Visio" r:id="rId3" imgW="6645240" imgH="5571047" progId="Visio.Drawing.11">
+                <p:oleObj spid="_x0000_s1111" name="Visio" r:id="rId3" imgW="6645240" imgH="5571047" progId="Visio.Drawing.11">
                   <p:embed/>
                 </p:oleObj>
               </mc:Choice>
@@ -7541,6 +7619,18 @@
           <a:bodyPr/>
           <a:lstStyle/>
           <a:p>
+            <a:r>
+              <a:rPr lang="zh-CN" altLang="en-US" dirty="0" smtClean="0"/>
+              <a:t>不满足要求的</a:t>
+            </a:r>
+            <a:r>
+              <a:rPr lang="en-US" altLang="zh-CN" dirty="0" smtClean="0"/>
+              <a:t>UI</a:t>
+            </a:r>
+            <a:r>
+              <a:rPr lang="zh-CN" altLang="en-US" dirty="0" smtClean="0"/>
+              <a:t>设计</a:t>
+            </a:r>
             <a:endParaRPr lang="zh-CN" altLang="en-US" dirty="0"/>
           </a:p>
         </p:txBody>
@@ -7709,7 +7799,7 @@
           <a:p>
             <a:r>
               <a:rPr lang="zh-CN" altLang="en-US" dirty="0" smtClean="0"/>
-              <a:t>属性修改界面：</a:t>
+              <a:t>属性修改界面</a:t>
             </a:r>
             <a:endParaRPr lang="en-US" altLang="zh-CN" dirty="0" smtClean="0"/>
           </a:p>
@@ -9063,7 +9153,7 @@
         <a:sysClr val="windowText" lastClr="000000"/>
       </a:dk1>
       <a:lt1>
-        <a:sysClr val="window" lastClr="FFFFFF"/>
+        <a:sysClr val="window" lastClr="CCE8CF"/>
       </a:lt1>
       <a:dk2>
         <a:srgbClr val="1F497D"/>

--- a/设计文档/智能电力测试系统软件设计.pptx
+++ b/设计文档/智能电力测试系统软件设计.pptx
@@ -14,21 +14,24 @@
     <p:sldId id="276" r:id="rId8"/>
     <p:sldId id="277" r:id="rId9"/>
     <p:sldId id="278" r:id="rId10"/>
-    <p:sldId id="286" r:id="rId11"/>
-    <p:sldId id="279" r:id="rId12"/>
-    <p:sldId id="285" r:id="rId13"/>
-    <p:sldId id="280" r:id="rId14"/>
-    <p:sldId id="260" r:id="rId15"/>
-    <p:sldId id="266" r:id="rId16"/>
-    <p:sldId id="267" r:id="rId17"/>
-    <p:sldId id="283" r:id="rId18"/>
-    <p:sldId id="268" r:id="rId19"/>
-    <p:sldId id="273" r:id="rId20"/>
-    <p:sldId id="274" r:id="rId21"/>
-    <p:sldId id="281" r:id="rId22"/>
-    <p:sldId id="282" r:id="rId23"/>
-    <p:sldId id="284" r:id="rId24"/>
-    <p:sldId id="262" r:id="rId25"/>
+    <p:sldId id="287" r:id="rId11"/>
+    <p:sldId id="286" r:id="rId12"/>
+    <p:sldId id="279" r:id="rId13"/>
+    <p:sldId id="285" r:id="rId14"/>
+    <p:sldId id="280" r:id="rId15"/>
+    <p:sldId id="260" r:id="rId16"/>
+    <p:sldId id="266" r:id="rId17"/>
+    <p:sldId id="267" r:id="rId18"/>
+    <p:sldId id="283" r:id="rId19"/>
+    <p:sldId id="268" r:id="rId20"/>
+    <p:sldId id="273" r:id="rId21"/>
+    <p:sldId id="274" r:id="rId22"/>
+    <p:sldId id="281" r:id="rId23"/>
+    <p:sldId id="282" r:id="rId24"/>
+    <p:sldId id="288" r:id="rId25"/>
+    <p:sldId id="289" r:id="rId26"/>
+    <p:sldId id="284" r:id="rId27"/>
+    <p:sldId id="262" r:id="rId28"/>
   </p:sldIdLst>
   <p:sldSz cx="9144000" cy="6858000" type="screen4x3"/>
   <p:notesSz cx="6858000" cy="9144000"/>
@@ -311,7 +314,7 @@
           <a:p>
             <a:fld id="{E5597832-151A-49D8-9558-88424A6B8A4E}" type="datetimeFigureOut">
               <a:rPr lang="zh-CN" altLang="en-US" smtClean="0"/>
-              <a:t>2012/11/29</a:t>
+              <a:t>2012/12/12</a:t>
             </a:fld>
             <a:endParaRPr lang="zh-CN" altLang="en-US"/>
           </a:p>
@@ -481,7 +484,7 @@
           <a:p>
             <a:fld id="{E5597832-151A-49D8-9558-88424A6B8A4E}" type="datetimeFigureOut">
               <a:rPr lang="zh-CN" altLang="en-US" smtClean="0"/>
-              <a:t>2012/11/29</a:t>
+              <a:t>2012/12/12</a:t>
             </a:fld>
             <a:endParaRPr lang="zh-CN" altLang="en-US"/>
           </a:p>
@@ -661,7 +664,7 @@
           <a:p>
             <a:fld id="{E5597832-151A-49D8-9558-88424A6B8A4E}" type="datetimeFigureOut">
               <a:rPr lang="zh-CN" altLang="en-US" smtClean="0"/>
-              <a:t>2012/11/29</a:t>
+              <a:t>2012/12/12</a:t>
             </a:fld>
             <a:endParaRPr lang="zh-CN" altLang="en-US"/>
           </a:p>
@@ -831,7 +834,7 @@
           <a:p>
             <a:fld id="{E5597832-151A-49D8-9558-88424A6B8A4E}" type="datetimeFigureOut">
               <a:rPr lang="zh-CN" altLang="en-US" smtClean="0"/>
-              <a:t>2012/11/29</a:t>
+              <a:t>2012/12/12</a:t>
             </a:fld>
             <a:endParaRPr lang="zh-CN" altLang="en-US"/>
           </a:p>
@@ -1077,7 +1080,7 @@
           <a:p>
             <a:fld id="{E5597832-151A-49D8-9558-88424A6B8A4E}" type="datetimeFigureOut">
               <a:rPr lang="zh-CN" altLang="en-US" smtClean="0"/>
-              <a:t>2012/11/29</a:t>
+              <a:t>2012/12/12</a:t>
             </a:fld>
             <a:endParaRPr lang="zh-CN" altLang="en-US"/>
           </a:p>
@@ -1365,7 +1368,7 @@
           <a:p>
             <a:fld id="{E5597832-151A-49D8-9558-88424A6B8A4E}" type="datetimeFigureOut">
               <a:rPr lang="zh-CN" altLang="en-US" smtClean="0"/>
-              <a:t>2012/11/29</a:t>
+              <a:t>2012/12/12</a:t>
             </a:fld>
             <a:endParaRPr lang="zh-CN" altLang="en-US"/>
           </a:p>
@@ -1787,7 +1790,7 @@
           <a:p>
             <a:fld id="{E5597832-151A-49D8-9558-88424A6B8A4E}" type="datetimeFigureOut">
               <a:rPr lang="zh-CN" altLang="en-US" smtClean="0"/>
-              <a:t>2012/11/29</a:t>
+              <a:t>2012/12/12</a:t>
             </a:fld>
             <a:endParaRPr lang="zh-CN" altLang="en-US"/>
           </a:p>
@@ -1905,7 +1908,7 @@
           <a:p>
             <a:fld id="{E5597832-151A-49D8-9558-88424A6B8A4E}" type="datetimeFigureOut">
               <a:rPr lang="zh-CN" altLang="en-US" smtClean="0"/>
-              <a:t>2012/11/29</a:t>
+              <a:t>2012/12/12</a:t>
             </a:fld>
             <a:endParaRPr lang="zh-CN" altLang="en-US"/>
           </a:p>
@@ -2000,7 +2003,7 @@
           <a:p>
             <a:fld id="{E5597832-151A-49D8-9558-88424A6B8A4E}" type="datetimeFigureOut">
               <a:rPr lang="zh-CN" altLang="en-US" smtClean="0"/>
-              <a:t>2012/11/29</a:t>
+              <a:t>2012/12/12</a:t>
             </a:fld>
             <a:endParaRPr lang="zh-CN" altLang="en-US"/>
           </a:p>
@@ -2277,7 +2280,7 @@
           <a:p>
             <a:fld id="{E5597832-151A-49D8-9558-88424A6B8A4E}" type="datetimeFigureOut">
               <a:rPr lang="zh-CN" altLang="en-US" smtClean="0"/>
-              <a:t>2012/11/29</a:t>
+              <a:t>2012/12/12</a:t>
             </a:fld>
             <a:endParaRPr lang="zh-CN" altLang="en-US"/>
           </a:p>
@@ -2530,7 +2533,7 @@
           <a:p>
             <a:fld id="{E5597832-151A-49D8-9558-88424A6B8A4E}" type="datetimeFigureOut">
               <a:rPr lang="zh-CN" altLang="en-US" smtClean="0"/>
-              <a:t>2012/11/29</a:t>
+              <a:t>2012/12/12</a:t>
             </a:fld>
             <a:endParaRPr lang="zh-CN" altLang="en-US"/>
           </a:p>
@@ -2743,7 +2746,7 @@
           <a:p>
             <a:fld id="{E5597832-151A-49D8-9558-88424A6B8A4E}" type="datetimeFigureOut">
               <a:rPr lang="zh-CN" altLang="en-US" smtClean="0"/>
-              <a:t>2012/11/29</a:t>
+              <a:t>2012/12/12</a:t>
             </a:fld>
             <a:endParaRPr lang="zh-CN" altLang="en-US"/>
           </a:p>
@@ -3239,118 +3242,75 @@
           <a:bodyPr/>
           <a:lstStyle/>
           <a:p>
-            <a:pPr marL="0" indent="0">
-              <a:buNone/>
-            </a:pPr>
-            <a:r>
-              <a:rPr lang="zh-CN" altLang="en-US" dirty="0" smtClean="0"/>
-              <a:t>外部接口</a:t>
-            </a:r>
-            <a:endParaRPr lang="en-US" altLang="zh-CN" dirty="0" smtClean="0"/>
-          </a:p>
-          <a:p>
-            <a:r>
-              <a:rPr lang="zh-CN" altLang="en-US" dirty="0"/>
-              <a:t>用户</a:t>
-            </a:r>
-            <a:r>
-              <a:rPr lang="zh-CN" altLang="en-US" dirty="0" smtClean="0"/>
-              <a:t>接口</a:t>
-            </a:r>
-            <a:endParaRPr lang="en-US" altLang="zh-CN" dirty="0" smtClean="0"/>
-          </a:p>
-          <a:p>
-            <a:pPr lvl="1"/>
-            <a:r>
-              <a:rPr lang="en-US" altLang="zh-CN" dirty="0" smtClean="0"/>
-              <a:t>UI</a:t>
-            </a:r>
-            <a:r>
-              <a:rPr lang="zh-CN" altLang="en-US" dirty="0" smtClean="0"/>
-              <a:t>：</a:t>
-            </a:r>
-            <a:r>
-              <a:rPr lang="en-US" altLang="zh-CN" dirty="0" smtClean="0"/>
-              <a:t>Button</a:t>
-            </a:r>
-            <a:r>
-              <a:rPr lang="zh-CN" altLang="en-US" dirty="0" smtClean="0"/>
-              <a:t>、</a:t>
-            </a:r>
-            <a:r>
-              <a:rPr lang="en-US" altLang="zh-CN" dirty="0" smtClean="0"/>
-              <a:t>Control</a:t>
-            </a:r>
-            <a:r>
-              <a:rPr lang="zh-CN" altLang="en-US" dirty="0" smtClean="0"/>
-              <a:t>和</a:t>
-            </a:r>
-            <a:r>
-              <a:rPr lang="en-US" altLang="zh-CN" dirty="0" smtClean="0"/>
-              <a:t>Graph</a:t>
-            </a:r>
-          </a:p>
-          <a:p>
-            <a:r>
-              <a:rPr lang="zh-CN" altLang="en-US" dirty="0" smtClean="0"/>
-              <a:t>通信接口（</a:t>
-            </a:r>
-            <a:r>
-              <a:rPr lang="en-US" altLang="zh-CN" dirty="0" smtClean="0"/>
-              <a:t>2</a:t>
-            </a:r>
-            <a:r>
-              <a:rPr lang="zh-CN" altLang="en-US" dirty="0" smtClean="0"/>
-              <a:t>选</a:t>
-            </a:r>
-            <a:r>
-              <a:rPr lang="en-US" altLang="zh-CN" dirty="0" smtClean="0"/>
-              <a:t>1</a:t>
-            </a:r>
-            <a:r>
-              <a:rPr lang="zh-CN" altLang="en-US" dirty="0" smtClean="0"/>
-              <a:t>）</a:t>
-            </a:r>
-            <a:endParaRPr lang="en-US" altLang="zh-CN" dirty="0" smtClean="0"/>
-          </a:p>
-          <a:p>
-            <a:pPr lvl="1"/>
-            <a:r>
-              <a:rPr lang="en-US" altLang="zh-CN" dirty="0" smtClean="0"/>
-              <a:t>485</a:t>
-            </a:r>
-            <a:r>
-              <a:rPr lang="zh-CN" altLang="en-US" dirty="0" smtClean="0"/>
-              <a:t>串口总线：标准串口通信</a:t>
-            </a:r>
-            <a:endParaRPr lang="en-US" altLang="zh-CN" dirty="0" smtClean="0"/>
-          </a:p>
-          <a:p>
-            <a:pPr lvl="1"/>
-            <a:r>
-              <a:rPr lang="en-US" altLang="zh-CN" dirty="0" err="1" smtClean="0"/>
-              <a:t>Zigbee</a:t>
-            </a:r>
-            <a:r>
-              <a:rPr lang="zh-CN" altLang="en-US" dirty="0" smtClean="0"/>
-              <a:t>无线通信接口：</a:t>
-            </a:r>
-            <a:r>
-              <a:rPr lang="en-US" altLang="zh-CN" dirty="0" smtClean="0"/>
-              <a:t>NI</a:t>
-            </a:r>
-            <a:r>
-              <a:rPr lang="zh-CN" altLang="en-US" dirty="0" smtClean="0"/>
-              <a:t>内置接口</a:t>
+            <a:r>
+              <a:rPr lang="zh-CN" altLang="en-US" dirty="0" smtClean="0"/>
+              <a:t>对应用例图</a:t>
             </a:r>
             <a:endParaRPr lang="zh-CN" altLang="en-US" dirty="0"/>
           </a:p>
         </p:txBody>
       </p:sp>
+      <p:graphicFrame>
+        <p:nvGraphicFramePr>
+          <p:cNvPr id="4" name="对象 3"/>
+          <p:cNvGraphicFramePr>
+            <a:graphicFrameLocks noChangeAspect="1"/>
+          </p:cNvGraphicFramePr>
+          <p:nvPr>
+            <p:extLst>
+              <p:ext uri="{D42A27DB-BD31-4B8C-83A1-F6EECF244321}">
+                <p14:modId xmlns:p14="http://schemas.microsoft.com/office/powerpoint/2010/main" val="1348915260"/>
+              </p:ext>
+            </p:extLst>
+          </p:nvPr>
+        </p:nvGraphicFramePr>
+        <p:xfrm>
+          <a:off x="395536" y="2276872"/>
+          <a:ext cx="8415338" cy="3638550"/>
+        </p:xfrm>
+        <a:graphic>
+          <a:graphicData uri="http://schemas.openxmlformats.org/presentationml/2006/ole">
+            <mc:AlternateContent xmlns:mc="http://schemas.openxmlformats.org/markup-compatibility/2006">
+              <mc:Choice xmlns:v="urn:schemas-microsoft-com:vml" Requires="v">
+                <p:oleObj spid="_x0000_s2091" name="Visio" r:id="rId3" imgW="8415090" imgH="3638191" progId="Visio.Drawing.11">
+                  <p:embed/>
+                </p:oleObj>
+              </mc:Choice>
+              <mc:Fallback>
+                <p:oleObj name="Visio" r:id="rId3" imgW="8415090" imgH="3638191" progId="Visio.Drawing.11">
+                  <p:embed/>
+                  <p:pic>
+                    <p:nvPicPr>
+                      <p:cNvPr id="0" name=""/>
+                      <p:cNvPicPr/>
+                      <p:nvPr/>
+                    </p:nvPicPr>
+                    <p:blipFill>
+                      <a:blip r:embed="rId4"/>
+                      <a:stretch>
+                        <a:fillRect/>
+                      </a:stretch>
+                    </p:blipFill>
+                    <p:spPr>
+                      <a:xfrm>
+                        <a:off x="395536" y="2276872"/>
+                        <a:ext cx="8415338" cy="3638550"/>
+                      </a:xfrm>
+                      <a:prstGeom prst="rect">
+                        <a:avLst/>
+                      </a:prstGeom>
+                    </p:spPr>
+                  </p:pic>
+                </p:oleObj>
+              </mc:Fallback>
+            </mc:AlternateContent>
+          </a:graphicData>
+        </a:graphic>
+      </p:graphicFrame>
     </p:spTree>
     <p:extLst>
       <p:ext uri="{BB962C8B-B14F-4D97-AF65-F5344CB8AC3E}">
-        <p14:creationId xmlns:p14="http://schemas.microsoft.com/office/powerpoint/2010/main" val="335108100"/>
+        <p14:creationId xmlns:p14="http://schemas.microsoft.com/office/powerpoint/2010/main" val="885754360"/>
       </p:ext>
     </p:extLst>
   </p:cSld>
@@ -3400,6 +3360,189 @@
           <a:lstStyle/>
           <a:p>
             <a:r>
+              <a:rPr lang="zh-CN" altLang="en-US" dirty="0" smtClean="0"/>
+              <a:t>需求分析</a:t>
+            </a:r>
+            <a:endParaRPr lang="zh-CN" altLang="en-US" dirty="0"/>
+          </a:p>
+        </p:txBody>
+      </p:sp>
+      <p:sp>
+        <p:nvSpPr>
+          <p:cNvPr id="3" name="内容占位符 2"/>
+          <p:cNvSpPr>
+            <a:spLocks noGrp="1"/>
+          </p:cNvSpPr>
+          <p:nvPr>
+            <p:ph idx="1"/>
+          </p:nvPr>
+        </p:nvSpPr>
+        <p:spPr/>
+        <p:txBody>
+          <a:bodyPr/>
+          <a:lstStyle/>
+          <a:p>
+            <a:pPr marL="0" indent="0">
+              <a:buNone/>
+            </a:pPr>
+            <a:r>
+              <a:rPr lang="zh-CN" altLang="en-US" dirty="0" smtClean="0"/>
+              <a:t>外部接口</a:t>
+            </a:r>
+            <a:endParaRPr lang="en-US" altLang="zh-CN" dirty="0" smtClean="0"/>
+          </a:p>
+          <a:p>
+            <a:r>
+              <a:rPr lang="zh-CN" altLang="en-US" dirty="0"/>
+              <a:t>用户</a:t>
+            </a:r>
+            <a:r>
+              <a:rPr lang="zh-CN" altLang="en-US" dirty="0" smtClean="0"/>
+              <a:t>接口</a:t>
+            </a:r>
+            <a:endParaRPr lang="en-US" altLang="zh-CN" dirty="0" smtClean="0"/>
+          </a:p>
+          <a:p>
+            <a:pPr lvl="1"/>
+            <a:r>
+              <a:rPr lang="en-US" altLang="zh-CN" dirty="0" smtClean="0"/>
+              <a:t>UI</a:t>
+            </a:r>
+            <a:r>
+              <a:rPr lang="zh-CN" altLang="en-US" dirty="0" smtClean="0"/>
+              <a:t>：</a:t>
+            </a:r>
+            <a:r>
+              <a:rPr lang="en-US" altLang="zh-CN" dirty="0" smtClean="0"/>
+              <a:t>Button</a:t>
+            </a:r>
+            <a:r>
+              <a:rPr lang="zh-CN" altLang="en-US" dirty="0" smtClean="0"/>
+              <a:t>、</a:t>
+            </a:r>
+            <a:r>
+              <a:rPr lang="en-US" altLang="zh-CN" dirty="0" smtClean="0"/>
+              <a:t>Control</a:t>
+            </a:r>
+            <a:r>
+              <a:rPr lang="zh-CN" altLang="en-US" dirty="0" smtClean="0"/>
+              <a:t>和</a:t>
+            </a:r>
+            <a:r>
+              <a:rPr lang="en-US" altLang="zh-CN" dirty="0" smtClean="0"/>
+              <a:t>Graph</a:t>
+            </a:r>
+          </a:p>
+          <a:p>
+            <a:r>
+              <a:rPr lang="zh-CN" altLang="en-US" dirty="0" smtClean="0"/>
+              <a:t>通信接口（</a:t>
+            </a:r>
+            <a:r>
+              <a:rPr lang="en-US" altLang="zh-CN" dirty="0" smtClean="0"/>
+              <a:t>2</a:t>
+            </a:r>
+            <a:r>
+              <a:rPr lang="zh-CN" altLang="en-US" dirty="0" smtClean="0"/>
+              <a:t>选</a:t>
+            </a:r>
+            <a:r>
+              <a:rPr lang="en-US" altLang="zh-CN" dirty="0" smtClean="0"/>
+              <a:t>1</a:t>
+            </a:r>
+            <a:r>
+              <a:rPr lang="zh-CN" altLang="en-US" dirty="0" smtClean="0"/>
+              <a:t>）</a:t>
+            </a:r>
+            <a:endParaRPr lang="en-US" altLang="zh-CN" dirty="0" smtClean="0"/>
+          </a:p>
+          <a:p>
+            <a:pPr lvl="1"/>
+            <a:r>
+              <a:rPr lang="en-US" altLang="zh-CN" dirty="0" smtClean="0"/>
+              <a:t>485</a:t>
+            </a:r>
+            <a:r>
+              <a:rPr lang="zh-CN" altLang="en-US" dirty="0" smtClean="0"/>
+              <a:t>串口总线：标准串口通信</a:t>
+            </a:r>
+            <a:endParaRPr lang="en-US" altLang="zh-CN" dirty="0" smtClean="0"/>
+          </a:p>
+          <a:p>
+            <a:pPr lvl="1"/>
+            <a:r>
+              <a:rPr lang="en-US" altLang="zh-CN" dirty="0" err="1" smtClean="0"/>
+              <a:t>Zigbee</a:t>
+            </a:r>
+            <a:r>
+              <a:rPr lang="zh-CN" altLang="en-US" dirty="0" smtClean="0"/>
+              <a:t>无线通信接口：</a:t>
+            </a:r>
+            <a:r>
+              <a:rPr lang="en-US" altLang="zh-CN" dirty="0" smtClean="0"/>
+              <a:t>NI</a:t>
+            </a:r>
+            <a:r>
+              <a:rPr lang="zh-CN" altLang="en-US" dirty="0" smtClean="0"/>
+              <a:t>内置接口</a:t>
+            </a:r>
+            <a:endParaRPr lang="zh-CN" altLang="en-US" dirty="0"/>
+          </a:p>
+        </p:txBody>
+      </p:sp>
+    </p:spTree>
+    <p:extLst>
+      <p:ext uri="{BB962C8B-B14F-4D97-AF65-F5344CB8AC3E}">
+        <p14:creationId xmlns:p14="http://schemas.microsoft.com/office/powerpoint/2010/main" val="335108100"/>
+      </p:ext>
+    </p:extLst>
+  </p:cSld>
+  <p:clrMapOvr>
+    <a:masterClrMapping/>
+  </p:clrMapOvr>
+  <p:timing>
+    <p:tnLst>
+      <p:par>
+        <p:cTn id="1" dur="indefinite" restart="never" nodeType="tmRoot"/>
+      </p:par>
+    </p:tnLst>
+  </p:timing>
+</p:sld>
+</file>
+
+<file path=ppt/slides/slide12.xml><?xml version="1.0" encoding="utf-8"?>
+<p:sld xmlns:a="http://schemas.openxmlformats.org/drawingml/2006/main" xmlns:r="http://schemas.openxmlformats.org/officeDocument/2006/relationships" xmlns:p="http://schemas.openxmlformats.org/presentationml/2006/main">
+  <p:cSld>
+    <p:spTree>
+      <p:nvGrpSpPr>
+        <p:cNvPr id="1" name=""/>
+        <p:cNvGrpSpPr/>
+        <p:nvPr/>
+      </p:nvGrpSpPr>
+      <p:grpSpPr>
+        <a:xfrm>
+          <a:off x="0" y="0"/>
+          <a:ext cx="0" cy="0"/>
+          <a:chOff x="0" y="0"/>
+          <a:chExt cx="0" cy="0"/>
+        </a:xfrm>
+      </p:grpSpPr>
+      <p:sp>
+        <p:nvSpPr>
+          <p:cNvPr id="2" name="标题 1"/>
+          <p:cNvSpPr>
+            <a:spLocks noGrp="1"/>
+          </p:cNvSpPr>
+          <p:nvPr>
+            <p:ph type="title"/>
+          </p:nvPr>
+        </p:nvSpPr>
+        <p:spPr/>
+        <p:txBody>
+          <a:bodyPr/>
+          <a:lstStyle/>
+          <a:p>
+            <a:r>
               <a:rPr lang="zh-CN" altLang="en-US" dirty="0"/>
               <a:t>需求分析</a:t>
             </a:r>
@@ -3428,31 +3571,13 @@
             </a:pPr>
             <a:r>
               <a:rPr lang="zh-CN" altLang="en-US" dirty="0" smtClean="0"/>
-              <a:t>输入：</a:t>
+              <a:t>输入</a:t>
+            </a:r>
+            <a:r>
+              <a:rPr lang="zh-CN" altLang="en-US" dirty="0" smtClean="0"/>
+              <a:t>：</a:t>
             </a:r>
             <a:endParaRPr lang="en-US" altLang="zh-CN" dirty="0" smtClean="0"/>
-          </a:p>
-          <a:p>
-            <a:r>
-              <a:rPr lang="zh-CN" altLang="en-US" dirty="0"/>
-              <a:t>瞬时视在功率；时间序列；温湿度等环境信息；电价模型</a:t>
-            </a:r>
-            <a:r>
-              <a:rPr lang="zh-CN" altLang="en-US" dirty="0" smtClean="0"/>
-              <a:t>；</a:t>
-            </a:r>
-            <a:endParaRPr lang="en-US" altLang="zh-CN" dirty="0" smtClean="0"/>
-          </a:p>
-          <a:p>
-            <a:r>
-              <a:rPr lang="zh-CN" altLang="en-US" dirty="0"/>
-              <a:t>网络结构（节点选择等）；电压、功耗等电能参数</a:t>
-            </a:r>
-            <a:r>
-              <a:rPr lang="zh-CN" altLang="en-US" dirty="0" smtClean="0"/>
-              <a:t>；</a:t>
-            </a:r>
-            <a:endParaRPr lang="en-US" altLang="zh-CN" dirty="0"/>
           </a:p>
         </p:txBody>
       </p:sp>
@@ -3465,14 +3590,14 @@
           <p:nvPr>
             <p:extLst>
               <p:ext uri="{D42A27DB-BD31-4B8C-83A1-F6EECF244321}">
-                <p14:modId xmlns:p14="http://schemas.microsoft.com/office/powerpoint/2010/main" val="860229156"/>
+                <p14:modId xmlns:p14="http://schemas.microsoft.com/office/powerpoint/2010/main" val="3760548694"/>
               </p:ext>
             </p:extLst>
           </p:nvPr>
         </p:nvGraphicFramePr>
         <p:xfrm>
-          <a:off x="323528" y="4437112"/>
-          <a:ext cx="9001002" cy="3833624"/>
+          <a:off x="107504" y="2414488"/>
+          <a:ext cx="9001002" cy="3462784"/>
         </p:xfrm>
         <a:graphic>
           <a:graphicData uri="http://schemas.openxmlformats.org/drawingml/2006/table">
@@ -3482,9 +3607,9 @@
               </a:tblPr>
               <a:tblGrid>
                 <a:gridCol w="1728192"/>
-                <a:gridCol w="1272142"/>
-                <a:gridCol w="1500167"/>
-                <a:gridCol w="1500167"/>
+                <a:gridCol w="2052738"/>
+                <a:gridCol w="864096"/>
+                <a:gridCol w="1355642"/>
                 <a:gridCol w="1500167"/>
                 <a:gridCol w="1500167"/>
               </a:tblGrid>
@@ -3610,6 +3735,10 @@
                     <a:bodyPr/>
                     <a:lstStyle/>
                     <a:p>
+                      <a:r>
+                        <a:rPr lang="zh-CN" altLang="en-US" dirty="0" smtClean="0"/>
+                        <a:t>用户</a:t>
+                      </a:r>
                       <a:endParaRPr lang="zh-CN" altLang="en-US" dirty="0"/>
                     </a:p>
                   </a:txBody>
@@ -3676,6 +3805,10 @@
                     <a:bodyPr/>
                     <a:lstStyle/>
                     <a:p>
+                      <a:r>
+                        <a:rPr lang="zh-CN" altLang="en-US" dirty="0" smtClean="0"/>
+                        <a:t>智能电表（节点）</a:t>
+                      </a:r>
                       <a:endParaRPr lang="zh-CN" altLang="en-US" dirty="0"/>
                     </a:p>
                   </a:txBody>
@@ -3696,7 +3829,7 @@
                     <a:bodyPr/>
                     <a:lstStyle/>
                     <a:p>
-                      <a:endParaRPr lang="zh-CN" altLang="en-US"/>
+                      <a:endParaRPr lang="zh-CN" altLang="en-US" dirty="0"/>
                     </a:p>
                   </a:txBody>
                   <a:tcPr/>
@@ -3762,7 +3895,7 @@
                     <a:bodyPr/>
                     <a:lstStyle/>
                     <a:p>
-                      <a:endParaRPr lang="zh-CN" altLang="en-US"/>
+                      <a:endParaRPr lang="zh-CN" altLang="en-US" dirty="0"/>
                     </a:p>
                   </a:txBody>
                   <a:tcPr/>
@@ -3797,6 +3930,20 @@
                       <a:r>
                         <a:rPr lang="zh-CN" altLang="en-US" dirty="0" smtClean="0"/>
                         <a:t>温湿度</a:t>
+                      </a:r>
+                      <a:endParaRPr lang="zh-CN" altLang="en-US" dirty="0"/>
+                    </a:p>
+                  </a:txBody>
+                  <a:tcPr/>
+                </a:tc>
+                <a:tc>
+                  <a:txBody>
+                    <a:bodyPr/>
+                    <a:lstStyle/>
+                    <a:p>
+                      <a:r>
+                        <a:rPr lang="zh-CN" altLang="en-US" dirty="0" smtClean="0"/>
+                        <a:t>温湿度传感器</a:t>
                       </a:r>
                       <a:endParaRPr lang="zh-CN" altLang="en-US" dirty="0"/>
                     </a:p>
@@ -3843,16 +3990,6 @@
                   </a:txBody>
                   <a:tcPr/>
                 </a:tc>
-                <a:tc>
-                  <a:txBody>
-                    <a:bodyPr/>
-                    <a:lstStyle/>
-                    <a:p>
-                      <a:endParaRPr lang="zh-CN" altLang="en-US"/>
-                    </a:p>
-                  </a:txBody>
-                  <a:tcPr/>
-                </a:tc>
               </a:tr>
               <a:tr h="370840">
                 <a:tc>
@@ -3874,61 +4011,9 @@
                     <a:bodyPr/>
                     <a:lstStyle/>
                     <a:p>
-                      <a:endParaRPr lang="zh-CN" altLang="en-US" dirty="0"/>
-                    </a:p>
-                  </a:txBody>
-                  <a:tcPr/>
-                </a:tc>
-                <a:tc>
-                  <a:txBody>
-                    <a:bodyPr/>
-                    <a:lstStyle/>
-                    <a:p>
-                      <a:endParaRPr lang="zh-CN" altLang="en-US" dirty="0"/>
-                    </a:p>
-                  </a:txBody>
-                  <a:tcPr/>
-                </a:tc>
-                <a:tc>
-                  <a:txBody>
-                    <a:bodyPr/>
-                    <a:lstStyle/>
-                    <a:p>
-                      <a:endParaRPr lang="zh-CN" altLang="en-US"/>
-                    </a:p>
-                  </a:txBody>
-                  <a:tcPr/>
-                </a:tc>
-                <a:tc>
-                  <a:txBody>
-                    <a:bodyPr/>
-                    <a:lstStyle/>
-                    <a:p>
-                      <a:endParaRPr lang="zh-CN" altLang="en-US"/>
-                    </a:p>
-                  </a:txBody>
-                  <a:tcPr/>
-                </a:tc>
-                <a:tc>
-                  <a:txBody>
-                    <a:bodyPr/>
-                    <a:lstStyle/>
-                    <a:p>
-                      <a:endParaRPr lang="zh-CN" altLang="en-US"/>
-                    </a:p>
-                  </a:txBody>
-                  <a:tcPr/>
-                </a:tc>
-              </a:tr>
-              <a:tr h="370840">
-                <a:tc>
-                  <a:txBody>
-                    <a:bodyPr/>
-                    <a:lstStyle/>
-                    <a:p>
                       <a:r>
                         <a:rPr lang="zh-CN" altLang="en-US" dirty="0" smtClean="0"/>
-                        <a:t>网络结构</a:t>
+                        <a:t>用户载入</a:t>
                       </a:r>
                       <a:endParaRPr lang="zh-CN" altLang="en-US" dirty="0"/>
                     </a:p>
@@ -3975,16 +4060,6 @@
                   </a:txBody>
                   <a:tcPr/>
                 </a:tc>
-                <a:tc>
-                  <a:txBody>
-                    <a:bodyPr/>
-                    <a:lstStyle/>
-                    <a:p>
-                      <a:endParaRPr lang="zh-CN" altLang="en-US" dirty="0"/>
-                    </a:p>
-                  </a:txBody>
-                  <a:tcPr/>
-                </a:tc>
               </a:tr>
               <a:tr h="370840">
                 <a:tc>
@@ -3994,7 +4069,7 @@
                     <a:p>
                       <a:r>
                         <a:rPr lang="zh-CN" altLang="en-US" dirty="0" smtClean="0"/>
-                        <a:t>电压</a:t>
+                        <a:t>网络结构</a:t>
                       </a:r>
                       <a:endParaRPr lang="zh-CN" altLang="en-US" dirty="0"/>
                     </a:p>
@@ -4006,72 +4081,10 @@
                     <a:bodyPr/>
                     <a:lstStyle/>
                     <a:p>
-                      <a:endParaRPr lang="zh-CN" altLang="en-US" dirty="0"/>
-                    </a:p>
-                  </a:txBody>
-                  <a:tcPr/>
-                </a:tc>
-                <a:tc>
-                  <a:txBody>
-                    <a:bodyPr/>
-                    <a:lstStyle/>
-                    <a:p>
-                      <a:endParaRPr lang="zh-CN" altLang="en-US" dirty="0"/>
-                    </a:p>
-                  </a:txBody>
-                  <a:tcPr/>
-                </a:tc>
-                <a:tc>
-                  <a:txBody>
-                    <a:bodyPr/>
-                    <a:lstStyle/>
-                    <a:p>
-                      <a:endParaRPr lang="zh-CN" altLang="en-US" dirty="0"/>
-                    </a:p>
-                  </a:txBody>
-                  <a:tcPr/>
-                </a:tc>
-                <a:tc>
-                  <a:txBody>
-                    <a:bodyPr/>
-                    <a:lstStyle/>
-                    <a:p>
-                      <a:endParaRPr lang="zh-CN" altLang="en-US"/>
-                    </a:p>
-                  </a:txBody>
-                  <a:tcPr/>
-                </a:tc>
-                <a:tc>
-                  <a:txBody>
-                    <a:bodyPr/>
-                    <a:lstStyle/>
-                    <a:p>
-                      <a:endParaRPr lang="zh-CN" altLang="en-US" dirty="0"/>
-                    </a:p>
-                  </a:txBody>
-                  <a:tcPr/>
-                </a:tc>
-              </a:tr>
-              <a:tr h="370840">
-                <a:tc>
-                  <a:txBody>
-                    <a:bodyPr/>
-                    <a:lstStyle/>
-                    <a:p>
                       <a:r>
                         <a:rPr lang="zh-CN" altLang="en-US" dirty="0" smtClean="0"/>
-                        <a:t>功耗</a:t>
+                        <a:t>节点</a:t>
                       </a:r>
-                      <a:endParaRPr lang="zh-CN" altLang="en-US" dirty="0"/>
-                    </a:p>
-                  </a:txBody>
-                  <a:tcPr/>
-                </a:tc>
-                <a:tc>
-                  <a:txBody>
-                    <a:bodyPr/>
-                    <a:lstStyle/>
-                    <a:p>
                       <a:endParaRPr lang="zh-CN" altLang="en-US" dirty="0"/>
                     </a:p>
                   </a:txBody>
@@ -4124,6 +4137,50 @@
                     <a:bodyPr/>
                     <a:lstStyle/>
                     <a:p>
+                      <a:r>
+                        <a:rPr lang="zh-CN" altLang="en-US" dirty="0" smtClean="0"/>
+                        <a:t>电压</a:t>
+                      </a:r>
+                      <a:endParaRPr lang="zh-CN" altLang="en-US" dirty="0"/>
+                    </a:p>
+                  </a:txBody>
+                  <a:tcPr/>
+                </a:tc>
+                <a:tc>
+                  <a:txBody>
+                    <a:bodyPr/>
+                    <a:lstStyle/>
+                    <a:p>
+                      <a:pPr marL="0" marR="0" indent="0" algn="l" defTabSz="914400" rtl="0" eaLnBrk="1" fontAlgn="auto" latinLnBrk="0" hangingPunct="1">
+                        <a:lnSpc>
+                          <a:spcPct val="100000"/>
+                        </a:lnSpc>
+                        <a:spcBef>
+                          <a:spcPts val="0"/>
+                        </a:spcBef>
+                        <a:spcAft>
+                          <a:spcPts val="0"/>
+                        </a:spcAft>
+                        <a:buClrTx/>
+                        <a:buSzTx/>
+                        <a:buFontTx/>
+                        <a:buNone/>
+                        <a:tabLst/>
+                        <a:defRPr/>
+                      </a:pPr>
+                      <a:r>
+                        <a:rPr lang="zh-CN" altLang="en-US" dirty="0" smtClean="0"/>
+                        <a:t>智能电表（节点）</a:t>
+                      </a:r>
+                    </a:p>
+                  </a:txBody>
+                  <a:tcPr/>
+                </a:tc>
+                <a:tc>
+                  <a:txBody>
+                    <a:bodyPr/>
+                    <a:lstStyle/>
+                    <a:p>
                       <a:endParaRPr lang="zh-CN" altLang="en-US" dirty="0"/>
                     </a:p>
                   </a:txBody>
@@ -4135,6 +4192,72 @@
                     <a:lstStyle/>
                     <a:p>
                       <a:endParaRPr lang="zh-CN" altLang="en-US" dirty="0"/>
+                    </a:p>
+                  </a:txBody>
+                  <a:tcPr/>
+                </a:tc>
+                <a:tc>
+                  <a:txBody>
+                    <a:bodyPr/>
+                    <a:lstStyle/>
+                    <a:p>
+                      <a:endParaRPr lang="zh-CN" altLang="en-US" dirty="0"/>
+                    </a:p>
+                  </a:txBody>
+                  <a:tcPr/>
+                </a:tc>
+                <a:tc>
+                  <a:txBody>
+                    <a:bodyPr/>
+                    <a:lstStyle/>
+                    <a:p>
+                      <a:endParaRPr lang="zh-CN" altLang="en-US" dirty="0"/>
+                    </a:p>
+                  </a:txBody>
+                  <a:tcPr/>
+                </a:tc>
+              </a:tr>
+              <a:tr h="370840">
+                <a:tc>
+                  <a:txBody>
+                    <a:bodyPr/>
+                    <a:lstStyle/>
+                    <a:p>
+                      <a:r>
+                        <a:rPr lang="zh-CN" altLang="en-US" dirty="0" smtClean="0"/>
+                        <a:t>功耗</a:t>
+                      </a:r>
+                      <a:endParaRPr lang="zh-CN" altLang="en-US" dirty="0"/>
+                    </a:p>
+                  </a:txBody>
+                  <a:tcPr/>
+                </a:tc>
+                <a:tc>
+                  <a:txBody>
+                    <a:bodyPr/>
+                    <a:lstStyle/>
+                    <a:p>
+                      <a:pPr marL="0" marR="0" indent="0" algn="l" defTabSz="914400" rtl="0" eaLnBrk="1" fontAlgn="auto" latinLnBrk="0" hangingPunct="1">
+                        <a:lnSpc>
+                          <a:spcPct val="100000"/>
+                        </a:lnSpc>
+                        <a:spcBef>
+                          <a:spcPts val="0"/>
+                        </a:spcBef>
+                        <a:spcAft>
+                          <a:spcPts val="0"/>
+                        </a:spcAft>
+                        <a:buClrTx/>
+                        <a:buSzTx/>
+                        <a:buFontTx/>
+                        <a:buNone/>
+                        <a:tabLst/>
+                        <a:defRPr/>
+                      </a:pPr>
+                      <a:r>
+                        <a:rPr lang="zh-CN" altLang="en-US" dirty="0" smtClean="0"/>
+                        <a:t>智能电表（节点）</a:t>
+                      </a:r>
                     </a:p>
                   </a:txBody>
                   <a:tcPr/>
@@ -4204,7 +4327,7 @@
 </p:sld>
 </file>
 
-<file path=ppt/slides/slide12.xml><?xml version="1.0" encoding="utf-8"?>
+<file path=ppt/slides/slide13.xml><?xml version="1.0" encoding="utf-8"?>
 <p:sld xmlns:a="http://schemas.openxmlformats.org/drawingml/2006/main" xmlns:r="http://schemas.openxmlformats.org/officeDocument/2006/relationships" xmlns:p="http://schemas.openxmlformats.org/presentationml/2006/main">
   <p:cSld>
     <p:spTree>
@@ -4265,26 +4388,13 @@
             </a:pPr>
             <a:r>
               <a:rPr lang="zh-CN" altLang="en-US" dirty="0"/>
-              <a:t>输出：</a:t>
+              <a:t>输出</a:t>
+            </a:r>
+            <a:r>
+              <a:rPr lang="zh-CN" altLang="en-US" dirty="0" smtClean="0"/>
+              <a:t>：</a:t>
             </a:r>
             <a:endParaRPr lang="en-US" altLang="zh-CN" dirty="0"/>
-          </a:p>
-          <a:p>
-            <a:r>
-              <a:rPr lang="zh-CN" altLang="en-US" dirty="0"/>
-              <a:t>选定参数的变化曲线（比如谐波、闪变等）；电能综合评定结果（电能等级、关键参数指标等）；</a:t>
-            </a:r>
-          </a:p>
-          <a:p>
-            <a:r>
-              <a:rPr lang="zh-CN" altLang="en-US" dirty="0"/>
-              <a:t>视在功率变化曲线；电价变化曲线；控制指令库；温湿度环境信息</a:t>
-            </a:r>
-            <a:r>
-              <a:rPr lang="zh-CN" altLang="en-US" dirty="0" smtClean="0"/>
-              <a:t>；</a:t>
-            </a:r>
-            <a:endParaRPr lang="zh-CN" altLang="en-US" dirty="0"/>
           </a:p>
         </p:txBody>
       </p:sp>
@@ -4297,14 +4407,14 @@
           <p:nvPr>
             <p:extLst>
               <p:ext uri="{D42A27DB-BD31-4B8C-83A1-F6EECF244321}">
-                <p14:modId xmlns:p14="http://schemas.microsoft.com/office/powerpoint/2010/main" val="1769376598"/>
+                <p14:modId xmlns:p14="http://schemas.microsoft.com/office/powerpoint/2010/main" val="4018000029"/>
               </p:ext>
             </p:extLst>
           </p:nvPr>
         </p:nvGraphicFramePr>
         <p:xfrm>
-          <a:off x="-612576" y="4797152"/>
-          <a:ext cx="10225134" cy="2225040"/>
+          <a:off x="-33864" y="2492896"/>
+          <a:ext cx="9177864" cy="3677920"/>
         </p:xfrm>
         <a:graphic>
           <a:graphicData uri="http://schemas.openxmlformats.org/drawingml/2006/table">
@@ -4313,12 +4423,12 @@
                 <a:tableStyleId>{5C22544A-7EE6-4342-B048-85BDC9FD1C3A}</a:tableStyleId>
               </a:tblPr>
               <a:tblGrid>
-                <a:gridCol w="1704189"/>
-                <a:gridCol w="1704189"/>
-                <a:gridCol w="1704189"/>
-                <a:gridCol w="1704189"/>
-                <a:gridCol w="1704189"/>
-                <a:gridCol w="1704189"/>
+                <a:gridCol w="2003619"/>
+                <a:gridCol w="1055669"/>
+                <a:gridCol w="1529644"/>
+                <a:gridCol w="1529644"/>
+                <a:gridCol w="1529644"/>
+                <a:gridCol w="1529644"/>
               </a:tblGrid>
               <a:tr h="370840">
                 <a:tc>
@@ -4412,6 +4522,20 @@
                     <a:bodyPr/>
                     <a:lstStyle/>
                     <a:p>
+                      <a:r>
+                        <a:rPr lang="zh-CN" altLang="en-US" dirty="0" smtClean="0"/>
+                        <a:t>电参数变化曲线（谐波、闪变等）</a:t>
+                      </a:r>
+                      <a:endParaRPr lang="zh-CN" altLang="en-US" dirty="0"/>
+                    </a:p>
+                  </a:txBody>
+                  <a:tcPr/>
+                </a:tc>
+                <a:tc>
+                  <a:txBody>
+                    <a:bodyPr/>
+                    <a:lstStyle/>
+                    <a:p>
                       <a:endParaRPr lang="zh-CN" altLang="en-US" dirty="0"/>
                     </a:p>
                   </a:txBody>
@@ -4442,7 +4566,7 @@
                     <a:bodyPr/>
                     <a:lstStyle/>
                     <a:p>
-                      <a:endParaRPr lang="zh-CN" altLang="en-US"/>
+                      <a:endParaRPr lang="zh-CN" altLang="en-US" dirty="0"/>
                     </a:p>
                   </a:txBody>
                   <a:tcPr/>
@@ -4452,17 +4576,7 @@
                     <a:bodyPr/>
                     <a:lstStyle/>
                     <a:p>
-                      <a:endParaRPr lang="zh-CN" altLang="en-US"/>
-                    </a:p>
-                  </a:txBody>
-                  <a:tcPr/>
-                </a:tc>
-                <a:tc>
-                  <a:txBody>
-                    <a:bodyPr/>
-                    <a:lstStyle/>
-                    <a:p>
-                      <a:endParaRPr lang="zh-CN" altLang="en-US"/>
+                      <a:endParaRPr lang="zh-CN" altLang="en-US" dirty="0"/>
                     </a:p>
                   </a:txBody>
                   <a:tcPr/>
@@ -4474,7 +4588,11 @@
                     <a:bodyPr/>
                     <a:lstStyle/>
                     <a:p>
-                      <a:endParaRPr lang="zh-CN" altLang="en-US"/>
+                      <a:r>
+                        <a:rPr lang="zh-CN" altLang="en-US" dirty="0" smtClean="0"/>
+                        <a:t>电能综合评定结果（电能等级、关键参数指标等）</a:t>
+                      </a:r>
+                      <a:endParaRPr lang="zh-CN" altLang="en-US" dirty="0"/>
                     </a:p>
                   </a:txBody>
                   <a:tcPr/>
@@ -4484,7 +4602,7 @@
                     <a:bodyPr/>
                     <a:lstStyle/>
                     <a:p>
-                      <a:endParaRPr lang="zh-CN" altLang="en-US"/>
+                      <a:endParaRPr lang="zh-CN" altLang="en-US" dirty="0"/>
                     </a:p>
                   </a:txBody>
                   <a:tcPr/>
@@ -4536,7 +4654,11 @@
                     <a:bodyPr/>
                     <a:lstStyle/>
                     <a:p>
-                      <a:endParaRPr lang="zh-CN" altLang="en-US"/>
+                      <a:r>
+                        <a:rPr lang="zh-CN" altLang="en-US" dirty="0" smtClean="0"/>
+                        <a:t>视在功率变化曲线</a:t>
+                      </a:r>
+                      <a:endParaRPr lang="zh-CN" altLang="en-US" dirty="0"/>
                     </a:p>
                   </a:txBody>
                   <a:tcPr/>
@@ -4546,7 +4668,7 @@
                     <a:bodyPr/>
                     <a:lstStyle/>
                     <a:p>
-                      <a:endParaRPr lang="zh-CN" altLang="en-US"/>
+                      <a:endParaRPr lang="zh-CN" altLang="en-US" dirty="0"/>
                     </a:p>
                   </a:txBody>
                   <a:tcPr/>
@@ -4556,7 +4678,7 @@
                     <a:bodyPr/>
                     <a:lstStyle/>
                     <a:p>
-                      <a:endParaRPr lang="zh-CN" altLang="en-US"/>
+                      <a:endParaRPr lang="zh-CN" altLang="en-US" dirty="0"/>
                     </a:p>
                   </a:txBody>
                   <a:tcPr/>
@@ -4566,7 +4688,7 @@
                     <a:bodyPr/>
                     <a:lstStyle/>
                     <a:p>
-                      <a:endParaRPr lang="zh-CN" altLang="en-US"/>
+                      <a:endParaRPr lang="zh-CN" altLang="en-US" dirty="0"/>
                     </a:p>
                   </a:txBody>
                   <a:tcPr/>
@@ -4576,7 +4698,7 @@
                     <a:bodyPr/>
                     <a:lstStyle/>
                     <a:p>
-                      <a:endParaRPr lang="zh-CN" altLang="en-US"/>
+                      <a:endParaRPr lang="zh-CN" altLang="en-US" dirty="0"/>
                     </a:p>
                   </a:txBody>
                   <a:tcPr/>
@@ -4598,79 +4720,11 @@
                     <a:bodyPr/>
                     <a:lstStyle/>
                     <a:p>
-                      <a:endParaRPr lang="zh-CN" altLang="en-US"/>
-                    </a:p>
-                  </a:txBody>
-                  <a:tcPr/>
-                </a:tc>
-                <a:tc>
-                  <a:txBody>
-                    <a:bodyPr/>
-                    <a:lstStyle/>
-                    <a:p>
-                      <a:endParaRPr lang="zh-CN" altLang="en-US"/>
-                    </a:p>
-                  </a:txBody>
-                  <a:tcPr/>
-                </a:tc>
-                <a:tc>
-                  <a:txBody>
-                    <a:bodyPr/>
-                    <a:lstStyle/>
-                    <a:p>
-                      <a:endParaRPr lang="zh-CN" altLang="en-US"/>
-                    </a:p>
-                  </a:txBody>
-                  <a:tcPr/>
-                </a:tc>
-                <a:tc>
-                  <a:txBody>
-                    <a:bodyPr/>
-                    <a:lstStyle/>
-                    <a:p>
-                      <a:endParaRPr lang="zh-CN" altLang="en-US"/>
-                    </a:p>
-                  </a:txBody>
-                  <a:tcPr/>
-                </a:tc>
-                <a:tc>
-                  <a:txBody>
-                    <a:bodyPr/>
-                    <a:lstStyle/>
-                    <a:p>
-                      <a:endParaRPr lang="zh-CN" altLang="en-US"/>
-                    </a:p>
-                  </a:txBody>
-                  <a:tcPr/>
-                </a:tc>
-                <a:tc>
-                  <a:txBody>
-                    <a:bodyPr/>
-                    <a:lstStyle/>
-                    <a:p>
-                      <a:endParaRPr lang="zh-CN" altLang="en-US"/>
-                    </a:p>
-                  </a:txBody>
-                  <a:tcPr/>
-                </a:tc>
-              </a:tr>
-              <a:tr h="370840">
-                <a:tc>
-                  <a:txBody>
-                    <a:bodyPr/>
-                    <a:lstStyle/>
-                    <a:p>
-                      <a:endParaRPr lang="zh-CN" altLang="en-US"/>
-                    </a:p>
-                  </a:txBody>
-                  <a:tcPr/>
-                </a:tc>
-                <a:tc>
-                  <a:txBody>
-                    <a:bodyPr/>
-                    <a:lstStyle/>
-                    <a:p>
-                      <a:endParaRPr lang="zh-CN" altLang="en-US"/>
+                      <a:r>
+                        <a:rPr lang="zh-CN" altLang="en-US" dirty="0" smtClean="0"/>
+                        <a:t>电价变化曲线</a:t>
+                      </a:r>
+                      <a:endParaRPr lang="zh-CN" altLang="en-US" dirty="0"/>
                     </a:p>
                   </a:txBody>
                   <a:tcPr/>
@@ -4715,6 +4769,148 @@
                   </a:txBody>
                   <a:tcPr/>
                 </a:tc>
+                <a:tc>
+                  <a:txBody>
+                    <a:bodyPr/>
+                    <a:lstStyle/>
+                    <a:p>
+                      <a:endParaRPr lang="zh-CN" altLang="en-US" dirty="0"/>
+                    </a:p>
+                  </a:txBody>
+                  <a:tcPr/>
+                </a:tc>
+              </a:tr>
+              <a:tr h="370840">
+                <a:tc>
+                  <a:txBody>
+                    <a:bodyPr/>
+                    <a:lstStyle/>
+                    <a:p>
+                      <a:r>
+                        <a:rPr lang="zh-CN" altLang="en-US" dirty="0" smtClean="0"/>
+                        <a:t>温湿度环境信息</a:t>
+                      </a:r>
+                      <a:endParaRPr lang="zh-CN" altLang="en-US" dirty="0"/>
+                    </a:p>
+                  </a:txBody>
+                  <a:tcPr/>
+                </a:tc>
+                <a:tc>
+                  <a:txBody>
+                    <a:bodyPr/>
+                    <a:lstStyle/>
+                    <a:p>
+                      <a:endParaRPr lang="zh-CN" altLang="en-US"/>
+                    </a:p>
+                  </a:txBody>
+                  <a:tcPr/>
+                </a:tc>
+                <a:tc>
+                  <a:txBody>
+                    <a:bodyPr/>
+                    <a:lstStyle/>
+                    <a:p>
+                      <a:endParaRPr lang="zh-CN" altLang="en-US"/>
+                    </a:p>
+                  </a:txBody>
+                  <a:tcPr/>
+                </a:tc>
+                <a:tc>
+                  <a:txBody>
+                    <a:bodyPr/>
+                    <a:lstStyle/>
+                    <a:p>
+                      <a:endParaRPr lang="zh-CN" altLang="en-US"/>
+                    </a:p>
+                  </a:txBody>
+                  <a:tcPr/>
+                </a:tc>
+                <a:tc>
+                  <a:txBody>
+                    <a:bodyPr/>
+                    <a:lstStyle/>
+                    <a:p>
+                      <a:endParaRPr lang="zh-CN" altLang="en-US" dirty="0"/>
+                    </a:p>
+                  </a:txBody>
+                  <a:tcPr/>
+                </a:tc>
+                <a:tc>
+                  <a:txBody>
+                    <a:bodyPr/>
+                    <a:lstStyle/>
+                    <a:p>
+                      <a:endParaRPr lang="zh-CN" altLang="en-US" dirty="0"/>
+                    </a:p>
+                  </a:txBody>
+                  <a:tcPr/>
+                </a:tc>
+              </a:tr>
+              <a:tr h="370840">
+                <a:tc>
+                  <a:txBody>
+                    <a:bodyPr/>
+                    <a:lstStyle/>
+                    <a:p>
+                      <a:r>
+                        <a:rPr lang="zh-CN" altLang="en-US" dirty="0" smtClean="0"/>
+                        <a:t>同步信息</a:t>
+                      </a:r>
+                      <a:endParaRPr lang="zh-CN" altLang="en-US" dirty="0"/>
+                    </a:p>
+                  </a:txBody>
+                  <a:tcPr/>
+                </a:tc>
+                <a:tc>
+                  <a:txBody>
+                    <a:bodyPr/>
+                    <a:lstStyle/>
+                    <a:p>
+                      <a:endParaRPr lang="zh-CN" altLang="en-US"/>
+                    </a:p>
+                  </a:txBody>
+                  <a:tcPr/>
+                </a:tc>
+                <a:tc>
+                  <a:txBody>
+                    <a:bodyPr/>
+                    <a:lstStyle/>
+                    <a:p>
+                      <a:endParaRPr lang="zh-CN" altLang="en-US"/>
+                    </a:p>
+                  </a:txBody>
+                  <a:tcPr/>
+                </a:tc>
+                <a:tc>
+                  <a:txBody>
+                    <a:bodyPr/>
+                    <a:lstStyle/>
+                    <a:p>
+                      <a:endParaRPr lang="zh-CN" altLang="en-US"/>
+                    </a:p>
+                  </a:txBody>
+                  <a:tcPr/>
+                </a:tc>
+                <a:tc>
+                  <a:txBody>
+                    <a:bodyPr/>
+                    <a:lstStyle/>
+                    <a:p>
+                      <a:endParaRPr lang="zh-CN" altLang="en-US" dirty="0"/>
+                    </a:p>
+                  </a:txBody>
+                  <a:tcPr/>
+                </a:tc>
+                <a:tc>
+                  <a:txBody>
+                    <a:bodyPr/>
+                    <a:lstStyle/>
+                    <a:p>
+                      <a:endParaRPr lang="zh-CN" altLang="en-US" dirty="0"/>
+                    </a:p>
+                  </a:txBody>
+                  <a:tcPr/>
+                </a:tc>
               </a:tr>
             </a:tbl>
           </a:graphicData>
@@ -4724,132 +4920,6 @@
     <p:extLst>
       <p:ext uri="{BB962C8B-B14F-4D97-AF65-F5344CB8AC3E}">
         <p14:creationId xmlns:p14="http://schemas.microsoft.com/office/powerpoint/2010/main" val="1256008237"/>
-      </p:ext>
-    </p:extLst>
-  </p:cSld>
-  <p:clrMapOvr>
-    <a:masterClrMapping/>
-  </p:clrMapOvr>
-  <p:timing>
-    <p:tnLst>
-      <p:par>
-        <p:cTn id="1" dur="indefinite" restart="never" nodeType="tmRoot"/>
-      </p:par>
-    </p:tnLst>
-  </p:timing>
-</p:sld>
-</file>
-
-<file path=ppt/slides/slide13.xml><?xml version="1.0" encoding="utf-8"?>
-<p:sld xmlns:a="http://schemas.openxmlformats.org/drawingml/2006/main" xmlns:r="http://schemas.openxmlformats.org/officeDocument/2006/relationships" xmlns:p="http://schemas.openxmlformats.org/presentationml/2006/main">
-  <p:cSld>
-    <p:spTree>
-      <p:nvGrpSpPr>
-        <p:cNvPr id="1" name=""/>
-        <p:cNvGrpSpPr/>
-        <p:nvPr/>
-      </p:nvGrpSpPr>
-      <p:grpSpPr>
-        <a:xfrm>
-          <a:off x="0" y="0"/>
-          <a:ext cx="0" cy="0"/>
-          <a:chOff x="0" y="0"/>
-          <a:chExt cx="0" cy="0"/>
-        </a:xfrm>
-      </p:grpSpPr>
-      <p:sp>
-        <p:nvSpPr>
-          <p:cNvPr id="5" name="标题 4"/>
-          <p:cNvSpPr>
-            <a:spLocks noGrp="1"/>
-          </p:cNvSpPr>
-          <p:nvPr>
-            <p:ph type="title"/>
-          </p:nvPr>
-        </p:nvSpPr>
-        <p:spPr/>
-        <p:txBody>
-          <a:bodyPr/>
-          <a:lstStyle/>
-          <a:p>
-            <a:r>
-              <a:rPr lang="zh-CN" altLang="en-US" dirty="0" smtClean="0"/>
-              <a:t>需求分析</a:t>
-            </a:r>
-            <a:endParaRPr lang="zh-CN" altLang="en-US" dirty="0"/>
-          </a:p>
-        </p:txBody>
-      </p:sp>
-      <p:sp>
-        <p:nvSpPr>
-          <p:cNvPr id="6" name="内容占位符 5"/>
-          <p:cNvSpPr>
-            <a:spLocks noGrp="1"/>
-          </p:cNvSpPr>
-          <p:nvPr>
-            <p:ph idx="1"/>
-          </p:nvPr>
-        </p:nvSpPr>
-        <p:spPr/>
-        <p:txBody>
-          <a:bodyPr/>
-          <a:lstStyle/>
-          <a:p>
-            <a:pPr marL="0" indent="0">
-              <a:buNone/>
-            </a:pPr>
-            <a:r>
-              <a:rPr lang="zh-CN" altLang="en-US" dirty="0" smtClean="0"/>
-              <a:t>预设置：</a:t>
-            </a:r>
-            <a:endParaRPr lang="en-US" altLang="zh-CN" dirty="0" smtClean="0"/>
-          </a:p>
-          <a:p>
-            <a:r>
-              <a:rPr lang="zh-CN" altLang="en-US" dirty="0" smtClean="0"/>
-              <a:t>规则库；</a:t>
-            </a:r>
-            <a:r>
-              <a:rPr lang="zh-CN" altLang="en-US" dirty="0"/>
-              <a:t>监测参数选择</a:t>
-            </a:r>
-            <a:r>
-              <a:rPr lang="zh-CN" altLang="en-US" dirty="0" smtClean="0"/>
-              <a:t>；</a:t>
-            </a:r>
-            <a:endParaRPr lang="en-US" altLang="zh-CN" dirty="0" smtClean="0"/>
-          </a:p>
-          <a:p>
-            <a:r>
-              <a:rPr lang="zh-CN" altLang="en-US" dirty="0" smtClean="0"/>
-              <a:t>系统同步精度要求</a:t>
-            </a:r>
-            <a:endParaRPr lang="en-US" altLang="zh-CN" dirty="0" smtClean="0"/>
-          </a:p>
-          <a:p>
-            <a:pPr marL="0" indent="0">
-              <a:buNone/>
-            </a:pPr>
-            <a:r>
-              <a:rPr lang="zh-CN" altLang="en-US" dirty="0"/>
-              <a:t>扩展需求</a:t>
-            </a:r>
-          </a:p>
-          <a:p>
-            <a:r>
-              <a:rPr lang="zh-CN" altLang="en-US" dirty="0"/>
-              <a:t>可扩展其他平台，包括精准农业、人体健康监测、工业过程监测等程序；</a:t>
-            </a:r>
-          </a:p>
-          <a:p>
-            <a:endParaRPr lang="en-US" altLang="zh-CN" dirty="0"/>
-          </a:p>
-        </p:txBody>
-      </p:sp>
-    </p:spTree>
-    <p:extLst>
-      <p:ext uri="{BB962C8B-B14F-4D97-AF65-F5344CB8AC3E}">
-        <p14:creationId xmlns:p14="http://schemas.microsoft.com/office/powerpoint/2010/main" val="670708242"/>
       </p:ext>
     </p:extLst>
   </p:cSld>
@@ -4885,6 +4955,134 @@
       </p:grpSpPr>
       <p:sp>
         <p:nvSpPr>
+          <p:cNvPr id="5" name="标题 4"/>
+          <p:cNvSpPr>
+            <a:spLocks noGrp="1"/>
+          </p:cNvSpPr>
+          <p:nvPr>
+            <p:ph type="title"/>
+          </p:nvPr>
+        </p:nvSpPr>
+        <p:spPr/>
+        <p:txBody>
+          <a:bodyPr/>
+          <a:lstStyle/>
+          <a:p>
+            <a:r>
+              <a:rPr lang="zh-CN" altLang="en-US" dirty="0" smtClean="0"/>
+              <a:t>需求分析</a:t>
+            </a:r>
+            <a:endParaRPr lang="zh-CN" altLang="en-US" dirty="0"/>
+          </a:p>
+        </p:txBody>
+      </p:sp>
+      <p:sp>
+        <p:nvSpPr>
+          <p:cNvPr id="6" name="内容占位符 5"/>
+          <p:cNvSpPr>
+            <a:spLocks noGrp="1"/>
+          </p:cNvSpPr>
+          <p:nvPr>
+            <p:ph idx="1"/>
+          </p:nvPr>
+        </p:nvSpPr>
+        <p:spPr/>
+        <p:txBody>
+          <a:bodyPr/>
+          <a:lstStyle/>
+          <a:p>
+            <a:pPr marL="0" indent="0">
+              <a:buNone/>
+            </a:pPr>
+            <a:r>
+              <a:rPr lang="zh-CN" altLang="en-US" dirty="0" smtClean="0"/>
+              <a:t>预设置：</a:t>
+            </a:r>
+            <a:endParaRPr lang="en-US" altLang="zh-CN" dirty="0" smtClean="0"/>
+          </a:p>
+          <a:p>
+            <a:r>
+              <a:rPr lang="zh-CN" altLang="en-US" dirty="0" smtClean="0"/>
+              <a:t>规则库；</a:t>
+            </a:r>
+            <a:r>
+              <a:rPr lang="zh-CN" altLang="en-US" dirty="0"/>
+              <a:t>监测参数选择</a:t>
+            </a:r>
+            <a:r>
+              <a:rPr lang="zh-CN" altLang="en-US" dirty="0" smtClean="0"/>
+              <a:t>；</a:t>
+            </a:r>
+            <a:endParaRPr lang="en-US" altLang="zh-CN" dirty="0" smtClean="0"/>
+          </a:p>
+          <a:p>
+            <a:r>
+              <a:rPr lang="zh-CN" altLang="en-US" dirty="0" smtClean="0"/>
+              <a:t>系统同步精度要求</a:t>
+            </a:r>
+            <a:endParaRPr lang="en-US" altLang="zh-CN" dirty="0" smtClean="0"/>
+          </a:p>
+          <a:p>
+            <a:pPr marL="0" indent="0">
+              <a:buNone/>
+            </a:pPr>
+            <a:r>
+              <a:rPr lang="zh-CN" altLang="en-US" dirty="0"/>
+              <a:t>扩展需求</a:t>
+            </a:r>
+          </a:p>
+          <a:p>
+            <a:r>
+              <a:rPr lang="zh-CN" altLang="en-US" dirty="0"/>
+              <a:t>可扩展其他平台，包括精准农业、人体健康监测、工业过程监测等程序</a:t>
+            </a:r>
+            <a:r>
+              <a:rPr lang="zh-CN" altLang="en-US" dirty="0" smtClean="0"/>
+              <a:t>；</a:t>
+            </a:r>
+            <a:endParaRPr lang="zh-CN" altLang="en-US" dirty="0"/>
+          </a:p>
+        </p:txBody>
+      </p:sp>
+    </p:spTree>
+    <p:extLst>
+      <p:ext uri="{BB962C8B-B14F-4D97-AF65-F5344CB8AC3E}">
+        <p14:creationId xmlns:p14="http://schemas.microsoft.com/office/powerpoint/2010/main" val="670708242"/>
+      </p:ext>
+    </p:extLst>
+  </p:cSld>
+  <p:clrMapOvr>
+    <a:masterClrMapping/>
+  </p:clrMapOvr>
+  <p:timing>
+    <p:tnLst>
+      <p:par>
+        <p:cTn id="1" dur="indefinite" restart="never" nodeType="tmRoot"/>
+      </p:par>
+    </p:tnLst>
+  </p:timing>
+</p:sld>
+</file>
+
+<file path=ppt/slides/slide15.xml><?xml version="1.0" encoding="utf-8"?>
+<p:sld xmlns:a="http://schemas.openxmlformats.org/drawingml/2006/main" xmlns:r="http://schemas.openxmlformats.org/officeDocument/2006/relationships" xmlns:p="http://schemas.openxmlformats.org/presentationml/2006/main">
+  <p:cSld>
+    <p:spTree>
+      <p:nvGrpSpPr>
+        <p:cNvPr id="1" name=""/>
+        <p:cNvGrpSpPr/>
+        <p:nvPr/>
+      </p:nvGrpSpPr>
+      <p:grpSpPr>
+        <a:xfrm>
+          <a:off x="0" y="0"/>
+          <a:ext cx="0" cy="0"/>
+          <a:chOff x="0" y="0"/>
+          <a:chExt cx="0" cy="0"/>
+        </a:xfrm>
+      </p:grpSpPr>
+      <p:sp>
+        <p:nvSpPr>
           <p:cNvPr id="2" name="标题 1"/>
           <p:cNvSpPr>
             <a:spLocks noGrp="1"/>
@@ -4973,7 +5171,7 @@
 </p:sld>
 </file>
 
-<file path=ppt/slides/slide15.xml><?xml version="1.0" encoding="utf-8"?>
+<file path=ppt/slides/slide16.xml><?xml version="1.0" encoding="utf-8"?>
 <p:sld xmlns:a="http://schemas.openxmlformats.org/drawingml/2006/main" xmlns:r="http://schemas.openxmlformats.org/officeDocument/2006/relationships" xmlns:p="http://schemas.openxmlformats.org/presentationml/2006/main">
   <p:cSld>
     <p:spTree>
@@ -5928,7 +6126,7 @@
 </p:sld>
 </file>
 
-<file path=ppt/slides/slide16.xml><?xml version="1.0" encoding="utf-8"?>
+<file path=ppt/slides/slide17.xml><?xml version="1.0" encoding="utf-8"?>
 <p:sld xmlns:a="http://schemas.openxmlformats.org/drawingml/2006/main" xmlns:r="http://schemas.openxmlformats.org/officeDocument/2006/relationships" xmlns:p="http://schemas.openxmlformats.org/presentationml/2006/main">
   <p:cSld>
     <p:spTree>
@@ -6952,100 +7150,6 @@
 </p:sld>
 </file>
 
-<file path=ppt/slides/slide17.xml><?xml version="1.0" encoding="utf-8"?>
-<p:sld xmlns:a="http://schemas.openxmlformats.org/drawingml/2006/main" xmlns:r="http://schemas.openxmlformats.org/officeDocument/2006/relationships" xmlns:p="http://schemas.openxmlformats.org/presentationml/2006/main">
-  <p:cSld>
-    <p:spTree>
-      <p:nvGrpSpPr>
-        <p:cNvPr id="1" name=""/>
-        <p:cNvGrpSpPr/>
-        <p:nvPr/>
-      </p:nvGrpSpPr>
-      <p:grpSpPr>
-        <a:xfrm>
-          <a:off x="0" y="0"/>
-          <a:ext cx="0" cy="0"/>
-          <a:chOff x="0" y="0"/>
-          <a:chExt cx="0" cy="0"/>
-        </a:xfrm>
-      </p:grpSpPr>
-      <p:sp>
-        <p:nvSpPr>
-          <p:cNvPr id="2" name="标题 1"/>
-          <p:cNvSpPr>
-            <a:spLocks noGrp="1"/>
-          </p:cNvSpPr>
-          <p:nvPr>
-            <p:ph type="title"/>
-          </p:nvPr>
-        </p:nvSpPr>
-        <p:spPr/>
-        <p:txBody>
-          <a:bodyPr/>
-          <a:lstStyle/>
-          <a:p>
-            <a:r>
-              <a:rPr lang="zh-CN" altLang="en-US" dirty="0"/>
-              <a:t>架构</a:t>
-            </a:r>
-            <a:r>
-              <a:rPr lang="zh-CN" altLang="en-US" dirty="0" smtClean="0"/>
-              <a:t>设计：可扩展系统</a:t>
-            </a:r>
-            <a:endParaRPr lang="zh-CN" altLang="en-US" dirty="0"/>
-          </a:p>
-        </p:txBody>
-      </p:sp>
-      <p:sp>
-        <p:nvSpPr>
-          <p:cNvPr id="3" name="内容占位符 2"/>
-          <p:cNvSpPr>
-            <a:spLocks noGrp="1"/>
-          </p:cNvSpPr>
-          <p:nvPr>
-            <p:ph idx="1"/>
-          </p:nvPr>
-        </p:nvSpPr>
-        <p:spPr/>
-        <p:txBody>
-          <a:bodyPr/>
-          <a:lstStyle/>
-          <a:p>
-            <a:r>
-              <a:rPr lang="zh-CN" altLang="en-US" dirty="0" smtClean="0"/>
-              <a:t>各个子模块独立设计</a:t>
-            </a:r>
-            <a:endParaRPr lang="en-US" altLang="zh-CN" dirty="0" smtClean="0"/>
-          </a:p>
-          <a:p>
-            <a:r>
-              <a:rPr lang="zh-CN" altLang="en-US" dirty="0" smtClean="0"/>
-              <a:t>使用子面板打开其他模块</a:t>
-            </a:r>
-            <a:endParaRPr lang="zh-CN" altLang="en-US" dirty="0"/>
-          </a:p>
-        </p:txBody>
-      </p:sp>
-    </p:spTree>
-    <p:extLst>
-      <p:ext uri="{BB962C8B-B14F-4D97-AF65-F5344CB8AC3E}">
-        <p14:creationId xmlns:p14="http://schemas.microsoft.com/office/powerpoint/2010/main" val="956880652"/>
-      </p:ext>
-    </p:extLst>
-  </p:cSld>
-  <p:clrMapOvr>
-    <a:masterClrMapping/>
-  </p:clrMapOvr>
-  <p:timing>
-    <p:tnLst>
-      <p:par>
-        <p:cTn id="1" dur="indefinite" restart="never" nodeType="tmRoot"/>
-      </p:par>
-    </p:tnLst>
-  </p:timing>
-</p:sld>
-</file>
-
 <file path=ppt/slides/slide18.xml><?xml version="1.0" encoding="utf-8"?>
 <p:sld xmlns:a="http://schemas.openxmlformats.org/drawingml/2006/main" xmlns:r="http://schemas.openxmlformats.org/officeDocument/2006/relationships" xmlns:p="http://schemas.openxmlformats.org/presentationml/2006/main">
   <p:cSld>
@@ -7079,8 +7183,12 @@
           <a:lstStyle/>
           <a:p>
             <a:r>
-              <a:rPr lang="zh-CN" altLang="en-US" dirty="0" smtClean="0"/>
-              <a:t>架构设计：子系统</a:t>
+              <a:rPr lang="zh-CN" altLang="en-US" dirty="0"/>
+              <a:t>架构</a:t>
+            </a:r>
+            <a:r>
+              <a:rPr lang="zh-CN" altLang="en-US" dirty="0" smtClean="0"/>
+              <a:t>设计：可扩展系统</a:t>
             </a:r>
             <a:endParaRPr lang="zh-CN" altLang="en-US" dirty="0"/>
           </a:p>
@@ -7093,7 +7201,7 @@
             <a:spLocks noGrp="1"/>
           </p:cNvSpPr>
           <p:nvPr>
-            <p:ph sz="half" idx="1"/>
+            <p:ph idx="1"/>
           </p:nvPr>
         </p:nvSpPr>
         <p:spPr/>
@@ -7102,164 +7210,24 @@
           <a:lstStyle/>
           <a:p>
             <a:r>
-              <a:rPr lang="en-US" altLang="zh-CN" dirty="0" smtClean="0"/>
-              <a:t>UI</a:t>
-            </a:r>
-          </a:p>
-          <a:p>
-            <a:pPr lvl="1"/>
-            <a:r>
-              <a:rPr lang="zh-CN" altLang="en-US" dirty="0" smtClean="0"/>
-              <a:t>显示</a:t>
+              <a:rPr lang="zh-CN" altLang="en-US" dirty="0" smtClean="0"/>
+              <a:t>各个子模块独立设计</a:t>
             </a:r>
             <a:endParaRPr lang="en-US" altLang="zh-CN" dirty="0" smtClean="0"/>
           </a:p>
           <a:p>
-            <a:pPr lvl="1"/>
-            <a:r>
-              <a:rPr lang="zh-CN" altLang="en-US" dirty="0" smtClean="0"/>
-              <a:t>控制</a:t>
-            </a:r>
-            <a:endParaRPr lang="en-US" altLang="zh-CN" dirty="0" smtClean="0"/>
-          </a:p>
-          <a:p>
-            <a:r>
-              <a:rPr lang="zh-CN" altLang="en-US" dirty="0"/>
-              <a:t>流程</a:t>
-            </a:r>
-            <a:r>
-              <a:rPr lang="zh-CN" altLang="en-US" dirty="0" smtClean="0"/>
-              <a:t>控制（</a:t>
-            </a:r>
-            <a:r>
-              <a:rPr lang="en-US" altLang="zh-CN" dirty="0" smtClean="0"/>
-              <a:t>main</a:t>
-            </a:r>
-            <a:r>
-              <a:rPr lang="zh-CN" altLang="en-US" dirty="0" smtClean="0"/>
-              <a:t>）</a:t>
-            </a:r>
-            <a:endParaRPr lang="en-US" altLang="zh-CN" dirty="0" smtClean="0"/>
-          </a:p>
-          <a:p>
-            <a:pPr lvl="1"/>
-            <a:r>
-              <a:rPr lang="zh-CN" altLang="en-US" dirty="0" smtClean="0"/>
-              <a:t>初始化</a:t>
-            </a:r>
-            <a:endParaRPr lang="en-US" altLang="zh-CN" dirty="0" smtClean="0"/>
-          </a:p>
-          <a:p>
-            <a:pPr lvl="1"/>
-            <a:r>
-              <a:rPr lang="zh-CN" altLang="en-US" dirty="0"/>
-              <a:t>参数</a:t>
-            </a:r>
-            <a:r>
-              <a:rPr lang="zh-CN" altLang="en-US" dirty="0" smtClean="0"/>
-              <a:t>选择</a:t>
-            </a:r>
-            <a:endParaRPr lang="en-US" altLang="zh-CN" dirty="0" smtClean="0"/>
-          </a:p>
-          <a:p>
-            <a:pPr lvl="1"/>
-            <a:r>
-              <a:rPr lang="zh-CN" altLang="en-US" dirty="0" smtClean="0"/>
-              <a:t>数据采集</a:t>
-            </a:r>
-            <a:endParaRPr lang="en-US" altLang="zh-CN" dirty="0" smtClean="0"/>
-          </a:p>
-          <a:p>
-            <a:pPr lvl="1"/>
-            <a:r>
-              <a:rPr lang="zh-CN" altLang="en-US" dirty="0"/>
-              <a:t>结果显示</a:t>
-            </a:r>
-          </a:p>
-        </p:txBody>
-      </p:sp>
-      <p:sp>
-        <p:nvSpPr>
-          <p:cNvPr id="5" name="内容占位符 4"/>
-          <p:cNvSpPr>
-            <a:spLocks noGrp="1"/>
-          </p:cNvSpPr>
-          <p:nvPr>
-            <p:ph sz="half" idx="2"/>
-          </p:nvPr>
-        </p:nvSpPr>
-        <p:spPr/>
-        <p:txBody>
-          <a:bodyPr/>
-          <a:lstStyle/>
-          <a:p>
-            <a:r>
-              <a:rPr lang="zh-CN" altLang="en-US" dirty="0"/>
-              <a:t>参数访问</a:t>
-            </a:r>
-            <a:endParaRPr lang="en-US" altLang="zh-CN" dirty="0"/>
-          </a:p>
-          <a:p>
-            <a:pPr lvl="1"/>
-            <a:r>
-              <a:rPr lang="zh-CN" altLang="en-US" dirty="0" smtClean="0"/>
-              <a:t>电能参数接口</a:t>
-            </a:r>
-            <a:endParaRPr lang="en-US" altLang="zh-CN" dirty="0"/>
-          </a:p>
-          <a:p>
-            <a:pPr lvl="1"/>
-            <a:r>
-              <a:rPr lang="zh-CN" altLang="en-US" dirty="0"/>
-              <a:t>全局变量访问</a:t>
-            </a:r>
-            <a:endParaRPr lang="en-US" altLang="zh-CN" dirty="0"/>
-          </a:p>
-          <a:p>
-            <a:r>
-              <a:rPr lang="zh-CN" altLang="en-US" dirty="0"/>
-              <a:t>数据结构</a:t>
-            </a:r>
-            <a:endParaRPr lang="en-US" altLang="zh-CN" dirty="0"/>
-          </a:p>
-          <a:p>
-            <a:pPr lvl="1"/>
-            <a:r>
-              <a:rPr lang="zh-CN" altLang="en-US" dirty="0"/>
-              <a:t>参数数据包</a:t>
-            </a:r>
-            <a:endParaRPr lang="en-US" altLang="zh-CN" dirty="0"/>
-          </a:p>
-          <a:p>
-            <a:pPr lvl="1"/>
-            <a:r>
-              <a:rPr lang="zh-CN" altLang="en-US" dirty="0"/>
-              <a:t>显示数据包</a:t>
-            </a:r>
-            <a:endParaRPr lang="en-US" altLang="zh-CN" dirty="0"/>
-          </a:p>
-          <a:p>
-            <a:pPr lvl="1"/>
-            <a:r>
-              <a:rPr lang="zh-CN" altLang="en-US" dirty="0"/>
-              <a:t>通信接口数据包</a:t>
-            </a:r>
-            <a:endParaRPr lang="en-US" altLang="zh-CN" dirty="0"/>
-          </a:p>
-          <a:p>
-            <a:pPr lvl="1"/>
-            <a:r>
-              <a:rPr lang="zh-CN" altLang="en-US" dirty="0" smtClean="0"/>
-              <a:t>数据类型</a:t>
-            </a:r>
-            <a:endParaRPr lang="en-US" altLang="zh-CN" dirty="0"/>
+            <a:r>
+              <a:rPr lang="zh-CN" altLang="en-US" dirty="0" smtClean="0"/>
+              <a:t>使用子面板打开其他模块</a:t>
+            </a:r>
+            <a:endParaRPr lang="zh-CN" altLang="en-US" dirty="0"/>
           </a:p>
         </p:txBody>
       </p:sp>
     </p:spTree>
     <p:extLst>
       <p:ext uri="{BB962C8B-B14F-4D97-AF65-F5344CB8AC3E}">
-        <p14:creationId xmlns:p14="http://schemas.microsoft.com/office/powerpoint/2010/main" val="3836032977"/>
+        <p14:creationId xmlns:p14="http://schemas.microsoft.com/office/powerpoint/2010/main" val="956880652"/>
       </p:ext>
     </p:extLst>
   </p:cSld>
@@ -7309,38 +7277,35 @@
           <a:lstStyle/>
           <a:p>
             <a:r>
-              <a:rPr lang="zh-CN" altLang="en-US" dirty="0"/>
-              <a:t>架构设计</a:t>
-            </a:r>
-            <a:r>
-              <a:rPr lang="zh-CN" altLang="en-US" dirty="0" smtClean="0"/>
-              <a:t>：</a:t>
-            </a:r>
+              <a:rPr lang="zh-CN" altLang="en-US" dirty="0" smtClean="0"/>
+              <a:t>架构设计：子系统</a:t>
+            </a:r>
+            <a:endParaRPr lang="zh-CN" altLang="en-US" dirty="0"/>
+          </a:p>
+        </p:txBody>
+      </p:sp>
+      <p:sp>
+        <p:nvSpPr>
+          <p:cNvPr id="3" name="内容占位符 2"/>
+          <p:cNvSpPr>
+            <a:spLocks noGrp="1"/>
+          </p:cNvSpPr>
+          <p:nvPr>
+            <p:ph sz="half" idx="1"/>
+          </p:nvPr>
+        </p:nvSpPr>
+        <p:spPr/>
+        <p:txBody>
+          <a:bodyPr/>
+          <a:lstStyle/>
+          <a:p>
             <a:r>
               <a:rPr lang="en-US" altLang="zh-CN" dirty="0" smtClean="0"/>
               <a:t>UI</a:t>
             </a:r>
-            <a:endParaRPr lang="zh-CN" altLang="en-US" dirty="0"/>
-          </a:p>
-        </p:txBody>
-      </p:sp>
-      <p:sp>
-        <p:nvSpPr>
-          <p:cNvPr id="5" name="内容占位符 4"/>
-          <p:cNvSpPr>
-            <a:spLocks noGrp="1"/>
-          </p:cNvSpPr>
-          <p:nvPr>
-            <p:ph idx="1"/>
-          </p:nvPr>
-        </p:nvSpPr>
-        <p:spPr/>
-        <p:txBody>
-          <a:bodyPr>
-            <a:normAutofit fontScale="92500" lnSpcReduction="10000"/>
-          </a:bodyPr>
-          <a:lstStyle/>
-          <a:p>
+          </a:p>
+          <a:p>
+            <a:pPr lvl="1"/>
             <a:r>
               <a:rPr lang="zh-CN" altLang="en-US" dirty="0" smtClean="0"/>
               <a:t>显示</a:t>
@@ -7351,86 +7316,148 @@
             <a:pPr lvl="1"/>
             <a:r>
               <a:rPr lang="zh-CN" altLang="en-US" dirty="0" smtClean="0"/>
-              <a:t>显示三维数据：</a:t>
+              <a:t>控制</a:t>
             </a:r>
             <a:endParaRPr lang="en-US" altLang="zh-CN" dirty="0" smtClean="0"/>
           </a:p>
           <a:p>
-            <a:pPr lvl="2"/>
-            <a:r>
-              <a:rPr lang="zh-CN" altLang="en-US" dirty="0" smtClean="0"/>
-              <a:t>表号</a:t>
+            <a:r>
+              <a:rPr lang="zh-CN" altLang="en-US" dirty="0"/>
+              <a:t>流程</a:t>
+            </a:r>
+            <a:r>
+              <a:rPr lang="zh-CN" altLang="en-US" dirty="0" smtClean="0"/>
+              <a:t>控制（</a:t>
+            </a:r>
+            <a:r>
+              <a:rPr lang="en-US" altLang="zh-CN" dirty="0" smtClean="0"/>
+              <a:t>main</a:t>
+            </a:r>
+            <a:r>
+              <a:rPr lang="zh-CN" altLang="en-US" dirty="0" smtClean="0"/>
+              <a:t>）</a:t>
             </a:r>
             <a:endParaRPr lang="en-US" altLang="zh-CN" dirty="0" smtClean="0"/>
           </a:p>
           <a:p>
-            <a:pPr lvl="2"/>
+            <a:pPr lvl="1"/>
+            <a:r>
+              <a:rPr lang="zh-CN" altLang="en-US" dirty="0" smtClean="0"/>
+              <a:t>初始化</a:t>
+            </a:r>
+            <a:endParaRPr lang="en-US" altLang="zh-CN" dirty="0" smtClean="0"/>
+          </a:p>
+          <a:p>
+            <a:pPr lvl="1"/>
             <a:r>
               <a:rPr lang="zh-CN" altLang="en-US" dirty="0"/>
               <a:t>参数</a:t>
             </a:r>
             <a:r>
               <a:rPr lang="zh-CN" altLang="en-US" dirty="0" smtClean="0"/>
-              <a:t>类型</a:t>
+              <a:t>选择</a:t>
             </a:r>
             <a:endParaRPr lang="en-US" altLang="zh-CN" dirty="0" smtClean="0"/>
           </a:p>
           <a:p>
-            <a:pPr lvl="2"/>
+            <a:pPr lvl="1"/>
+            <a:r>
+              <a:rPr lang="zh-CN" altLang="en-US" dirty="0" smtClean="0"/>
+              <a:t>数据采集</a:t>
+            </a:r>
+            <a:endParaRPr lang="en-US" altLang="zh-CN" dirty="0" smtClean="0"/>
+          </a:p>
+          <a:p>
+            <a:pPr lvl="1"/>
             <a:r>
               <a:rPr lang="zh-CN" altLang="en-US" dirty="0"/>
-              <a:t>参数值</a:t>
+              <a:t>结果显示</a:t>
+            </a:r>
+          </a:p>
+        </p:txBody>
+      </p:sp>
+      <p:sp>
+        <p:nvSpPr>
+          <p:cNvPr id="5" name="内容占位符 4"/>
+          <p:cNvSpPr>
+            <a:spLocks noGrp="1"/>
+          </p:cNvSpPr>
+          <p:nvPr>
+            <p:ph sz="half" idx="2"/>
+          </p:nvPr>
+        </p:nvSpPr>
+        <p:spPr/>
+        <p:txBody>
+          <a:bodyPr/>
+          <a:lstStyle/>
+          <a:p>
+            <a:r>
+              <a:rPr lang="zh-CN" altLang="en-US" dirty="0"/>
+              <a:t>参数访问</a:t>
             </a:r>
             <a:endParaRPr lang="en-US" altLang="zh-CN" dirty="0"/>
           </a:p>
           <a:p>
+            <a:pPr lvl="1"/>
+            <a:r>
+              <a:rPr lang="zh-CN" altLang="en-US" dirty="0" smtClean="0"/>
+              <a:t>电能参数接口</a:t>
+            </a:r>
+            <a:endParaRPr lang="en-US" altLang="zh-CN" dirty="0"/>
+          </a:p>
+          <a:p>
+            <a:pPr lvl="1"/>
             <a:r>
               <a:rPr lang="zh-CN" altLang="en-US" dirty="0"/>
-              <a:t>控制</a:t>
+              <a:t>全局变量访问</a:t>
             </a:r>
             <a:endParaRPr lang="en-US" altLang="zh-CN" dirty="0"/>
           </a:p>
           <a:p>
+            <a:r>
+              <a:rPr lang="zh-CN" altLang="en-US" dirty="0"/>
+              <a:t>数据结构</a:t>
+            </a:r>
+            <a:endParaRPr lang="en-US" altLang="zh-CN" dirty="0"/>
+          </a:p>
+          <a:p>
             <a:pPr lvl="1"/>
             <a:r>
-              <a:rPr lang="zh-CN" altLang="en-US" dirty="0" smtClean="0"/>
-              <a:t>选择连接</a:t>
-            </a:r>
-            <a:endParaRPr lang="en-US" altLang="zh-CN" dirty="0" smtClean="0"/>
+              <a:rPr lang="zh-CN" altLang="en-US" dirty="0"/>
+              <a:t>参数数据包</a:t>
+            </a:r>
+            <a:endParaRPr lang="en-US" altLang="zh-CN" dirty="0"/>
           </a:p>
           <a:p>
             <a:pPr lvl="1"/>
             <a:r>
-              <a:rPr lang="zh-CN" altLang="en-US" dirty="0" smtClean="0"/>
-              <a:t>选择测量参数</a:t>
-            </a:r>
-            <a:endParaRPr lang="en-US" altLang="zh-CN" dirty="0" smtClean="0"/>
+              <a:rPr lang="zh-CN" altLang="en-US" dirty="0"/>
+              <a:t>显示数据包</a:t>
+            </a:r>
+            <a:endParaRPr lang="en-US" altLang="zh-CN" dirty="0"/>
           </a:p>
           <a:p>
             <a:pPr lvl="1"/>
             <a:r>
-              <a:rPr lang="zh-CN" altLang="en-US" dirty="0" smtClean="0"/>
-              <a:t>开始采集</a:t>
-            </a:r>
-            <a:endParaRPr lang="en-US" altLang="zh-CN" dirty="0" smtClean="0"/>
+              <a:rPr lang="zh-CN" altLang="en-US" dirty="0"/>
+              <a:t>通信接口数据包</a:t>
+            </a:r>
+            <a:endParaRPr lang="en-US" altLang="zh-CN" dirty="0"/>
           </a:p>
           <a:p>
             <a:pPr lvl="1"/>
             <a:r>
               <a:rPr lang="zh-CN" altLang="en-US" dirty="0" smtClean="0"/>
-              <a:t>停止</a:t>
-            </a:r>
-            <a:r>
-              <a:rPr lang="zh-CN" altLang="en-US" dirty="0"/>
-              <a:t>采集</a:t>
-            </a:r>
+              <a:t>数据类型</a:t>
+            </a:r>
+            <a:endParaRPr lang="en-US" altLang="zh-CN" dirty="0"/>
           </a:p>
         </p:txBody>
       </p:sp>
     </p:spTree>
     <p:extLst>
       <p:ext uri="{BB962C8B-B14F-4D97-AF65-F5344CB8AC3E}">
-        <p14:creationId xmlns:p14="http://schemas.microsoft.com/office/powerpoint/2010/main" val="2971109875"/>
+        <p14:creationId xmlns:p14="http://schemas.microsoft.com/office/powerpoint/2010/main" val="3836032977"/>
       </p:ext>
     </p:extLst>
   </p:cSld>
@@ -7532,7 +7559,7 @@
           <a:graphicData uri="http://schemas.openxmlformats.org/presentationml/2006/ole">
             <mc:AlternateContent xmlns:mc="http://schemas.openxmlformats.org/markup-compatibility/2006">
               <mc:Choice xmlns:v="urn:schemas-microsoft-com:vml" Requires="v">
-                <p:oleObj spid="_x0000_s1111" name="Visio" r:id="rId3" imgW="6645240" imgH="5571047" progId="Visio.Drawing.11">
+                <p:oleObj spid="_x0000_s1152" name="Visio" r:id="rId3" imgW="6645240" imgH="5571047" progId="Visio.Drawing.11">
                   <p:embed/>
                 </p:oleObj>
               </mc:Choice>
@@ -7588,6 +7615,218 @@
 </file>
 
 <file path=ppt/slides/slide20.xml><?xml version="1.0" encoding="utf-8"?>
+<p:sld xmlns:a="http://schemas.openxmlformats.org/drawingml/2006/main" xmlns:r="http://schemas.openxmlformats.org/officeDocument/2006/relationships" xmlns:p="http://schemas.openxmlformats.org/presentationml/2006/main">
+  <p:cSld>
+    <p:spTree>
+      <p:nvGrpSpPr>
+        <p:cNvPr id="1" name=""/>
+        <p:cNvGrpSpPr/>
+        <p:nvPr/>
+      </p:nvGrpSpPr>
+      <p:grpSpPr>
+        <a:xfrm>
+          <a:off x="0" y="0"/>
+          <a:ext cx="0" cy="0"/>
+          <a:chOff x="0" y="0"/>
+          <a:chExt cx="0" cy="0"/>
+        </a:xfrm>
+      </p:grpSpPr>
+      <p:sp>
+        <p:nvSpPr>
+          <p:cNvPr id="2" name="标题 1"/>
+          <p:cNvSpPr>
+            <a:spLocks noGrp="1"/>
+          </p:cNvSpPr>
+          <p:nvPr>
+            <p:ph type="title"/>
+          </p:nvPr>
+        </p:nvSpPr>
+        <p:spPr/>
+        <p:txBody>
+          <a:bodyPr/>
+          <a:lstStyle/>
+          <a:p>
+            <a:r>
+              <a:rPr lang="zh-CN" altLang="en-US" dirty="0"/>
+              <a:t>架构设计</a:t>
+            </a:r>
+            <a:r>
+              <a:rPr lang="zh-CN" altLang="en-US" dirty="0" smtClean="0"/>
+              <a:t>：</a:t>
+            </a:r>
+            <a:r>
+              <a:rPr lang="en-US" altLang="zh-CN" dirty="0" smtClean="0"/>
+              <a:t>UI</a:t>
+            </a:r>
+            <a:endParaRPr lang="zh-CN" altLang="en-US" dirty="0"/>
+          </a:p>
+        </p:txBody>
+      </p:sp>
+      <p:sp>
+        <p:nvSpPr>
+          <p:cNvPr id="5" name="内容占位符 4"/>
+          <p:cNvSpPr>
+            <a:spLocks noGrp="1"/>
+          </p:cNvSpPr>
+          <p:nvPr>
+            <p:ph sz="half" idx="1"/>
+          </p:nvPr>
+        </p:nvSpPr>
+        <p:spPr/>
+        <p:txBody>
+          <a:bodyPr>
+            <a:normAutofit/>
+          </a:bodyPr>
+          <a:lstStyle/>
+          <a:p>
+            <a:r>
+              <a:rPr lang="zh-CN" altLang="en-US" dirty="0" smtClean="0"/>
+              <a:t>显示</a:t>
+            </a:r>
+            <a:endParaRPr lang="en-US" altLang="zh-CN" dirty="0" smtClean="0"/>
+          </a:p>
+          <a:p>
+            <a:pPr lvl="1"/>
+            <a:r>
+              <a:rPr lang="zh-CN" altLang="en-US" dirty="0" smtClean="0"/>
+              <a:t>显示类型：</a:t>
+            </a:r>
+            <a:endParaRPr lang="en-US" altLang="zh-CN" dirty="0" smtClean="0"/>
+          </a:p>
+          <a:p>
+            <a:pPr lvl="2"/>
+            <a:r>
+              <a:rPr lang="zh-CN" altLang="en-US" dirty="0" smtClean="0"/>
+              <a:t>表号</a:t>
+            </a:r>
+            <a:endParaRPr lang="en-US" altLang="zh-CN" dirty="0" smtClean="0"/>
+          </a:p>
+          <a:p>
+            <a:pPr lvl="2"/>
+            <a:r>
+              <a:rPr lang="zh-CN" altLang="en-US" dirty="0"/>
+              <a:t>参数</a:t>
+            </a:r>
+            <a:r>
+              <a:rPr lang="zh-CN" altLang="en-US" dirty="0" smtClean="0"/>
+              <a:t>类型</a:t>
+            </a:r>
+            <a:endParaRPr lang="en-US" altLang="zh-CN" dirty="0" smtClean="0"/>
+          </a:p>
+          <a:p>
+            <a:pPr lvl="2"/>
+            <a:r>
+              <a:rPr lang="zh-CN" altLang="en-US" dirty="0"/>
+              <a:t>参数</a:t>
+            </a:r>
+            <a:r>
+              <a:rPr lang="zh-CN" altLang="en-US" dirty="0" smtClean="0"/>
+              <a:t>值</a:t>
+            </a:r>
+            <a:endParaRPr lang="en-US" altLang="zh-CN" dirty="0" smtClean="0"/>
+          </a:p>
+          <a:p>
+            <a:pPr lvl="1"/>
+            <a:r>
+              <a:rPr lang="zh-CN" altLang="en-US" dirty="0"/>
+              <a:t>显示</a:t>
+            </a:r>
+            <a:r>
+              <a:rPr lang="zh-CN" altLang="en-US" dirty="0" smtClean="0"/>
+              <a:t>内容：</a:t>
+            </a:r>
+            <a:endParaRPr lang="en-US" altLang="zh-CN" dirty="0" smtClean="0"/>
+          </a:p>
+          <a:p>
+            <a:pPr lvl="2"/>
+            <a:endParaRPr lang="en-US" altLang="zh-CN" dirty="0" smtClean="0"/>
+          </a:p>
+          <a:p>
+            <a:pPr lvl="1"/>
+            <a:endParaRPr lang="en-US" altLang="zh-CN" dirty="0"/>
+          </a:p>
+        </p:txBody>
+      </p:sp>
+      <p:sp>
+        <p:nvSpPr>
+          <p:cNvPr id="3" name="内容占位符 2"/>
+          <p:cNvSpPr>
+            <a:spLocks noGrp="1"/>
+          </p:cNvSpPr>
+          <p:nvPr>
+            <p:ph sz="half" idx="2"/>
+          </p:nvPr>
+        </p:nvSpPr>
+        <p:spPr/>
+        <p:txBody>
+          <a:bodyPr>
+            <a:normAutofit/>
+          </a:bodyPr>
+          <a:lstStyle/>
+          <a:p>
+            <a:r>
+              <a:rPr lang="zh-CN" altLang="en-US" dirty="0"/>
+              <a:t>控制</a:t>
+            </a:r>
+            <a:endParaRPr lang="en-US" altLang="zh-CN" dirty="0"/>
+          </a:p>
+          <a:p>
+            <a:pPr lvl="1"/>
+            <a:r>
+              <a:rPr lang="zh-CN" altLang="en-US" dirty="0"/>
+              <a:t>选择连接</a:t>
+            </a:r>
+            <a:endParaRPr lang="en-US" altLang="zh-CN" dirty="0"/>
+          </a:p>
+          <a:p>
+            <a:pPr lvl="1"/>
+            <a:r>
+              <a:rPr lang="zh-CN" altLang="en-US" dirty="0"/>
+              <a:t>选择测量参数</a:t>
+            </a:r>
+            <a:endParaRPr lang="en-US" altLang="zh-CN" dirty="0"/>
+          </a:p>
+          <a:p>
+            <a:pPr lvl="1"/>
+            <a:r>
+              <a:rPr lang="zh-CN" altLang="en-US" dirty="0"/>
+              <a:t>开始采集</a:t>
+            </a:r>
+            <a:endParaRPr lang="en-US" altLang="zh-CN" dirty="0"/>
+          </a:p>
+          <a:p>
+            <a:pPr lvl="1"/>
+            <a:r>
+              <a:rPr lang="zh-CN" altLang="en-US" dirty="0"/>
+              <a:t>停止采集</a:t>
+            </a:r>
+          </a:p>
+          <a:p>
+            <a:endParaRPr lang="zh-CN" altLang="en-US" dirty="0"/>
+          </a:p>
+        </p:txBody>
+      </p:sp>
+    </p:spTree>
+    <p:extLst>
+      <p:ext uri="{BB962C8B-B14F-4D97-AF65-F5344CB8AC3E}">
+        <p14:creationId xmlns:p14="http://schemas.microsoft.com/office/powerpoint/2010/main" val="2971109875"/>
+      </p:ext>
+    </p:extLst>
+  </p:cSld>
+  <p:clrMapOvr>
+    <a:masterClrMapping/>
+  </p:clrMapOvr>
+  <p:timing>
+    <p:tnLst>
+      <p:par>
+        <p:cTn id="1" dur="indefinite" restart="never" nodeType="tmRoot"/>
+      </p:par>
+    </p:tnLst>
+  </p:timing>
+</p:sld>
+</file>
+
+<file path=ppt/slides/slide21.xml><?xml version="1.0" encoding="utf-8"?>
 <p:sld xmlns:a="http://schemas.openxmlformats.org/drawingml/2006/main" xmlns:r="http://schemas.openxmlformats.org/officeDocument/2006/relationships" xmlns:p="http://schemas.openxmlformats.org/presentationml/2006/main">
   <p:cSld>
     <p:spTree>
@@ -7738,129 +7977,6 @@
 </p:sld>
 </file>
 
-<file path=ppt/slides/slide21.xml><?xml version="1.0" encoding="utf-8"?>
-<p:sld xmlns:a="http://schemas.openxmlformats.org/drawingml/2006/main" xmlns:r="http://schemas.openxmlformats.org/officeDocument/2006/relationships" xmlns:p="http://schemas.openxmlformats.org/presentationml/2006/main">
-  <p:cSld>
-    <p:spTree>
-      <p:nvGrpSpPr>
-        <p:cNvPr id="1" name=""/>
-        <p:cNvGrpSpPr/>
-        <p:nvPr/>
-      </p:nvGrpSpPr>
-      <p:grpSpPr>
-        <a:xfrm>
-          <a:off x="0" y="0"/>
-          <a:ext cx="0" cy="0"/>
-          <a:chOff x="0" y="0"/>
-          <a:chExt cx="0" cy="0"/>
-        </a:xfrm>
-      </p:grpSpPr>
-      <p:sp>
-        <p:nvSpPr>
-          <p:cNvPr id="2" name="标题 1"/>
-          <p:cNvSpPr>
-            <a:spLocks noGrp="1"/>
-          </p:cNvSpPr>
-          <p:nvPr>
-            <p:ph type="title"/>
-          </p:nvPr>
-        </p:nvSpPr>
-        <p:spPr/>
-        <p:txBody>
-          <a:bodyPr/>
-          <a:lstStyle/>
-          <a:p>
-            <a:r>
-              <a:rPr lang="zh-CN" altLang="en-US" dirty="0" smtClean="0"/>
-              <a:t>架构设计：</a:t>
-            </a:r>
-            <a:r>
-              <a:rPr lang="en-US" altLang="zh-CN" dirty="0" smtClean="0"/>
-              <a:t>UI</a:t>
-            </a:r>
-            <a:endParaRPr lang="zh-CN" altLang="en-US" dirty="0"/>
-          </a:p>
-        </p:txBody>
-      </p:sp>
-      <p:sp>
-        <p:nvSpPr>
-          <p:cNvPr id="3" name="内容占位符 2"/>
-          <p:cNvSpPr>
-            <a:spLocks noGrp="1"/>
-          </p:cNvSpPr>
-          <p:nvPr>
-            <p:ph idx="1"/>
-          </p:nvPr>
-        </p:nvSpPr>
-        <p:spPr/>
-        <p:txBody>
-          <a:bodyPr/>
-          <a:lstStyle/>
-          <a:p>
-            <a:r>
-              <a:rPr lang="zh-CN" altLang="en-US" dirty="0" smtClean="0"/>
-              <a:t>属性修改界面</a:t>
-            </a:r>
-            <a:endParaRPr lang="en-US" altLang="zh-CN" dirty="0" smtClean="0"/>
-          </a:p>
-          <a:p>
-            <a:r>
-              <a:rPr lang="zh-CN" altLang="en-US" dirty="0" smtClean="0"/>
-              <a:t>电能参数选择</a:t>
-            </a:r>
-            <a:endParaRPr lang="en-US" altLang="zh-CN" dirty="0" smtClean="0"/>
-          </a:p>
-          <a:p>
-            <a:r>
-              <a:rPr lang="zh-CN" altLang="en-US" dirty="0"/>
-              <a:t>同步</a:t>
-            </a:r>
-            <a:r>
-              <a:rPr lang="zh-CN" altLang="en-US" dirty="0" smtClean="0"/>
-              <a:t>精度选择</a:t>
-            </a:r>
-            <a:endParaRPr lang="en-US" altLang="zh-CN" dirty="0" smtClean="0"/>
-          </a:p>
-          <a:p>
-            <a:r>
-              <a:rPr lang="zh-CN" altLang="en-US" dirty="0" smtClean="0"/>
-              <a:t>通信端口选择</a:t>
-            </a:r>
-            <a:endParaRPr lang="en-US" altLang="zh-CN" dirty="0" smtClean="0"/>
-          </a:p>
-          <a:p>
-            <a:r>
-              <a:rPr lang="zh-CN" altLang="en-US" dirty="0"/>
-              <a:t>电价预</a:t>
-            </a:r>
-            <a:r>
-              <a:rPr lang="zh-CN" altLang="en-US" dirty="0" smtClean="0"/>
-              <a:t>设库设置</a:t>
-            </a:r>
-            <a:endParaRPr lang="zh-CN" altLang="en-US" dirty="0"/>
-          </a:p>
-        </p:txBody>
-      </p:sp>
-    </p:spTree>
-    <p:extLst>
-      <p:ext uri="{BB962C8B-B14F-4D97-AF65-F5344CB8AC3E}">
-        <p14:creationId xmlns:p14="http://schemas.microsoft.com/office/powerpoint/2010/main" val="1655383195"/>
-      </p:ext>
-    </p:extLst>
-  </p:cSld>
-  <p:clrMapOvr>
-    <a:masterClrMapping/>
-  </p:clrMapOvr>
-  <p:timing>
-    <p:tnLst>
-      <p:par>
-        <p:cTn id="1" dur="indefinite" restart="never" nodeType="tmRoot"/>
-      </p:par>
-    </p:tnLst>
-  </p:timing>
-</p:sld>
-</file>
-
 <file path=ppt/slides/slide22.xml><?xml version="1.0" encoding="utf-8"?>
 <p:sld xmlns:a="http://schemas.openxmlformats.org/drawingml/2006/main" xmlns:r="http://schemas.openxmlformats.org/officeDocument/2006/relationships" xmlns:p="http://schemas.openxmlformats.org/presentationml/2006/main">
   <p:cSld>
@@ -7894,123 +8010,71 @@
           <a:lstStyle/>
           <a:p>
             <a:r>
+              <a:rPr lang="zh-CN" altLang="en-US" dirty="0" smtClean="0"/>
+              <a:t>架构设计：</a:t>
+            </a:r>
+            <a:r>
+              <a:rPr lang="en-US" altLang="zh-CN" dirty="0" smtClean="0"/>
+              <a:t>UI</a:t>
+            </a:r>
+            <a:endParaRPr lang="zh-CN" altLang="en-US" dirty="0"/>
+          </a:p>
+        </p:txBody>
+      </p:sp>
+      <p:sp>
+        <p:nvSpPr>
+          <p:cNvPr id="3" name="内容占位符 2"/>
+          <p:cNvSpPr>
+            <a:spLocks noGrp="1"/>
+          </p:cNvSpPr>
+          <p:nvPr>
+            <p:ph idx="1"/>
+          </p:nvPr>
+        </p:nvSpPr>
+        <p:spPr/>
+        <p:txBody>
+          <a:bodyPr/>
+          <a:lstStyle/>
+          <a:p>
+            <a:r>
+              <a:rPr lang="zh-CN" altLang="en-US" dirty="0" smtClean="0"/>
+              <a:t>属性修改界面</a:t>
+            </a:r>
+            <a:endParaRPr lang="en-US" altLang="zh-CN" dirty="0" smtClean="0"/>
+          </a:p>
+          <a:p>
+            <a:r>
+              <a:rPr lang="zh-CN" altLang="en-US" dirty="0" smtClean="0"/>
+              <a:t>电能参数选择</a:t>
+            </a:r>
+            <a:endParaRPr lang="en-US" altLang="zh-CN" dirty="0" smtClean="0"/>
+          </a:p>
+          <a:p>
+            <a:r>
               <a:rPr lang="zh-CN" altLang="en-US" dirty="0"/>
-              <a:t>架构设计</a:t>
-            </a:r>
-            <a:r>
-              <a:rPr lang="zh-CN" altLang="en-US" dirty="0" smtClean="0"/>
-              <a:t>：流程控制</a:t>
-            </a:r>
-            <a:endParaRPr lang="zh-CN" altLang="en-US" dirty="0"/>
-          </a:p>
-        </p:txBody>
-      </p:sp>
-      <p:sp>
-        <p:nvSpPr>
-          <p:cNvPr id="3" name="内容占位符 2"/>
-          <p:cNvSpPr>
-            <a:spLocks noGrp="1"/>
-          </p:cNvSpPr>
-          <p:nvPr>
-            <p:ph idx="1"/>
-          </p:nvPr>
-        </p:nvSpPr>
-        <p:spPr/>
-        <p:txBody>
-          <a:bodyPr/>
-          <a:lstStyle/>
+              <a:t>同步</a:t>
+            </a:r>
+            <a:r>
+              <a:rPr lang="zh-CN" altLang="en-US" dirty="0" smtClean="0"/>
+              <a:t>精度选择</a:t>
+            </a:r>
+            <a:endParaRPr lang="en-US" altLang="zh-CN" dirty="0" smtClean="0"/>
+          </a:p>
+          <a:p>
+            <a:r>
+              <a:rPr lang="zh-CN" altLang="en-US" dirty="0" smtClean="0"/>
+              <a:t>通信端口选择</a:t>
+            </a:r>
+            <a:endParaRPr lang="en-US" altLang="zh-CN" dirty="0" smtClean="0"/>
+          </a:p>
           <a:p>
             <a:r>
               <a:rPr lang="zh-CN" altLang="en-US" dirty="0"/>
-              <a:t>流程</a:t>
-            </a:r>
-            <a:r>
-              <a:rPr lang="zh-CN" altLang="en-US" dirty="0" smtClean="0"/>
-              <a:t>控制（状态机）：</a:t>
-            </a:r>
-            <a:endParaRPr lang="en-US" altLang="zh-CN" dirty="0" smtClean="0"/>
-          </a:p>
-          <a:p>
-            <a:pPr lvl="1"/>
-            <a:r>
-              <a:rPr lang="en-US" altLang="zh-CN" dirty="0" err="1" smtClean="0"/>
-              <a:t>Init</a:t>
-            </a:r>
-            <a:r>
-              <a:rPr lang="zh-CN" altLang="en-US" dirty="0" smtClean="0"/>
-              <a:t>：初始化所有预设属性及端口</a:t>
-            </a:r>
-            <a:endParaRPr lang="en-US" altLang="zh-CN" dirty="0"/>
-          </a:p>
-          <a:p>
-            <a:pPr lvl="1"/>
-            <a:r>
-              <a:rPr lang="en-US" altLang="zh-CN" dirty="0" err="1" smtClean="0"/>
-              <a:t>SelectPara</a:t>
-            </a:r>
-            <a:r>
-              <a:rPr lang="zh-CN" altLang="en-US" dirty="0" smtClean="0"/>
-              <a:t>：测量电能参数选择</a:t>
-            </a:r>
-            <a:endParaRPr lang="en-US" altLang="zh-CN" dirty="0" smtClean="0"/>
-          </a:p>
-          <a:p>
-            <a:pPr lvl="1"/>
-            <a:r>
-              <a:rPr lang="en-US" altLang="zh-CN" dirty="0" smtClean="0"/>
-              <a:t>Measurement</a:t>
-            </a:r>
-            <a:r>
-              <a:rPr lang="zh-CN" altLang="en-US" dirty="0" smtClean="0"/>
-              <a:t>：测量电能参数</a:t>
-            </a:r>
-            <a:endParaRPr lang="en-US" altLang="zh-CN" dirty="0"/>
-          </a:p>
-          <a:p>
-            <a:pPr lvl="2"/>
-            <a:r>
-              <a:rPr lang="en-US" altLang="zh-CN" dirty="0" err="1" smtClean="0"/>
-              <a:t>GetVarableData</a:t>
-            </a:r>
-            <a:r>
-              <a:rPr lang="zh-CN" altLang="en-US" dirty="0" smtClean="0"/>
-              <a:t>：数据采集</a:t>
-            </a:r>
-            <a:endParaRPr lang="en-US" altLang="zh-CN" dirty="0" smtClean="0"/>
-          </a:p>
-          <a:p>
-            <a:pPr lvl="2"/>
-            <a:r>
-              <a:rPr lang="en-US" altLang="zh-CN" dirty="0" err="1" smtClean="0"/>
-              <a:t>SaveData</a:t>
-            </a:r>
-            <a:r>
-              <a:rPr lang="zh-CN" altLang="en-US" dirty="0" smtClean="0"/>
-              <a:t>：存储数据</a:t>
-            </a:r>
-            <a:endParaRPr lang="en-US" altLang="zh-CN" dirty="0"/>
-          </a:p>
-          <a:p>
-            <a:pPr lvl="2"/>
-            <a:r>
-              <a:rPr lang="en-US" altLang="zh-CN" dirty="0" err="1" smtClean="0"/>
-              <a:t>DisplayResult</a:t>
-            </a:r>
-            <a:r>
-              <a:rPr lang="zh-CN" altLang="en-US" dirty="0" smtClean="0"/>
-              <a:t>：结果显示</a:t>
-            </a:r>
-            <a:endParaRPr lang="en-US" altLang="zh-CN" dirty="0" smtClean="0"/>
-          </a:p>
-          <a:p>
-            <a:pPr lvl="1"/>
-            <a:r>
-              <a:rPr lang="en-US" altLang="zh-CN" dirty="0" smtClean="0"/>
-              <a:t>Idle</a:t>
-            </a:r>
-            <a:r>
-              <a:rPr lang="zh-CN" altLang="en-US" dirty="0" smtClean="0"/>
-              <a:t>：空闲</a:t>
+              <a:t>电价预</a:t>
+            </a:r>
+            <a:r>
+              <a:rPr lang="zh-CN" altLang="en-US" dirty="0" smtClean="0"/>
+              <a:t>设库设置</a:t>
             </a:r>
             <a:endParaRPr lang="zh-CN" altLang="en-US" dirty="0"/>
           </a:p>
@@ -8019,7 +8083,7 @@
     </p:spTree>
     <p:extLst>
       <p:ext uri="{BB962C8B-B14F-4D97-AF65-F5344CB8AC3E}">
-        <p14:creationId xmlns:p14="http://schemas.microsoft.com/office/powerpoint/2010/main" val="223176332"/>
+        <p14:creationId xmlns:p14="http://schemas.microsoft.com/office/powerpoint/2010/main" val="1655383195"/>
       </p:ext>
     </p:extLst>
   </p:cSld>
@@ -8065,6 +8129,471 @@
         </p:nvSpPr>
         <p:spPr/>
         <p:txBody>
+          <a:bodyPr/>
+          <a:lstStyle/>
+          <a:p>
+            <a:r>
+              <a:rPr lang="zh-CN" altLang="en-US" dirty="0"/>
+              <a:t>架构设计</a:t>
+            </a:r>
+            <a:r>
+              <a:rPr lang="zh-CN" altLang="en-US" dirty="0" smtClean="0"/>
+              <a:t>：流程控制</a:t>
+            </a:r>
+            <a:endParaRPr lang="zh-CN" altLang="en-US" dirty="0"/>
+          </a:p>
+        </p:txBody>
+      </p:sp>
+      <p:sp>
+        <p:nvSpPr>
+          <p:cNvPr id="3" name="内容占位符 2"/>
+          <p:cNvSpPr>
+            <a:spLocks noGrp="1"/>
+          </p:cNvSpPr>
+          <p:nvPr>
+            <p:ph idx="1"/>
+          </p:nvPr>
+        </p:nvSpPr>
+        <p:spPr/>
+        <p:txBody>
+          <a:bodyPr>
+            <a:normAutofit lnSpcReduction="10000"/>
+          </a:bodyPr>
+          <a:lstStyle/>
+          <a:p>
+            <a:r>
+              <a:rPr lang="zh-CN" altLang="en-US" dirty="0"/>
+              <a:t>流程</a:t>
+            </a:r>
+            <a:r>
+              <a:rPr lang="zh-CN" altLang="en-US" dirty="0" smtClean="0"/>
+              <a:t>控制（状态机）：</a:t>
+            </a:r>
+            <a:endParaRPr lang="en-US" altLang="zh-CN" dirty="0" smtClean="0"/>
+          </a:p>
+          <a:p>
+            <a:pPr lvl="1"/>
+            <a:r>
+              <a:rPr lang="en-US" altLang="zh-CN" dirty="0" err="1" smtClean="0"/>
+              <a:t>Init</a:t>
+            </a:r>
+            <a:r>
+              <a:rPr lang="zh-CN" altLang="en-US" dirty="0" smtClean="0"/>
+              <a:t>：初始化所有预设属性及端口</a:t>
+            </a:r>
+            <a:endParaRPr lang="en-US" altLang="zh-CN" dirty="0"/>
+          </a:p>
+          <a:p>
+            <a:pPr lvl="1"/>
+            <a:r>
+              <a:rPr lang="en-US" altLang="zh-CN" dirty="0" err="1" smtClean="0"/>
+              <a:t>SelectPara</a:t>
+            </a:r>
+            <a:r>
+              <a:rPr lang="zh-CN" altLang="en-US" dirty="0" smtClean="0"/>
+              <a:t>：测量电能参数</a:t>
+            </a:r>
+            <a:r>
+              <a:rPr lang="zh-CN" altLang="en-US" dirty="0" smtClean="0"/>
+              <a:t>选择</a:t>
+            </a:r>
+            <a:endParaRPr lang="en-US" altLang="zh-CN" dirty="0" smtClean="0"/>
+          </a:p>
+          <a:p>
+            <a:pPr lvl="1"/>
+            <a:r>
+              <a:rPr lang="en-US" altLang="zh-CN" dirty="0" err="1" smtClean="0"/>
+              <a:t>MeasureData</a:t>
+            </a:r>
+            <a:r>
+              <a:rPr lang="en-US" altLang="zh-CN" dirty="0" smtClean="0"/>
+              <a:t>: </a:t>
+            </a:r>
+            <a:r>
+              <a:rPr lang="zh-CN" altLang="en-US" dirty="0" smtClean="0"/>
+              <a:t>测量数据</a:t>
+            </a:r>
+            <a:endParaRPr lang="en-US" altLang="zh-CN" dirty="0" smtClean="0"/>
+          </a:p>
+          <a:p>
+            <a:pPr lvl="2"/>
+            <a:r>
+              <a:rPr lang="en-US" altLang="zh-CN" dirty="0" err="1" smtClean="0"/>
+              <a:t>MeasureElecPara</a:t>
+            </a:r>
+            <a:r>
+              <a:rPr lang="zh-CN" altLang="en-US" dirty="0" smtClean="0"/>
+              <a:t>：</a:t>
+            </a:r>
+            <a:r>
+              <a:rPr lang="zh-CN" altLang="en-US" dirty="0" smtClean="0"/>
+              <a:t>测量电能参数</a:t>
+            </a:r>
+            <a:endParaRPr lang="en-US" altLang="zh-CN" dirty="0"/>
+          </a:p>
+          <a:p>
+            <a:pPr lvl="2"/>
+            <a:r>
+              <a:rPr lang="en-US" altLang="zh-CN" dirty="0" err="1" smtClean="0"/>
+              <a:t>MeasureEnvironmentPara</a:t>
+            </a:r>
+            <a:r>
+              <a:rPr lang="en-US" altLang="zh-CN" dirty="0" smtClean="0"/>
+              <a:t>: </a:t>
+            </a:r>
+            <a:r>
+              <a:rPr lang="zh-CN" altLang="en-US" dirty="0" smtClean="0"/>
+              <a:t>测量环境参数</a:t>
+            </a:r>
+            <a:endParaRPr lang="en-US" altLang="zh-CN" dirty="0" smtClean="0"/>
+          </a:p>
+          <a:p>
+            <a:pPr lvl="1"/>
+            <a:r>
+              <a:rPr lang="en-US" altLang="zh-CN" dirty="0" err="1" smtClean="0"/>
+              <a:t>AnalyseData</a:t>
+            </a:r>
+            <a:r>
+              <a:rPr lang="zh-CN" altLang="en-US" dirty="0" smtClean="0"/>
+              <a:t>：分析测得参数</a:t>
+            </a:r>
+            <a:endParaRPr lang="en-US" altLang="zh-CN" dirty="0" smtClean="0"/>
+          </a:p>
+          <a:p>
+            <a:pPr lvl="2"/>
+            <a:r>
+              <a:rPr lang="en-US" altLang="zh-CN" dirty="0" err="1" smtClean="0"/>
+              <a:t>AnalyseElecData</a:t>
+            </a:r>
+            <a:r>
+              <a:rPr lang="zh-CN" altLang="en-US" dirty="0" smtClean="0"/>
+              <a:t>：分析电能参数质量</a:t>
+            </a:r>
+            <a:endParaRPr lang="en-US" altLang="zh-CN" dirty="0"/>
+          </a:p>
+          <a:p>
+            <a:pPr lvl="2"/>
+            <a:r>
+              <a:rPr lang="en-US" altLang="zh-CN" dirty="0" err="1" smtClean="0"/>
+              <a:t>Analyse</a:t>
+            </a:r>
+            <a:r>
+              <a:rPr lang="en-US" altLang="zh-CN" dirty="0" err="1" smtClean="0"/>
+              <a:t>EnvironmentPara</a:t>
+            </a:r>
+            <a:r>
+              <a:rPr lang="zh-CN" altLang="en-US" dirty="0" smtClean="0"/>
+              <a:t>：分析环境</a:t>
+            </a:r>
+            <a:endParaRPr lang="en-US" altLang="zh-CN" dirty="0" smtClean="0"/>
+          </a:p>
+          <a:p>
+            <a:pPr lvl="2"/>
+            <a:r>
+              <a:rPr lang="en-US" altLang="zh-CN" smtClean="0"/>
+              <a:t>AnalysePowerCharge</a:t>
+            </a:r>
+            <a:r>
+              <a:rPr lang="zh-CN" altLang="en-US" smtClean="0"/>
+              <a:t>：</a:t>
+            </a:r>
+            <a:r>
+              <a:rPr lang="zh-CN" altLang="en-US" dirty="0" smtClean="0"/>
+              <a:t>分析电价</a:t>
+            </a:r>
+            <a:endParaRPr lang="en-US" altLang="zh-CN" dirty="0" smtClean="0"/>
+          </a:p>
+        </p:txBody>
+      </p:sp>
+    </p:spTree>
+    <p:extLst>
+      <p:ext uri="{BB962C8B-B14F-4D97-AF65-F5344CB8AC3E}">
+        <p14:creationId xmlns:p14="http://schemas.microsoft.com/office/powerpoint/2010/main" val="223176332"/>
+      </p:ext>
+    </p:extLst>
+  </p:cSld>
+  <p:clrMapOvr>
+    <a:masterClrMapping/>
+  </p:clrMapOvr>
+  <p:timing>
+    <p:tnLst>
+      <p:par>
+        <p:cTn id="1" dur="indefinite" restart="never" nodeType="tmRoot"/>
+      </p:par>
+    </p:tnLst>
+  </p:timing>
+</p:sld>
+</file>
+
+<file path=ppt/slides/slide24.xml><?xml version="1.0" encoding="utf-8"?>
+<p:sld xmlns:a="http://schemas.openxmlformats.org/drawingml/2006/main" xmlns:r="http://schemas.openxmlformats.org/officeDocument/2006/relationships" xmlns:p="http://schemas.openxmlformats.org/presentationml/2006/main">
+  <p:cSld>
+    <p:spTree>
+      <p:nvGrpSpPr>
+        <p:cNvPr id="1" name=""/>
+        <p:cNvGrpSpPr/>
+        <p:nvPr/>
+      </p:nvGrpSpPr>
+      <p:grpSpPr>
+        <a:xfrm>
+          <a:off x="0" y="0"/>
+          <a:ext cx="0" cy="0"/>
+          <a:chOff x="0" y="0"/>
+          <a:chExt cx="0" cy="0"/>
+        </a:xfrm>
+      </p:grpSpPr>
+      <p:sp>
+        <p:nvSpPr>
+          <p:cNvPr id="2" name="标题 1"/>
+          <p:cNvSpPr>
+            <a:spLocks noGrp="1"/>
+          </p:cNvSpPr>
+          <p:nvPr>
+            <p:ph type="title"/>
+          </p:nvPr>
+        </p:nvSpPr>
+        <p:spPr/>
+        <p:txBody>
+          <a:bodyPr/>
+          <a:lstStyle/>
+          <a:p>
+            <a:r>
+              <a:rPr lang="zh-CN" altLang="en-US" dirty="0"/>
+              <a:t>架构设计：流程控制</a:t>
+            </a:r>
+          </a:p>
+        </p:txBody>
+      </p:sp>
+      <p:sp>
+        <p:nvSpPr>
+          <p:cNvPr id="3" name="内容占位符 2"/>
+          <p:cNvSpPr>
+            <a:spLocks noGrp="1"/>
+          </p:cNvSpPr>
+          <p:nvPr>
+            <p:ph idx="1"/>
+          </p:nvPr>
+        </p:nvSpPr>
+        <p:spPr/>
+        <p:txBody>
+          <a:bodyPr/>
+          <a:lstStyle/>
+          <a:p>
+            <a:pPr lvl="1"/>
+            <a:r>
+              <a:rPr lang="en-US" altLang="zh-CN" dirty="0"/>
+              <a:t>Idle</a:t>
+            </a:r>
+            <a:r>
+              <a:rPr lang="zh-CN" altLang="en-US" dirty="0"/>
+              <a:t>：空闲</a:t>
+            </a:r>
+            <a:endParaRPr lang="en-US" altLang="zh-CN" dirty="0"/>
+          </a:p>
+          <a:p>
+            <a:pPr lvl="1"/>
+            <a:r>
+              <a:rPr lang="en-US" altLang="zh-CN" dirty="0"/>
+              <a:t>ERROR: </a:t>
+            </a:r>
+            <a:r>
+              <a:rPr lang="zh-CN" altLang="en-US" dirty="0"/>
+              <a:t>错误状态</a:t>
+            </a:r>
+            <a:endParaRPr lang="en-US" altLang="zh-CN" dirty="0"/>
+          </a:p>
+          <a:p>
+            <a:pPr lvl="1"/>
+            <a:r>
+              <a:rPr lang="en-US" altLang="zh-CN" dirty="0"/>
+              <a:t>Exit: </a:t>
+            </a:r>
+            <a:r>
+              <a:rPr lang="zh-CN" altLang="en-US" dirty="0"/>
+              <a:t>退出状态</a:t>
+            </a:r>
+          </a:p>
+          <a:p>
+            <a:endParaRPr lang="zh-CN" altLang="en-US" dirty="0"/>
+          </a:p>
+        </p:txBody>
+      </p:sp>
+    </p:spTree>
+    <p:extLst>
+      <p:ext uri="{BB962C8B-B14F-4D97-AF65-F5344CB8AC3E}">
+        <p14:creationId xmlns:p14="http://schemas.microsoft.com/office/powerpoint/2010/main" val="2120519002"/>
+      </p:ext>
+    </p:extLst>
+  </p:cSld>
+  <p:clrMapOvr>
+    <a:masterClrMapping/>
+  </p:clrMapOvr>
+  <p:timing>
+    <p:tnLst>
+      <p:par>
+        <p:cTn id="1" dur="indefinite" restart="never" nodeType="tmRoot"/>
+      </p:par>
+    </p:tnLst>
+  </p:timing>
+</p:sld>
+</file>
+
+<file path=ppt/slides/slide25.xml><?xml version="1.0" encoding="utf-8"?>
+<p:sld xmlns:a="http://schemas.openxmlformats.org/drawingml/2006/main" xmlns:r="http://schemas.openxmlformats.org/officeDocument/2006/relationships" xmlns:p="http://schemas.openxmlformats.org/presentationml/2006/main">
+  <p:cSld>
+    <p:spTree>
+      <p:nvGrpSpPr>
+        <p:cNvPr id="1" name=""/>
+        <p:cNvGrpSpPr/>
+        <p:nvPr/>
+      </p:nvGrpSpPr>
+      <p:grpSpPr>
+        <a:xfrm>
+          <a:off x="0" y="0"/>
+          <a:ext cx="0" cy="0"/>
+          <a:chOff x="0" y="0"/>
+          <a:chExt cx="0" cy="0"/>
+        </a:xfrm>
+      </p:grpSpPr>
+      <p:sp>
+        <p:nvSpPr>
+          <p:cNvPr id="2" name="标题 1"/>
+          <p:cNvSpPr>
+            <a:spLocks noGrp="1"/>
+          </p:cNvSpPr>
+          <p:nvPr>
+            <p:ph type="title"/>
+          </p:nvPr>
+        </p:nvSpPr>
+        <p:spPr/>
+        <p:txBody>
+          <a:bodyPr/>
+          <a:lstStyle/>
+          <a:p>
+            <a:r>
+              <a:rPr lang="zh-CN" altLang="en-US" dirty="0" smtClean="0"/>
+              <a:t>架构设计：流程控制</a:t>
+            </a:r>
+            <a:endParaRPr lang="zh-CN" altLang="en-US" dirty="0"/>
+          </a:p>
+        </p:txBody>
+      </p:sp>
+      <p:sp>
+        <p:nvSpPr>
+          <p:cNvPr id="3" name="内容占位符 2"/>
+          <p:cNvSpPr>
+            <a:spLocks noGrp="1"/>
+          </p:cNvSpPr>
+          <p:nvPr>
+            <p:ph idx="1"/>
+          </p:nvPr>
+        </p:nvSpPr>
+        <p:spPr/>
+        <p:txBody>
+          <a:bodyPr/>
+          <a:lstStyle/>
+          <a:p>
+            <a:pPr lvl="1"/>
+            <a:r>
+              <a:rPr lang="en-US" altLang="zh-CN" dirty="0" err="1"/>
+              <a:t>MeasureElectPara</a:t>
+            </a:r>
+            <a:r>
+              <a:rPr lang="zh-CN" altLang="en-US" dirty="0"/>
+              <a:t>：测量电能参数</a:t>
+            </a:r>
+            <a:endParaRPr lang="en-US" altLang="zh-CN" dirty="0"/>
+          </a:p>
+          <a:p>
+            <a:pPr lvl="2"/>
+            <a:r>
+              <a:rPr lang="en-US" altLang="zh-CN" dirty="0" err="1"/>
+              <a:t>GetVarableData</a:t>
+            </a:r>
+            <a:r>
+              <a:rPr lang="zh-CN" altLang="en-US" dirty="0"/>
+              <a:t>：数据采集</a:t>
+            </a:r>
+            <a:endParaRPr lang="en-US" altLang="zh-CN" dirty="0"/>
+          </a:p>
+          <a:p>
+            <a:pPr lvl="2"/>
+            <a:r>
+              <a:rPr lang="en-US" altLang="zh-CN" dirty="0" err="1"/>
+              <a:t>SaveData</a:t>
+            </a:r>
+            <a:r>
+              <a:rPr lang="zh-CN" altLang="en-US" dirty="0"/>
+              <a:t>：存储数据</a:t>
+            </a:r>
+            <a:endParaRPr lang="en-US" altLang="zh-CN" dirty="0"/>
+          </a:p>
+          <a:p>
+            <a:pPr lvl="2"/>
+            <a:r>
+              <a:rPr lang="en-US" altLang="zh-CN" dirty="0" err="1"/>
+              <a:t>DisplayResult</a:t>
+            </a:r>
+            <a:r>
+              <a:rPr lang="zh-CN" altLang="en-US" dirty="0"/>
+              <a:t>：结果显示</a:t>
+            </a:r>
+            <a:endParaRPr lang="en-US" altLang="zh-CN" dirty="0"/>
+          </a:p>
+          <a:p>
+            <a:endParaRPr lang="zh-CN" altLang="en-US" dirty="0"/>
+          </a:p>
+        </p:txBody>
+      </p:sp>
+    </p:spTree>
+    <p:extLst>
+      <p:ext uri="{BB962C8B-B14F-4D97-AF65-F5344CB8AC3E}">
+        <p14:creationId xmlns:p14="http://schemas.microsoft.com/office/powerpoint/2010/main" val="3155508111"/>
+      </p:ext>
+    </p:extLst>
+  </p:cSld>
+  <p:clrMapOvr>
+    <a:masterClrMapping/>
+  </p:clrMapOvr>
+  <p:timing>
+    <p:tnLst>
+      <p:par>
+        <p:cTn id="1" dur="indefinite" restart="never" nodeType="tmRoot"/>
+      </p:par>
+    </p:tnLst>
+  </p:timing>
+</p:sld>
+</file>
+
+<file path=ppt/slides/slide26.xml><?xml version="1.0" encoding="utf-8"?>
+<p:sld xmlns:a="http://schemas.openxmlformats.org/drawingml/2006/main" xmlns:r="http://schemas.openxmlformats.org/officeDocument/2006/relationships" xmlns:p="http://schemas.openxmlformats.org/presentationml/2006/main">
+  <p:cSld>
+    <p:spTree>
+      <p:nvGrpSpPr>
+        <p:cNvPr id="1" name=""/>
+        <p:cNvGrpSpPr/>
+        <p:nvPr/>
+      </p:nvGrpSpPr>
+      <p:grpSpPr>
+        <a:xfrm>
+          <a:off x="0" y="0"/>
+          <a:ext cx="0" cy="0"/>
+          <a:chOff x="0" y="0"/>
+          <a:chExt cx="0" cy="0"/>
+        </a:xfrm>
+      </p:grpSpPr>
+      <p:sp>
+        <p:nvSpPr>
+          <p:cNvPr id="2" name="标题 1"/>
+          <p:cNvSpPr>
+            <a:spLocks noGrp="1"/>
+          </p:cNvSpPr>
+          <p:nvPr>
+            <p:ph type="title"/>
+          </p:nvPr>
+        </p:nvSpPr>
+        <p:spPr/>
+        <p:txBody>
           <a:bodyPr>
             <a:normAutofit/>
           </a:bodyPr>
@@ -8139,7 +8668,7 @@
 </p:sld>
 </file>
 
-<file path=ppt/slides/slide24.xml><?xml version="1.0" encoding="utf-8"?>
+<file path=ppt/slides/slide27.xml><?xml version="1.0" encoding="utf-8"?>
 <p:sld xmlns:a="http://schemas.openxmlformats.org/drawingml/2006/main" xmlns:r="http://schemas.openxmlformats.org/officeDocument/2006/relationships" xmlns:p="http://schemas.openxmlformats.org/presentationml/2006/main">
   <p:cSld>
     <p:spTree>
